--- a/Selenium_VS2015_Bas.pptx
+++ b/Selenium_VS2015_Bas.pptx
@@ -5,20 +5,21 @@
     <p:sldMasterId id="2147483648" r:id="rId1"/>
   </p:sldMasterIdLst>
   <p:notesMasterIdLst>
-    <p:notesMasterId r:id="rId13"/>
+    <p:notesMasterId r:id="rId14"/>
   </p:notesMasterIdLst>
   <p:sldIdLst>
     <p:sldId id="256" r:id="rId2"/>
     <p:sldId id="366" r:id="rId3"/>
-    <p:sldId id="367" r:id="rId4"/>
-    <p:sldId id="382" r:id="rId5"/>
-    <p:sldId id="383" r:id="rId6"/>
-    <p:sldId id="384" r:id="rId7"/>
-    <p:sldId id="388" r:id="rId8"/>
-    <p:sldId id="385" r:id="rId9"/>
-    <p:sldId id="386" r:id="rId10"/>
-    <p:sldId id="387" r:id="rId11"/>
-    <p:sldId id="381" r:id="rId12"/>
+    <p:sldId id="389" r:id="rId4"/>
+    <p:sldId id="367" r:id="rId5"/>
+    <p:sldId id="382" r:id="rId6"/>
+    <p:sldId id="383" r:id="rId7"/>
+    <p:sldId id="384" r:id="rId8"/>
+    <p:sldId id="388" r:id="rId9"/>
+    <p:sldId id="385" r:id="rId10"/>
+    <p:sldId id="386" r:id="rId11"/>
+    <p:sldId id="387" r:id="rId12"/>
+    <p:sldId id="381" r:id="rId13"/>
   </p:sldIdLst>
   <p:sldSz cx="9144000" cy="6858000" type="screen4x3"/>
   <p:notesSz cx="6797675" cy="9926638"/>
@@ -219,7 +220,7 @@
             <a:fld id="{4B692815-F29B-470E-933C-C013C16C0B4A}" type="datetimeFigureOut">
               <a:rPr lang="sv-SE" smtClean="0"/>
               <a:pPr/>
-              <a:t>2016-12-14</a:t>
+              <a:t>2017-01-06</a:t>
             </a:fld>
             <a:endParaRPr lang="sv-SE"/>
           </a:p>
@@ -490,11 +491,11 @@
 </file>
 
 <file path=ppt/notesSlides/notesSlide1.xml><?xml version="1.0" encoding="utf-8"?>
-<p:notes xmlns:a="http://schemas.openxmlformats.org/drawingml/2006/main" xmlns:r="http://schemas.openxmlformats.org/officeDocument/2006/relationships" xmlns:p="http://schemas.openxmlformats.org/presentationml/2006/main" showMasterSp="0" showMasterPhAnim="0">
+<p:notes xmlns:a="http://schemas.openxmlformats.org/drawingml/2006/main" xmlns:r="http://schemas.openxmlformats.org/officeDocument/2006/relationships" xmlns:p="http://schemas.openxmlformats.org/presentationml/2006/main">
   <p:cSld>
     <p:spTree>
       <p:nvGrpSpPr>
-        <p:cNvPr id="1" name="Shape 33"/>
+        <p:cNvPr id="1" name=""/>
         <p:cNvGrpSpPr/>
         <p:nvPr/>
       </p:nvGrpSpPr>
@@ -508,7 +509,92 @@
       </p:grpSpPr>
       <p:sp>
         <p:nvSpPr>
-          <p:cNvPr id="34" name="Shape 34"/>
+          <p:cNvPr id="2" name="Platshållare för bildobjekt 1"/>
+          <p:cNvSpPr>
+            <a:spLocks noGrp="1" noRot="1" noChangeAspect="1"/>
+          </p:cNvSpPr>
+          <p:nvPr>
+            <p:ph type="sldImg"/>
+          </p:nvPr>
+        </p:nvSpPr>
+        <p:spPr/>
+      </p:sp>
+      <p:sp>
+        <p:nvSpPr>
+          <p:cNvPr id="3" name="Platshållare för anteckningar 2"/>
+          <p:cNvSpPr>
+            <a:spLocks noGrp="1"/>
+          </p:cNvSpPr>
+          <p:nvPr>
+            <p:ph type="body" idx="1"/>
+          </p:nvPr>
+        </p:nvSpPr>
+        <p:spPr/>
+        <p:txBody>
+          <a:bodyPr/>
+          <a:lstStyle/>
+          <a:p>
+            <a:endParaRPr lang="sv-SE" dirty="0"/>
+          </a:p>
+        </p:txBody>
+      </p:sp>
+      <p:sp>
+        <p:nvSpPr>
+          <p:cNvPr id="4" name="Platshållare för bildnummer 3"/>
+          <p:cNvSpPr>
+            <a:spLocks noGrp="1"/>
+          </p:cNvSpPr>
+          <p:nvPr>
+            <p:ph type="sldNum" sz="quarter" idx="10"/>
+          </p:nvPr>
+        </p:nvSpPr>
+        <p:spPr/>
+        <p:txBody>
+          <a:bodyPr/>
+          <a:lstStyle/>
+          <a:p>
+            <a:fld id="{CBB8FFA8-7310-47A1-B0DD-3B6A2D8D207A}" type="slidenum">
+              <a:rPr lang="sv-SE" smtClean="0"/>
+              <a:pPr/>
+              <a:t>1</a:t>
+            </a:fld>
+            <a:endParaRPr lang="sv-SE"/>
+          </a:p>
+        </p:txBody>
+      </p:sp>
+    </p:spTree>
+    <p:extLst>
+      <p:ext uri="{BB962C8B-B14F-4D97-AF65-F5344CB8AC3E}">
+        <p14:creationId xmlns:p14="http://schemas.microsoft.com/office/powerpoint/2010/main" val="1183018491"/>
+      </p:ext>
+    </p:extLst>
+  </p:cSld>
+  <p:clrMapOvr>
+    <a:masterClrMapping/>
+  </p:clrMapOvr>
+</p:notes>
+</file>
+
+<file path=ppt/notesSlides/notesSlide10.xml><?xml version="1.0" encoding="utf-8"?>
+<p:notes xmlns:a="http://schemas.openxmlformats.org/drawingml/2006/main" xmlns:r="http://schemas.openxmlformats.org/officeDocument/2006/relationships" xmlns:p="http://schemas.openxmlformats.org/presentationml/2006/main" showMasterSp="0" showMasterPhAnim="0">
+  <p:cSld>
+    <p:spTree>
+      <p:nvGrpSpPr>
+        <p:cNvPr id="1" name="Shape 40"/>
+        <p:cNvGrpSpPr/>
+        <p:nvPr/>
+      </p:nvGrpSpPr>
+      <p:grpSpPr>
+        <a:xfrm>
+          <a:off x="0" y="0"/>
+          <a:ext cx="0" cy="0"/>
+          <a:chOff x="0" y="0"/>
+          <a:chExt cx="0" cy="0"/>
+        </a:xfrm>
+      </p:grpSpPr>
+      <p:sp>
+        <p:nvSpPr>
+          <p:cNvPr id="41" name="Shape 41"/>
           <p:cNvSpPr>
             <a:spLocks noGrp="1" noRot="1" noChangeAspect="1"/>
           </p:cNvSpPr>
@@ -549,7 +635,7 @@
       </p:sp>
       <p:sp>
         <p:nvSpPr>
-          <p:cNvPr id="35" name="Shape 35"/>
+          <p:cNvPr id="42" name="Shape 42"/>
           <p:cNvSpPr txBox="1">
             <a:spLocks noGrp="1"/>
           </p:cNvSpPr>
@@ -573,15 +659,71 @@
           <a:lstStyle/>
           <a:p>
             <a:r>
+              <a:rPr lang="sv-SE" dirty="0"/>
+              <a:t>För att testexekveraren</a:t>
+            </a:r>
+            <a:r>
               <a:rPr lang="sv-SE" baseline="0" dirty="0"/>
-              <a:t>Community edition är gratis men kompetent.</a:t>
-            </a:r>
-            <a:br>
+              <a:t> skall veta var den ska börja och sluta och hitta vilka funktioner som är tester använder </a:t>
+            </a:r>
+            <a:r>
+              <a:rPr lang="sv-SE" baseline="0" dirty="0" err="1"/>
+              <a:t>Nunit</a:t>
+            </a:r>
+            <a:r>
               <a:rPr lang="sv-SE" baseline="0" dirty="0"/>
-            </a:br>
+              <a:t> attribut, inte 100 på att detta är rätt namn i C#, så rätta mig gärna.</a:t>
+            </a:r>
+            <a:endParaRPr lang="sv-SE" dirty="0"/>
+          </a:p>
+          <a:p>
+            <a:r>
+              <a:rPr lang="sv-SE" dirty="0"/>
+              <a:t>Ni som kör </a:t>
+            </a:r>
+            <a:r>
+              <a:rPr lang="sv-SE" dirty="0" err="1"/>
+              <a:t>Protractor</a:t>
+            </a:r>
+            <a:r>
+              <a:rPr lang="sv-SE" dirty="0"/>
+              <a:t>,</a:t>
+            </a:r>
             <a:r>
               <a:rPr lang="sv-SE" baseline="0" dirty="0"/>
-              <a:t>Microsoftkonto behövs för smidigare användning av VS2015</a:t>
+              <a:t> Jasmine eller liknande kommer att känna igen dessa</a:t>
+            </a:r>
+            <a:endParaRPr lang="sv-SE" dirty="0"/>
+          </a:p>
+          <a:p>
+            <a:endParaRPr lang="sv-SE" dirty="0"/>
+          </a:p>
+          <a:p>
+            <a:r>
+              <a:rPr lang="sv-SE" dirty="0"/>
+              <a:t>I C# kan man ha flera klasser i en och samma fil.</a:t>
+            </a:r>
+          </a:p>
+          <a:p>
+            <a:r>
+              <a:rPr lang="sv-SE" dirty="0"/>
+              <a:t>För att </a:t>
+            </a:r>
+            <a:r>
+              <a:rPr lang="sv-SE" dirty="0" err="1"/>
+              <a:t>Nunit</a:t>
+            </a:r>
+            <a:r>
+              <a:rPr lang="sv-SE" baseline="0" dirty="0"/>
+              <a:t> ska veta vilka klasser som fungerar som testsviter används </a:t>
+            </a:r>
+            <a:r>
+              <a:rPr lang="sv-SE" baseline="0" dirty="0" err="1"/>
+              <a:t>TestFixture</a:t>
+            </a:r>
+            <a:r>
+              <a:rPr lang="sv-SE" baseline="0" dirty="0"/>
+              <a:t>-notifiering</a:t>
             </a:r>
           </a:p>
           <a:p>
@@ -590,8 +732,113 @@
           <a:p>
             <a:r>
               <a:rPr lang="sv-SE" baseline="0" dirty="0"/>
-              <a:t>Nu skall alla ha VS2015 uppe.</a:t>
-            </a:r>
+              <a:t>För att initialisera data/driver och annat som är gemensamt för testfallen finns notifieringen </a:t>
+            </a:r>
+            <a:r>
+              <a:rPr lang="sv-SE" baseline="0" dirty="0" err="1"/>
+              <a:t>SetUp</a:t>
+            </a:r>
+            <a:r>
+              <a:rPr lang="sv-SE" baseline="0" dirty="0"/>
+              <a:t>.</a:t>
+            </a:r>
+          </a:p>
+          <a:p>
+            <a:r>
+              <a:rPr lang="sv-SE" baseline="0" dirty="0"/>
+              <a:t>Denna körs alltid först.</a:t>
+            </a:r>
+          </a:p>
+          <a:p>
+            <a:endParaRPr lang="sv-SE" baseline="0" dirty="0"/>
+          </a:p>
+          <a:p>
+            <a:r>
+              <a:rPr lang="sv-SE" baseline="0" dirty="0"/>
+              <a:t>Testfall notifieras sedan med Test eller </a:t>
+            </a:r>
+            <a:r>
+              <a:rPr lang="sv-SE" baseline="0" dirty="0" err="1"/>
+              <a:t>TestCase</a:t>
+            </a:r>
+            <a:r>
+              <a:rPr lang="sv-SE" baseline="0" dirty="0"/>
+              <a:t>.</a:t>
+            </a:r>
+          </a:p>
+          <a:p>
+            <a:r>
+              <a:rPr lang="sv-SE" baseline="0" dirty="0" err="1"/>
+              <a:t>TestCase</a:t>
+            </a:r>
+            <a:r>
+              <a:rPr lang="sv-SE" baseline="0" dirty="0"/>
+              <a:t> används då man vill skicka parametrar direkt till testfallet.</a:t>
+            </a:r>
+          </a:p>
+          <a:p>
+            <a:r>
+              <a:rPr lang="sv-SE" baseline="0" dirty="0"/>
+              <a:t>För Test-notifieringen finns specifika attribut för att </a:t>
+            </a:r>
+            <a:r>
+              <a:rPr lang="sv-SE" baseline="0" dirty="0" err="1"/>
+              <a:t>parametrisera</a:t>
+            </a:r>
+            <a:r>
+              <a:rPr lang="sv-SE" baseline="0" dirty="0"/>
+              <a:t> tester, vi går inte in på dessa nu.</a:t>
+            </a:r>
+          </a:p>
+          <a:p>
+            <a:endParaRPr lang="sv-SE" baseline="0" dirty="0"/>
+          </a:p>
+          <a:p>
+            <a:r>
+              <a:rPr lang="sv-SE" baseline="0" dirty="0"/>
+              <a:t>Slutligen när alla tester är körda så finns </a:t>
+            </a:r>
+            <a:r>
+              <a:rPr lang="sv-SE" baseline="0" dirty="0" err="1"/>
+              <a:t>TearDown</a:t>
+            </a:r>
+            <a:r>
+              <a:rPr lang="sv-SE" baseline="0" dirty="0"/>
+              <a:t> för att frigöra eventuellt använda resurser.</a:t>
+            </a:r>
+          </a:p>
+          <a:p>
+            <a:endParaRPr lang="sv-SE" baseline="0" dirty="0"/>
+          </a:p>
+          <a:p>
+            <a:r>
+              <a:rPr lang="sv-SE" baseline="0" dirty="0" err="1"/>
+              <a:t>Ignore</a:t>
+            </a:r>
+            <a:r>
+              <a:rPr lang="sv-SE" baseline="0" dirty="0"/>
+              <a:t> kan läggas på ett testfall för att exkludera det från testerna. Test av test t.ex.</a:t>
+            </a:r>
+          </a:p>
+          <a:p>
+            <a:endParaRPr lang="sv-SE" baseline="0" dirty="0"/>
+          </a:p>
+          <a:p>
+            <a:r>
+              <a:rPr lang="sv-SE" baseline="0" dirty="0"/>
+              <a:t>Attributen kan i sin tur ha attribut som t.ex. </a:t>
+            </a:r>
+            <a:r>
+              <a:rPr lang="sv-SE" baseline="0" dirty="0" err="1"/>
+              <a:t>Description</a:t>
+            </a:r>
+            <a:r>
+              <a:rPr lang="sv-SE" baseline="0" dirty="0"/>
+              <a:t>, vi kommer att se exempel på detta.</a:t>
+            </a:r>
+            <a:endParaRPr lang="sv-SE" dirty="0"/>
+          </a:p>
+          <a:p>
             <a:endParaRPr dirty="0"/>
           </a:p>
         </p:txBody>
@@ -599,7 +846,7 @@
     </p:spTree>
     <p:extLst>
       <p:ext uri="{BB962C8B-B14F-4D97-AF65-F5344CB8AC3E}">
-        <p14:creationId xmlns:p14="http://schemas.microsoft.com/office/powerpoint/2010/main" val="787523093"/>
+        <p14:creationId xmlns:p14="http://schemas.microsoft.com/office/powerpoint/2010/main" val="1378964975"/>
       </p:ext>
     </p:extLst>
   </p:cSld>
@@ -609,7 +856,7 @@
 </p:notes>
 </file>
 
-<file path=ppt/notesSlides/notesSlide2.xml><?xml version="1.0" encoding="utf-8"?>
+<file path=ppt/notesSlides/notesSlide11.xml><?xml version="1.0" encoding="utf-8"?>
 <p:notes xmlns:a="http://schemas.openxmlformats.org/drawingml/2006/main" xmlns:r="http://schemas.openxmlformats.org/officeDocument/2006/relationships" xmlns:p="http://schemas.openxmlformats.org/presentationml/2006/main" showMasterSp="0" showMasterPhAnim="0">
   <p:cSld>
     <p:spTree>
@@ -694,131 +941,75 @@
           <a:p>
             <a:r>
               <a:rPr lang="sv-SE" dirty="0"/>
-              <a:t>För att få lite känsla för hur man</a:t>
+              <a:t>Så där, äntligen dags att koda.</a:t>
+            </a:r>
+          </a:p>
+          <a:p>
+            <a:r>
+              <a:rPr lang="sv-SE" dirty="0"/>
+              <a:t>Implementera enligt sliden, ni</a:t>
             </a:r>
             <a:r>
               <a:rPr lang="sv-SE" baseline="0" dirty="0"/>
-              <a:t> kan jobba i VS2015, ska vi göra en enkel </a:t>
+              <a:t> kan koda medan jag går igenom vad som händer i den här testklassen</a:t>
+            </a:r>
+          </a:p>
+          <a:p>
+            <a:endParaRPr lang="sv-SE" baseline="0" dirty="0"/>
+          </a:p>
+          <a:p>
+            <a:endParaRPr lang="sv-SE" baseline="0" dirty="0"/>
+          </a:p>
+          <a:p>
+            <a:endParaRPr lang="sv-SE" dirty="0"/>
+          </a:p>
+          <a:p>
+            <a:r>
+              <a:rPr lang="sv-SE" dirty="0"/>
+              <a:t>Bygg,</a:t>
+            </a:r>
+            <a:r>
+              <a:rPr lang="sv-SE" baseline="0" dirty="0"/>
+              <a:t> öppna </a:t>
             </a:r>
             <a:r>
               <a:rPr lang="sv-SE" baseline="0" dirty="0" err="1"/>
-              <a:t>windowsapplikation</a:t>
+              <a:t>testexplorer</a:t>
             </a:r>
             <a:r>
               <a:rPr lang="sv-SE" baseline="0" dirty="0"/>
-              <a:t>.</a:t>
-            </a:r>
+              <a:t> och kör testerna.</a:t>
+            </a:r>
+          </a:p>
+          <a:p>
+            <a:endParaRPr lang="sv-SE" baseline="0" dirty="0"/>
           </a:p>
           <a:p>
             <a:r>
               <a:rPr lang="sv-SE" baseline="0" dirty="0"/>
-              <a:t>Visa hur min VS ser ut.</a:t>
-            </a:r>
+              <a:t>Har alla fått det att funka?</a:t>
+            </a:r>
+          </a:p>
+          <a:p>
+            <a:endParaRPr lang="sv-SE" baseline="0" dirty="0"/>
           </a:p>
           <a:p>
             <a:r>
               <a:rPr lang="sv-SE" baseline="0" dirty="0"/>
-              <a:t>När </a:t>
+              <a:t>Då vill jag att ni genom att lägga till en kort </a:t>
             </a:r>
             <a:r>
               <a:rPr lang="sv-SE" baseline="0" dirty="0" err="1"/>
-              <a:t>labeln</a:t>
+              <a:t>kodrad</a:t>
             </a:r>
             <a:r>
               <a:rPr lang="sv-SE" baseline="0" dirty="0"/>
-              <a:t> är på plats berätta om de vyer vi ser: </a:t>
-            </a:r>
-            <a:r>
-              <a:rPr lang="sv-SE" baseline="0" dirty="0" err="1"/>
-              <a:t>Toolbox</a:t>
-            </a:r>
-            <a:r>
-              <a:rPr lang="sv-SE" baseline="0" dirty="0"/>
-              <a:t>, Solution </a:t>
-            </a:r>
-            <a:r>
-              <a:rPr lang="sv-SE" baseline="0" dirty="0" err="1"/>
-              <a:t>explorer</a:t>
-            </a:r>
-            <a:r>
-              <a:rPr lang="sv-SE" baseline="0" dirty="0"/>
-              <a:t>, </a:t>
-            </a:r>
-            <a:r>
-              <a:rPr lang="sv-SE" baseline="0" dirty="0" err="1"/>
-              <a:t>Properties</a:t>
-            </a:r>
-            <a:endParaRPr lang="sv-SE" baseline="0" dirty="0"/>
-          </a:p>
-          <a:p>
-            <a:r>
-              <a:rPr lang="sv-SE" baseline="0" dirty="0"/>
-              <a:t>GUI-hanteraren i VS2015 verkar ha samma brister som GUI-hanterare för Java.</a:t>
-            </a:r>
-          </a:p>
-          <a:p>
-            <a:r>
-              <a:rPr lang="sv-SE" baseline="0" dirty="0"/>
-              <a:t>Kontrollerna ni drar in blir automatiskt initierade/skapade då kod läggs till en </a:t>
-            </a:r>
-            <a:r>
-              <a:rPr lang="sv-SE" baseline="0" dirty="0" err="1"/>
-              <a:t>mapfil</a:t>
-            </a:r>
-            <a:r>
-              <a:rPr lang="sv-SE" baseline="0" dirty="0"/>
-              <a:t>.</a:t>
-            </a:r>
-          </a:p>
-          <a:p>
-            <a:r>
-              <a:rPr lang="sv-SE" baseline="0" dirty="0"/>
-              <a:t>Denna fil hanterar kopplingen mellan </a:t>
-            </a:r>
-            <a:r>
-              <a:rPr lang="sv-SE" baseline="0" dirty="0" err="1"/>
-              <a:t>gui</a:t>
-            </a:r>
-            <a:r>
-              <a:rPr lang="sv-SE" baseline="0" dirty="0"/>
-              <a:t>-objekt och kod för logik.</a:t>
-            </a:r>
-          </a:p>
-          <a:p>
-            <a:r>
-              <a:rPr lang="sv-SE" baseline="0" dirty="0"/>
-              <a:t>Om man dubbelklickar på en ett </a:t>
-            </a:r>
-            <a:r>
-              <a:rPr lang="sv-SE" baseline="0" dirty="0" err="1"/>
-              <a:t>gui</a:t>
-            </a:r>
-            <a:r>
-              <a:rPr lang="sv-SE" baseline="0" dirty="0"/>
-              <a:t>-objekt så öppnas färdig kodsnutt där man kan lägga till sin kod för event på just det objektet.</a:t>
-            </a:r>
-          </a:p>
-          <a:p>
-            <a:r>
-              <a:rPr lang="sv-SE" baseline="0" dirty="0"/>
-              <a:t>Men om man i </a:t>
-            </a:r>
-            <a:r>
-              <a:rPr lang="sv-SE" baseline="0" dirty="0" err="1"/>
-              <a:t>guiet</a:t>
-            </a:r>
-            <a:r>
-              <a:rPr lang="sv-SE" baseline="0" dirty="0"/>
-              <a:t> sedan tar bort kontrollen kommer man att få fel, detta då eventhanteringskoden ej tagits bort.</a:t>
-            </a:r>
-          </a:p>
-          <a:p>
-            <a:r>
-              <a:rPr lang="sv-SE" baseline="0" dirty="0"/>
-              <a:t>Den försöker då lägga lyssnare på ett icke existerande objekt.</a:t>
-            </a:r>
-          </a:p>
-          <a:p>
+              <a:t> även testar att listan </a:t>
+            </a:r>
+            <a:r>
+              <a:rPr lang="sv-SE" baseline="0"/>
+              <a:t>innehåller ordet ”Bar”</a:t>
+            </a:r>
             <a:endParaRPr dirty="0"/>
           </a:p>
         </p:txBody>
@@ -826,7 +1017,7 @@
     </p:spTree>
     <p:extLst>
       <p:ext uri="{BB962C8B-B14F-4D97-AF65-F5344CB8AC3E}">
-        <p14:creationId xmlns:p14="http://schemas.microsoft.com/office/powerpoint/2010/main" val="332534738"/>
+        <p14:creationId xmlns:p14="http://schemas.microsoft.com/office/powerpoint/2010/main" val="2550484151"/>
       </p:ext>
     </p:extLst>
   </p:cSld>
@@ -836,12 +1027,12 @@
 </p:notes>
 </file>
 
-<file path=ppt/notesSlides/notesSlide3.xml><?xml version="1.0" encoding="utf-8"?>
+<file path=ppt/notesSlides/notesSlide2.xml><?xml version="1.0" encoding="utf-8"?>
 <p:notes xmlns:a="http://schemas.openxmlformats.org/drawingml/2006/main" xmlns:r="http://schemas.openxmlformats.org/officeDocument/2006/relationships" xmlns:p="http://schemas.openxmlformats.org/presentationml/2006/main" showMasterSp="0" showMasterPhAnim="0">
   <p:cSld>
     <p:spTree>
       <p:nvGrpSpPr>
-        <p:cNvPr id="1" name="Shape 40"/>
+        <p:cNvPr id="1" name="Shape 33"/>
         <p:cNvGrpSpPr/>
         <p:nvPr/>
       </p:nvGrpSpPr>
@@ -855,7 +1046,7 @@
       </p:grpSpPr>
       <p:sp>
         <p:nvSpPr>
-          <p:cNvPr id="41" name="Shape 41"/>
+          <p:cNvPr id="34" name="Shape 34"/>
           <p:cNvSpPr>
             <a:spLocks noGrp="1" noRot="1" noChangeAspect="1"/>
           </p:cNvSpPr>
@@ -896,7 +1087,7 @@
       </p:sp>
       <p:sp>
         <p:nvSpPr>
-          <p:cNvPr id="42" name="Shape 42"/>
+          <p:cNvPr id="35" name="Shape 35"/>
           <p:cNvSpPr txBox="1">
             <a:spLocks noGrp="1"/>
           </p:cNvSpPr>
@@ -920,66 +1111,21 @@
           <a:lstStyle/>
           <a:p>
             <a:r>
-              <a:rPr lang="sv-SE" dirty="0"/>
-              <a:t>För att enkelt kunna</a:t>
-            </a:r>
-            <a:r>
               <a:rPr lang="sv-SE" baseline="0" dirty="0"/>
-              <a:t> hantera de tillägg och ramverk som behövs för att köra </a:t>
+              <a:t>Workshopen kommer att ta upp vs2015, </a:t>
             </a:r>
             <a:r>
               <a:rPr lang="sv-SE" baseline="0" dirty="0" err="1"/>
-              <a:t>Nunit</a:t>
+              <a:t>nunit</a:t>
             </a:r>
             <a:r>
               <a:rPr lang="sv-SE" baseline="0" dirty="0"/>
-              <a:t> och Webbdriver, så ska vi titta på pakethanteraren </a:t>
-            </a:r>
-            <a:r>
-              <a:rPr lang="sv-SE" baseline="0" dirty="0" err="1"/>
-              <a:t>Nuget</a:t>
-            </a:r>
-            <a:r>
-              <a:rPr lang="sv-SE" baseline="0" dirty="0"/>
-              <a:t>.</a:t>
-            </a:r>
-          </a:p>
-          <a:p>
-            <a:r>
-              <a:rPr lang="sv-SE" baseline="0" dirty="0"/>
-              <a:t>Stäng fönsterapplikationen och stäng det projektet. Skapa nytt projekt enligt sliden.</a:t>
-            </a:r>
-          </a:p>
-          <a:p>
-            <a:r>
-              <a:rPr lang="sv-SE" baseline="0" dirty="0"/>
-              <a:t>Nu har ni ett tomt projekt av typen Class </a:t>
-            </a:r>
-            <a:r>
-              <a:rPr lang="sv-SE" baseline="0" dirty="0" err="1"/>
-              <a:t>Library</a:t>
-            </a:r>
-            <a:r>
-              <a:rPr lang="sv-SE" baseline="0" dirty="0"/>
-              <a:t>, dvs det finns inget inbyggt stöd för fönster eller annan </a:t>
-            </a:r>
-            <a:r>
-              <a:rPr lang="sv-SE" baseline="0" dirty="0" err="1"/>
-              <a:t>gui</a:t>
-            </a:r>
-            <a:r>
-              <a:rPr lang="sv-SE" baseline="0" dirty="0"/>
-              <a:t>-hantering</a:t>
-            </a:r>
-            <a:r>
-              <a:rPr lang="sv-SE" baseline="0" dirty="0"/>
-              <a:t> (blir lite mindre då)</a:t>
-            </a:r>
-          </a:p>
-          <a:p>
-            <a:endParaRPr lang="sv-SE" baseline="0" dirty="0"/>
-          </a:p>
-          <a:p>
+              <a:t> </a:t>
+            </a:r>
+            <a:r>
+              <a:rPr lang="sv-SE" baseline="0"/>
+              <a:t>och webdriver i C#</a:t>
+            </a:r>
             <a:endParaRPr dirty="0"/>
           </a:p>
         </p:txBody>
@@ -987,7 +1133,7 @@
     </p:spTree>
     <p:extLst>
       <p:ext uri="{BB962C8B-B14F-4D97-AF65-F5344CB8AC3E}">
-        <p14:creationId xmlns:p14="http://schemas.microsoft.com/office/powerpoint/2010/main" val="914020474"/>
+        <p14:creationId xmlns:p14="http://schemas.microsoft.com/office/powerpoint/2010/main" val="787523093"/>
       </p:ext>
     </p:extLst>
   </p:cSld>
@@ -997,12 +1143,12 @@
 </p:notes>
 </file>
 
-<file path=ppt/notesSlides/notesSlide4.xml><?xml version="1.0" encoding="utf-8"?>
+<file path=ppt/notesSlides/notesSlide3.xml><?xml version="1.0" encoding="utf-8"?>
 <p:notes xmlns:a="http://schemas.openxmlformats.org/drawingml/2006/main" xmlns:r="http://schemas.openxmlformats.org/officeDocument/2006/relationships" xmlns:p="http://schemas.openxmlformats.org/presentationml/2006/main" showMasterSp="0" showMasterPhAnim="0">
   <p:cSld>
     <p:spTree>
       <p:nvGrpSpPr>
-        <p:cNvPr id="1" name="Shape 40"/>
+        <p:cNvPr id="1" name="Shape 33"/>
         <p:cNvGrpSpPr/>
         <p:nvPr/>
       </p:nvGrpSpPr>
@@ -1016,7 +1162,7 @@
       </p:grpSpPr>
       <p:sp>
         <p:nvSpPr>
-          <p:cNvPr id="41" name="Shape 41"/>
+          <p:cNvPr id="34" name="Shape 34"/>
           <p:cNvSpPr>
             <a:spLocks noGrp="1" noRot="1" noChangeAspect="1"/>
           </p:cNvSpPr>
@@ -1057,7 +1203,7 @@
       </p:sp>
       <p:sp>
         <p:nvSpPr>
-          <p:cNvPr id="42" name="Shape 42"/>
+          <p:cNvPr id="35" name="Shape 35"/>
           <p:cNvSpPr txBox="1">
             <a:spLocks noGrp="1"/>
           </p:cNvSpPr>
@@ -1082,18 +1228,24 @@
           <a:p>
             <a:r>
               <a:rPr lang="sv-SE" baseline="0" dirty="0"/>
-              <a:t>Vi ska nu prova att lägga till </a:t>
-            </a:r>
-            <a:r>
-              <a:rPr lang="sv-SE" baseline="0" dirty="0" err="1"/>
-              <a:t>Nunit</a:t>
-            </a:r>
-            <a:r>
+              <a:t>Community edition är gratis men kompetent.</a:t>
+            </a:r>
+            <a:br>
               <a:rPr lang="sv-SE" baseline="0" dirty="0"/>
-              <a:t> till vår lösning.</a:t>
-            </a:r>
-          </a:p>
-          <a:p>
+            </a:br>
+            <a:r>
+              <a:rPr lang="sv-SE" baseline="0" dirty="0"/>
+              <a:t>Microsoftkonto behövs för smidigare användning av VS2015</a:t>
+            </a:r>
+          </a:p>
+          <a:p>
+            <a:endParaRPr lang="sv-SE" baseline="0" dirty="0"/>
+          </a:p>
+          <a:p>
+            <a:r>
+              <a:rPr lang="sv-SE" baseline="0" dirty="0"/>
+              <a:t>Nu skall alla ha VS2015 uppe.</a:t>
+            </a:r>
             <a:endParaRPr dirty="0"/>
           </a:p>
         </p:txBody>
@@ -1101,7 +1253,7 @@
     </p:spTree>
     <p:extLst>
       <p:ext uri="{BB962C8B-B14F-4D97-AF65-F5344CB8AC3E}">
-        <p14:creationId xmlns:p14="http://schemas.microsoft.com/office/powerpoint/2010/main" val="3008338695"/>
+        <p14:creationId xmlns:p14="http://schemas.microsoft.com/office/powerpoint/2010/main" val="4222060017"/>
       </p:ext>
     </p:extLst>
   </p:cSld>
@@ -1111,7 +1263,7 @@
 </p:notes>
 </file>
 
-<file path=ppt/notesSlides/notesSlide5.xml><?xml version="1.0" encoding="utf-8"?>
+<file path=ppt/notesSlides/notesSlide4.xml><?xml version="1.0" encoding="utf-8"?>
 <p:notes xmlns:a="http://schemas.openxmlformats.org/drawingml/2006/main" xmlns:r="http://schemas.openxmlformats.org/officeDocument/2006/relationships" xmlns:p="http://schemas.openxmlformats.org/presentationml/2006/main" showMasterSp="0" showMasterPhAnim="0">
   <p:cSld>
     <p:spTree>
@@ -1196,19 +1348,128 @@
           <a:p>
             <a:r>
               <a:rPr lang="sv-SE" dirty="0"/>
-              <a:t>För att byggena ska kunna autoupptäcka våra </a:t>
-            </a:r>
-            <a:r>
-              <a:rPr lang="sv-SE" dirty="0" err="1"/>
-              <a:t>unittestfall</a:t>
+              <a:t>För att få lite känsla för hur man</a:t>
             </a:r>
             <a:r>
               <a:rPr lang="sv-SE" baseline="0" dirty="0"/>
-              <a:t> behövs en plugin till </a:t>
+              <a:t> kan jobba i VS2015, ska vi göra en enkel </a:t>
+            </a:r>
+            <a:r>
+              <a:rPr lang="sv-SE" baseline="0" dirty="0" err="1"/>
+              <a:t>windowsapplikation</a:t>
             </a:r>
             <a:r>
               <a:rPr lang="sv-SE" baseline="0" dirty="0"/>
-              <a:t>NUnit3TestAdapter</a:t>
+              <a:t>.</a:t>
+            </a:r>
+          </a:p>
+          <a:p>
+            <a:r>
+              <a:rPr lang="sv-SE" baseline="0" dirty="0"/>
+              <a:t>Visa hur min VS ser ut.</a:t>
+            </a:r>
+          </a:p>
+          <a:p>
+            <a:r>
+              <a:rPr lang="sv-SE" baseline="0" dirty="0"/>
+              <a:t>När </a:t>
+            </a:r>
+            <a:r>
+              <a:rPr lang="sv-SE" baseline="0" dirty="0" err="1"/>
+              <a:t>labeln</a:t>
+            </a:r>
+            <a:r>
+              <a:rPr lang="sv-SE" baseline="0" dirty="0"/>
+              <a:t> är på plats berätta om de vyer vi ser: </a:t>
+            </a:r>
+            <a:r>
+              <a:rPr lang="sv-SE" baseline="0" dirty="0" err="1"/>
+              <a:t>Toolbox</a:t>
+            </a:r>
+            <a:r>
+              <a:rPr lang="sv-SE" baseline="0" dirty="0"/>
+              <a:t>, Solution </a:t>
+            </a:r>
+            <a:r>
+              <a:rPr lang="sv-SE" baseline="0" dirty="0" err="1"/>
+              <a:t>explorer</a:t>
+            </a:r>
+            <a:r>
+              <a:rPr lang="sv-SE" baseline="0" dirty="0"/>
+              <a:t>, </a:t>
+            </a:r>
+            <a:r>
+              <a:rPr lang="sv-SE" baseline="0" dirty="0" err="1"/>
+              <a:t>Properties</a:t>
+            </a:r>
+            <a:endParaRPr lang="sv-SE" baseline="0" dirty="0"/>
+          </a:p>
+          <a:p>
+            <a:r>
+              <a:rPr lang="sv-SE" baseline="0" dirty="0"/>
+              <a:t>GUI-hanteraren i VS2015 verkar ha samma brister som GUI-hanterare för Java.</a:t>
+            </a:r>
+          </a:p>
+          <a:p>
+            <a:r>
+              <a:rPr lang="sv-SE" baseline="0" dirty="0"/>
+              <a:t>Kontrollerna ni drar in blir automatiskt initierade/skapade då kod läggs till en </a:t>
+            </a:r>
+            <a:r>
+              <a:rPr lang="sv-SE" baseline="0" dirty="0" err="1"/>
+              <a:t>mapfil</a:t>
+            </a:r>
+            <a:r>
+              <a:rPr lang="sv-SE" baseline="0" dirty="0"/>
+              <a:t>.</a:t>
+            </a:r>
+          </a:p>
+          <a:p>
+            <a:r>
+              <a:rPr lang="sv-SE" baseline="0" dirty="0"/>
+              <a:t>Denna fil hanterar kopplingen mellan </a:t>
+            </a:r>
+            <a:r>
+              <a:rPr lang="sv-SE" baseline="0" dirty="0" err="1"/>
+              <a:t>gui</a:t>
+            </a:r>
+            <a:r>
+              <a:rPr lang="sv-SE" baseline="0" dirty="0"/>
+              <a:t>-objekt och kod för logik.</a:t>
+            </a:r>
+          </a:p>
+          <a:p>
+            <a:r>
+              <a:rPr lang="sv-SE" baseline="0" dirty="0"/>
+              <a:t>Om man dubbelklickar på en ett </a:t>
+            </a:r>
+            <a:r>
+              <a:rPr lang="sv-SE" baseline="0" dirty="0" err="1"/>
+              <a:t>gui</a:t>
+            </a:r>
+            <a:r>
+              <a:rPr lang="sv-SE" baseline="0" dirty="0"/>
+              <a:t>-objekt så öppnas färdig kodsnutt där man kan lägga till sin kod för event på just det objektet.</a:t>
+            </a:r>
+          </a:p>
+          <a:p>
+            <a:r>
+              <a:rPr lang="sv-SE" baseline="0" dirty="0"/>
+              <a:t>Men om man i </a:t>
+            </a:r>
+            <a:r>
+              <a:rPr lang="sv-SE" baseline="0" dirty="0" err="1"/>
+              <a:t>guiet</a:t>
+            </a:r>
+            <a:r>
+              <a:rPr lang="sv-SE" baseline="0" dirty="0"/>
+              <a:t> sedan tar bort kontrollen kommer man att få fel, detta då eventhanteringskoden ej tagits bort.</a:t>
+            </a:r>
+          </a:p>
+          <a:p>
+            <a:r>
+              <a:rPr lang="sv-SE" baseline="0" dirty="0"/>
+              <a:t>Den försöker då lägga lyssnare på ett icke existerande objekt.</a:t>
             </a:r>
           </a:p>
           <a:p>
@@ -1219,7 +1480,7 @@
     </p:spTree>
     <p:extLst>
       <p:ext uri="{BB962C8B-B14F-4D97-AF65-F5344CB8AC3E}">
-        <p14:creationId xmlns:p14="http://schemas.microsoft.com/office/powerpoint/2010/main" val="342541450"/>
+        <p14:creationId xmlns:p14="http://schemas.microsoft.com/office/powerpoint/2010/main" val="332534738"/>
       </p:ext>
     </p:extLst>
   </p:cSld>
@@ -1229,7 +1490,7 @@
 </p:notes>
 </file>
 
-<file path=ppt/notesSlides/notesSlide6.xml><?xml version="1.0" encoding="utf-8"?>
+<file path=ppt/notesSlides/notesSlide5.xml><?xml version="1.0" encoding="utf-8"?>
 <p:notes xmlns:a="http://schemas.openxmlformats.org/drawingml/2006/main" xmlns:r="http://schemas.openxmlformats.org/officeDocument/2006/relationships" xmlns:p="http://schemas.openxmlformats.org/presentationml/2006/main" showMasterSp="0" showMasterPhAnim="0">
   <p:cSld>
     <p:spTree>
@@ -1314,28 +1575,11 @@
           <a:p>
             <a:r>
               <a:rPr lang="sv-SE" dirty="0"/>
-              <a:t>Kort om vad </a:t>
-            </a:r>
-            <a:r>
-              <a:rPr lang="sv-SE" dirty="0" err="1"/>
-              <a:t>Nunit</a:t>
-            </a:r>
-            <a:r>
-              <a:rPr lang="sv-SE" dirty="0"/>
-              <a:t> är.</a:t>
-            </a:r>
-          </a:p>
-          <a:p>
-            <a:endParaRPr lang="sv-SE" dirty="0"/>
-          </a:p>
-          <a:p>
-            <a:r>
-              <a:rPr lang="sv-SE" dirty="0"/>
-              <a:t>Det här blir</a:t>
+              <a:t>För att enkelt kunna</a:t>
             </a:r>
             <a:r>
               <a:rPr lang="sv-SE" baseline="0" dirty="0"/>
-              <a:t> ingen kurs i </a:t>
+              <a:t> hantera de tillägg och ramverk som behövs för att köra </a:t>
             </a:r>
             <a:r>
               <a:rPr lang="sv-SE" baseline="0" dirty="0" err="1"/>
@@ -1343,24 +1587,49 @@
             </a:r>
             <a:r>
               <a:rPr lang="sv-SE" baseline="0" dirty="0"/>
-              <a:t>. </a:t>
-            </a:r>
-          </a:p>
-          <a:p>
+              <a:t> och Webbdriver, så ska vi titta på pakethanteraren </a:t>
+            </a:r>
             <a:r>
               <a:rPr lang="sv-SE" baseline="0" dirty="0" err="1"/>
-              <a:t>Nunitramverket</a:t>
+              <a:t>Nuget</a:t>
             </a:r>
             <a:r>
               <a:rPr lang="sv-SE" baseline="0" dirty="0"/>
-              <a:t> har mängder med attribut och funktioner som vi normalt inte behöver för vårt ändamål.</a:t>
+              <a:t>.</a:t>
             </a:r>
           </a:p>
           <a:p>
             <a:r>
               <a:rPr lang="sv-SE" baseline="0" dirty="0"/>
-              <a:t>Mesta av funktionaliteten är ju till för utvecklare och deras enhetstester.</a:t>
-            </a:r>
+              <a:t>Stäng fönsterapplikationen och stäng det projektet. Skapa nytt projekt enligt sliden.</a:t>
+            </a:r>
+          </a:p>
+          <a:p>
+            <a:r>
+              <a:rPr lang="sv-SE" baseline="0" dirty="0"/>
+              <a:t>Nu har ni ett tomt projekt av typen Class </a:t>
+            </a:r>
+            <a:r>
+              <a:rPr lang="sv-SE" baseline="0" dirty="0" err="1"/>
+              <a:t>Library</a:t>
+            </a:r>
+            <a:r>
+              <a:rPr lang="sv-SE" baseline="0" dirty="0"/>
+              <a:t>, dvs det finns inget inbyggt stöd för fönster eller annan </a:t>
+            </a:r>
+            <a:r>
+              <a:rPr lang="sv-SE" baseline="0" dirty="0" err="1"/>
+              <a:t>gui</a:t>
+            </a:r>
+            <a:r>
+              <a:rPr lang="sv-SE" baseline="0" dirty="0"/>
+              <a:t>-hantering (blir lite mindre då)</a:t>
+            </a:r>
+          </a:p>
+          <a:p>
+            <a:endParaRPr lang="sv-SE" baseline="0" dirty="0"/>
+          </a:p>
+          <a:p>
             <a:endParaRPr dirty="0"/>
           </a:p>
         </p:txBody>
@@ -1368,7 +1637,7 @@
     </p:spTree>
     <p:extLst>
       <p:ext uri="{BB962C8B-B14F-4D97-AF65-F5344CB8AC3E}">
-        <p14:creationId xmlns:p14="http://schemas.microsoft.com/office/powerpoint/2010/main" val="341736523"/>
+        <p14:creationId xmlns:p14="http://schemas.microsoft.com/office/powerpoint/2010/main" val="914020474"/>
       </p:ext>
     </p:extLst>
   </p:cSld>
@@ -1378,7 +1647,7 @@
 </p:notes>
 </file>
 
-<file path=ppt/notesSlides/notesSlide7.xml><?xml version="1.0" encoding="utf-8"?>
+<file path=ppt/notesSlides/notesSlide6.xml><?xml version="1.0" encoding="utf-8"?>
 <p:notes xmlns:a="http://schemas.openxmlformats.org/drawingml/2006/main" xmlns:r="http://schemas.openxmlformats.org/officeDocument/2006/relationships" xmlns:p="http://schemas.openxmlformats.org/presentationml/2006/main" showMasterSp="0" showMasterPhAnim="0">
   <p:cSld>
     <p:spTree>
@@ -1462,28 +1731,16 @@
           <a:lstStyle/>
           <a:p>
             <a:r>
-              <a:rPr lang="sv-SE" dirty="0"/>
-              <a:t>Nu har vi installerad det vi behöver för att kunna köra </a:t>
-            </a:r>
-            <a:r>
-              <a:rPr lang="sv-SE" dirty="0" err="1"/>
+              <a:rPr lang="sv-SE" baseline="0" dirty="0"/>
+              <a:t>Vi ska nu prova att lägga till </a:t>
+            </a:r>
+            <a:r>
+              <a:rPr lang="sv-SE" baseline="0" dirty="0" err="1"/>
               <a:t>Nunit</a:t>
             </a:r>
             <a:r>
-              <a:rPr lang="sv-SE" dirty="0"/>
-              <a:t>-testfall</a:t>
-            </a:r>
-          </a:p>
-          <a:p>
-            <a:r>
-              <a:rPr lang="sv-SE" dirty="0"/>
-              <a:t>Dags att titta på hur dessa skrivs.</a:t>
-            </a:r>
-          </a:p>
-          <a:p>
-            <a:r>
-              <a:rPr lang="sv-SE" dirty="0"/>
-              <a:t>Börja med att ge testklassen ett vettigt namn</a:t>
+              <a:rPr lang="sv-SE" baseline="0" dirty="0"/>
+              <a:t> till vår lösning.</a:t>
             </a:r>
           </a:p>
           <a:p>
@@ -1494,7 +1751,7 @@
     </p:spTree>
     <p:extLst>
       <p:ext uri="{BB962C8B-B14F-4D97-AF65-F5344CB8AC3E}">
-        <p14:creationId xmlns:p14="http://schemas.microsoft.com/office/powerpoint/2010/main" val="1702389668"/>
+        <p14:creationId xmlns:p14="http://schemas.microsoft.com/office/powerpoint/2010/main" val="3008338695"/>
       </p:ext>
     </p:extLst>
   </p:cSld>
@@ -1504,7 +1761,7 @@
 </p:notes>
 </file>
 
-<file path=ppt/notesSlides/notesSlide8.xml><?xml version="1.0" encoding="utf-8"?>
+<file path=ppt/notesSlides/notesSlide7.xml><?xml version="1.0" encoding="utf-8"?>
 <p:notes xmlns:a="http://schemas.openxmlformats.org/drawingml/2006/main" xmlns:r="http://schemas.openxmlformats.org/officeDocument/2006/relationships" xmlns:p="http://schemas.openxmlformats.org/presentationml/2006/main" showMasterSp="0" showMasterPhAnim="0">
   <p:cSld>
     <p:spTree>
@@ -1589,184 +1846,16 @@
           <a:p>
             <a:r>
               <a:rPr lang="sv-SE" dirty="0"/>
-              <a:t>För att testexekveraren</a:t>
+              <a:t>För att byggena ska kunna autoupptäcka våra </a:t>
+            </a:r>
+            <a:r>
+              <a:rPr lang="sv-SE" dirty="0" err="1"/>
+              <a:t>unittestfall</a:t>
             </a:r>
             <a:r>
               <a:rPr lang="sv-SE" baseline="0" dirty="0"/>
-              <a:t> skall veta var den ska börja och sluta och hitta vilka funktioner som är tester använder </a:t>
-            </a:r>
-            <a:r>
-              <a:rPr lang="sv-SE" baseline="0" dirty="0" err="1"/>
-              <a:t>Nunit</a:t>
-            </a:r>
-            <a:r>
-              <a:rPr lang="sv-SE" baseline="0" dirty="0"/>
-              <a:t> attribut, inte 100 på att detta är rätt namn i C#, så rätta mig gärna.</a:t>
-            </a:r>
-            <a:endParaRPr lang="sv-SE" dirty="0"/>
-          </a:p>
-          <a:p>
-            <a:r>
-              <a:rPr lang="sv-SE" dirty="0"/>
-              <a:t>Ni som kör </a:t>
-            </a:r>
-            <a:r>
-              <a:rPr lang="sv-SE" dirty="0" err="1"/>
-              <a:t>Protractor</a:t>
-            </a:r>
-            <a:r>
-              <a:rPr lang="sv-SE" dirty="0"/>
-              <a:t>,</a:t>
-            </a:r>
-            <a:r>
-              <a:rPr lang="sv-SE" baseline="0" dirty="0"/>
-              <a:t> Jasmine eller liknande kommer att känna igen dessa</a:t>
-            </a:r>
-            <a:endParaRPr lang="sv-SE" dirty="0"/>
-          </a:p>
-          <a:p>
-            <a:endParaRPr lang="sv-SE" dirty="0"/>
-          </a:p>
-          <a:p>
-            <a:r>
-              <a:rPr lang="sv-SE" dirty="0"/>
-              <a:t>I C# kan man ha flera klasser i en och samma fil.</a:t>
-            </a:r>
-          </a:p>
-          <a:p>
-            <a:r>
-              <a:rPr lang="sv-SE" dirty="0"/>
-              <a:t>För att </a:t>
-            </a:r>
-            <a:r>
-              <a:rPr lang="sv-SE" dirty="0" err="1"/>
-              <a:t>Nunit</a:t>
-            </a:r>
-            <a:r>
-              <a:rPr lang="sv-SE" baseline="0" dirty="0"/>
-              <a:t> ska veta vilka klasser som fungerar som testsviter används </a:t>
-            </a:r>
-            <a:r>
-              <a:rPr lang="sv-SE" baseline="0" dirty="0" err="1"/>
-              <a:t>TestFixture</a:t>
-            </a:r>
-            <a:r>
-              <a:rPr lang="sv-SE" baseline="0" dirty="0"/>
-              <a:t>-notifiering</a:t>
-            </a:r>
-          </a:p>
-          <a:p>
-            <a:endParaRPr lang="sv-SE" baseline="0" dirty="0"/>
-          </a:p>
-          <a:p>
-            <a:r>
-              <a:rPr lang="sv-SE" baseline="0" dirty="0"/>
-              <a:t>För att initialisera data/driver och annat som är gemensamt för testfallen finns notifieringen </a:t>
-            </a:r>
-            <a:r>
-              <a:rPr lang="sv-SE" baseline="0" dirty="0" err="1"/>
-              <a:t>SetUp</a:t>
-            </a:r>
-            <a:r>
-              <a:rPr lang="sv-SE" baseline="0" dirty="0"/>
-              <a:t>.</a:t>
-            </a:r>
-          </a:p>
-          <a:p>
-            <a:r>
-              <a:rPr lang="sv-SE" baseline="0" dirty="0"/>
-              <a:t>Denna körs alltid först.</a:t>
-            </a:r>
-          </a:p>
-          <a:p>
-            <a:endParaRPr lang="sv-SE" baseline="0" dirty="0"/>
-          </a:p>
-          <a:p>
-            <a:r>
-              <a:rPr lang="sv-SE" baseline="0" dirty="0"/>
-              <a:t>Testfall notifieras sedan med Test eller </a:t>
-            </a:r>
-            <a:r>
-              <a:rPr lang="sv-SE" baseline="0" dirty="0" err="1"/>
-              <a:t>TestCase</a:t>
-            </a:r>
-            <a:r>
-              <a:rPr lang="sv-SE" baseline="0" dirty="0"/>
-              <a:t>.</a:t>
-            </a:r>
-          </a:p>
-          <a:p>
-            <a:r>
-              <a:rPr lang="sv-SE" baseline="0" dirty="0" err="1"/>
-              <a:t>TestCase</a:t>
-            </a:r>
-            <a:r>
-              <a:rPr lang="sv-SE" baseline="0" dirty="0"/>
-              <a:t> används då man vill skicka parametrar direkt till testfallet.</a:t>
-            </a:r>
-          </a:p>
-          <a:p>
-            <a:r>
-              <a:rPr lang="sv-SE" baseline="0" dirty="0"/>
-              <a:t>För Test-notifieringen finns specifika attribut för att </a:t>
-            </a:r>
-            <a:r>
-              <a:rPr lang="sv-SE" baseline="0" dirty="0" err="1"/>
-              <a:t>parametrisera</a:t>
-            </a:r>
-            <a:r>
-              <a:rPr lang="sv-SE" baseline="0" dirty="0"/>
-              <a:t> tester, vi går inte in på dessa nu.</a:t>
-            </a:r>
-            <a:endParaRPr lang="sv-SE" baseline="0" dirty="0"/>
-          </a:p>
-          <a:p>
-            <a:endParaRPr lang="sv-SE" baseline="0" dirty="0"/>
-          </a:p>
-          <a:p>
-            <a:r>
-              <a:rPr lang="sv-SE" baseline="0" dirty="0"/>
-              <a:t>Slutligen när alla tester är körda så finns </a:t>
-            </a:r>
-            <a:r>
-              <a:rPr lang="sv-SE" baseline="0" dirty="0" err="1"/>
-              <a:t>TearDown</a:t>
-            </a:r>
-            <a:r>
-              <a:rPr lang="sv-SE" baseline="0" dirty="0"/>
-              <a:t> för att frigöra eventuellt använda resurser.</a:t>
-            </a:r>
-          </a:p>
-          <a:p>
-            <a:endParaRPr lang="sv-SE" baseline="0" dirty="0"/>
-          </a:p>
-          <a:p>
-            <a:r>
-              <a:rPr lang="sv-SE" baseline="0" dirty="0" err="1"/>
-              <a:t>Ignore</a:t>
-            </a:r>
-            <a:r>
-              <a:rPr lang="sv-SE" baseline="0" dirty="0"/>
-              <a:t> kan läggas på ett testfall för att exkludera det från testerna. Test av test t.ex.</a:t>
-            </a:r>
-          </a:p>
-          <a:p>
-            <a:endParaRPr lang="sv-SE" baseline="0" dirty="0"/>
-          </a:p>
-          <a:p>
-            <a:r>
-              <a:rPr lang="sv-SE" baseline="0" dirty="0"/>
-              <a:t>Attributen kan i sin tur ha attribut som t.ex. </a:t>
-            </a:r>
-            <a:r>
-              <a:rPr lang="sv-SE" baseline="0" dirty="0" err="1"/>
-              <a:t>Description</a:t>
-            </a:r>
-            <a:r>
-              <a:rPr lang="sv-SE" baseline="0" dirty="0"/>
-              <a:t>, vi kommer att se exempel på detta.</a:t>
-            </a:r>
-            <a:endParaRPr lang="sv-SE" dirty="0"/>
+              <a:t> behövs en plugin till NUnit3TestAdapter</a:t>
+            </a:r>
           </a:p>
           <a:p>
             <a:endParaRPr dirty="0"/>
@@ -1776,7 +1865,7 @@
     </p:spTree>
     <p:extLst>
       <p:ext uri="{BB962C8B-B14F-4D97-AF65-F5344CB8AC3E}">
-        <p14:creationId xmlns:p14="http://schemas.microsoft.com/office/powerpoint/2010/main" val="1378964975"/>
+        <p14:creationId xmlns:p14="http://schemas.microsoft.com/office/powerpoint/2010/main" val="342541450"/>
       </p:ext>
     </p:extLst>
   </p:cSld>
@@ -1786,7 +1875,7 @@
 </p:notes>
 </file>
 
-<file path=ppt/notesSlides/notesSlide9.xml><?xml version="1.0" encoding="utf-8"?>
+<file path=ppt/notesSlides/notesSlide8.xml><?xml version="1.0" encoding="utf-8"?>
 <p:notes xmlns:a="http://schemas.openxmlformats.org/drawingml/2006/main" xmlns:r="http://schemas.openxmlformats.org/officeDocument/2006/relationships" xmlns:p="http://schemas.openxmlformats.org/presentationml/2006/main" showMasterSp="0" showMasterPhAnim="0">
   <p:cSld>
     <p:spTree>
@@ -1871,74 +1960,52 @@
           <a:p>
             <a:r>
               <a:rPr lang="sv-SE" dirty="0"/>
-              <a:t>Så där, äntligen dags att koda.</a:t>
-            </a:r>
-          </a:p>
-          <a:p>
+              <a:t>Kort om vad </a:t>
+            </a:r>
+            <a:r>
+              <a:rPr lang="sv-SE" dirty="0" err="1"/>
+              <a:t>Nunit</a:t>
+            </a:r>
             <a:r>
               <a:rPr lang="sv-SE" dirty="0"/>
-              <a:t>Implementera enligt sliden, ni</a:t>
+              <a:t> är.</a:t>
+            </a:r>
+          </a:p>
+          <a:p>
+            <a:endParaRPr lang="sv-SE" dirty="0"/>
+          </a:p>
+          <a:p>
+            <a:r>
+              <a:rPr lang="sv-SE" dirty="0"/>
+              <a:t>Det här blir</a:t>
             </a:r>
             <a:r>
               <a:rPr lang="sv-SE" baseline="0" dirty="0"/>
-              <a:t> kan koda medan jag går igenom vad som händer i den här testklassen</a:t>
-            </a:r>
-          </a:p>
-          <a:p>
-            <a:endParaRPr lang="sv-SE" baseline="0" dirty="0"/>
-          </a:p>
-          <a:p>
-            <a:endParaRPr lang="sv-SE" baseline="0" dirty="0"/>
-          </a:p>
-          <a:p>
-            <a:endParaRPr lang="sv-SE" dirty="0"/>
-          </a:p>
-          <a:p>
-            <a:r>
-              <a:rPr lang="sv-SE" dirty="0"/>
-              <a:t>Bygg,</a:t>
+              <a:t> ingen kurs i </a:t>
+            </a:r>
+            <a:r>
+              <a:rPr lang="sv-SE" baseline="0" dirty="0" err="1"/>
+              <a:t>Nunit</a:t>
             </a:r>
             <a:r>
               <a:rPr lang="sv-SE" baseline="0" dirty="0"/>
-              <a:t> öppna </a:t>
-            </a:r>
+              <a:t>. </a:t>
+            </a:r>
+          </a:p>
+          <a:p>
             <a:r>
               <a:rPr lang="sv-SE" baseline="0" dirty="0" err="1"/>
-              <a:t>testexplorer</a:t>
+              <a:t>Nunitramverket</a:t>
             </a:r>
             <a:r>
               <a:rPr lang="sv-SE" baseline="0" dirty="0"/>
-              <a:t> och kör testerna.</a:t>
-            </a:r>
-          </a:p>
-          <a:p>
-            <a:endParaRPr lang="sv-SE" baseline="0" dirty="0"/>
+              <a:t> har mängder med attribut och funktioner som vi normalt inte behöver för vårt ändamål.</a:t>
+            </a:r>
           </a:p>
           <a:p>
             <a:r>
               <a:rPr lang="sv-SE" baseline="0" dirty="0"/>
-              <a:t>Har alla fått det att funka?</a:t>
-            </a:r>
-          </a:p>
-          <a:p>
-            <a:endParaRPr lang="sv-SE" baseline="0" dirty="0"/>
-          </a:p>
-          <a:p>
-            <a:r>
-              <a:rPr lang="sv-SE" baseline="0" dirty="0"/>
-              <a:t>Då vill jag att ni genom att lägga till en kort </a:t>
-            </a:r>
-            <a:r>
-              <a:rPr lang="sv-SE" baseline="0" dirty="0" err="1"/>
-              <a:t>kodrad</a:t>
-            </a:r>
-            <a:r>
-              <a:rPr lang="sv-SE" baseline="0" dirty="0"/>
-              <a:t> även testar att listan </a:t>
-            </a:r>
-            <a:r>
-              <a:rPr lang="sv-SE" baseline="0"/>
-              <a:t>innehåller ordet ”Bar”</a:t>
+              <a:t>Mesta av funktionaliteten är ju till för utvecklare och deras enhetstester.</a:t>
             </a:r>
             <a:endParaRPr dirty="0"/>
           </a:p>
@@ -1947,7 +2014,133 @@
     </p:spTree>
     <p:extLst>
       <p:ext uri="{BB962C8B-B14F-4D97-AF65-F5344CB8AC3E}">
-        <p14:creationId xmlns:p14="http://schemas.microsoft.com/office/powerpoint/2010/main" val="2550484151"/>
+        <p14:creationId xmlns:p14="http://schemas.microsoft.com/office/powerpoint/2010/main" val="341736523"/>
+      </p:ext>
+    </p:extLst>
+  </p:cSld>
+  <p:clrMapOvr>
+    <a:masterClrMapping/>
+  </p:clrMapOvr>
+</p:notes>
+</file>
+
+<file path=ppt/notesSlides/notesSlide9.xml><?xml version="1.0" encoding="utf-8"?>
+<p:notes xmlns:a="http://schemas.openxmlformats.org/drawingml/2006/main" xmlns:r="http://schemas.openxmlformats.org/officeDocument/2006/relationships" xmlns:p="http://schemas.openxmlformats.org/presentationml/2006/main" showMasterSp="0" showMasterPhAnim="0">
+  <p:cSld>
+    <p:spTree>
+      <p:nvGrpSpPr>
+        <p:cNvPr id="1" name="Shape 40"/>
+        <p:cNvGrpSpPr/>
+        <p:nvPr/>
+      </p:nvGrpSpPr>
+      <p:grpSpPr>
+        <a:xfrm>
+          <a:off x="0" y="0"/>
+          <a:ext cx="0" cy="0"/>
+          <a:chOff x="0" y="0"/>
+          <a:chExt cx="0" cy="0"/>
+        </a:xfrm>
+      </p:grpSpPr>
+      <p:sp>
+        <p:nvSpPr>
+          <p:cNvPr id="41" name="Shape 41"/>
+          <p:cNvSpPr>
+            <a:spLocks noGrp="1" noRot="1" noChangeAspect="1"/>
+          </p:cNvSpPr>
+          <p:nvPr>
+            <p:ph type="sldImg" idx="2"/>
+          </p:nvPr>
+        </p:nvSpPr>
+        <p:spPr>
+          <a:xfrm>
+            <a:off x="919163" y="744538"/>
+            <a:ext cx="4960937" cy="3722687"/>
+          </a:xfrm>
+          <a:custGeom>
+            <a:avLst/>
+            <a:gdLst/>
+            <a:ahLst/>
+            <a:cxnLst/>
+            <a:rect l="0" t="0" r="0" b="0"/>
+            <a:pathLst>
+              <a:path w="120000" h="120000" extrusionOk="0">
+                <a:moveTo>
+                  <a:pt x="0" y="0"/>
+                </a:moveTo>
+                <a:lnTo>
+                  <a:pt x="120000" y="0"/>
+                </a:lnTo>
+                <a:lnTo>
+                  <a:pt x="120000" y="120000"/>
+                </a:lnTo>
+                <a:lnTo>
+                  <a:pt x="0" y="120000"/>
+                </a:lnTo>
+                <a:close/>
+              </a:path>
+            </a:pathLst>
+          </a:custGeom>
+        </p:spPr>
+      </p:sp>
+      <p:sp>
+        <p:nvSpPr>
+          <p:cNvPr id="42" name="Shape 42"/>
+          <p:cNvSpPr txBox="1">
+            <a:spLocks noGrp="1"/>
+          </p:cNvSpPr>
+          <p:nvPr>
+            <p:ph type="body" idx="1"/>
+          </p:nvPr>
+        </p:nvSpPr>
+        <p:spPr>
+          <a:xfrm>
+            <a:off x="679768" y="4715153"/>
+            <a:ext cx="5438139" cy="4466987"/>
+          </a:xfrm>
+          <a:prstGeom prst="rect">
+            <a:avLst/>
+          </a:prstGeom>
+        </p:spPr>
+        <p:txBody>
+          <a:bodyPr lIns="91425" tIns="91425" rIns="91425" bIns="91425" anchor="t" anchorCtr="0">
+            <a:noAutofit/>
+          </a:bodyPr>
+          <a:lstStyle/>
+          <a:p>
+            <a:r>
+              <a:rPr lang="sv-SE" dirty="0"/>
+              <a:t>Nu har vi installerad det vi behöver för att kunna köra </a:t>
+            </a:r>
+            <a:r>
+              <a:rPr lang="sv-SE" dirty="0" err="1"/>
+              <a:t>Nunit</a:t>
+            </a:r>
+            <a:r>
+              <a:rPr lang="sv-SE" dirty="0"/>
+              <a:t>-testfall</a:t>
+            </a:r>
+          </a:p>
+          <a:p>
+            <a:r>
+              <a:rPr lang="sv-SE" dirty="0"/>
+              <a:t>Dags att titta på hur dessa skrivs.</a:t>
+            </a:r>
+          </a:p>
+          <a:p>
+            <a:r>
+              <a:rPr lang="sv-SE" dirty="0"/>
+              <a:t>Börja med att ge testklassen ett vettigt namn</a:t>
+            </a:r>
+          </a:p>
+          <a:p>
+            <a:endParaRPr dirty="0"/>
+          </a:p>
+        </p:txBody>
+      </p:sp>
+    </p:spTree>
+    <p:extLst>
+      <p:ext uri="{BB962C8B-B14F-4D97-AF65-F5344CB8AC3E}">
+        <p14:creationId xmlns:p14="http://schemas.microsoft.com/office/powerpoint/2010/main" val="1702389668"/>
       </p:ext>
     </p:extLst>
   </p:cSld>
@@ -6448,6 +6641,284 @@
 </file>
 
 <file path=ppt/slides/slide10.xml><?xml version="1.0" encoding="utf-8"?>
+<p:sld xmlns:a="http://schemas.openxmlformats.org/drawingml/2006/main" xmlns:r="http://schemas.openxmlformats.org/officeDocument/2006/relationships" xmlns:p="http://schemas.openxmlformats.org/presentationml/2006/main">
+  <p:cSld>
+    <p:spTree>
+      <p:nvGrpSpPr>
+        <p:cNvPr id="1" name="Shape 36"/>
+        <p:cNvGrpSpPr/>
+        <p:nvPr/>
+      </p:nvGrpSpPr>
+      <p:grpSpPr>
+        <a:xfrm>
+          <a:off x="0" y="0"/>
+          <a:ext cx="0" cy="0"/>
+          <a:chOff x="0" y="0"/>
+          <a:chExt cx="0" cy="0"/>
+        </a:xfrm>
+      </p:grpSpPr>
+      <p:sp>
+        <p:nvSpPr>
+          <p:cNvPr id="8" name="Shape 30"/>
+          <p:cNvSpPr txBox="1">
+            <a:spLocks noGrp="1"/>
+          </p:cNvSpPr>
+          <p:nvPr>
+            <p:ph type="title"/>
+          </p:nvPr>
+        </p:nvSpPr>
+        <p:spPr>
+          <a:xfrm>
+            <a:off x="457200" y="274637"/>
+            <a:ext cx="8229600" cy="1143000"/>
+          </a:xfrm>
+          <a:prstGeom prst="rect">
+            <a:avLst/>
+          </a:prstGeom>
+        </p:spPr>
+        <p:txBody>
+          <a:bodyPr lIns="91425" tIns="91425" rIns="91425" bIns="91425" anchor="b" anchorCtr="0">
+            <a:noAutofit/>
+          </a:bodyPr>
+          <a:lstStyle/>
+          <a:p>
+            <a:pPr>
+              <a:buNone/>
+            </a:pPr>
+            <a:br>
+              <a:rPr lang="sv" dirty="0"/>
+            </a:br>
+            <a:r>
+              <a:rPr lang="sv" dirty="0"/>
+              <a:t>Visual Studio 2015, NUnit</a:t>
+            </a:r>
+          </a:p>
+        </p:txBody>
+      </p:sp>
+      <p:sp>
+        <p:nvSpPr>
+          <p:cNvPr id="9" name="Shape 31"/>
+          <p:cNvSpPr txBox="1">
+            <a:spLocks noGrp="1"/>
+          </p:cNvSpPr>
+          <p:nvPr>
+            <p:ph type="body" idx="1"/>
+          </p:nvPr>
+        </p:nvSpPr>
+        <p:spPr>
+          <a:xfrm>
+            <a:off x="395536" y="1268760"/>
+            <a:ext cx="8229600" cy="4752528"/>
+          </a:xfrm>
+          <a:prstGeom prst="rect">
+            <a:avLst/>
+          </a:prstGeom>
+        </p:spPr>
+        <p:txBody>
+          <a:bodyPr lIns="91425" tIns="91425" rIns="91425" bIns="91425" anchor="t" anchorCtr="0">
+            <a:noAutofit/>
+          </a:bodyPr>
+          <a:lstStyle/>
+          <a:p>
+            <a:pPr marL="457200" lvl="0" indent="-381000">
+              <a:lnSpc>
+                <a:spcPct val="115000"/>
+              </a:lnSpc>
+              <a:spcBef>
+                <a:spcPts val="0"/>
+              </a:spcBef>
+              <a:buClr>
+                <a:srgbClr val="000000"/>
+              </a:buClr>
+              <a:buSzPct val="166666"/>
+              <a:buFont typeface="Arial"/>
+              <a:buChar char="•"/>
+            </a:pPr>
+            <a:r>
+              <a:rPr lang="sv" sz="2400" dirty="0"/>
+              <a:t>Attribut</a:t>
+            </a:r>
+          </a:p>
+          <a:p>
+            <a:pPr marL="857250" lvl="1" indent="-381000">
+              <a:lnSpc>
+                <a:spcPct val="115000"/>
+              </a:lnSpc>
+              <a:spcBef>
+                <a:spcPts val="0"/>
+              </a:spcBef>
+              <a:buClr>
+                <a:srgbClr val="000000"/>
+              </a:buClr>
+              <a:buSzPct val="166666"/>
+              <a:buFont typeface="Arial"/>
+              <a:buChar char="•"/>
+            </a:pPr>
+            <a:r>
+              <a:rPr lang="sv-SE" dirty="0"/>
+              <a:t>[</a:t>
+            </a:r>
+            <a:r>
+              <a:rPr lang="sv-SE" dirty="0" err="1"/>
+              <a:t>TestFixture</a:t>
+            </a:r>
+            <a:r>
+              <a:rPr lang="sv-SE" dirty="0"/>
+              <a:t>] – Sätts på Klass</a:t>
+            </a:r>
+          </a:p>
+          <a:p>
+            <a:pPr marL="857250" lvl="1" indent="-381000">
+              <a:lnSpc>
+                <a:spcPct val="115000"/>
+              </a:lnSpc>
+              <a:spcBef>
+                <a:spcPts val="0"/>
+              </a:spcBef>
+              <a:buClr>
+                <a:srgbClr val="000000"/>
+              </a:buClr>
+              <a:buSzPct val="166666"/>
+              <a:buFont typeface="Arial"/>
+              <a:buChar char="•"/>
+            </a:pPr>
+            <a:r>
+              <a:rPr lang="sv-SE" dirty="0"/>
+              <a:t>[</a:t>
+            </a:r>
+            <a:r>
+              <a:rPr lang="sv-SE" dirty="0" err="1"/>
+              <a:t>SetUp</a:t>
+            </a:r>
+            <a:r>
+              <a:rPr lang="sv-SE" dirty="0"/>
+              <a:t>] – Sätts på Funktion</a:t>
+            </a:r>
+          </a:p>
+          <a:p>
+            <a:pPr marL="857250" lvl="1" indent="-381000">
+              <a:lnSpc>
+                <a:spcPct val="115000"/>
+              </a:lnSpc>
+              <a:spcBef>
+                <a:spcPts val="0"/>
+              </a:spcBef>
+              <a:buClr>
+                <a:srgbClr val="000000"/>
+              </a:buClr>
+              <a:buSzPct val="166666"/>
+              <a:buFont typeface="Arial"/>
+              <a:buChar char="•"/>
+            </a:pPr>
+            <a:r>
+              <a:rPr lang="sv-SE" dirty="0"/>
+              <a:t>[Test] – Sätts på Funktion</a:t>
+            </a:r>
+          </a:p>
+          <a:p>
+            <a:pPr marL="857250" lvl="1" indent="-381000">
+              <a:lnSpc>
+                <a:spcPct val="115000"/>
+              </a:lnSpc>
+              <a:spcBef>
+                <a:spcPts val="0"/>
+              </a:spcBef>
+              <a:buClr>
+                <a:srgbClr val="000000"/>
+              </a:buClr>
+              <a:buSzPct val="166666"/>
+              <a:buFont typeface="Arial"/>
+              <a:buChar char="•"/>
+            </a:pPr>
+            <a:r>
+              <a:rPr lang="sv-SE" dirty="0"/>
+              <a:t>[</a:t>
+            </a:r>
+            <a:r>
+              <a:rPr lang="sv-SE" dirty="0" err="1"/>
+              <a:t>TestCase</a:t>
+            </a:r>
+            <a:r>
+              <a:rPr lang="sv-SE" dirty="0"/>
+              <a:t>] – Sätts på Funktion</a:t>
+            </a:r>
+          </a:p>
+          <a:p>
+            <a:pPr marL="857250" lvl="1" indent="-381000">
+              <a:lnSpc>
+                <a:spcPct val="115000"/>
+              </a:lnSpc>
+              <a:spcBef>
+                <a:spcPts val="0"/>
+              </a:spcBef>
+              <a:buClr>
+                <a:srgbClr val="000000"/>
+              </a:buClr>
+              <a:buSzPct val="166666"/>
+              <a:buFont typeface="Arial"/>
+              <a:buChar char="•"/>
+            </a:pPr>
+            <a:r>
+              <a:rPr lang="sv-SE" dirty="0"/>
+              <a:t>[</a:t>
+            </a:r>
+            <a:r>
+              <a:rPr lang="sv-SE" dirty="0" err="1"/>
+              <a:t>TearDown</a:t>
+            </a:r>
+            <a:r>
+              <a:rPr lang="sv-SE" dirty="0"/>
+              <a:t>] – Sätts på Funktion</a:t>
+            </a:r>
+          </a:p>
+          <a:p>
+            <a:pPr marL="857250" lvl="1" indent="-381000">
+              <a:lnSpc>
+                <a:spcPct val="115000"/>
+              </a:lnSpc>
+              <a:spcBef>
+                <a:spcPts val="0"/>
+              </a:spcBef>
+              <a:buClr>
+                <a:srgbClr val="000000"/>
+              </a:buClr>
+              <a:buSzPct val="166666"/>
+              <a:buFont typeface="Arial"/>
+              <a:buChar char="•"/>
+            </a:pPr>
+            <a:r>
+              <a:rPr lang="sv-SE" dirty="0"/>
+              <a:t>[</a:t>
+            </a:r>
+            <a:r>
+              <a:rPr lang="sv-SE" dirty="0" err="1"/>
+              <a:t>Ignore</a:t>
+            </a:r>
+            <a:r>
+              <a:rPr lang="sv-SE" dirty="0"/>
+              <a:t>] – Sätts på testfall</a:t>
+            </a:r>
+            <a:endParaRPr lang="sv" dirty="0"/>
+          </a:p>
+        </p:txBody>
+      </p:sp>
+    </p:spTree>
+    <p:extLst>
+      <p:ext uri="{BB962C8B-B14F-4D97-AF65-F5344CB8AC3E}">
+        <p14:creationId xmlns:p14="http://schemas.microsoft.com/office/powerpoint/2010/main" val="3302721169"/>
+      </p:ext>
+    </p:extLst>
+  </p:cSld>
+  <p:clrMapOvr>
+    <a:masterClrMapping/>
+  </p:clrMapOvr>
+  <p:transition spd="slow">
+    <p:cut/>
+  </p:transition>
+</p:sld>
+</file>
+
+<file path=ppt/slides/slide11.xml><?xml version="1.0" encoding="utf-8"?>
 <p:sld xmlns:a="http://schemas.openxmlformats.org/drawingml/2006/main" xmlns:r="http://schemas.openxmlformats.org/officeDocument/2006/relationships" xmlns:p="http://schemas.openxmlformats.org/presentationml/2006/main" showMasterSp="0">
   <p:cSld>
     <p:bg>
@@ -7258,7 +7729,7 @@
 </p:sld>
 </file>
 
-<file path=ppt/slides/slide11.xml><?xml version="1.0" encoding="utf-8"?>
+<file path=ppt/slides/slide12.xml><?xml version="1.0" encoding="utf-8"?>
 <p:sld xmlns:a="http://schemas.openxmlformats.org/drawingml/2006/main" xmlns:r="http://schemas.openxmlformats.org/officeDocument/2006/relationships" xmlns:p="http://schemas.openxmlformats.org/presentationml/2006/main" show="0">
   <p:cSld>
     <p:spTree>
@@ -7333,13 +7804,11 @@
             <a:pPr>
               <a:buNone/>
             </a:pPr>
-            <a:br>
-              <a:rPr lang="sv" dirty="0"/>
-            </a:br>
-            <a:r>
-              <a:rPr lang="sv" dirty="0"/>
-              <a:t>Visual Studio 2015</a:t>
-            </a:r>
+            <a:r>
+              <a:rPr lang="sv-SE" dirty="0"/>
+              <a:t>Workshop webdriver med VS2015</a:t>
+            </a:r>
+            <a:endParaRPr lang="sv" dirty="0"/>
           </a:p>
         </p:txBody>
       </p:sp>
@@ -7382,20 +7851,26 @@
               <a:buFont typeface="Arial"/>
               <a:buChar char="•"/>
             </a:pPr>
-            <a:r>
-              <a:rPr lang="sv" sz="2400" dirty="0"/>
-              <a:t>Ladda ner community edition från</a:t>
-            </a:r>
-            <a:br>
-              <a:rPr lang="sv" sz="2400" dirty="0"/>
-            </a:br>
-            <a:r>
-              <a:rPr lang="sv-SE" sz="2400" dirty="0">
-                <a:hlinkClick r:id="rId3"/>
-              </a:rPr>
-              <a:t>https://www.visualstudio.com/vs/community/</a:t>
-            </a:r>
             <a:endParaRPr lang="sv-SE" sz="2400" dirty="0"/>
+          </a:p>
+          <a:p>
+            <a:pPr marL="76200" lvl="0" indent="0">
+              <a:lnSpc>
+                <a:spcPct val="115000"/>
+              </a:lnSpc>
+              <a:spcBef>
+                <a:spcPts val="0"/>
+              </a:spcBef>
+              <a:buClr>
+                <a:srgbClr val="000000"/>
+              </a:buClr>
+              <a:buSzPct val="166666"/>
+              <a:buNone/>
+            </a:pPr>
+            <a:r>
+              <a:rPr lang="sv-SE" sz="2400" dirty="0"/>
+              <a:t>Workshopen består av tre delar:</a:t>
+            </a:r>
           </a:p>
           <a:p>
             <a:pPr marL="457200" lvl="0" indent="-381000">
@@ -7414,9 +7889,8 @@
             </a:pPr>
             <a:r>
               <a:rPr lang="sv-SE" sz="2400" dirty="0"/>
-              <a:t>Kör installationen, välj ’Default’ som installationstyp</a:t>
-            </a:r>
-            <a:endParaRPr lang="sv" sz="2400" dirty="0"/>
+              <a:t>Kort intro till VS2015, med miniexempel</a:t>
+            </a:r>
           </a:p>
           <a:p>
             <a:pPr marL="457200" lvl="0" indent="-381000">
@@ -7434,15 +7908,16 @@
               <a:buChar char="•"/>
             </a:pPr>
             <a:r>
-              <a:rPr lang="sv" sz="2400" dirty="0"/>
-              <a:t>Installation tar c:a 1 timme och tar 1.6 Gb på disken</a:t>
-            </a:r>
-            <a:br>
-              <a:rPr lang="sv" sz="2400" dirty="0"/>
-            </a:br>
-            <a:r>
-              <a:rPr lang="sv" sz="2400" dirty="0"/>
-              <a:t>Installationen behöver inte övervakas. Omstart krävs</a:t>
+              <a:rPr lang="sv-SE" sz="2400" dirty="0"/>
+              <a:t>Kort intro till </a:t>
+            </a:r>
+            <a:r>
+              <a:rPr lang="sv-SE" sz="2400" dirty="0" err="1"/>
+              <a:t>Nunit</a:t>
+            </a:r>
+            <a:r>
+              <a:rPr lang="sv-SE" sz="2400" dirty="0"/>
+              <a:t>, med exempel</a:t>
             </a:r>
           </a:p>
           <a:p>
@@ -7461,32 +7936,9 @@
               <a:buChar char="•"/>
             </a:pPr>
             <a:r>
-              <a:rPr lang="sv" sz="2400" dirty="0"/>
-              <a:t>Starta VS2015. Ange ditt Microsoftkonto med inloggning.</a:t>
-            </a:r>
-            <a:br>
-              <a:rPr lang="sv" sz="2400" dirty="0"/>
-            </a:br>
-            <a:r>
-              <a:rPr lang="sv" sz="2400" dirty="0"/>
-              <a:t>Har du inget, ’signa’ upp för ett nytt, kostar inget.</a:t>
-            </a:r>
-          </a:p>
-          <a:p>
-            <a:pPr marL="457200" lvl="0" indent="-381000">
-              <a:lnSpc>
-                <a:spcPct val="115000"/>
-              </a:lnSpc>
-              <a:spcBef>
-                <a:spcPts val="0"/>
-              </a:spcBef>
-              <a:buClr>
-                <a:srgbClr val="000000"/>
-              </a:buClr>
-              <a:buSzPct val="166666"/>
-              <a:buFont typeface="Arial"/>
-              <a:buChar char="•"/>
-            </a:pPr>
+              <a:rPr lang="sv-SE" sz="2400" dirty="0"/>
+              <a:t>Intro till webdriver, med exempel</a:t>
+            </a:r>
             <a:endParaRPr lang="sv" sz="2400" dirty="0"/>
           </a:p>
           <a:p>
@@ -7598,6 +8050,315 @@
 </file>
 
 <file path=ppt/slides/slide3.xml><?xml version="1.0" encoding="utf-8"?>
+<p:sld xmlns:a="http://schemas.openxmlformats.org/drawingml/2006/main" xmlns:r="http://schemas.openxmlformats.org/officeDocument/2006/relationships" xmlns:p="http://schemas.openxmlformats.org/presentationml/2006/main">
+  <p:cSld>
+    <p:spTree>
+      <p:nvGrpSpPr>
+        <p:cNvPr id="1" name="Shape 29"/>
+        <p:cNvGrpSpPr/>
+        <p:nvPr/>
+      </p:nvGrpSpPr>
+      <p:grpSpPr>
+        <a:xfrm>
+          <a:off x="0" y="0"/>
+          <a:ext cx="0" cy="0"/>
+          <a:chOff x="0" y="0"/>
+          <a:chExt cx="0" cy="0"/>
+        </a:xfrm>
+      </p:grpSpPr>
+      <p:sp>
+        <p:nvSpPr>
+          <p:cNvPr id="30" name="Shape 30"/>
+          <p:cNvSpPr txBox="1">
+            <a:spLocks noGrp="1"/>
+          </p:cNvSpPr>
+          <p:nvPr>
+            <p:ph type="title"/>
+          </p:nvPr>
+        </p:nvSpPr>
+        <p:spPr>
+          <a:xfrm>
+            <a:off x="457200" y="274637"/>
+            <a:ext cx="8229600" cy="1143000"/>
+          </a:xfrm>
+          <a:prstGeom prst="rect">
+            <a:avLst/>
+          </a:prstGeom>
+        </p:spPr>
+        <p:txBody>
+          <a:bodyPr lIns="91425" tIns="91425" rIns="91425" bIns="91425" anchor="b" anchorCtr="0">
+            <a:noAutofit/>
+          </a:bodyPr>
+          <a:lstStyle/>
+          <a:p>
+            <a:pPr>
+              <a:buNone/>
+            </a:pPr>
+            <a:br>
+              <a:rPr lang="sv" dirty="0"/>
+            </a:br>
+            <a:r>
+              <a:rPr lang="sv" dirty="0"/>
+              <a:t>Visual Studio 2015</a:t>
+            </a:r>
+          </a:p>
+        </p:txBody>
+      </p:sp>
+      <p:sp>
+        <p:nvSpPr>
+          <p:cNvPr id="31" name="Shape 31"/>
+          <p:cNvSpPr txBox="1">
+            <a:spLocks noGrp="1"/>
+          </p:cNvSpPr>
+          <p:nvPr>
+            <p:ph type="body" idx="1"/>
+          </p:nvPr>
+        </p:nvSpPr>
+        <p:spPr>
+          <a:xfrm>
+            <a:off x="457200" y="1600200"/>
+            <a:ext cx="8229600" cy="4277072"/>
+          </a:xfrm>
+          <a:prstGeom prst="rect">
+            <a:avLst/>
+          </a:prstGeom>
+        </p:spPr>
+        <p:txBody>
+          <a:bodyPr lIns="91425" tIns="91425" rIns="91425" bIns="91425" anchor="t" anchorCtr="0">
+            <a:noAutofit/>
+          </a:bodyPr>
+          <a:lstStyle/>
+          <a:p>
+            <a:pPr marL="457200" lvl="0" indent="-381000">
+              <a:lnSpc>
+                <a:spcPct val="115000"/>
+              </a:lnSpc>
+              <a:spcBef>
+                <a:spcPts val="0"/>
+              </a:spcBef>
+              <a:buClr>
+                <a:srgbClr val="000000"/>
+              </a:buClr>
+              <a:buSzPct val="166666"/>
+              <a:buFont typeface="Arial"/>
+              <a:buChar char="•"/>
+            </a:pPr>
+            <a:r>
+              <a:rPr lang="sv" sz="2400" dirty="0"/>
+              <a:t>Ladda ner community edition från</a:t>
+            </a:r>
+            <a:br>
+              <a:rPr lang="sv" sz="2400" dirty="0"/>
+            </a:br>
+            <a:r>
+              <a:rPr lang="sv-SE" sz="2400" dirty="0">
+                <a:hlinkClick r:id="rId3"/>
+              </a:rPr>
+              <a:t>https://www.visualstudio.com/vs/community/</a:t>
+            </a:r>
+            <a:endParaRPr lang="sv-SE" sz="2400" dirty="0"/>
+          </a:p>
+          <a:p>
+            <a:pPr marL="457200" lvl="0" indent="-381000">
+              <a:lnSpc>
+                <a:spcPct val="115000"/>
+              </a:lnSpc>
+              <a:spcBef>
+                <a:spcPts val="0"/>
+              </a:spcBef>
+              <a:buClr>
+                <a:srgbClr val="000000"/>
+              </a:buClr>
+              <a:buSzPct val="166666"/>
+              <a:buFont typeface="Arial"/>
+              <a:buChar char="•"/>
+            </a:pPr>
+            <a:r>
+              <a:rPr lang="sv-SE" sz="2400" dirty="0"/>
+              <a:t>Kör installationen, välj ’Default’ som installationstyp</a:t>
+            </a:r>
+            <a:endParaRPr lang="sv" sz="2400" dirty="0"/>
+          </a:p>
+          <a:p>
+            <a:pPr marL="457200" lvl="0" indent="-381000">
+              <a:lnSpc>
+                <a:spcPct val="115000"/>
+              </a:lnSpc>
+              <a:spcBef>
+                <a:spcPts val="0"/>
+              </a:spcBef>
+              <a:buClr>
+                <a:srgbClr val="000000"/>
+              </a:buClr>
+              <a:buSzPct val="166666"/>
+              <a:buFont typeface="Arial"/>
+              <a:buChar char="•"/>
+            </a:pPr>
+            <a:r>
+              <a:rPr lang="sv" sz="2400" dirty="0"/>
+              <a:t>Installation tar c:a 1 timme och tar 1.6 Gb på disken</a:t>
+            </a:r>
+            <a:br>
+              <a:rPr lang="sv" sz="2400" dirty="0"/>
+            </a:br>
+            <a:r>
+              <a:rPr lang="sv" sz="2400" dirty="0"/>
+              <a:t>Installationen behöver inte övervakas. Omstart krävs</a:t>
+            </a:r>
+          </a:p>
+          <a:p>
+            <a:pPr marL="457200" lvl="0" indent="-381000">
+              <a:lnSpc>
+                <a:spcPct val="115000"/>
+              </a:lnSpc>
+              <a:spcBef>
+                <a:spcPts val="0"/>
+              </a:spcBef>
+              <a:buClr>
+                <a:srgbClr val="000000"/>
+              </a:buClr>
+              <a:buSzPct val="166666"/>
+              <a:buFont typeface="Arial"/>
+              <a:buChar char="•"/>
+            </a:pPr>
+            <a:r>
+              <a:rPr lang="sv" sz="2400" dirty="0"/>
+              <a:t>Starta VS2015. Ange ditt Microsoftkonto med inloggning.</a:t>
+            </a:r>
+            <a:br>
+              <a:rPr lang="sv" sz="2400" dirty="0"/>
+            </a:br>
+            <a:r>
+              <a:rPr lang="sv" sz="2400" dirty="0"/>
+              <a:t>Har du inget, ’signa’ upp för ett nytt, kostar inget.</a:t>
+            </a:r>
+          </a:p>
+          <a:p>
+            <a:pPr marL="457200" lvl="0" indent="-381000">
+              <a:lnSpc>
+                <a:spcPct val="115000"/>
+              </a:lnSpc>
+              <a:spcBef>
+                <a:spcPts val="0"/>
+              </a:spcBef>
+              <a:buClr>
+                <a:srgbClr val="000000"/>
+              </a:buClr>
+              <a:buSzPct val="166666"/>
+              <a:buFont typeface="Arial"/>
+              <a:buChar char="•"/>
+            </a:pPr>
+            <a:endParaRPr lang="sv" sz="2400" dirty="0"/>
+          </a:p>
+          <a:p>
+            <a:pPr marL="76200" lvl="0" indent="0">
+              <a:lnSpc>
+                <a:spcPct val="115000"/>
+              </a:lnSpc>
+              <a:spcBef>
+                <a:spcPts val="0"/>
+              </a:spcBef>
+              <a:buClr>
+                <a:srgbClr val="000000"/>
+              </a:buClr>
+              <a:buSzPct val="166666"/>
+              <a:buNone/>
+            </a:pPr>
+            <a:endParaRPr lang="sv" sz="2400" dirty="0">
+              <a:solidFill>
+                <a:srgbClr val="000000"/>
+              </a:solidFill>
+            </a:endParaRPr>
+          </a:p>
+          <a:p>
+            <a:pPr marL="476250" lvl="1" indent="0">
+              <a:lnSpc>
+                <a:spcPct val="115000"/>
+              </a:lnSpc>
+              <a:spcBef>
+                <a:spcPts val="0"/>
+              </a:spcBef>
+              <a:buClr>
+                <a:srgbClr val="000000"/>
+              </a:buClr>
+              <a:buSzPct val="166666"/>
+              <a:buNone/>
+            </a:pPr>
+            <a:endParaRPr lang="sv" sz="2300" dirty="0">
+              <a:solidFill>
+                <a:srgbClr val="000000"/>
+              </a:solidFill>
+            </a:endParaRPr>
+          </a:p>
+          <a:p>
+            <a:pPr marL="476250" lvl="1" indent="0">
+              <a:lnSpc>
+                <a:spcPct val="115000"/>
+              </a:lnSpc>
+              <a:spcBef>
+                <a:spcPts val="0"/>
+              </a:spcBef>
+              <a:buClr>
+                <a:srgbClr val="000000"/>
+              </a:buClr>
+              <a:buSzPct val="166666"/>
+              <a:buNone/>
+            </a:pPr>
+            <a:endParaRPr lang="sv" sz="2300" dirty="0">
+              <a:solidFill>
+                <a:srgbClr val="000000"/>
+              </a:solidFill>
+            </a:endParaRPr>
+          </a:p>
+          <a:p>
+            <a:pPr marL="476250" lvl="1" indent="0">
+              <a:lnSpc>
+                <a:spcPct val="115000"/>
+              </a:lnSpc>
+              <a:spcBef>
+                <a:spcPts val="0"/>
+              </a:spcBef>
+              <a:buClr>
+                <a:srgbClr val="000000"/>
+              </a:buClr>
+              <a:buSzPct val="166666"/>
+              <a:buNone/>
+            </a:pPr>
+            <a:endParaRPr lang="sv" sz="2300" dirty="0">
+              <a:solidFill>
+                <a:srgbClr val="000000"/>
+              </a:solidFill>
+            </a:endParaRPr>
+          </a:p>
+          <a:p>
+            <a:pPr marL="0" indent="0">
+              <a:buNone/>
+            </a:pPr>
+            <a:endParaRPr lang="sv" sz="2400" dirty="0">
+              <a:solidFill>
+                <a:srgbClr val="000000"/>
+              </a:solidFill>
+            </a:endParaRPr>
+          </a:p>
+        </p:txBody>
+      </p:sp>
+    </p:spTree>
+    <p:extLst>
+      <p:ext uri="{BB962C8B-B14F-4D97-AF65-F5344CB8AC3E}">
+        <p14:creationId xmlns:p14="http://schemas.microsoft.com/office/powerpoint/2010/main" val="600450863"/>
+      </p:ext>
+    </p:extLst>
+  </p:cSld>
+  <p:clrMapOvr>
+    <a:masterClrMapping/>
+  </p:clrMapOvr>
+  <p:transition spd="slow">
+    <p:cut/>
+  </p:transition>
+</p:sld>
+</file>
+
+<file path=ppt/slides/slide4.xml><?xml version="1.0" encoding="utf-8"?>
 <p:sld xmlns:a="http://schemas.openxmlformats.org/drawingml/2006/main" xmlns:r="http://schemas.openxmlformats.org/officeDocument/2006/relationships" xmlns:p="http://schemas.openxmlformats.org/presentationml/2006/main">
   <p:cSld>
     <p:spTree>
@@ -7975,268 +8736,6 @@
 </p:sld>
 </file>
 
-<file path=ppt/slides/slide4.xml><?xml version="1.0" encoding="utf-8"?>
-<p:sld xmlns:a="http://schemas.openxmlformats.org/drawingml/2006/main" xmlns:r="http://schemas.openxmlformats.org/officeDocument/2006/relationships" xmlns:p="http://schemas.openxmlformats.org/presentationml/2006/main">
-  <p:cSld>
-    <p:spTree>
-      <p:nvGrpSpPr>
-        <p:cNvPr id="1" name="Shape 36"/>
-        <p:cNvGrpSpPr/>
-        <p:nvPr/>
-      </p:nvGrpSpPr>
-      <p:grpSpPr>
-        <a:xfrm>
-          <a:off x="0" y="0"/>
-          <a:ext cx="0" cy="0"/>
-          <a:chOff x="0" y="0"/>
-          <a:chExt cx="0" cy="0"/>
-        </a:xfrm>
-      </p:grpSpPr>
-      <p:sp>
-        <p:nvSpPr>
-          <p:cNvPr id="8" name="Shape 30"/>
-          <p:cNvSpPr txBox="1">
-            <a:spLocks noGrp="1"/>
-          </p:cNvSpPr>
-          <p:nvPr>
-            <p:ph type="title"/>
-          </p:nvPr>
-        </p:nvSpPr>
-        <p:spPr>
-          <a:xfrm>
-            <a:off x="457200" y="274637"/>
-            <a:ext cx="8229600" cy="1143000"/>
-          </a:xfrm>
-          <a:prstGeom prst="rect">
-            <a:avLst/>
-          </a:prstGeom>
-        </p:spPr>
-        <p:txBody>
-          <a:bodyPr lIns="91425" tIns="91425" rIns="91425" bIns="91425" anchor="b" anchorCtr="0">
-            <a:noAutofit/>
-          </a:bodyPr>
-          <a:lstStyle/>
-          <a:p>
-            <a:pPr>
-              <a:buNone/>
-            </a:pPr>
-            <a:br>
-              <a:rPr lang="sv" dirty="0"/>
-            </a:br>
-            <a:r>
-              <a:rPr lang="sv" dirty="0"/>
-              <a:t>Visual Studio 2015</a:t>
-            </a:r>
-          </a:p>
-        </p:txBody>
-      </p:sp>
-      <p:sp>
-        <p:nvSpPr>
-          <p:cNvPr id="9" name="Shape 31"/>
-          <p:cNvSpPr txBox="1">
-            <a:spLocks noGrp="1"/>
-          </p:cNvSpPr>
-          <p:nvPr>
-            <p:ph type="body" idx="1"/>
-          </p:nvPr>
-        </p:nvSpPr>
-        <p:spPr>
-          <a:xfrm>
-            <a:off x="395536" y="1268760"/>
-            <a:ext cx="8229600" cy="4752528"/>
-          </a:xfrm>
-          <a:prstGeom prst="rect">
-            <a:avLst/>
-          </a:prstGeom>
-        </p:spPr>
-        <p:txBody>
-          <a:bodyPr lIns="91425" tIns="91425" rIns="91425" bIns="91425" anchor="t" anchorCtr="0">
-            <a:noAutofit/>
-          </a:bodyPr>
-          <a:lstStyle/>
-          <a:p>
-            <a:pPr marL="457200" lvl="0" indent="-381000">
-              <a:lnSpc>
-                <a:spcPct val="115000"/>
-              </a:lnSpc>
-              <a:spcBef>
-                <a:spcPts val="0"/>
-              </a:spcBef>
-              <a:buClr>
-                <a:srgbClr val="000000"/>
-              </a:buClr>
-              <a:buSzPct val="166666"/>
-              <a:buFont typeface="Arial"/>
-              <a:buChar char="•"/>
-            </a:pPr>
-            <a:r>
-              <a:rPr lang="sv" sz="2400" dirty="0"/>
-              <a:t>Stäng ert program</a:t>
-            </a:r>
-          </a:p>
-          <a:p>
-            <a:pPr marL="457200" lvl="0" indent="-381000">
-              <a:lnSpc>
-                <a:spcPct val="115000"/>
-              </a:lnSpc>
-              <a:spcBef>
-                <a:spcPts val="0"/>
-              </a:spcBef>
-              <a:buClr>
-                <a:srgbClr val="000000"/>
-              </a:buClr>
-              <a:buSzPct val="166666"/>
-              <a:buFont typeface="Arial"/>
-              <a:buChar char="•"/>
-            </a:pPr>
-            <a:r>
-              <a:rPr lang="sv" sz="2400" dirty="0"/>
-              <a:t>Stäng projektet, File -&gt; Close Solution</a:t>
-            </a:r>
-          </a:p>
-          <a:p>
-            <a:pPr marL="457200" lvl="0" indent="-381000">
-              <a:lnSpc>
-                <a:spcPct val="115000"/>
-              </a:lnSpc>
-              <a:spcBef>
-                <a:spcPts val="0"/>
-              </a:spcBef>
-              <a:buClr>
-                <a:srgbClr val="000000"/>
-              </a:buClr>
-              <a:buSzPct val="166666"/>
-              <a:buFont typeface="Arial"/>
-              <a:buChar char="•"/>
-            </a:pPr>
-            <a:r>
-              <a:rPr lang="sv" sz="2400" dirty="0"/>
-              <a:t>Skapa nytt projekt:</a:t>
-            </a:r>
-          </a:p>
-          <a:p>
-            <a:pPr marL="933450" lvl="1" indent="-457200">
-              <a:lnSpc>
-                <a:spcPct val="115000"/>
-              </a:lnSpc>
-              <a:spcBef>
-                <a:spcPts val="0"/>
-              </a:spcBef>
-              <a:buClr>
-                <a:srgbClr val="000000"/>
-              </a:buClr>
-              <a:buSzPct val="166666"/>
-              <a:buFont typeface="+mj-lt"/>
-              <a:buAutoNum type="arabicPeriod"/>
-            </a:pPr>
-            <a:r>
-              <a:rPr lang="sv" sz="2300" dirty="0"/>
-              <a:t>F</a:t>
-            </a:r>
-            <a:r>
-              <a:rPr lang="sv-SE" sz="2300" dirty="0"/>
-              <a:t>i</a:t>
-            </a:r>
-            <a:r>
-              <a:rPr lang="sv" sz="2300" dirty="0"/>
-              <a:t>le -&gt; New -&gt; Project</a:t>
-            </a:r>
-          </a:p>
-          <a:p>
-            <a:pPr marL="933450" lvl="1" indent="-457200">
-              <a:lnSpc>
-                <a:spcPct val="115000"/>
-              </a:lnSpc>
-              <a:spcBef>
-                <a:spcPts val="0"/>
-              </a:spcBef>
-              <a:buClr>
-                <a:srgbClr val="000000"/>
-              </a:buClr>
-              <a:buSzPct val="166666"/>
-              <a:buFont typeface="+mj-lt"/>
-              <a:buAutoNum type="arabicPeriod"/>
-            </a:pPr>
-            <a:r>
-              <a:rPr lang="sv" sz="2300" dirty="0"/>
-              <a:t>Välj typ Visual C# -&gt; Class Library</a:t>
-            </a:r>
-          </a:p>
-          <a:p>
-            <a:pPr marL="933450" lvl="1" indent="-457200">
-              <a:lnSpc>
-                <a:spcPct val="115000"/>
-              </a:lnSpc>
-              <a:spcBef>
-                <a:spcPts val="0"/>
-              </a:spcBef>
-              <a:buClr>
-                <a:srgbClr val="000000"/>
-              </a:buClr>
-              <a:buSzPct val="166666"/>
-              <a:buFont typeface="+mj-lt"/>
-              <a:buAutoNum type="arabicPeriod"/>
-            </a:pPr>
-            <a:r>
-              <a:rPr lang="sv" sz="2300" dirty="0"/>
-              <a:t>Name = SeleniumNunitSimple</a:t>
-            </a:r>
-          </a:p>
-          <a:p>
-            <a:pPr marL="933450" lvl="1" indent="-457200">
-              <a:lnSpc>
-                <a:spcPct val="115000"/>
-              </a:lnSpc>
-              <a:spcBef>
-                <a:spcPts val="0"/>
-              </a:spcBef>
-              <a:buClr>
-                <a:srgbClr val="000000"/>
-              </a:buClr>
-              <a:buSzPct val="166666"/>
-              <a:buFont typeface="+mj-lt"/>
-              <a:buAutoNum type="arabicPeriod"/>
-            </a:pPr>
-            <a:r>
-              <a:rPr lang="sv" sz="2300" dirty="0"/>
-              <a:t>OK</a:t>
-            </a:r>
-          </a:p>
-          <a:p>
-            <a:pPr marL="457200" lvl="0" indent="-381000">
-              <a:lnSpc>
-                <a:spcPct val="115000"/>
-              </a:lnSpc>
-              <a:spcBef>
-                <a:spcPts val="0"/>
-              </a:spcBef>
-              <a:buClr>
-                <a:srgbClr val="000000"/>
-              </a:buClr>
-              <a:buSzPct val="166666"/>
-              <a:buFont typeface="Arial"/>
-              <a:buChar char="•"/>
-            </a:pPr>
-            <a:endParaRPr lang="sv" sz="2400" dirty="0"/>
-          </a:p>
-        </p:txBody>
-      </p:sp>
-    </p:spTree>
-    <p:extLst>
-      <p:ext uri="{BB962C8B-B14F-4D97-AF65-F5344CB8AC3E}">
-        <p14:creationId xmlns:p14="http://schemas.microsoft.com/office/powerpoint/2010/main" val="2123638846"/>
-      </p:ext>
-    </p:extLst>
-  </p:cSld>
-  <p:clrMapOvr>
-    <a:masterClrMapping/>
-  </p:clrMapOvr>
-  <p:transition spd="slow">
-    <p:cut/>
-  </p:transition>
-</p:sld>
-</file>
-
 <file path=ppt/slides/slide5.xml><?xml version="1.0" encoding="utf-8"?>
 <p:sld xmlns:a="http://schemas.openxmlformats.org/drawingml/2006/main" xmlns:r="http://schemas.openxmlformats.org/officeDocument/2006/relationships" xmlns:p="http://schemas.openxmlformats.org/presentationml/2006/main">
   <p:cSld>
@@ -8287,7 +8786,7 @@
             </a:br>
             <a:r>
               <a:rPr lang="sv" dirty="0"/>
-              <a:t>Visual Studio 2015, Nuget</a:t>
+              <a:t>Visual Studio 2015</a:t>
             </a:r>
           </a:p>
         </p:txBody>
@@ -8333,7 +8832,7 @@
             </a:pPr>
             <a:r>
               <a:rPr lang="sv" sz="2400" dirty="0"/>
-              <a:t>I ’Solution Explorer’ högerklicka på 1:a raden</a:t>
+              <a:t>Stäng ert program</a:t>
             </a:r>
           </a:p>
           <a:p>
@@ -8353,7 +8852,7 @@
             </a:pPr>
             <a:r>
               <a:rPr lang="sv" sz="2400" dirty="0"/>
-              <a:t>Välj ’Manage NuGet Packages for solution...’</a:t>
+              <a:t>Stäng projektet, File -&gt; Close Solution</a:t>
             </a:r>
           </a:p>
           <a:p>
@@ -8373,7 +8872,95 @@
             </a:pPr>
             <a:r>
               <a:rPr lang="sv" sz="2400" dirty="0"/>
-              <a:t>NuGet-flik öppnas</a:t>
+              <a:t>Skapa nytt projekt:</a:t>
+            </a:r>
+          </a:p>
+          <a:p>
+            <a:pPr marL="933450" lvl="1" indent="-457200">
+              <a:lnSpc>
+                <a:spcPct val="115000"/>
+              </a:lnSpc>
+              <a:spcBef>
+                <a:spcPts val="0"/>
+              </a:spcBef>
+              <a:buClr>
+                <a:srgbClr val="000000"/>
+              </a:buClr>
+              <a:buSzPct val="166666"/>
+              <a:buFont typeface="+mj-lt"/>
+              <a:buAutoNum type="arabicPeriod"/>
+            </a:pPr>
+            <a:r>
+              <a:rPr lang="sv" sz="2300" dirty="0"/>
+              <a:t>F</a:t>
+            </a:r>
+            <a:r>
+              <a:rPr lang="sv-SE" sz="2300" dirty="0"/>
+              <a:t>i</a:t>
+            </a:r>
+            <a:r>
+              <a:rPr lang="sv" sz="2300" dirty="0"/>
+              <a:t>le -&gt; New -&gt; Project</a:t>
+            </a:r>
+          </a:p>
+          <a:p>
+            <a:pPr marL="933450" lvl="1" indent="-457200">
+              <a:lnSpc>
+                <a:spcPct val="115000"/>
+              </a:lnSpc>
+              <a:spcBef>
+                <a:spcPts val="0"/>
+              </a:spcBef>
+              <a:buClr>
+                <a:srgbClr val="000000"/>
+              </a:buClr>
+              <a:buSzPct val="166666"/>
+              <a:buFont typeface="+mj-lt"/>
+              <a:buAutoNum type="arabicPeriod"/>
+            </a:pPr>
+            <a:r>
+              <a:rPr lang="sv" sz="2300" dirty="0"/>
+              <a:t>Välj typ Visual C# -&gt; Class Library</a:t>
+            </a:r>
+          </a:p>
+          <a:p>
+            <a:pPr marL="933450" lvl="1" indent="-457200">
+              <a:lnSpc>
+                <a:spcPct val="115000"/>
+              </a:lnSpc>
+              <a:spcBef>
+                <a:spcPts val="0"/>
+              </a:spcBef>
+              <a:buClr>
+                <a:srgbClr val="000000"/>
+              </a:buClr>
+              <a:buSzPct val="166666"/>
+              <a:buFont typeface="+mj-lt"/>
+              <a:buAutoNum type="arabicPeriod"/>
+            </a:pPr>
+            <a:r>
+              <a:rPr lang="sv" sz="2300" dirty="0"/>
+              <a:t>Name = SeleniumNunitSimple</a:t>
+            </a:r>
+          </a:p>
+          <a:p>
+            <a:pPr marL="933450" lvl="1" indent="-457200">
+              <a:lnSpc>
+                <a:spcPct val="115000"/>
+              </a:lnSpc>
+              <a:spcBef>
+                <a:spcPts val="0"/>
+              </a:spcBef>
+              <a:buClr>
+                <a:srgbClr val="000000"/>
+              </a:buClr>
+              <a:buSzPct val="166666"/>
+              <a:buFont typeface="+mj-lt"/>
+              <a:buAutoNum type="arabicPeriod"/>
+            </a:pPr>
+            <a:r>
+              <a:rPr lang="sv" sz="2300" dirty="0"/>
+              <a:t>OK</a:t>
             </a:r>
           </a:p>
           <a:p>
@@ -8391,166 +8978,6 @@
               <a:buFont typeface="Arial"/>
               <a:buChar char="•"/>
             </a:pPr>
-            <a:r>
-              <a:rPr lang="sv" sz="2400" dirty="0"/>
-              <a:t>Sök-kategori ’Installed’ är default, välj kategori ’Browse’</a:t>
-            </a:r>
-          </a:p>
-          <a:p>
-            <a:pPr marL="457200" lvl="0" indent="-381000">
-              <a:lnSpc>
-                <a:spcPct val="115000"/>
-              </a:lnSpc>
-              <a:spcBef>
-                <a:spcPts val="0"/>
-              </a:spcBef>
-              <a:buClr>
-                <a:srgbClr val="000000"/>
-              </a:buClr>
-              <a:buSzPct val="166666"/>
-              <a:buFont typeface="Arial"/>
-              <a:buChar char="•"/>
-            </a:pPr>
-            <a:r>
-              <a:rPr lang="sv" sz="2400" dirty="0"/>
-              <a:t>I sökfält skriv in ’Nunit’, välj ’N</a:t>
-            </a:r>
-            <a:r>
-              <a:rPr lang="sv-SE" sz="2400" dirty="0"/>
-              <a:t>u</a:t>
-            </a:r>
-            <a:r>
-              <a:rPr lang="sv" sz="2400" dirty="0"/>
-              <a:t>nit’ v3.5.0</a:t>
-            </a:r>
-          </a:p>
-          <a:p>
-            <a:pPr marL="457200" lvl="0" indent="-381000">
-              <a:lnSpc>
-                <a:spcPct val="115000"/>
-              </a:lnSpc>
-              <a:spcBef>
-                <a:spcPts val="0"/>
-              </a:spcBef>
-              <a:buClr>
-                <a:srgbClr val="000000"/>
-              </a:buClr>
-              <a:buSzPct val="166666"/>
-              <a:buFont typeface="Arial"/>
-              <a:buChar char="•"/>
-            </a:pPr>
-            <a:r>
-              <a:rPr lang="sv" sz="2400" dirty="0"/>
-              <a:t>På högersidan boka för ’Project’, välj ’Install’</a:t>
-            </a:r>
-          </a:p>
-          <a:p>
-            <a:pPr marL="857250" lvl="1" indent="-381000">
-              <a:lnSpc>
-                <a:spcPct val="115000"/>
-              </a:lnSpc>
-              <a:spcBef>
-                <a:spcPts val="0"/>
-              </a:spcBef>
-              <a:buClr>
-                <a:srgbClr val="000000"/>
-              </a:buClr>
-              <a:buSzPct val="166666"/>
-              <a:buFont typeface="Arial"/>
-              <a:buChar char="•"/>
-            </a:pPr>
-            <a:r>
-              <a:rPr lang="sv" sz="2300" dirty="0"/>
-              <a:t>Klicka OK i eventuell popup</a:t>
-            </a:r>
-          </a:p>
-          <a:p>
-            <a:pPr marL="457200" indent="-381000">
-              <a:lnSpc>
-                <a:spcPct val="115000"/>
-              </a:lnSpc>
-              <a:spcBef>
-                <a:spcPts val="0"/>
-              </a:spcBef>
-              <a:buClr>
-                <a:srgbClr val="000000"/>
-              </a:buClr>
-              <a:buSzPct val="166666"/>
-              <a:buFont typeface="Arial"/>
-              <a:buChar char="•"/>
-            </a:pPr>
-            <a:r>
-              <a:rPr lang="sv" sz="2400" dirty="0"/>
-              <a:t>Välj kategori ’Installed’, nu ska N</a:t>
-            </a:r>
-            <a:r>
-              <a:rPr lang="sv-SE" sz="2400" dirty="0"/>
-              <a:t>u</a:t>
-            </a:r>
-            <a:r>
-              <a:rPr lang="sv" sz="2400" dirty="0"/>
-              <a:t>nit finnas där, klar att användas.</a:t>
-            </a:r>
-          </a:p>
-          <a:p>
-            <a:pPr marL="457200" indent="-381000">
-              <a:lnSpc>
-                <a:spcPct val="115000"/>
-              </a:lnSpc>
-              <a:spcBef>
-                <a:spcPts val="0"/>
-              </a:spcBef>
-              <a:buClr>
-                <a:srgbClr val="000000"/>
-              </a:buClr>
-              <a:buSzPct val="166666"/>
-              <a:buFont typeface="Arial"/>
-              <a:buChar char="•"/>
-            </a:pPr>
-            <a:r>
-              <a:rPr lang="sv" sz="2400" dirty="0"/>
-              <a:t>I Solution Explorer expanders ’References’, N</a:t>
-            </a:r>
-            <a:r>
-              <a:rPr lang="sv-SE" sz="2400" dirty="0"/>
-              <a:t>u</a:t>
-            </a:r>
-            <a:r>
-              <a:rPr lang="sv" sz="2400" dirty="0"/>
-              <a:t>nit finns där också.</a:t>
-            </a:r>
-          </a:p>
-          <a:p>
-            <a:pPr marL="476250" lvl="1" indent="0">
-              <a:lnSpc>
-                <a:spcPct val="115000"/>
-              </a:lnSpc>
-              <a:spcBef>
-                <a:spcPts val="0"/>
-              </a:spcBef>
-              <a:buClr>
-                <a:srgbClr val="000000"/>
-              </a:buClr>
-              <a:buSzPct val="166666"/>
-              <a:buNone/>
-            </a:pPr>
-            <a:endParaRPr lang="sv" sz="2300" dirty="0"/>
-          </a:p>
-          <a:p>
-            <a:pPr marL="457200" lvl="0" indent="-381000">
-              <a:lnSpc>
-                <a:spcPct val="115000"/>
-              </a:lnSpc>
-              <a:spcBef>
-                <a:spcPts val="0"/>
-              </a:spcBef>
-              <a:buClr>
-                <a:srgbClr val="000000"/>
-              </a:buClr>
-              <a:buSzPct val="166666"/>
-              <a:buFont typeface="Arial"/>
-              <a:buChar char="•"/>
-            </a:pPr>
             <a:endParaRPr lang="sv" sz="2400" dirty="0"/>
           </a:p>
         </p:txBody>
@@ -8558,7 +8985,7 @@
     </p:spTree>
     <p:extLst>
       <p:ext uri="{BB962C8B-B14F-4D97-AF65-F5344CB8AC3E}">
-        <p14:creationId xmlns:p14="http://schemas.microsoft.com/office/powerpoint/2010/main" val="2404218601"/>
+        <p14:creationId xmlns:p14="http://schemas.microsoft.com/office/powerpoint/2010/main" val="2123638846"/>
       </p:ext>
     </p:extLst>
   </p:cSld>
@@ -8666,34 +9093,9 @@
               <a:buChar char="•"/>
             </a:pPr>
             <a:r>
-              <a:rPr lang="sv-SE" sz="2400" dirty="0"/>
-              <a:t>Sök upp och installera ’</a:t>
-            </a:r>
-            <a:r>
-              <a:rPr lang="sv-SE" sz="2400" dirty="0"/>
-              <a:t>NUnit3TestAdapter’</a:t>
-            </a:r>
-            <a:r>
-              <a:rPr lang="sv-SE" sz="2400" dirty="0"/>
-              <a:t> </a:t>
-            </a:r>
-            <a:endParaRPr lang="sv" sz="2400" dirty="0"/>
-          </a:p>
-          <a:p>
-            <a:pPr marL="476250" lvl="1" indent="0">
-              <a:lnSpc>
-                <a:spcPct val="115000"/>
-              </a:lnSpc>
-              <a:spcBef>
-                <a:spcPts val="0"/>
-              </a:spcBef>
-              <a:buClr>
-                <a:srgbClr val="000000"/>
-              </a:buClr>
-              <a:buSzPct val="166666"/>
-              <a:buNone/>
-            </a:pPr>
-            <a:endParaRPr lang="sv" sz="2300" dirty="0"/>
+              <a:rPr lang="sv" sz="2400" dirty="0"/>
+              <a:t>I ’Solution Explorer’ högerklicka på 1:a raden</a:t>
+            </a:r>
           </a:p>
           <a:p>
             <a:pPr marL="457200" lvl="0" indent="-381000">
@@ -8710,6 +9112,206 @@
               <a:buFont typeface="Arial"/>
               <a:buChar char="•"/>
             </a:pPr>
+            <a:r>
+              <a:rPr lang="sv" sz="2400" dirty="0"/>
+              <a:t>Välj ’Manage NuGet Packages for solution...’</a:t>
+            </a:r>
+          </a:p>
+          <a:p>
+            <a:pPr marL="457200" lvl="0" indent="-381000">
+              <a:lnSpc>
+                <a:spcPct val="115000"/>
+              </a:lnSpc>
+              <a:spcBef>
+                <a:spcPts val="0"/>
+              </a:spcBef>
+              <a:buClr>
+                <a:srgbClr val="000000"/>
+              </a:buClr>
+              <a:buSzPct val="166666"/>
+              <a:buFont typeface="Arial"/>
+              <a:buChar char="•"/>
+            </a:pPr>
+            <a:r>
+              <a:rPr lang="sv" sz="2400" dirty="0"/>
+              <a:t>NuGet-flik öppnas</a:t>
+            </a:r>
+          </a:p>
+          <a:p>
+            <a:pPr marL="457200" lvl="0" indent="-381000">
+              <a:lnSpc>
+                <a:spcPct val="115000"/>
+              </a:lnSpc>
+              <a:spcBef>
+                <a:spcPts val="0"/>
+              </a:spcBef>
+              <a:buClr>
+                <a:srgbClr val="000000"/>
+              </a:buClr>
+              <a:buSzPct val="166666"/>
+              <a:buFont typeface="Arial"/>
+              <a:buChar char="•"/>
+            </a:pPr>
+            <a:r>
+              <a:rPr lang="sv" sz="2400" dirty="0"/>
+              <a:t>Sök-kategori ’Installed’ är default, välj kategori ’Browse’</a:t>
+            </a:r>
+          </a:p>
+          <a:p>
+            <a:pPr marL="457200" lvl="0" indent="-381000">
+              <a:lnSpc>
+                <a:spcPct val="115000"/>
+              </a:lnSpc>
+              <a:spcBef>
+                <a:spcPts val="0"/>
+              </a:spcBef>
+              <a:buClr>
+                <a:srgbClr val="000000"/>
+              </a:buClr>
+              <a:buSzPct val="166666"/>
+              <a:buFont typeface="Arial"/>
+              <a:buChar char="•"/>
+            </a:pPr>
+            <a:r>
+              <a:rPr lang="sv" sz="2400" dirty="0"/>
+              <a:t>I sökfält skriv in ’Nunit’, välj ’N</a:t>
+            </a:r>
+            <a:r>
+              <a:rPr lang="sv-SE" sz="2400" dirty="0"/>
+              <a:t>u</a:t>
+            </a:r>
+            <a:r>
+              <a:rPr lang="sv" sz="2400" dirty="0"/>
+              <a:t>nit’ v3.5.0</a:t>
+            </a:r>
+          </a:p>
+          <a:p>
+            <a:pPr marL="457200" lvl="0" indent="-381000">
+              <a:lnSpc>
+                <a:spcPct val="115000"/>
+              </a:lnSpc>
+              <a:spcBef>
+                <a:spcPts val="0"/>
+              </a:spcBef>
+              <a:buClr>
+                <a:srgbClr val="000000"/>
+              </a:buClr>
+              <a:buSzPct val="166666"/>
+              <a:buFont typeface="Arial"/>
+              <a:buChar char="•"/>
+            </a:pPr>
+            <a:r>
+              <a:rPr lang="sv" sz="2400" dirty="0"/>
+              <a:t>På högersidan boka för ’Project’, välj ’Install’</a:t>
+            </a:r>
+          </a:p>
+          <a:p>
+            <a:pPr marL="857250" lvl="1" indent="-381000">
+              <a:lnSpc>
+                <a:spcPct val="115000"/>
+              </a:lnSpc>
+              <a:spcBef>
+                <a:spcPts val="0"/>
+              </a:spcBef>
+              <a:buClr>
+                <a:srgbClr val="000000"/>
+              </a:buClr>
+              <a:buSzPct val="166666"/>
+              <a:buFont typeface="Arial"/>
+              <a:buChar char="•"/>
+            </a:pPr>
+            <a:r>
+              <a:rPr lang="sv" sz="2300" dirty="0"/>
+              <a:t>Klicka OK i eventuell popup</a:t>
+            </a:r>
+          </a:p>
+          <a:p>
+            <a:pPr marL="457200" indent="-381000">
+              <a:lnSpc>
+                <a:spcPct val="115000"/>
+              </a:lnSpc>
+              <a:spcBef>
+                <a:spcPts val="0"/>
+              </a:spcBef>
+              <a:buClr>
+                <a:srgbClr val="000000"/>
+              </a:buClr>
+              <a:buSzPct val="166666"/>
+              <a:buFont typeface="Arial"/>
+              <a:buChar char="•"/>
+            </a:pPr>
+            <a:r>
+              <a:rPr lang="sv" sz="2400" dirty="0"/>
+              <a:t>Välj kategori ’Installed’, nu ska N</a:t>
+            </a:r>
+            <a:r>
+              <a:rPr lang="sv-SE" sz="2400" dirty="0"/>
+              <a:t>u</a:t>
+            </a:r>
+            <a:r>
+              <a:rPr lang="sv" sz="2400" dirty="0"/>
+              <a:t>nit finnas där, klar att användas.</a:t>
+            </a:r>
+          </a:p>
+          <a:p>
+            <a:pPr marL="457200" indent="-381000">
+              <a:lnSpc>
+                <a:spcPct val="115000"/>
+              </a:lnSpc>
+              <a:spcBef>
+                <a:spcPts val="0"/>
+              </a:spcBef>
+              <a:buClr>
+                <a:srgbClr val="000000"/>
+              </a:buClr>
+              <a:buSzPct val="166666"/>
+              <a:buFont typeface="Arial"/>
+              <a:buChar char="•"/>
+            </a:pPr>
+            <a:r>
+              <a:rPr lang="sv" sz="2400" dirty="0"/>
+              <a:t>I Solution Explorer expanders ’References’, N</a:t>
+            </a:r>
+            <a:r>
+              <a:rPr lang="sv-SE" sz="2400" dirty="0"/>
+              <a:t>u</a:t>
+            </a:r>
+            <a:r>
+              <a:rPr lang="sv" sz="2400" dirty="0"/>
+              <a:t>nit finns där också.</a:t>
+            </a:r>
+          </a:p>
+          <a:p>
+            <a:pPr marL="476250" lvl="1" indent="0">
+              <a:lnSpc>
+                <a:spcPct val="115000"/>
+              </a:lnSpc>
+              <a:spcBef>
+                <a:spcPts val="0"/>
+              </a:spcBef>
+              <a:buClr>
+                <a:srgbClr val="000000"/>
+              </a:buClr>
+              <a:buSzPct val="166666"/>
+              <a:buNone/>
+            </a:pPr>
+            <a:endParaRPr lang="sv" sz="2300" dirty="0"/>
+          </a:p>
+          <a:p>
+            <a:pPr marL="457200" lvl="0" indent="-381000">
+              <a:lnSpc>
+                <a:spcPct val="115000"/>
+              </a:lnSpc>
+              <a:spcBef>
+                <a:spcPts val="0"/>
+              </a:spcBef>
+              <a:buClr>
+                <a:srgbClr val="000000"/>
+              </a:buClr>
+              <a:buSzPct val="166666"/>
+              <a:buFont typeface="Arial"/>
+              <a:buChar char="•"/>
+            </a:pPr>
             <a:endParaRPr lang="sv" sz="2400" dirty="0"/>
           </a:p>
         </p:txBody>
@@ -8717,7 +9319,7 @@
     </p:spTree>
     <p:extLst>
       <p:ext uri="{BB962C8B-B14F-4D97-AF65-F5344CB8AC3E}">
-        <p14:creationId xmlns:p14="http://schemas.microsoft.com/office/powerpoint/2010/main" val="4212436757"/>
+        <p14:creationId xmlns:p14="http://schemas.microsoft.com/office/powerpoint/2010/main" val="2404218601"/>
       </p:ext>
     </p:extLst>
   </p:cSld>
@@ -8780,7 +9382,7 @@
             </a:br>
             <a:r>
               <a:rPr lang="sv" dirty="0"/>
-              <a:t>Visual Studio 2015, NUnit</a:t>
+              <a:t>Visual Studio 2015, Nuget</a:t>
             </a:r>
           </a:p>
         </p:txBody>
@@ -8825,17 +9427,26 @@
               <a:buChar char="•"/>
             </a:pPr>
             <a:r>
-              <a:rPr lang="sv" sz="2400" dirty="0"/>
-              <a:t>N</a:t>
-            </a:r>
-            <a:r>
               <a:rPr lang="sv-SE" sz="2400" dirty="0"/>
-              <a:t>u</a:t>
-            </a:r>
-            <a:r>
-              <a:rPr lang="sv" sz="2400" dirty="0"/>
-              <a:t>nit är ett enhetstestramverk för alla .Net språk.</a:t>
-            </a:r>
+              <a:t>Sök upp och installera ’NUnit3TestAdapter’ </a:t>
+            </a:r>
+            <a:endParaRPr lang="sv" sz="2400" dirty="0"/>
+          </a:p>
+          <a:p>
+            <a:pPr marL="476250" lvl="1" indent="0">
+              <a:lnSpc>
+                <a:spcPct val="115000"/>
+              </a:lnSpc>
+              <a:spcBef>
+                <a:spcPts val="0"/>
+              </a:spcBef>
+              <a:buClr>
+                <a:srgbClr val="000000"/>
+              </a:buClr>
+              <a:buSzPct val="166666"/>
+              <a:buNone/>
+            </a:pPr>
+            <a:endParaRPr lang="sv" sz="2300" dirty="0"/>
           </a:p>
           <a:p>
             <a:pPr marL="457200" lvl="0" indent="-381000">
@@ -8852,45 +9463,14 @@
               <a:buFont typeface="Arial"/>
               <a:buChar char="•"/>
             </a:pPr>
-            <a:r>
-              <a:rPr lang="sv" sz="2400" dirty="0"/>
-              <a:t>N</a:t>
-            </a:r>
-            <a:r>
-              <a:rPr lang="sv-SE" sz="2400" dirty="0"/>
-              <a:t>u</a:t>
-            </a:r>
-            <a:r>
-              <a:rPr lang="sv" sz="2400" dirty="0"/>
-              <a:t>nit är Open Source, 3.0 under MIT license.</a:t>
-            </a:r>
-          </a:p>
-          <a:p>
-            <a:pPr marL="457200" lvl="0" indent="-381000">
-              <a:lnSpc>
-                <a:spcPct val="115000"/>
-              </a:lnSpc>
-              <a:spcBef>
-                <a:spcPts val="0"/>
-              </a:spcBef>
-              <a:buClr>
-                <a:srgbClr val="000000"/>
-              </a:buClr>
-              <a:buSzPct val="166666"/>
-              <a:buFont typeface="Arial"/>
-              <a:buChar char="•"/>
-            </a:pPr>
-            <a:r>
-              <a:rPr lang="sv" sz="2400" dirty="0"/>
-              <a:t>Liknar andra ramverk som t.ex. JUnit</a:t>
-            </a:r>
+            <a:endParaRPr lang="sv" sz="2400" dirty="0"/>
           </a:p>
         </p:txBody>
       </p:sp>
     </p:spTree>
     <p:extLst>
       <p:ext uri="{BB962C8B-B14F-4D97-AF65-F5344CB8AC3E}">
-        <p14:creationId xmlns:p14="http://schemas.microsoft.com/office/powerpoint/2010/main" val="873275103"/>
+        <p14:creationId xmlns:p14="http://schemas.microsoft.com/office/powerpoint/2010/main" val="4212436757"/>
       </p:ext>
     </p:extLst>
   </p:cSld>
@@ -8999,7 +9579,15 @@
             </a:pPr>
             <a:r>
               <a:rPr lang="sv" sz="2400" dirty="0"/>
-              <a:t>Byt namn på testclassen till ’SimpleSearch’</a:t>
+              <a:t>N</a:t>
+            </a:r>
+            <a:r>
+              <a:rPr lang="sv-SE" sz="2400" dirty="0"/>
+              <a:t>u</a:t>
+            </a:r>
+            <a:r>
+              <a:rPr lang="sv" sz="2400" dirty="0"/>
+              <a:t>nit är ett enhetstestramverk för alla .Net språk.</a:t>
             </a:r>
           </a:p>
           <a:p>
@@ -9019,47 +9607,15 @@
             </a:pPr>
             <a:r>
               <a:rPr lang="sv" sz="2400" dirty="0"/>
-              <a:t>För att byta både filnamn och klassnamn:</a:t>
-            </a:r>
-          </a:p>
-          <a:p>
-            <a:pPr marL="857250" lvl="1" indent="-381000">
-              <a:lnSpc>
-                <a:spcPct val="115000"/>
-              </a:lnSpc>
-              <a:spcBef>
-                <a:spcPts val="0"/>
-              </a:spcBef>
-              <a:buClr>
-                <a:srgbClr val="000000"/>
-              </a:buClr>
-              <a:buSzPct val="166666"/>
-              <a:buFont typeface="Arial"/>
-              <a:buChar char="•"/>
-            </a:pPr>
-            <a:r>
-              <a:rPr lang="sv" sz="2300" dirty="0"/>
-              <a:t>Högerklicka ’Class1.cs’ i Solution Explorer</a:t>
-            </a:r>
-          </a:p>
-          <a:p>
-            <a:pPr marL="857250" lvl="1" indent="-381000">
-              <a:lnSpc>
-                <a:spcPct val="115000"/>
-              </a:lnSpc>
-              <a:spcBef>
-                <a:spcPts val="0"/>
-              </a:spcBef>
-              <a:buClr>
-                <a:srgbClr val="000000"/>
-              </a:buClr>
-              <a:buSzPct val="166666"/>
-              <a:buFont typeface="Arial"/>
-              <a:buChar char="•"/>
-            </a:pPr>
-            <a:r>
-              <a:rPr lang="sv" sz="2300" dirty="0"/>
-              <a:t>Välj ’Rename’</a:t>
+              <a:t>N</a:t>
+            </a:r>
+            <a:r>
+              <a:rPr lang="sv-SE" sz="2400" dirty="0"/>
+              <a:t>u</a:t>
+            </a:r>
+            <a:r>
+              <a:rPr lang="sv" sz="2400" dirty="0"/>
+              <a:t>nit är Open Source, 3.0 under MIT license.</a:t>
             </a:r>
           </a:p>
           <a:p>
@@ -9077,14 +9633,17 @@
               <a:buFont typeface="Arial"/>
               <a:buChar char="•"/>
             </a:pPr>
-            <a:endParaRPr lang="sv" sz="2400" dirty="0"/>
+            <a:r>
+              <a:rPr lang="sv" sz="2400" dirty="0"/>
+              <a:t>Liknar andra ramverk som t.ex. JUnit</a:t>
+            </a:r>
           </a:p>
         </p:txBody>
       </p:sp>
     </p:spTree>
     <p:extLst>
       <p:ext uri="{BB962C8B-B14F-4D97-AF65-F5344CB8AC3E}">
-        <p14:creationId xmlns:p14="http://schemas.microsoft.com/office/powerpoint/2010/main" val="36842626"/>
+        <p14:creationId xmlns:p14="http://schemas.microsoft.com/office/powerpoint/2010/main" val="873275103"/>
       </p:ext>
     </p:extLst>
   </p:cSld>
@@ -9193,7 +9752,27 @@
             </a:pPr>
             <a:r>
               <a:rPr lang="sv" sz="2400" dirty="0"/>
-              <a:t>Attribut</a:t>
+              <a:t>Byt namn på testclassen till ’SimpleSearch’</a:t>
+            </a:r>
+          </a:p>
+          <a:p>
+            <a:pPr marL="457200" lvl="0" indent="-381000">
+              <a:lnSpc>
+                <a:spcPct val="115000"/>
+              </a:lnSpc>
+              <a:spcBef>
+                <a:spcPts val="0"/>
+              </a:spcBef>
+              <a:buClr>
+                <a:srgbClr val="000000"/>
+              </a:buClr>
+              <a:buSzPct val="166666"/>
+              <a:buFont typeface="Arial"/>
+              <a:buChar char="•"/>
+            </a:pPr>
+            <a:r>
+              <a:rPr lang="sv" sz="2400" dirty="0"/>
+              <a:t>För att byta både filnamn och klassnamn:</a:t>
             </a:r>
           </a:p>
           <a:p>
@@ -9212,16 +9791,8 @@
               <a:buChar char="•"/>
             </a:pPr>
             <a:r>
-              <a:rPr lang="sv-SE" dirty="0"/>
-              <a:t>[</a:t>
-            </a:r>
-            <a:r>
-              <a:rPr lang="sv-SE" dirty="0" err="1"/>
-              <a:t>TestFixture</a:t>
-            </a:r>
-            <a:r>
-              <a:rPr lang="sv-SE" dirty="0"/>
-              <a:t>] – Sätts på Klass</a:t>
+              <a:rPr lang="sv" sz="2300" dirty="0"/>
+              <a:t>Högerklicka ’Class1.cs’ i Solution Explorer</a:t>
             </a:r>
           </a:p>
           <a:p>
@@ -9240,20 +9811,12 @@
               <a:buChar char="•"/>
             </a:pPr>
             <a:r>
-              <a:rPr lang="sv-SE" dirty="0"/>
-              <a:t>[</a:t>
-            </a:r>
-            <a:r>
-              <a:rPr lang="sv-SE" dirty="0" err="1"/>
-              <a:t>SetUp</a:t>
-            </a:r>
-            <a:r>
-              <a:rPr lang="sv-SE" dirty="0"/>
-              <a:t>] – Sätts på Funktion</a:t>
-            </a:r>
-          </a:p>
-          <a:p>
-            <a:pPr marL="857250" lvl="1" indent="-381000">
+              <a:rPr lang="sv" sz="2300" dirty="0"/>
+              <a:t>Välj ’Rename’</a:t>
+            </a:r>
+          </a:p>
+          <a:p>
+            <a:pPr marL="457200" lvl="0" indent="-381000">
               <a:lnSpc>
                 <a:spcPct val="115000"/>
               </a:lnSpc>
@@ -9267,102 +9830,14 @@
               <a:buFont typeface="Arial"/>
               <a:buChar char="•"/>
             </a:pPr>
-            <a:r>
-              <a:rPr lang="sv-SE" dirty="0"/>
-              <a:t>[Test] – Sätts på Funktion</a:t>
-            </a:r>
-          </a:p>
-          <a:p>
-            <a:pPr marL="857250" lvl="1" indent="-381000">
-              <a:lnSpc>
-                <a:spcPct val="115000"/>
-              </a:lnSpc>
-              <a:spcBef>
-                <a:spcPts val="0"/>
-              </a:spcBef>
-              <a:buClr>
-                <a:srgbClr val="000000"/>
-              </a:buClr>
-              <a:buSzPct val="166666"/>
-              <a:buFont typeface="Arial"/>
-              <a:buChar char="•"/>
-            </a:pPr>
-            <a:r>
-              <a:rPr lang="sv-SE" dirty="0"/>
-              <a:t>[</a:t>
-            </a:r>
-            <a:r>
-              <a:rPr lang="sv-SE" dirty="0" err="1"/>
-              <a:t>TestCase</a:t>
-            </a:r>
-            <a:r>
-              <a:rPr lang="sv-SE" dirty="0"/>
-              <a:t>] – Sätts på Funktion</a:t>
-            </a:r>
-          </a:p>
-          <a:p>
-            <a:pPr marL="857250" lvl="1" indent="-381000">
-              <a:lnSpc>
-                <a:spcPct val="115000"/>
-              </a:lnSpc>
-              <a:spcBef>
-                <a:spcPts val="0"/>
-              </a:spcBef>
-              <a:buClr>
-                <a:srgbClr val="000000"/>
-              </a:buClr>
-              <a:buSzPct val="166666"/>
-              <a:buFont typeface="Arial"/>
-              <a:buChar char="•"/>
-            </a:pPr>
-            <a:r>
-              <a:rPr lang="sv-SE" dirty="0"/>
-              <a:t>[</a:t>
-            </a:r>
-            <a:r>
-              <a:rPr lang="sv-SE" dirty="0" err="1"/>
-              <a:t>TearDown</a:t>
-            </a:r>
-            <a:r>
-              <a:rPr lang="sv-SE" dirty="0"/>
-              <a:t>] – Sätts på Funktion</a:t>
-            </a:r>
-          </a:p>
-          <a:p>
-            <a:pPr marL="857250" lvl="1" indent="-381000">
-              <a:lnSpc>
-                <a:spcPct val="115000"/>
-              </a:lnSpc>
-              <a:spcBef>
-                <a:spcPts val="0"/>
-              </a:spcBef>
-              <a:buClr>
-                <a:srgbClr val="000000"/>
-              </a:buClr>
-              <a:buSzPct val="166666"/>
-              <a:buFont typeface="Arial"/>
-              <a:buChar char="•"/>
-            </a:pPr>
-            <a:r>
-              <a:rPr lang="sv-SE" dirty="0"/>
-              <a:t>[</a:t>
-            </a:r>
-            <a:r>
-              <a:rPr lang="sv-SE" dirty="0" err="1"/>
-              <a:t>Ignore</a:t>
-            </a:r>
-            <a:r>
-              <a:rPr lang="sv-SE" dirty="0"/>
-              <a:t>] – Sätts på testfall</a:t>
-            </a:r>
-            <a:endParaRPr lang="sv" dirty="0"/>
+            <a:endParaRPr lang="sv" sz="2400" dirty="0"/>
           </a:p>
         </p:txBody>
       </p:sp>
     </p:spTree>
     <p:extLst>
       <p:ext uri="{BB962C8B-B14F-4D97-AF65-F5344CB8AC3E}">
-        <p14:creationId xmlns:p14="http://schemas.microsoft.com/office/powerpoint/2010/main" val="3302721169"/>
+        <p14:creationId xmlns:p14="http://schemas.microsoft.com/office/powerpoint/2010/main" val="36842626"/>
       </p:ext>
     </p:extLst>
   </p:cSld>

--- a/Selenium_VS2015_Bas.pptx
+++ b/Selenium_VS2015_Bas.pptx
@@ -5,7 +5,7 @@
     <p:sldMasterId id="2147483648" r:id="rId1"/>
   </p:sldMasterIdLst>
   <p:notesMasterIdLst>
-    <p:notesMasterId r:id="rId14"/>
+    <p:notesMasterId r:id="rId17"/>
   </p:notesMasterIdLst>
   <p:sldIdLst>
     <p:sldId id="256" r:id="rId2"/>
@@ -19,7 +19,10 @@
     <p:sldId id="385" r:id="rId10"/>
     <p:sldId id="386" r:id="rId11"/>
     <p:sldId id="387" r:id="rId12"/>
-    <p:sldId id="381" r:id="rId13"/>
+    <p:sldId id="390" r:id="rId13"/>
+    <p:sldId id="391" r:id="rId14"/>
+    <p:sldId id="392" r:id="rId15"/>
+    <p:sldId id="381" r:id="rId16"/>
   </p:sldIdLst>
   <p:sldSz cx="9144000" cy="6858000" type="screen4x3"/>
   <p:notesSz cx="6797675" cy="9926638"/>
@@ -732,7 +735,7 @@
           <a:p>
             <a:r>
               <a:rPr lang="sv-SE" baseline="0" dirty="0"/>
-              <a:t>För att initialisera data/driver och annat som är gemensamt för testfallen finns notifieringen </a:t>
+              <a:t>För att initialisera data/drivers och annat som är gemensamt för testfallen finns notifieringen </a:t>
             </a:r>
             <a:r>
               <a:rPr lang="sv-SE" baseline="0" dirty="0" err="1"/>
@@ -817,7 +820,7 @@
             </a:r>
             <a:r>
               <a:rPr lang="sv-SE" baseline="0" dirty="0"/>
-              <a:t> kan läggas på ett testfall för att exkludera det från testerna. Test av test t.ex.</a:t>
+              <a:t> kan läggas på ett testfall för att exkludera det från exekvering av testerna. Test av test t.ex.</a:t>
             </a:r>
           </a:p>
           <a:p>
@@ -947,6 +950,15 @@
           <a:p>
             <a:r>
               <a:rPr lang="sv-SE" dirty="0"/>
+              <a:t>Vi kommer alltså att skriva C#-kod. C# är väldigt likt java, så för er som kodat java innan är det inga större problem.</a:t>
+            </a:r>
+          </a:p>
+          <a:p>
+            <a:endParaRPr lang="sv-SE" dirty="0"/>
+          </a:p>
+          <a:p>
+            <a:r>
+              <a:rPr lang="sv-SE" dirty="0"/>
               <a:t>Implementera enligt sliden, ni</a:t>
             </a:r>
             <a:r>
@@ -955,9 +967,76 @@
             </a:r>
           </a:p>
           <a:p>
-            <a:endParaRPr lang="sv-SE" baseline="0" dirty="0"/>
-          </a:p>
-          <a:p>
+            <a:pPr marL="171450" indent="-171450">
+              <a:buFontTx/>
+              <a:buChar char="-"/>
+            </a:pPr>
+            <a:r>
+              <a:rPr lang="sv-SE" baseline="0" dirty="0" err="1"/>
+              <a:t>Using</a:t>
+            </a:r>
+            <a:r>
+              <a:rPr lang="sv-SE" baseline="0" dirty="0"/>
+              <a:t> motsvarar Javas import, dvs definition av de externa </a:t>
+            </a:r>
+            <a:r>
+              <a:rPr lang="sv-SE" baseline="0" dirty="0" err="1"/>
+              <a:t>api</a:t>
+            </a:r>
+            <a:r>
+              <a:rPr lang="sv-SE" baseline="0" dirty="0"/>
+              <a:t>/klasser som man vill använda</a:t>
+            </a:r>
+          </a:p>
+          <a:p>
+            <a:pPr marL="171450" indent="-171450">
+              <a:buFontTx/>
+              <a:buChar char="-"/>
+            </a:pPr>
+            <a:r>
+              <a:rPr lang="sv-SE" baseline="0" dirty="0" err="1"/>
+              <a:t>Namespace</a:t>
+            </a:r>
+            <a:r>
+              <a:rPr lang="sv-SE" baseline="0" dirty="0"/>
+              <a:t> </a:t>
+            </a:r>
+            <a:r>
+              <a:rPr lang="sv-SE" sz="1200" dirty="0"/>
+              <a:t>Motsvarar Javas </a:t>
+            </a:r>
+            <a:r>
+              <a:rPr lang="sv-SE" sz="1200" dirty="0" err="1"/>
+              <a:t>Package</a:t>
+            </a:r>
+            <a:r>
+              <a:rPr lang="sv-SE" sz="1200" dirty="0"/>
+              <a:t>, ett sätt att unikt identifiera klasstillhörighet</a:t>
+            </a:r>
+          </a:p>
+          <a:p>
+            <a:pPr marL="171450" indent="-171450">
+              <a:buFontTx/>
+              <a:buChar char="-"/>
+            </a:pPr>
+            <a:r>
+              <a:rPr lang="sv-SE" sz="1200" baseline="0" dirty="0"/>
+              <a:t>Public samma som i Java, deklaration av vem som får se/använda klass/funktion/attribut</a:t>
+            </a:r>
+          </a:p>
+          <a:p>
+            <a:pPr marL="171450" indent="-171450">
+              <a:buFontTx/>
+              <a:buChar char="-"/>
+            </a:pPr>
+            <a:r>
+              <a:rPr lang="sv-SE" sz="1200" baseline="0" dirty="0" err="1"/>
+              <a:t>Void</a:t>
+            </a:r>
+            <a:r>
+              <a:rPr lang="sv-SE" sz="1200" baseline="0" dirty="0"/>
+              <a:t> samma som i Java, betyder att funktion ej returnerar något</a:t>
+            </a:r>
             <a:endParaRPr lang="sv-SE" baseline="0" dirty="0"/>
           </a:p>
           <a:p>
@@ -982,9 +1061,37 @@
             </a:r>
           </a:p>
           <a:p>
-            <a:endParaRPr lang="sv-SE" baseline="0" dirty="0"/>
-          </a:p>
-          <a:p>
+            <a:r>
+              <a:rPr lang="sv-SE" baseline="0" dirty="0"/>
+              <a:t>Hitta alla </a:t>
+            </a:r>
+            <a:r>
+              <a:rPr lang="sv-SE" baseline="0" dirty="0" err="1"/>
+              <a:t>testexplorer</a:t>
+            </a:r>
+            <a:r>
+              <a:rPr lang="sv-SE" baseline="0" dirty="0"/>
+              <a:t>-fönstret?</a:t>
+            </a:r>
+          </a:p>
+          <a:p>
+            <a:pPr marL="0" marR="0" lvl="0" indent="0" algn="l" defTabSz="914400" rtl="0" eaLnBrk="1" fontAlgn="auto" latinLnBrk="0" hangingPunct="1">
+              <a:lnSpc>
+                <a:spcPct val="100000"/>
+              </a:lnSpc>
+              <a:spcBef>
+                <a:spcPts val="0"/>
+              </a:spcBef>
+              <a:spcAft>
+                <a:spcPts val="0"/>
+              </a:spcAft>
+              <a:buClrTx/>
+              <a:buSzTx/>
+              <a:buFontTx/>
+              <a:buNone/>
+              <a:tabLst/>
+              <a:defRPr/>
+            </a:pPr>
             <a:r>
               <a:rPr lang="sv-SE" baseline="0" dirty="0"/>
               <a:t>Har alla fått det att funka?</a:t>
@@ -996,6 +1103,67 @@
           <a:p>
             <a:r>
               <a:rPr lang="sv-SE" baseline="0" dirty="0"/>
+              <a:t>Nederst under </a:t>
+            </a:r>
+            <a:r>
+              <a:rPr lang="sv-SE" baseline="0" dirty="0" err="1"/>
+              <a:t>testexporer</a:t>
+            </a:r>
+            <a:r>
+              <a:rPr lang="sv-SE" baseline="0" dirty="0"/>
+              <a:t>-fönstret syns resultat från de tester som genererat någon form av output.</a:t>
+            </a:r>
+          </a:p>
+          <a:p>
+            <a:r>
+              <a:rPr lang="sv-SE" baseline="0" dirty="0"/>
+              <a:t>Klicka på Output för att se resultaten, här syns även eventuella fel från testkörningen.</a:t>
+            </a:r>
+          </a:p>
+          <a:p>
+            <a:endParaRPr lang="sv-SE" baseline="0" dirty="0"/>
+          </a:p>
+          <a:p>
+            <a:r>
+              <a:rPr lang="sv-SE" baseline="0" dirty="0"/>
+              <a:t>Observera hur parametern </a:t>
+            </a:r>
+            <a:r>
+              <a:rPr lang="sv-SE" baseline="0" dirty="0" err="1"/>
+              <a:t>Foo</a:t>
+            </a:r>
+            <a:r>
+              <a:rPr lang="sv-SE" baseline="0" dirty="0"/>
+              <a:t> i </a:t>
+            </a:r>
+            <a:r>
+              <a:rPr lang="sv-SE" baseline="0" dirty="0" err="1"/>
+              <a:t>TestCase</a:t>
+            </a:r>
+            <a:r>
+              <a:rPr lang="sv-SE" baseline="0" dirty="0"/>
+              <a:t>-attributet överförs som </a:t>
+            </a:r>
+            <a:r>
+              <a:rPr lang="sv-SE" baseline="0" dirty="0" err="1"/>
+              <a:t>inparameter</a:t>
+            </a:r>
+            <a:r>
+              <a:rPr lang="sv-SE" baseline="0" dirty="0"/>
+              <a:t> till vår testfunktion </a:t>
+            </a:r>
+            <a:r>
+              <a:rPr lang="sv-SE" baseline="0" dirty="0" err="1"/>
+              <a:t>checkString</a:t>
+            </a:r>
+            <a:endParaRPr lang="sv-SE" baseline="0" dirty="0"/>
+          </a:p>
+          <a:p>
+            <a:endParaRPr lang="sv-SE" baseline="0" dirty="0"/>
+          </a:p>
+          <a:p>
+            <a:r>
+              <a:rPr lang="sv-SE" baseline="0" dirty="0"/>
               <a:t>Då vill jag att ni genom att lägga till en kort </a:t>
             </a:r>
             <a:r>
@@ -1004,11 +1172,7 @@
             </a:r>
             <a:r>
               <a:rPr lang="sv-SE" baseline="0" dirty="0"/>
-              <a:t> även testar att listan </a:t>
-            </a:r>
-            <a:r>
-              <a:rPr lang="sv-SE" baseline="0"/>
-              <a:t>innehåller ordet ”Bar”</a:t>
+              <a:t> även testar att listan innehåller ordet ”Bar”</a:t>
             </a:r>
             <a:endParaRPr dirty="0"/>
           </a:p>
@@ -1027,12 +1191,12 @@
 </p:notes>
 </file>
 
-<file path=ppt/notesSlides/notesSlide2.xml><?xml version="1.0" encoding="utf-8"?>
+<file path=ppt/notesSlides/notesSlide12.xml><?xml version="1.0" encoding="utf-8"?>
 <p:notes xmlns:a="http://schemas.openxmlformats.org/drawingml/2006/main" xmlns:r="http://schemas.openxmlformats.org/officeDocument/2006/relationships" xmlns:p="http://schemas.openxmlformats.org/presentationml/2006/main" showMasterSp="0" showMasterPhAnim="0">
   <p:cSld>
     <p:spTree>
       <p:nvGrpSpPr>
-        <p:cNvPr id="1" name="Shape 33"/>
+        <p:cNvPr id="1" name="Shape 40"/>
         <p:cNvGrpSpPr/>
         <p:nvPr/>
       </p:nvGrpSpPr>
@@ -1046,7 +1210,7 @@
       </p:grpSpPr>
       <p:sp>
         <p:nvSpPr>
-          <p:cNvPr id="34" name="Shape 34"/>
+          <p:cNvPr id="41" name="Shape 41"/>
           <p:cNvSpPr>
             <a:spLocks noGrp="1" noRot="1" noChangeAspect="1"/>
           </p:cNvSpPr>
@@ -1087,6 +1251,1051 @@
       </p:sp>
       <p:sp>
         <p:nvSpPr>
+          <p:cNvPr id="42" name="Shape 42"/>
+          <p:cNvSpPr txBox="1">
+            <a:spLocks noGrp="1"/>
+          </p:cNvSpPr>
+          <p:nvPr>
+            <p:ph type="body" idx="1"/>
+          </p:nvPr>
+        </p:nvSpPr>
+        <p:spPr>
+          <a:xfrm>
+            <a:off x="679768" y="4715153"/>
+            <a:ext cx="5438139" cy="4466987"/>
+          </a:xfrm>
+          <a:prstGeom prst="rect">
+            <a:avLst/>
+          </a:prstGeom>
+        </p:spPr>
+        <p:txBody>
+          <a:bodyPr lIns="91425" tIns="91425" rIns="91425" bIns="91425" anchor="t" anchorCtr="0">
+            <a:noAutofit/>
+          </a:bodyPr>
+          <a:lstStyle/>
+          <a:p>
+            <a:pPr marL="0" marR="0" lvl="0" indent="0" algn="l" defTabSz="914400" rtl="0" eaLnBrk="1" fontAlgn="auto" latinLnBrk="0" hangingPunct="1">
+              <a:lnSpc>
+                <a:spcPct val="100000"/>
+              </a:lnSpc>
+              <a:spcBef>
+                <a:spcPts val="0"/>
+              </a:spcBef>
+              <a:spcAft>
+                <a:spcPts val="0"/>
+              </a:spcAft>
+              <a:buClrTx/>
+              <a:buSzTx/>
+              <a:buFontTx/>
+              <a:buNone/>
+              <a:tabLst/>
+              <a:defRPr/>
+            </a:pPr>
+            <a:r>
+              <a:rPr lang="sv-SE" dirty="0"/>
+              <a:t>SÅ till 3:e delen av </a:t>
+            </a:r>
+            <a:r>
+              <a:rPr lang="sv-SE" dirty="0" err="1"/>
+              <a:t>ws</a:t>
+            </a:r>
+            <a:r>
+              <a:rPr lang="sv-SE" dirty="0"/>
+              <a:t>, Selenium och webdriver.</a:t>
+            </a:r>
+          </a:p>
+          <a:p>
+            <a:pPr marL="0" marR="0" lvl="0" indent="0" algn="l" defTabSz="914400" rtl="0" eaLnBrk="1" fontAlgn="auto" latinLnBrk="0" hangingPunct="1">
+              <a:lnSpc>
+                <a:spcPct val="100000"/>
+              </a:lnSpc>
+              <a:spcBef>
+                <a:spcPts val="0"/>
+              </a:spcBef>
+              <a:spcAft>
+                <a:spcPts val="0"/>
+              </a:spcAft>
+              <a:buClrTx/>
+              <a:buSzTx/>
+              <a:buFontTx/>
+              <a:buNone/>
+              <a:tabLst/>
+              <a:defRPr/>
+            </a:pPr>
+            <a:endParaRPr lang="sv-SE" dirty="0"/>
+          </a:p>
+          <a:p>
+            <a:pPr marL="0" marR="0" lvl="0" indent="0" algn="l" defTabSz="914400" rtl="0" eaLnBrk="1" fontAlgn="auto" latinLnBrk="0" hangingPunct="1">
+              <a:lnSpc>
+                <a:spcPct val="100000"/>
+              </a:lnSpc>
+              <a:spcBef>
+                <a:spcPts val="0"/>
+              </a:spcBef>
+              <a:spcAft>
+                <a:spcPts val="0"/>
+              </a:spcAft>
+              <a:buClrTx/>
+              <a:buSzTx/>
+              <a:buFontTx/>
+              <a:buNone/>
+              <a:tabLst/>
+              <a:defRPr/>
+            </a:pPr>
+            <a:r>
+              <a:rPr lang="sv-SE" dirty="0"/>
+              <a:t>HP har </a:t>
+            </a:r>
+            <a:r>
+              <a:rPr lang="sv-SE" sz="1200" kern="1200" dirty="0">
+                <a:solidFill>
+                  <a:schemeClr val="tx1"/>
+                </a:solidFill>
+                <a:latin typeface="+mn-lt"/>
+                <a:ea typeface="+mn-ea"/>
+                <a:cs typeface="+mn-cs"/>
+              </a:rPr>
+              <a:t>ett end-to-end lasttestverktyg som heter Mercury </a:t>
+            </a:r>
+            <a:r>
+              <a:rPr lang="sv-SE" sz="1200" kern="1200" dirty="0" err="1">
+                <a:solidFill>
+                  <a:schemeClr val="tx1"/>
+                </a:solidFill>
+                <a:latin typeface="+mn-lt"/>
+                <a:ea typeface="+mn-ea"/>
+                <a:cs typeface="+mn-cs"/>
+              </a:rPr>
+              <a:t>LoadRunner</a:t>
+            </a:r>
+            <a:r>
+              <a:rPr lang="sv-SE" sz="1200" kern="1200" dirty="0">
+                <a:solidFill>
+                  <a:schemeClr val="tx1"/>
+                </a:solidFill>
+                <a:latin typeface="+mn-lt"/>
+                <a:ea typeface="+mn-ea"/>
+                <a:cs typeface="+mn-cs"/>
+              </a:rPr>
+              <a:t> (QTP?)</a:t>
+            </a:r>
+          </a:p>
+          <a:p>
+            <a:pPr marL="0" marR="0" lvl="0" indent="0" algn="l" defTabSz="914400" rtl="0" eaLnBrk="1" fontAlgn="auto" latinLnBrk="0" hangingPunct="1">
+              <a:lnSpc>
+                <a:spcPct val="100000"/>
+              </a:lnSpc>
+              <a:spcBef>
+                <a:spcPts val="0"/>
+              </a:spcBef>
+              <a:spcAft>
+                <a:spcPts val="0"/>
+              </a:spcAft>
+              <a:buClrTx/>
+              <a:buSzTx/>
+              <a:buFontTx/>
+              <a:buNone/>
+              <a:tabLst/>
+              <a:defRPr/>
+            </a:pPr>
+            <a:r>
+              <a:rPr lang="sv-SE" sz="1200" kern="1200" dirty="0">
+                <a:solidFill>
+                  <a:schemeClr val="tx1"/>
+                </a:solidFill>
+                <a:latin typeface="+mn-lt"/>
+                <a:ea typeface="+mn-ea"/>
+                <a:cs typeface="+mn-cs"/>
+              </a:rPr>
+              <a:t>Om man blir kvicksilver(</a:t>
+            </a:r>
+            <a:r>
+              <a:rPr lang="sv-SE" sz="1200" kern="1200" dirty="0" err="1">
+                <a:solidFill>
+                  <a:schemeClr val="tx1"/>
+                </a:solidFill>
+                <a:latin typeface="+mn-lt"/>
+                <a:ea typeface="+mn-ea"/>
+                <a:cs typeface="+mn-cs"/>
+              </a:rPr>
+              <a:t>mercury</a:t>
+            </a:r>
+            <a:r>
+              <a:rPr lang="sv-SE" sz="1200" kern="1200" dirty="0">
+                <a:solidFill>
+                  <a:schemeClr val="tx1"/>
+                </a:solidFill>
+                <a:latin typeface="+mn-lt"/>
+                <a:ea typeface="+mn-ea"/>
+                <a:cs typeface="+mn-cs"/>
+              </a:rPr>
+              <a:t>)förgiftat så finns ett botemedel, Selenium.</a:t>
+            </a:r>
+          </a:p>
+          <a:p>
+            <a:pPr marL="0" marR="0" lvl="0" indent="0" algn="l" defTabSz="914400" rtl="0" eaLnBrk="1" fontAlgn="auto" latinLnBrk="0" hangingPunct="1">
+              <a:lnSpc>
+                <a:spcPct val="100000"/>
+              </a:lnSpc>
+              <a:spcBef>
+                <a:spcPts val="0"/>
+              </a:spcBef>
+              <a:spcAft>
+                <a:spcPts val="0"/>
+              </a:spcAft>
+              <a:buClrTx/>
+              <a:buSzTx/>
+              <a:buFontTx/>
+              <a:buNone/>
+              <a:tabLst/>
+              <a:defRPr/>
+            </a:pPr>
+            <a:r>
+              <a:rPr lang="sv-SE" sz="1200" kern="1200" dirty="0">
+                <a:solidFill>
+                  <a:schemeClr val="tx1"/>
+                </a:solidFill>
+                <a:latin typeface="+mn-lt"/>
+                <a:ea typeface="+mn-ea"/>
+                <a:cs typeface="+mn-cs"/>
+              </a:rPr>
+              <a:t>Kan vara så Selenium fick sitt namn.</a:t>
+            </a:r>
+          </a:p>
+          <a:p>
+            <a:pPr marL="0" marR="0" lvl="0" indent="0" algn="l" defTabSz="914400" rtl="0" eaLnBrk="1" fontAlgn="auto" latinLnBrk="0" hangingPunct="1">
+              <a:lnSpc>
+                <a:spcPct val="100000"/>
+              </a:lnSpc>
+              <a:spcBef>
+                <a:spcPts val="0"/>
+              </a:spcBef>
+              <a:spcAft>
+                <a:spcPts val="0"/>
+              </a:spcAft>
+              <a:buClrTx/>
+              <a:buSzTx/>
+              <a:buFontTx/>
+              <a:buNone/>
+              <a:tabLst/>
+              <a:defRPr/>
+            </a:pPr>
+            <a:endParaRPr lang="sv-SE" sz="1200" kern="1200" dirty="0">
+              <a:solidFill>
+                <a:schemeClr val="tx1"/>
+              </a:solidFill>
+              <a:latin typeface="+mn-lt"/>
+              <a:ea typeface="+mn-ea"/>
+              <a:cs typeface="+mn-cs"/>
+            </a:endParaRPr>
+          </a:p>
+          <a:p>
+            <a:pPr marL="0" marR="0" lvl="0" indent="0" algn="l" defTabSz="914400" rtl="0" eaLnBrk="1" fontAlgn="auto" latinLnBrk="0" hangingPunct="1">
+              <a:lnSpc>
+                <a:spcPct val="100000"/>
+              </a:lnSpc>
+              <a:spcBef>
+                <a:spcPts val="0"/>
+              </a:spcBef>
+              <a:spcAft>
+                <a:spcPts val="0"/>
+              </a:spcAft>
+              <a:buClrTx/>
+              <a:buSzTx/>
+              <a:buFontTx/>
+              <a:buNone/>
+              <a:tabLst/>
+              <a:defRPr/>
+            </a:pPr>
+            <a:r>
+              <a:rPr lang="sv-SE" dirty="0"/>
+              <a:t>Det som tagit tid för att få ut 3:an är att standardisera hur webdriver skall fungera. Detta är nu gjort och webdriver finns nu som w3c standard.</a:t>
+            </a:r>
+          </a:p>
+          <a:p>
+            <a:pPr marL="0" marR="0" lvl="0" indent="0" algn="l" defTabSz="914400" rtl="0" eaLnBrk="1" fontAlgn="auto" latinLnBrk="0" hangingPunct="1">
+              <a:lnSpc>
+                <a:spcPct val="100000"/>
+              </a:lnSpc>
+              <a:spcBef>
+                <a:spcPts val="0"/>
+              </a:spcBef>
+              <a:spcAft>
+                <a:spcPts val="0"/>
+              </a:spcAft>
+              <a:buClrTx/>
+              <a:buSzTx/>
+              <a:buFontTx/>
+              <a:buNone/>
+              <a:tabLst/>
+              <a:defRPr/>
+            </a:pPr>
+            <a:r>
+              <a:rPr lang="sv-SE" dirty="0"/>
+              <a:t>Detta innebär att webdrivers kan utvecklas av webbläsare-företagen själva och då förhoppningsvis i takt med läsarnas nya versioner.</a:t>
+            </a:r>
+          </a:p>
+          <a:p>
+            <a:pPr marL="0" marR="0" lvl="0" indent="0" algn="l" defTabSz="914400" rtl="0" eaLnBrk="1" fontAlgn="auto" latinLnBrk="0" hangingPunct="1">
+              <a:lnSpc>
+                <a:spcPct val="100000"/>
+              </a:lnSpc>
+              <a:spcBef>
+                <a:spcPts val="0"/>
+              </a:spcBef>
+              <a:spcAft>
+                <a:spcPts val="0"/>
+              </a:spcAft>
+              <a:buClrTx/>
+              <a:buSzTx/>
+              <a:buFontTx/>
+              <a:buNone/>
+              <a:tabLst/>
+              <a:defRPr/>
+            </a:pPr>
+            <a:endParaRPr lang="sv-SE" sz="1200" kern="1200" dirty="0">
+              <a:solidFill>
+                <a:schemeClr val="tx1"/>
+              </a:solidFill>
+              <a:latin typeface="+mn-lt"/>
+              <a:ea typeface="+mn-ea"/>
+              <a:cs typeface="+mn-cs"/>
+            </a:endParaRPr>
+          </a:p>
+          <a:p>
+            <a:pPr marL="0" marR="0" lvl="0" indent="0" algn="l" defTabSz="914400" rtl="0" eaLnBrk="1" fontAlgn="auto" latinLnBrk="0" hangingPunct="1">
+              <a:lnSpc>
+                <a:spcPct val="100000"/>
+              </a:lnSpc>
+              <a:spcBef>
+                <a:spcPts val="0"/>
+              </a:spcBef>
+              <a:spcAft>
+                <a:spcPts val="0"/>
+              </a:spcAft>
+              <a:buClrTx/>
+              <a:buSzTx/>
+              <a:buFontTx/>
+              <a:buNone/>
+              <a:tabLst/>
+              <a:defRPr/>
+            </a:pPr>
+            <a:endParaRPr lang="sv-SE" sz="1200" kern="1200" dirty="0">
+              <a:solidFill>
+                <a:schemeClr val="tx1"/>
+              </a:solidFill>
+              <a:latin typeface="+mn-lt"/>
+              <a:ea typeface="+mn-ea"/>
+              <a:cs typeface="+mn-cs"/>
+            </a:endParaRPr>
+          </a:p>
+          <a:p>
+            <a:endParaRPr dirty="0"/>
+          </a:p>
+        </p:txBody>
+      </p:sp>
+    </p:spTree>
+    <p:extLst>
+      <p:ext uri="{BB962C8B-B14F-4D97-AF65-F5344CB8AC3E}">
+        <p14:creationId xmlns:p14="http://schemas.microsoft.com/office/powerpoint/2010/main" val="1513932232"/>
+      </p:ext>
+    </p:extLst>
+  </p:cSld>
+  <p:clrMapOvr>
+    <a:masterClrMapping/>
+  </p:clrMapOvr>
+</p:notes>
+</file>
+
+<file path=ppt/notesSlides/notesSlide13.xml><?xml version="1.0" encoding="utf-8"?>
+<p:notes xmlns:a="http://schemas.openxmlformats.org/drawingml/2006/main" xmlns:r="http://schemas.openxmlformats.org/officeDocument/2006/relationships" xmlns:p="http://schemas.openxmlformats.org/presentationml/2006/main" showMasterSp="0" showMasterPhAnim="0">
+  <p:cSld>
+    <p:spTree>
+      <p:nvGrpSpPr>
+        <p:cNvPr id="1" name="Shape 40"/>
+        <p:cNvGrpSpPr/>
+        <p:nvPr/>
+      </p:nvGrpSpPr>
+      <p:grpSpPr>
+        <a:xfrm>
+          <a:off x="0" y="0"/>
+          <a:ext cx="0" cy="0"/>
+          <a:chOff x="0" y="0"/>
+          <a:chExt cx="0" cy="0"/>
+        </a:xfrm>
+      </p:grpSpPr>
+      <p:sp>
+        <p:nvSpPr>
+          <p:cNvPr id="41" name="Shape 41"/>
+          <p:cNvSpPr>
+            <a:spLocks noGrp="1" noRot="1" noChangeAspect="1"/>
+          </p:cNvSpPr>
+          <p:nvPr>
+            <p:ph type="sldImg" idx="2"/>
+          </p:nvPr>
+        </p:nvSpPr>
+        <p:spPr>
+          <a:xfrm>
+            <a:off x="919163" y="744538"/>
+            <a:ext cx="4960937" cy="3722687"/>
+          </a:xfrm>
+          <a:custGeom>
+            <a:avLst/>
+            <a:gdLst/>
+            <a:ahLst/>
+            <a:cxnLst/>
+            <a:rect l="0" t="0" r="0" b="0"/>
+            <a:pathLst>
+              <a:path w="120000" h="120000" extrusionOk="0">
+                <a:moveTo>
+                  <a:pt x="0" y="0"/>
+                </a:moveTo>
+                <a:lnTo>
+                  <a:pt x="120000" y="0"/>
+                </a:lnTo>
+                <a:lnTo>
+                  <a:pt x="120000" y="120000"/>
+                </a:lnTo>
+                <a:lnTo>
+                  <a:pt x="0" y="120000"/>
+                </a:lnTo>
+                <a:close/>
+              </a:path>
+            </a:pathLst>
+          </a:custGeom>
+        </p:spPr>
+      </p:sp>
+      <p:sp>
+        <p:nvSpPr>
+          <p:cNvPr id="42" name="Shape 42"/>
+          <p:cNvSpPr txBox="1">
+            <a:spLocks noGrp="1"/>
+          </p:cNvSpPr>
+          <p:nvPr>
+            <p:ph type="body" idx="1"/>
+          </p:nvPr>
+        </p:nvSpPr>
+        <p:spPr>
+          <a:xfrm>
+            <a:off x="679768" y="4715153"/>
+            <a:ext cx="5438139" cy="4466987"/>
+          </a:xfrm>
+          <a:prstGeom prst="rect">
+            <a:avLst/>
+          </a:prstGeom>
+        </p:spPr>
+        <p:txBody>
+          <a:bodyPr lIns="91425" tIns="91425" rIns="91425" bIns="91425" anchor="t" anchorCtr="0">
+            <a:noAutofit/>
+          </a:bodyPr>
+          <a:lstStyle/>
+          <a:p>
+            <a:pPr marL="0" marR="0" lvl="0" indent="0" algn="l" defTabSz="914400" rtl="0" eaLnBrk="1" fontAlgn="auto" latinLnBrk="0" hangingPunct="1">
+              <a:lnSpc>
+                <a:spcPct val="100000"/>
+              </a:lnSpc>
+              <a:spcBef>
+                <a:spcPts val="0"/>
+              </a:spcBef>
+              <a:spcAft>
+                <a:spcPts val="0"/>
+              </a:spcAft>
+              <a:buClrTx/>
+              <a:buSzTx/>
+              <a:buFontTx/>
+              <a:buNone/>
+              <a:tabLst/>
+              <a:defRPr/>
+            </a:pPr>
+            <a:r>
+              <a:rPr lang="sv-SE" sz="1200" kern="1200" dirty="0">
+                <a:solidFill>
+                  <a:schemeClr val="tx1"/>
+                </a:solidFill>
+                <a:latin typeface="+mn-lt"/>
+                <a:ea typeface="+mn-ea"/>
+                <a:cs typeface="+mn-cs"/>
+              </a:rPr>
+              <a:t>Svårt att få fram exakt matris över hur versionerna hänger ihop, men här är min bild.</a:t>
+            </a:r>
+          </a:p>
+          <a:p>
+            <a:pPr marL="0" marR="0" lvl="0" indent="0" algn="l" defTabSz="914400" rtl="0" eaLnBrk="1" fontAlgn="auto" latinLnBrk="0" hangingPunct="1">
+              <a:lnSpc>
+                <a:spcPct val="100000"/>
+              </a:lnSpc>
+              <a:spcBef>
+                <a:spcPts val="0"/>
+              </a:spcBef>
+              <a:spcAft>
+                <a:spcPts val="0"/>
+              </a:spcAft>
+              <a:buClrTx/>
+              <a:buSzTx/>
+              <a:buFontTx/>
+              <a:buNone/>
+              <a:tabLst/>
+              <a:defRPr/>
+            </a:pPr>
+            <a:endParaRPr lang="sv-SE" sz="1200" kern="1200" dirty="0">
+              <a:solidFill>
+                <a:schemeClr val="tx1"/>
+              </a:solidFill>
+              <a:latin typeface="+mn-lt"/>
+              <a:ea typeface="+mn-ea"/>
+              <a:cs typeface="+mn-cs"/>
+            </a:endParaRPr>
+          </a:p>
+          <a:p>
+            <a:r>
+              <a:rPr lang="sv-SE" dirty="0"/>
+              <a:t>Selenium RC – Javaserver för att översätta tester till exekvering i webbläsare, stödjer många språk som PHP, Java, C#, Perl, Python. RC använder javaskript för att kontrollera läsaren</a:t>
+            </a:r>
+          </a:p>
+          <a:p>
+            <a:r>
+              <a:rPr lang="sv-SE" dirty="0"/>
+              <a:t>Selenium Grid – Server som tillåter att webbläsare körs på fjärrdatorer, möjliggör alltså parallella tester</a:t>
+            </a:r>
+          </a:p>
+          <a:p>
+            <a:r>
+              <a:rPr lang="sv-SE" dirty="0"/>
+              <a:t>Selenium IDE – Tillägg i firefox som spelar in webbläsarekommandon. Inspelning kan sedan konverteras till testfall. Det går t.o.m. att välja språk.</a:t>
+            </a:r>
+          </a:p>
+          <a:p>
+            <a:r>
+              <a:rPr lang="sv-SE" dirty="0"/>
+              <a:t>Selenium webdriver – Ersätter RC. För varje webbläsare finns en specifik driver som interagerar direkt med webbläsaren. Finns för Python, Ruby, Java och C#</a:t>
+            </a:r>
+          </a:p>
+          <a:p>
+            <a:endParaRPr lang="sv-SE" dirty="0"/>
+          </a:p>
+          <a:p>
+            <a:endParaRPr dirty="0"/>
+          </a:p>
+        </p:txBody>
+      </p:sp>
+    </p:spTree>
+    <p:extLst>
+      <p:ext uri="{BB962C8B-B14F-4D97-AF65-F5344CB8AC3E}">
+        <p14:creationId xmlns:p14="http://schemas.microsoft.com/office/powerpoint/2010/main" val="40024949"/>
+      </p:ext>
+    </p:extLst>
+  </p:cSld>
+  <p:clrMapOvr>
+    <a:masterClrMapping/>
+  </p:clrMapOvr>
+</p:notes>
+</file>
+
+<file path=ppt/notesSlides/notesSlide14.xml><?xml version="1.0" encoding="utf-8"?>
+<p:notes xmlns:a="http://schemas.openxmlformats.org/drawingml/2006/main" xmlns:r="http://schemas.openxmlformats.org/officeDocument/2006/relationships" xmlns:p="http://schemas.openxmlformats.org/presentationml/2006/main" showMasterSp="0" showMasterPhAnim="0">
+  <p:cSld>
+    <p:spTree>
+      <p:nvGrpSpPr>
+        <p:cNvPr id="1" name="Shape 40"/>
+        <p:cNvGrpSpPr/>
+        <p:nvPr/>
+      </p:nvGrpSpPr>
+      <p:grpSpPr>
+        <a:xfrm>
+          <a:off x="0" y="0"/>
+          <a:ext cx="0" cy="0"/>
+          <a:chOff x="0" y="0"/>
+          <a:chExt cx="0" cy="0"/>
+        </a:xfrm>
+      </p:grpSpPr>
+      <p:sp>
+        <p:nvSpPr>
+          <p:cNvPr id="41" name="Shape 41"/>
+          <p:cNvSpPr>
+            <a:spLocks noGrp="1" noRot="1" noChangeAspect="1"/>
+          </p:cNvSpPr>
+          <p:nvPr>
+            <p:ph type="sldImg" idx="2"/>
+          </p:nvPr>
+        </p:nvSpPr>
+        <p:spPr>
+          <a:xfrm>
+            <a:off x="919163" y="744538"/>
+            <a:ext cx="4960937" cy="3722687"/>
+          </a:xfrm>
+          <a:custGeom>
+            <a:avLst/>
+            <a:gdLst/>
+            <a:ahLst/>
+            <a:cxnLst/>
+            <a:rect l="0" t="0" r="0" b="0"/>
+            <a:pathLst>
+              <a:path w="120000" h="120000" extrusionOk="0">
+                <a:moveTo>
+                  <a:pt x="0" y="0"/>
+                </a:moveTo>
+                <a:lnTo>
+                  <a:pt x="120000" y="0"/>
+                </a:lnTo>
+                <a:lnTo>
+                  <a:pt x="120000" y="120000"/>
+                </a:lnTo>
+                <a:lnTo>
+                  <a:pt x="0" y="120000"/>
+                </a:lnTo>
+                <a:close/>
+              </a:path>
+            </a:pathLst>
+          </a:custGeom>
+        </p:spPr>
+      </p:sp>
+      <p:sp>
+        <p:nvSpPr>
+          <p:cNvPr id="42" name="Shape 42"/>
+          <p:cNvSpPr txBox="1">
+            <a:spLocks noGrp="1"/>
+          </p:cNvSpPr>
+          <p:nvPr>
+            <p:ph type="body" idx="1"/>
+          </p:nvPr>
+        </p:nvSpPr>
+        <p:spPr>
+          <a:xfrm>
+            <a:off x="679768" y="4715153"/>
+            <a:ext cx="5438139" cy="4466987"/>
+          </a:xfrm>
+          <a:prstGeom prst="rect">
+            <a:avLst/>
+          </a:prstGeom>
+        </p:spPr>
+        <p:txBody>
+          <a:bodyPr lIns="91425" tIns="91425" rIns="91425" bIns="91425" anchor="t" anchorCtr="0">
+            <a:noAutofit/>
+          </a:bodyPr>
+          <a:lstStyle/>
+          <a:p>
+            <a:pPr marL="0" marR="0" lvl="0" indent="0" algn="l" defTabSz="914400" rtl="0" eaLnBrk="1" fontAlgn="auto" latinLnBrk="0" hangingPunct="1">
+              <a:lnSpc>
+                <a:spcPct val="100000"/>
+              </a:lnSpc>
+              <a:spcBef>
+                <a:spcPts val="0"/>
+              </a:spcBef>
+              <a:spcAft>
+                <a:spcPts val="0"/>
+              </a:spcAft>
+              <a:buClrTx/>
+              <a:buSzTx/>
+              <a:buFontTx/>
+              <a:buNone/>
+              <a:tabLst/>
+              <a:defRPr/>
+            </a:pPr>
+            <a:r>
+              <a:rPr lang="sv-SE" sz="1200" kern="1200" dirty="0">
+                <a:solidFill>
+                  <a:schemeClr val="tx1"/>
+                </a:solidFill>
+                <a:latin typeface="+mn-lt"/>
+                <a:ea typeface="+mn-ea"/>
+                <a:cs typeface="+mn-cs"/>
+              </a:rPr>
+              <a:t>Då är det dags att hacka lite webdrivertester i C#.</a:t>
+            </a:r>
+          </a:p>
+          <a:p>
+            <a:pPr marL="0" marR="0" lvl="0" indent="0" algn="l" defTabSz="914400" rtl="0" eaLnBrk="1" fontAlgn="auto" latinLnBrk="0" hangingPunct="1">
+              <a:lnSpc>
+                <a:spcPct val="100000"/>
+              </a:lnSpc>
+              <a:spcBef>
+                <a:spcPts val="0"/>
+              </a:spcBef>
+              <a:spcAft>
+                <a:spcPts val="0"/>
+              </a:spcAft>
+              <a:buClrTx/>
+              <a:buSzTx/>
+              <a:buFontTx/>
+              <a:buNone/>
+              <a:tabLst/>
+              <a:defRPr/>
+            </a:pPr>
+            <a:r>
+              <a:rPr lang="sv-SE" sz="1200" kern="1200" dirty="0">
+                <a:solidFill>
+                  <a:schemeClr val="tx1"/>
+                </a:solidFill>
+                <a:latin typeface="+mn-lt"/>
+                <a:ea typeface="+mn-ea"/>
+                <a:cs typeface="+mn-cs"/>
+              </a:rPr>
+              <a:t>Börja med att använda </a:t>
+            </a:r>
+            <a:r>
+              <a:rPr lang="sv-SE" sz="1200" kern="1200" dirty="0" err="1">
+                <a:solidFill>
+                  <a:schemeClr val="tx1"/>
+                </a:solidFill>
+                <a:latin typeface="+mn-lt"/>
+                <a:ea typeface="+mn-ea"/>
+                <a:cs typeface="+mn-cs"/>
+              </a:rPr>
+              <a:t>Nuget</a:t>
+            </a:r>
+            <a:r>
+              <a:rPr lang="sv-SE" sz="1200" kern="1200" dirty="0">
+                <a:solidFill>
+                  <a:schemeClr val="tx1"/>
+                </a:solidFill>
+                <a:latin typeface="+mn-lt"/>
+                <a:ea typeface="+mn-ea"/>
+                <a:cs typeface="+mn-cs"/>
+              </a:rPr>
+              <a:t> för att hämta de </a:t>
+            </a:r>
+            <a:r>
+              <a:rPr lang="sv-SE" sz="1200" kern="1200" dirty="0" err="1">
+                <a:solidFill>
+                  <a:schemeClr val="tx1"/>
+                </a:solidFill>
+                <a:latin typeface="+mn-lt"/>
+                <a:ea typeface="+mn-ea"/>
+                <a:cs typeface="+mn-cs"/>
+              </a:rPr>
+              <a:t>api:er</a:t>
+            </a:r>
+            <a:r>
+              <a:rPr lang="sv-SE" sz="1200" kern="1200" dirty="0">
+                <a:solidFill>
+                  <a:schemeClr val="tx1"/>
+                </a:solidFill>
+                <a:latin typeface="+mn-lt"/>
+                <a:ea typeface="+mn-ea"/>
+                <a:cs typeface="+mn-cs"/>
+              </a:rPr>
+              <a:t> vi behöver</a:t>
+            </a:r>
+          </a:p>
+          <a:p>
+            <a:pPr marL="0" marR="0" lvl="0" indent="0" algn="l" defTabSz="914400" rtl="0" eaLnBrk="1" fontAlgn="auto" latinLnBrk="0" hangingPunct="1">
+              <a:lnSpc>
+                <a:spcPct val="100000"/>
+              </a:lnSpc>
+              <a:spcBef>
+                <a:spcPts val="0"/>
+              </a:spcBef>
+              <a:spcAft>
+                <a:spcPts val="0"/>
+              </a:spcAft>
+              <a:buClrTx/>
+              <a:buSzTx/>
+              <a:buFontTx/>
+              <a:buNone/>
+              <a:tabLst/>
+              <a:defRPr/>
+            </a:pPr>
+            <a:endParaRPr lang="sv-SE" sz="1200" kern="1200" dirty="0">
+              <a:solidFill>
+                <a:schemeClr val="tx1"/>
+              </a:solidFill>
+              <a:latin typeface="+mn-lt"/>
+              <a:ea typeface="+mn-ea"/>
+              <a:cs typeface="+mn-cs"/>
+            </a:endParaRPr>
+          </a:p>
+          <a:p>
+            <a:pPr marL="0" marR="0" lvl="0" indent="0" algn="l" defTabSz="914400" rtl="0" eaLnBrk="1" fontAlgn="auto" latinLnBrk="0" hangingPunct="1">
+              <a:lnSpc>
+                <a:spcPct val="100000"/>
+              </a:lnSpc>
+              <a:spcBef>
+                <a:spcPts val="0"/>
+              </a:spcBef>
+              <a:spcAft>
+                <a:spcPts val="0"/>
+              </a:spcAft>
+              <a:buClrTx/>
+              <a:buSzTx/>
+              <a:buFontTx/>
+              <a:buNone/>
+              <a:tabLst/>
+              <a:defRPr/>
+            </a:pPr>
+            <a:r>
+              <a:rPr lang="sv-SE" sz="1200" kern="1200" dirty="0">
+                <a:solidFill>
+                  <a:schemeClr val="tx1"/>
+                </a:solidFill>
+                <a:latin typeface="+mn-lt"/>
+                <a:ea typeface="+mn-ea"/>
+                <a:cs typeface="+mn-cs"/>
+              </a:rPr>
+              <a:t>De olika webbläsare-drivrutinerna finns INTE med i </a:t>
+            </a:r>
+            <a:r>
+              <a:rPr lang="sv-SE" sz="1200" kern="1200" dirty="0" err="1">
+                <a:solidFill>
+                  <a:schemeClr val="tx1"/>
+                </a:solidFill>
+                <a:latin typeface="+mn-lt"/>
+                <a:ea typeface="+mn-ea"/>
+                <a:cs typeface="+mn-cs"/>
+              </a:rPr>
+              <a:t>webdriver-API:et</a:t>
+            </a:r>
+            <a:endParaRPr lang="sv-SE" sz="1200" kern="1200" dirty="0">
+              <a:solidFill>
+                <a:schemeClr val="tx1"/>
+              </a:solidFill>
+              <a:latin typeface="+mn-lt"/>
+              <a:ea typeface="+mn-ea"/>
+              <a:cs typeface="+mn-cs"/>
+            </a:endParaRPr>
+          </a:p>
+          <a:p>
+            <a:pPr marL="0" marR="0" lvl="0" indent="0" algn="l" defTabSz="914400" rtl="0" eaLnBrk="1" fontAlgn="auto" latinLnBrk="0" hangingPunct="1">
+              <a:lnSpc>
+                <a:spcPct val="100000"/>
+              </a:lnSpc>
+              <a:spcBef>
+                <a:spcPts val="0"/>
+              </a:spcBef>
+              <a:spcAft>
+                <a:spcPts val="0"/>
+              </a:spcAft>
+              <a:buClrTx/>
+              <a:buSzTx/>
+              <a:buFontTx/>
+              <a:buNone/>
+              <a:tabLst/>
+              <a:defRPr/>
+            </a:pPr>
+            <a:r>
+              <a:rPr lang="sv-SE" sz="1200" kern="1200" dirty="0">
+                <a:solidFill>
+                  <a:schemeClr val="tx1"/>
+                </a:solidFill>
+                <a:latin typeface="+mn-lt"/>
+                <a:ea typeface="+mn-ea"/>
+                <a:cs typeface="+mn-cs"/>
+              </a:rPr>
+              <a:t>Därför hämtar vi </a:t>
+            </a:r>
+            <a:r>
+              <a:rPr lang="sv-SE" sz="1200" kern="1200" dirty="0" err="1">
+                <a:solidFill>
+                  <a:schemeClr val="tx1"/>
+                </a:solidFill>
+                <a:latin typeface="+mn-lt"/>
+                <a:ea typeface="+mn-ea"/>
+                <a:cs typeface="+mn-cs"/>
+              </a:rPr>
+              <a:t>Chromedriver</a:t>
+            </a:r>
+            <a:r>
+              <a:rPr lang="sv-SE" sz="1200" kern="1200" dirty="0">
+                <a:solidFill>
+                  <a:schemeClr val="tx1"/>
+                </a:solidFill>
+                <a:latin typeface="+mn-lt"/>
+                <a:ea typeface="+mn-ea"/>
+                <a:cs typeface="+mn-cs"/>
+              </a:rPr>
+              <a:t> med </a:t>
+            </a:r>
+            <a:r>
+              <a:rPr lang="sv-SE" sz="1200" kern="1200" dirty="0" err="1">
+                <a:solidFill>
+                  <a:schemeClr val="tx1"/>
+                </a:solidFill>
+                <a:latin typeface="+mn-lt"/>
+                <a:ea typeface="+mn-ea"/>
+                <a:cs typeface="+mn-cs"/>
+              </a:rPr>
+              <a:t>Nuget</a:t>
+            </a:r>
+            <a:endParaRPr lang="sv-SE" sz="1200" kern="1200" dirty="0">
+              <a:solidFill>
+                <a:schemeClr val="tx1"/>
+              </a:solidFill>
+              <a:latin typeface="+mn-lt"/>
+              <a:ea typeface="+mn-ea"/>
+              <a:cs typeface="+mn-cs"/>
+            </a:endParaRPr>
+          </a:p>
+          <a:p>
+            <a:pPr marL="0" marR="0" lvl="0" indent="0" algn="l" defTabSz="914400" rtl="0" eaLnBrk="1" fontAlgn="auto" latinLnBrk="0" hangingPunct="1">
+              <a:lnSpc>
+                <a:spcPct val="100000"/>
+              </a:lnSpc>
+              <a:spcBef>
+                <a:spcPts val="0"/>
+              </a:spcBef>
+              <a:spcAft>
+                <a:spcPts val="0"/>
+              </a:spcAft>
+              <a:buClrTx/>
+              <a:buSzTx/>
+              <a:buFontTx/>
+              <a:buNone/>
+              <a:tabLst/>
+              <a:defRPr/>
+            </a:pPr>
+            <a:r>
+              <a:rPr lang="sv-SE" sz="1200" kern="1200" dirty="0">
+                <a:solidFill>
+                  <a:schemeClr val="tx1"/>
+                </a:solidFill>
+                <a:latin typeface="+mn-lt"/>
+                <a:ea typeface="+mn-ea"/>
+                <a:cs typeface="+mn-cs"/>
+              </a:rPr>
+              <a:t>Att hämta och lägga till en driver med </a:t>
+            </a:r>
+            <a:r>
+              <a:rPr lang="sv-SE" sz="1200" kern="1200" dirty="0" err="1">
+                <a:solidFill>
+                  <a:schemeClr val="tx1"/>
+                </a:solidFill>
+                <a:latin typeface="+mn-lt"/>
+                <a:ea typeface="+mn-ea"/>
+                <a:cs typeface="+mn-cs"/>
+              </a:rPr>
+              <a:t>Nuget</a:t>
+            </a:r>
+            <a:r>
+              <a:rPr lang="sv-SE" sz="1200" kern="1200" dirty="0">
+                <a:solidFill>
+                  <a:schemeClr val="tx1"/>
+                </a:solidFill>
+                <a:latin typeface="+mn-lt"/>
+                <a:ea typeface="+mn-ea"/>
+                <a:cs typeface="+mn-cs"/>
+              </a:rPr>
+              <a:t> kan dock ha en medföra problem senare.</a:t>
+            </a:r>
+          </a:p>
+          <a:p>
+            <a:pPr marL="0" marR="0" lvl="0" indent="0" algn="l" defTabSz="914400" rtl="0" eaLnBrk="1" fontAlgn="auto" latinLnBrk="0" hangingPunct="1">
+              <a:lnSpc>
+                <a:spcPct val="100000"/>
+              </a:lnSpc>
+              <a:spcBef>
+                <a:spcPts val="0"/>
+              </a:spcBef>
+              <a:spcAft>
+                <a:spcPts val="0"/>
+              </a:spcAft>
+              <a:buClrTx/>
+              <a:buSzTx/>
+              <a:buFontTx/>
+              <a:buNone/>
+              <a:tabLst/>
+              <a:defRPr/>
+            </a:pPr>
+            <a:r>
+              <a:rPr lang="sv-SE" sz="1200" kern="1200" dirty="0">
+                <a:solidFill>
+                  <a:schemeClr val="tx1"/>
+                </a:solidFill>
+                <a:latin typeface="+mn-lt"/>
+                <a:ea typeface="+mn-ea"/>
+                <a:cs typeface="+mn-cs"/>
+              </a:rPr>
+              <a:t>Jag kan visa dessa om vi hinner efter vi kört våra exempel, så påminn mig då om ni </a:t>
+            </a:r>
+            <a:r>
+              <a:rPr lang="sv-SE" sz="1200" kern="1200">
+                <a:solidFill>
+                  <a:schemeClr val="tx1"/>
+                </a:solidFill>
+                <a:latin typeface="+mn-lt"/>
+                <a:ea typeface="+mn-ea"/>
+                <a:cs typeface="+mn-cs"/>
+              </a:rPr>
+              <a:t>är intresserade.</a:t>
+            </a:r>
+            <a:endParaRPr lang="sv-SE" dirty="0"/>
+          </a:p>
+          <a:p>
+            <a:endParaRPr dirty="0"/>
+          </a:p>
+        </p:txBody>
+      </p:sp>
+    </p:spTree>
+    <p:extLst>
+      <p:ext uri="{BB962C8B-B14F-4D97-AF65-F5344CB8AC3E}">
+        <p14:creationId xmlns:p14="http://schemas.microsoft.com/office/powerpoint/2010/main" val="1298081838"/>
+      </p:ext>
+    </p:extLst>
+  </p:cSld>
+  <p:clrMapOvr>
+    <a:masterClrMapping/>
+  </p:clrMapOvr>
+</p:notes>
+</file>
+
+<file path=ppt/notesSlides/notesSlide2.xml><?xml version="1.0" encoding="utf-8"?>
+<p:notes xmlns:a="http://schemas.openxmlformats.org/drawingml/2006/main" xmlns:r="http://schemas.openxmlformats.org/officeDocument/2006/relationships" xmlns:p="http://schemas.openxmlformats.org/presentationml/2006/main" showMasterSp="0" showMasterPhAnim="0">
+  <p:cSld>
+    <p:spTree>
+      <p:nvGrpSpPr>
+        <p:cNvPr id="1" name="Shape 33"/>
+        <p:cNvGrpSpPr/>
+        <p:nvPr/>
+      </p:nvGrpSpPr>
+      <p:grpSpPr>
+        <a:xfrm>
+          <a:off x="0" y="0"/>
+          <a:ext cx="0" cy="0"/>
+          <a:chOff x="0" y="0"/>
+          <a:chExt cx="0" cy="0"/>
+        </a:xfrm>
+      </p:grpSpPr>
+      <p:sp>
+        <p:nvSpPr>
+          <p:cNvPr id="34" name="Shape 34"/>
+          <p:cNvSpPr>
+            <a:spLocks noGrp="1" noRot="1" noChangeAspect="1"/>
+          </p:cNvSpPr>
+          <p:nvPr>
+            <p:ph type="sldImg" idx="2"/>
+          </p:nvPr>
+        </p:nvSpPr>
+        <p:spPr>
+          <a:xfrm>
+            <a:off x="919163" y="744538"/>
+            <a:ext cx="4960937" cy="3722687"/>
+          </a:xfrm>
+          <a:custGeom>
+            <a:avLst/>
+            <a:gdLst/>
+            <a:ahLst/>
+            <a:cxnLst/>
+            <a:rect l="0" t="0" r="0" b="0"/>
+            <a:pathLst>
+              <a:path w="120000" h="120000" extrusionOk="0">
+                <a:moveTo>
+                  <a:pt x="0" y="0"/>
+                </a:moveTo>
+                <a:lnTo>
+                  <a:pt x="120000" y="0"/>
+                </a:lnTo>
+                <a:lnTo>
+                  <a:pt x="120000" y="120000"/>
+                </a:lnTo>
+                <a:lnTo>
+                  <a:pt x="0" y="120000"/>
+                </a:lnTo>
+                <a:close/>
+              </a:path>
+            </a:pathLst>
+          </a:custGeom>
+        </p:spPr>
+      </p:sp>
+      <p:sp>
+        <p:nvSpPr>
           <p:cNvPr id="35" name="Shape 35"/>
           <p:cNvSpPr txBox="1">
             <a:spLocks noGrp="1"/>
@@ -1244,6 +2453,15 @@
           <a:p>
             <a:r>
               <a:rPr lang="sv-SE" baseline="0" dirty="0"/>
+              <a:t>Förhoppningsvis så har alla redan VS2015 installerat och klart.</a:t>
+            </a:r>
+          </a:p>
+          <a:p>
+            <a:endParaRPr lang="sv-SE" baseline="0" dirty="0"/>
+          </a:p>
+          <a:p>
+            <a:r>
+              <a:rPr lang="sv-SE" baseline="0" dirty="0"/>
               <a:t>Nu skall alla ha VS2015 uppe.</a:t>
             </a:r>
             <a:endParaRPr dirty="0"/>
@@ -1854,7 +3072,15 @@
             </a:r>
             <a:r>
               <a:rPr lang="sv-SE" baseline="0" dirty="0"/>
-              <a:t> behövs en plugin till NUnit3TestAdapter</a:t>
+              <a:t> behövs en plugin till </a:t>
+            </a:r>
+            <a:r>
+              <a:rPr lang="sv-SE" baseline="0" dirty="0" err="1"/>
+              <a:t>Nunit</a:t>
+            </a:r>
+            <a:r>
+              <a:rPr lang="sv-SE" baseline="0" dirty="0"/>
+              <a:t>,  NUnit3TestAdapter</a:t>
             </a:r>
           </a:p>
           <a:p>
@@ -1960,7 +3186,7 @@
           <a:p>
             <a:r>
               <a:rPr lang="sv-SE" dirty="0"/>
-              <a:t>Kort om vad </a:t>
+              <a:t>Varför vill vi ha </a:t>
             </a:r>
             <a:r>
               <a:rPr lang="sv-SE" dirty="0" err="1"/>
@@ -1968,7 +3194,52 @@
             </a:r>
             <a:r>
               <a:rPr lang="sv-SE" dirty="0"/>
-              <a:t> är.</a:t>
+              <a:t>?</a:t>
+            </a:r>
+          </a:p>
+          <a:p>
+            <a:pPr marL="171450" indent="-171450">
+              <a:buFontTx/>
+              <a:buChar char="-"/>
+            </a:pPr>
+            <a:r>
+              <a:rPr lang="sv-SE" dirty="0"/>
+              <a:t>Färdigt ramverk för testexekvering : slipper skriva själv</a:t>
+            </a:r>
+          </a:p>
+          <a:p>
+            <a:pPr marL="171450" indent="-171450">
+              <a:buFontTx/>
+              <a:buChar char="-"/>
+            </a:pPr>
+            <a:r>
+              <a:rPr lang="sv-SE" dirty="0"/>
+              <a:t>Möjligt att exekvera externt dvs från kommandoprompt: gör det möjligt att köra från t.ex. Jenkins eller annan byggserver</a:t>
+            </a:r>
+          </a:p>
+          <a:p>
+            <a:endParaRPr lang="sv-SE" dirty="0"/>
+          </a:p>
+          <a:p>
+            <a:r>
+              <a:rPr lang="sv-SE" dirty="0"/>
+              <a:t>Kort om vad </a:t>
+            </a:r>
+            <a:r>
+              <a:rPr lang="sv-SE" dirty="0" err="1"/>
+              <a:t>Nunit</a:t>
+            </a:r>
+            <a:r>
+              <a:rPr lang="sv-SE" dirty="0"/>
+              <a:t> är. Enhetstestramverk för alla .</a:t>
+            </a:r>
+            <a:r>
+              <a:rPr lang="sv-SE" dirty="0" err="1"/>
+              <a:t>net</a:t>
+            </a:r>
+            <a:r>
+              <a:rPr lang="sv-SE" dirty="0"/>
+              <a:t>-språk C++, C#, VB o.s.v.</a:t>
             </a:r>
           </a:p>
           <a:p>
@@ -2007,6 +3278,17 @@
               <a:rPr lang="sv-SE" baseline="0" dirty="0"/>
               <a:t>Mesta av funktionaliteten är ju till för utvecklare och deras enhetstester.</a:t>
             </a:r>
+          </a:p>
+          <a:p>
+            <a:r>
+              <a:rPr lang="sv-SE" baseline="0" dirty="0"/>
+              <a:t>Så vi kommer bara att ta upp den funktionalitet som behövs för att köra våra webdrivertester.</a:t>
+            </a:r>
+          </a:p>
+          <a:p>
+            <a:endParaRPr lang="sv-SE" baseline="0" dirty="0"/>
+          </a:p>
+          <a:p>
             <a:endParaRPr dirty="0"/>
           </a:p>
         </p:txBody>
@@ -2133,6 +3415,13 @@
             </a:r>
           </a:p>
           <a:p>
+            <a:endParaRPr lang="sv-SE" dirty="0"/>
+          </a:p>
+          <a:p>
+            <a:r>
+              <a:rPr lang="sv-SE" dirty="0"/>
+              <a:t>Alla klara?</a:t>
+            </a:r>
             <a:endParaRPr dirty="0"/>
           </a:p>
         </p:txBody>
@@ -7730,6 +9019,998 @@
 </file>
 
 <file path=ppt/slides/slide12.xml><?xml version="1.0" encoding="utf-8"?>
+<p:sld xmlns:a="http://schemas.openxmlformats.org/drawingml/2006/main" xmlns:r="http://schemas.openxmlformats.org/officeDocument/2006/relationships" xmlns:p="http://schemas.openxmlformats.org/presentationml/2006/main">
+  <p:cSld>
+    <p:spTree>
+      <p:nvGrpSpPr>
+        <p:cNvPr id="1" name="Shape 36"/>
+        <p:cNvGrpSpPr/>
+        <p:nvPr/>
+      </p:nvGrpSpPr>
+      <p:grpSpPr>
+        <a:xfrm>
+          <a:off x="0" y="0"/>
+          <a:ext cx="0" cy="0"/>
+          <a:chOff x="0" y="0"/>
+          <a:chExt cx="0" cy="0"/>
+        </a:xfrm>
+      </p:grpSpPr>
+      <p:sp>
+        <p:nvSpPr>
+          <p:cNvPr id="8" name="Shape 30"/>
+          <p:cNvSpPr txBox="1">
+            <a:spLocks noGrp="1"/>
+          </p:cNvSpPr>
+          <p:nvPr>
+            <p:ph type="title"/>
+          </p:nvPr>
+        </p:nvSpPr>
+        <p:spPr>
+          <a:xfrm>
+            <a:off x="457200" y="274637"/>
+            <a:ext cx="8229600" cy="1143000"/>
+          </a:xfrm>
+          <a:prstGeom prst="rect">
+            <a:avLst/>
+          </a:prstGeom>
+        </p:spPr>
+        <p:txBody>
+          <a:bodyPr lIns="91425" tIns="91425" rIns="91425" bIns="91425" anchor="b" anchorCtr="0">
+            <a:noAutofit/>
+          </a:bodyPr>
+          <a:lstStyle/>
+          <a:p>
+            <a:pPr>
+              <a:buNone/>
+            </a:pPr>
+            <a:br>
+              <a:rPr lang="sv" dirty="0"/>
+            </a:br>
+            <a:r>
+              <a:rPr lang="sv-SE" dirty="0"/>
+              <a:t>Selenium, webdriver</a:t>
+            </a:r>
+            <a:endParaRPr lang="sv" dirty="0"/>
+          </a:p>
+        </p:txBody>
+      </p:sp>
+      <p:sp>
+        <p:nvSpPr>
+          <p:cNvPr id="9" name="Shape 31"/>
+          <p:cNvSpPr txBox="1">
+            <a:spLocks noGrp="1"/>
+          </p:cNvSpPr>
+          <p:nvPr>
+            <p:ph type="body" idx="1"/>
+          </p:nvPr>
+        </p:nvSpPr>
+        <p:spPr>
+          <a:xfrm>
+            <a:off x="395536" y="1268760"/>
+            <a:ext cx="8229600" cy="4752528"/>
+          </a:xfrm>
+          <a:prstGeom prst="rect">
+            <a:avLst/>
+          </a:prstGeom>
+        </p:spPr>
+        <p:txBody>
+          <a:bodyPr lIns="91425" tIns="91425" rIns="91425" bIns="91425" anchor="t" anchorCtr="0">
+            <a:noAutofit/>
+          </a:bodyPr>
+          <a:lstStyle/>
+          <a:p>
+            <a:pPr marL="76200" lvl="0" indent="0">
+              <a:lnSpc>
+                <a:spcPct val="115000"/>
+              </a:lnSpc>
+              <a:spcBef>
+                <a:spcPts val="0"/>
+              </a:spcBef>
+              <a:buClr>
+                <a:srgbClr val="000000"/>
+              </a:buClr>
+              <a:buSzPct val="166666"/>
+              <a:buNone/>
+            </a:pPr>
+            <a:r>
+              <a:rPr lang="sv-SE" dirty="0"/>
+              <a:t>Selenium är en verktygslåda för webbläsaretester.</a:t>
+            </a:r>
+          </a:p>
+          <a:p>
+            <a:pPr marL="76200" lvl="0" indent="0">
+              <a:lnSpc>
+                <a:spcPct val="115000"/>
+              </a:lnSpc>
+              <a:spcBef>
+                <a:spcPts val="0"/>
+              </a:spcBef>
+              <a:buClr>
+                <a:srgbClr val="000000"/>
+              </a:buClr>
+              <a:buSzPct val="166666"/>
+              <a:buNone/>
+            </a:pPr>
+            <a:r>
+              <a:rPr lang="sv-SE" dirty="0"/>
+              <a:t>Selenium är nu framme i version 3.</a:t>
+            </a:r>
+          </a:p>
+          <a:p>
+            <a:pPr marL="76200" lvl="0" indent="0">
+              <a:lnSpc>
+                <a:spcPct val="115000"/>
+              </a:lnSpc>
+              <a:spcBef>
+                <a:spcPts val="0"/>
+              </a:spcBef>
+              <a:buClr>
+                <a:srgbClr val="000000"/>
+              </a:buClr>
+              <a:buSzPct val="166666"/>
+              <a:buNone/>
+            </a:pPr>
+            <a:r>
+              <a:rPr lang="sv-SE" dirty="0"/>
+              <a:t>Selenium 1 (Remote Control) kom 2006 (</a:t>
+            </a:r>
+            <a:r>
+              <a:rPr lang="sv-SE" dirty="0" err="1"/>
+              <a:t>ish</a:t>
+            </a:r>
+            <a:r>
+              <a:rPr lang="sv-SE" dirty="0"/>
+              <a:t>)</a:t>
+            </a:r>
+          </a:p>
+          <a:p>
+            <a:pPr marL="76200" lvl="0" indent="0">
+              <a:lnSpc>
+                <a:spcPct val="115000"/>
+              </a:lnSpc>
+              <a:spcBef>
+                <a:spcPts val="0"/>
+              </a:spcBef>
+              <a:buClr>
+                <a:srgbClr val="000000"/>
+              </a:buClr>
+              <a:buSzPct val="166666"/>
+              <a:buNone/>
+            </a:pPr>
+            <a:r>
+              <a:rPr lang="sv-SE" dirty="0"/>
+              <a:t>Selenium 2 (webdriver) kom 2009</a:t>
+            </a:r>
+          </a:p>
+          <a:p>
+            <a:pPr marL="76200" lvl="0" indent="0">
+              <a:lnSpc>
+                <a:spcPct val="115000"/>
+              </a:lnSpc>
+              <a:spcBef>
+                <a:spcPts val="0"/>
+              </a:spcBef>
+              <a:buClr>
+                <a:srgbClr val="000000"/>
+              </a:buClr>
+              <a:buSzPct val="166666"/>
+              <a:buNone/>
+            </a:pPr>
+            <a:r>
+              <a:rPr lang="sv-SE" dirty="0"/>
+              <a:t>Selenium 3 (w3c-standard) kom oktober 2016 </a:t>
+            </a:r>
+          </a:p>
+          <a:p>
+            <a:pPr marL="76200" lvl="0" indent="0">
+              <a:lnSpc>
+                <a:spcPct val="115000"/>
+              </a:lnSpc>
+              <a:spcBef>
+                <a:spcPts val="0"/>
+              </a:spcBef>
+              <a:buClr>
+                <a:srgbClr val="000000"/>
+              </a:buClr>
+              <a:buSzPct val="166666"/>
+              <a:buNone/>
+            </a:pPr>
+            <a:endParaRPr lang="sv-SE" dirty="0"/>
+          </a:p>
+        </p:txBody>
+      </p:sp>
+    </p:spTree>
+    <p:extLst>
+      <p:ext uri="{BB962C8B-B14F-4D97-AF65-F5344CB8AC3E}">
+        <p14:creationId xmlns:p14="http://schemas.microsoft.com/office/powerpoint/2010/main" val="1155052541"/>
+      </p:ext>
+    </p:extLst>
+  </p:cSld>
+  <p:clrMapOvr>
+    <a:masterClrMapping/>
+  </p:clrMapOvr>
+  <p:transition spd="slow">
+    <p:cut/>
+  </p:transition>
+</p:sld>
+</file>
+
+<file path=ppt/slides/slide13.xml><?xml version="1.0" encoding="utf-8"?>
+<p:sld xmlns:a="http://schemas.openxmlformats.org/drawingml/2006/main" xmlns:r="http://schemas.openxmlformats.org/officeDocument/2006/relationships" xmlns:p="http://schemas.openxmlformats.org/presentationml/2006/main">
+  <p:cSld>
+    <p:spTree>
+      <p:nvGrpSpPr>
+        <p:cNvPr id="1" name="Shape 36"/>
+        <p:cNvGrpSpPr/>
+        <p:nvPr/>
+      </p:nvGrpSpPr>
+      <p:grpSpPr>
+        <a:xfrm>
+          <a:off x="0" y="0"/>
+          <a:ext cx="0" cy="0"/>
+          <a:chOff x="0" y="0"/>
+          <a:chExt cx="0" cy="0"/>
+        </a:xfrm>
+      </p:grpSpPr>
+      <p:sp>
+        <p:nvSpPr>
+          <p:cNvPr id="8" name="Shape 30"/>
+          <p:cNvSpPr txBox="1">
+            <a:spLocks noGrp="1"/>
+          </p:cNvSpPr>
+          <p:nvPr>
+            <p:ph type="title"/>
+          </p:nvPr>
+        </p:nvSpPr>
+        <p:spPr>
+          <a:xfrm>
+            <a:off x="457200" y="274637"/>
+            <a:ext cx="8229600" cy="1143000"/>
+          </a:xfrm>
+          <a:prstGeom prst="rect">
+            <a:avLst/>
+          </a:prstGeom>
+        </p:spPr>
+        <p:txBody>
+          <a:bodyPr lIns="91425" tIns="91425" rIns="91425" bIns="91425" anchor="b" anchorCtr="0">
+            <a:noAutofit/>
+          </a:bodyPr>
+          <a:lstStyle/>
+          <a:p>
+            <a:pPr>
+              <a:buNone/>
+            </a:pPr>
+            <a:br>
+              <a:rPr lang="sv" dirty="0"/>
+            </a:br>
+            <a:r>
+              <a:rPr lang="sv-SE" dirty="0"/>
+              <a:t>Selenium, webdriver</a:t>
+            </a:r>
+            <a:endParaRPr lang="sv" dirty="0"/>
+          </a:p>
+        </p:txBody>
+      </p:sp>
+      <p:sp>
+        <p:nvSpPr>
+          <p:cNvPr id="9" name="Shape 31"/>
+          <p:cNvSpPr txBox="1">
+            <a:spLocks noGrp="1"/>
+          </p:cNvSpPr>
+          <p:nvPr>
+            <p:ph type="body" idx="1"/>
+          </p:nvPr>
+        </p:nvSpPr>
+        <p:spPr>
+          <a:xfrm>
+            <a:off x="395536" y="1268760"/>
+            <a:ext cx="8229600" cy="4752528"/>
+          </a:xfrm>
+          <a:prstGeom prst="rect">
+            <a:avLst/>
+          </a:prstGeom>
+        </p:spPr>
+        <p:txBody>
+          <a:bodyPr lIns="91425" tIns="91425" rIns="91425" bIns="91425" anchor="t" anchorCtr="0">
+            <a:noAutofit/>
+          </a:bodyPr>
+          <a:lstStyle/>
+          <a:p>
+            <a:pPr marL="76200" lvl="0" indent="0" algn="ctr">
+              <a:lnSpc>
+                <a:spcPct val="115000"/>
+              </a:lnSpc>
+              <a:spcBef>
+                <a:spcPts val="0"/>
+              </a:spcBef>
+              <a:buClr>
+                <a:srgbClr val="000000"/>
+              </a:buClr>
+              <a:buSzPct val="166666"/>
+              <a:buNone/>
+            </a:pPr>
+            <a:r>
+              <a:rPr lang="sv-SE" dirty="0"/>
+              <a:t>Selenium versioner - innehåll</a:t>
+            </a:r>
+          </a:p>
+        </p:txBody>
+      </p:sp>
+      <p:graphicFrame>
+        <p:nvGraphicFramePr>
+          <p:cNvPr id="2" name="Tabell 1"/>
+          <p:cNvGraphicFramePr>
+            <a:graphicFrameLocks noGrp="1"/>
+          </p:cNvGraphicFramePr>
+          <p:nvPr>
+            <p:extLst>
+              <p:ext uri="{D42A27DB-BD31-4B8C-83A1-F6EECF244321}">
+                <p14:modId xmlns:p14="http://schemas.microsoft.com/office/powerpoint/2010/main" val="624454718"/>
+              </p:ext>
+            </p:extLst>
+          </p:nvPr>
+        </p:nvGraphicFramePr>
+        <p:xfrm>
+          <a:off x="1691680" y="1988840"/>
+          <a:ext cx="6096000" cy="2225040"/>
+        </p:xfrm>
+        <a:graphic>
+          <a:graphicData uri="http://schemas.openxmlformats.org/drawingml/2006/table">
+            <a:tbl>
+              <a:tblPr firstRow="1" bandRow="1">
+                <a:tableStyleId>{5C22544A-7EE6-4342-B048-85BDC9FD1C3A}</a:tableStyleId>
+              </a:tblPr>
+              <a:tblGrid>
+                <a:gridCol w="1219200">
+                  <a:extLst>
+                    <a:ext uri="{9D8B030D-6E8A-4147-A177-3AD203B41FA5}">
+                      <a16:colId xmlns:a16="http://schemas.microsoft.com/office/drawing/2014/main" val="4165953490"/>
+                    </a:ext>
+                  </a:extLst>
+                </a:gridCol>
+                <a:gridCol w="1219200">
+                  <a:extLst>
+                    <a:ext uri="{9D8B030D-6E8A-4147-A177-3AD203B41FA5}">
+                      <a16:colId xmlns:a16="http://schemas.microsoft.com/office/drawing/2014/main" val="3584276981"/>
+                    </a:ext>
+                  </a:extLst>
+                </a:gridCol>
+                <a:gridCol w="1219200">
+                  <a:extLst>
+                    <a:ext uri="{9D8B030D-6E8A-4147-A177-3AD203B41FA5}">
+                      <a16:colId xmlns:a16="http://schemas.microsoft.com/office/drawing/2014/main" val="2576788713"/>
+                    </a:ext>
+                  </a:extLst>
+                </a:gridCol>
+                <a:gridCol w="1219200">
+                  <a:extLst>
+                    <a:ext uri="{9D8B030D-6E8A-4147-A177-3AD203B41FA5}">
+                      <a16:colId xmlns:a16="http://schemas.microsoft.com/office/drawing/2014/main" val="2230127545"/>
+                    </a:ext>
+                  </a:extLst>
+                </a:gridCol>
+                <a:gridCol w="1219200">
+                  <a:extLst>
+                    <a:ext uri="{9D8B030D-6E8A-4147-A177-3AD203B41FA5}">
+                      <a16:colId xmlns:a16="http://schemas.microsoft.com/office/drawing/2014/main" val="3286263590"/>
+                    </a:ext>
+                  </a:extLst>
+                </a:gridCol>
+              </a:tblGrid>
+              <a:tr h="370840">
+                <a:tc>
+                  <a:txBody>
+                    <a:bodyPr/>
+                    <a:lstStyle/>
+                    <a:p>
+                      <a:pPr algn="ctr"/>
+                      <a:endParaRPr lang="sv-SE" dirty="0"/>
+                    </a:p>
+                  </a:txBody>
+                  <a:tcPr/>
+                </a:tc>
+                <a:tc>
+                  <a:txBody>
+                    <a:bodyPr/>
+                    <a:lstStyle/>
+                    <a:p>
+                      <a:pPr algn="ctr"/>
+                      <a:r>
+                        <a:rPr lang="sv-SE" dirty="0"/>
+                        <a:t>1</a:t>
+                      </a:r>
+                    </a:p>
+                  </a:txBody>
+                  <a:tcPr/>
+                </a:tc>
+                <a:tc>
+                  <a:txBody>
+                    <a:bodyPr/>
+                    <a:lstStyle/>
+                    <a:p>
+                      <a:pPr algn="ctr"/>
+                      <a:r>
+                        <a:rPr lang="sv-SE" dirty="0"/>
+                        <a:t>2</a:t>
+                      </a:r>
+                    </a:p>
+                  </a:txBody>
+                  <a:tcPr/>
+                </a:tc>
+                <a:tc>
+                  <a:txBody>
+                    <a:bodyPr/>
+                    <a:lstStyle/>
+                    <a:p>
+                      <a:pPr algn="ctr"/>
+                      <a:r>
+                        <a:rPr lang="sv-SE" dirty="0"/>
+                        <a:t>3</a:t>
+                      </a:r>
+                    </a:p>
+                  </a:txBody>
+                  <a:tcPr/>
+                </a:tc>
+                <a:tc>
+                  <a:txBody>
+                    <a:bodyPr/>
+                    <a:lstStyle/>
+                    <a:p>
+                      <a:pPr algn="ctr"/>
+                      <a:endParaRPr lang="sv-SE" dirty="0"/>
+                    </a:p>
+                  </a:txBody>
+                  <a:tcPr/>
+                </a:tc>
+                <a:extLst>
+                  <a:ext uri="{0D108BD9-81ED-4DB2-BD59-A6C34878D82A}">
+                    <a16:rowId xmlns:a16="http://schemas.microsoft.com/office/drawing/2014/main" val="1235414100"/>
+                  </a:ext>
+                </a:extLst>
+              </a:tr>
+              <a:tr h="370840">
+                <a:tc>
+                  <a:txBody>
+                    <a:bodyPr/>
+                    <a:lstStyle/>
+                    <a:p>
+                      <a:r>
+                        <a:rPr lang="sv-SE" dirty="0"/>
+                        <a:t>RC</a:t>
+                      </a:r>
+                    </a:p>
+                  </a:txBody>
+                  <a:tcPr/>
+                </a:tc>
+                <a:tc>
+                  <a:txBody>
+                    <a:bodyPr/>
+                    <a:lstStyle/>
+                    <a:p>
+                      <a:pPr algn="ctr"/>
+                      <a:r>
+                        <a:rPr lang="sv-SE" dirty="0"/>
+                        <a:t>X</a:t>
+                      </a:r>
+                    </a:p>
+                  </a:txBody>
+                  <a:tcPr/>
+                </a:tc>
+                <a:tc>
+                  <a:txBody>
+                    <a:bodyPr/>
+                    <a:lstStyle/>
+                    <a:p>
+                      <a:pPr algn="ctr"/>
+                      <a:r>
+                        <a:rPr lang="sv-SE" dirty="0"/>
+                        <a:t>X</a:t>
+                      </a:r>
+                    </a:p>
+                  </a:txBody>
+                  <a:tcPr/>
+                </a:tc>
+                <a:tc>
+                  <a:txBody>
+                    <a:bodyPr/>
+                    <a:lstStyle/>
+                    <a:p>
+                      <a:pPr algn="ctr"/>
+                      <a:endParaRPr lang="sv-SE"/>
+                    </a:p>
+                  </a:txBody>
+                  <a:tcPr/>
+                </a:tc>
+                <a:tc>
+                  <a:txBody>
+                    <a:bodyPr/>
+                    <a:lstStyle/>
+                    <a:p>
+                      <a:endParaRPr lang="sv-SE"/>
+                    </a:p>
+                  </a:txBody>
+                  <a:tcPr/>
+                </a:tc>
+                <a:extLst>
+                  <a:ext uri="{0D108BD9-81ED-4DB2-BD59-A6C34878D82A}">
+                    <a16:rowId xmlns:a16="http://schemas.microsoft.com/office/drawing/2014/main" val="3986363076"/>
+                  </a:ext>
+                </a:extLst>
+              </a:tr>
+              <a:tr h="370840">
+                <a:tc>
+                  <a:txBody>
+                    <a:bodyPr/>
+                    <a:lstStyle/>
+                    <a:p>
+                      <a:r>
+                        <a:rPr lang="sv-SE" dirty="0"/>
+                        <a:t>Grid</a:t>
+                      </a:r>
+                    </a:p>
+                  </a:txBody>
+                  <a:tcPr/>
+                </a:tc>
+                <a:tc>
+                  <a:txBody>
+                    <a:bodyPr/>
+                    <a:lstStyle/>
+                    <a:p>
+                      <a:pPr algn="ctr"/>
+                      <a:r>
+                        <a:rPr lang="sv-SE" dirty="0"/>
+                        <a:t>X</a:t>
+                      </a:r>
+                    </a:p>
+                  </a:txBody>
+                  <a:tcPr/>
+                </a:tc>
+                <a:tc>
+                  <a:txBody>
+                    <a:bodyPr/>
+                    <a:lstStyle/>
+                    <a:p>
+                      <a:pPr algn="ctr"/>
+                      <a:r>
+                        <a:rPr lang="sv-SE" dirty="0"/>
+                        <a:t>X</a:t>
+                      </a:r>
+                    </a:p>
+                  </a:txBody>
+                  <a:tcPr/>
+                </a:tc>
+                <a:tc>
+                  <a:txBody>
+                    <a:bodyPr/>
+                    <a:lstStyle/>
+                    <a:p>
+                      <a:pPr algn="ctr"/>
+                      <a:r>
+                        <a:rPr lang="sv-SE" dirty="0"/>
+                        <a:t>X</a:t>
+                      </a:r>
+                    </a:p>
+                  </a:txBody>
+                  <a:tcPr/>
+                </a:tc>
+                <a:tc>
+                  <a:txBody>
+                    <a:bodyPr/>
+                    <a:lstStyle/>
+                    <a:p>
+                      <a:endParaRPr lang="sv-SE"/>
+                    </a:p>
+                  </a:txBody>
+                  <a:tcPr/>
+                </a:tc>
+                <a:extLst>
+                  <a:ext uri="{0D108BD9-81ED-4DB2-BD59-A6C34878D82A}">
+                    <a16:rowId xmlns:a16="http://schemas.microsoft.com/office/drawing/2014/main" val="781537455"/>
+                  </a:ext>
+                </a:extLst>
+              </a:tr>
+              <a:tr h="370840">
+                <a:tc>
+                  <a:txBody>
+                    <a:bodyPr/>
+                    <a:lstStyle/>
+                    <a:p>
+                      <a:r>
+                        <a:rPr lang="sv-SE" dirty="0"/>
+                        <a:t>IDE</a:t>
+                      </a:r>
+                    </a:p>
+                  </a:txBody>
+                  <a:tcPr/>
+                </a:tc>
+                <a:tc>
+                  <a:txBody>
+                    <a:bodyPr/>
+                    <a:lstStyle/>
+                    <a:p>
+                      <a:pPr algn="ctr"/>
+                      <a:r>
+                        <a:rPr lang="sv-SE" dirty="0"/>
+                        <a:t>X</a:t>
+                      </a:r>
+                    </a:p>
+                  </a:txBody>
+                  <a:tcPr/>
+                </a:tc>
+                <a:tc>
+                  <a:txBody>
+                    <a:bodyPr/>
+                    <a:lstStyle/>
+                    <a:p>
+                      <a:pPr algn="ctr"/>
+                      <a:r>
+                        <a:rPr lang="sv-SE" dirty="0"/>
+                        <a:t>X</a:t>
+                      </a:r>
+                    </a:p>
+                  </a:txBody>
+                  <a:tcPr/>
+                </a:tc>
+                <a:tc>
+                  <a:txBody>
+                    <a:bodyPr/>
+                    <a:lstStyle/>
+                    <a:p>
+                      <a:pPr algn="ctr"/>
+                      <a:r>
+                        <a:rPr lang="sv-SE" dirty="0"/>
+                        <a:t>X</a:t>
+                      </a:r>
+                    </a:p>
+                  </a:txBody>
+                  <a:tcPr/>
+                </a:tc>
+                <a:tc>
+                  <a:txBody>
+                    <a:bodyPr/>
+                    <a:lstStyle/>
+                    <a:p>
+                      <a:endParaRPr lang="sv-SE"/>
+                    </a:p>
+                  </a:txBody>
+                  <a:tcPr/>
+                </a:tc>
+                <a:extLst>
+                  <a:ext uri="{0D108BD9-81ED-4DB2-BD59-A6C34878D82A}">
+                    <a16:rowId xmlns:a16="http://schemas.microsoft.com/office/drawing/2014/main" val="1034528203"/>
+                  </a:ext>
+                </a:extLst>
+              </a:tr>
+              <a:tr h="370840">
+                <a:tc>
+                  <a:txBody>
+                    <a:bodyPr/>
+                    <a:lstStyle/>
+                    <a:p>
+                      <a:r>
+                        <a:rPr lang="sv-SE" dirty="0"/>
+                        <a:t>Webdriver</a:t>
+                      </a:r>
+                    </a:p>
+                  </a:txBody>
+                  <a:tcPr/>
+                </a:tc>
+                <a:tc>
+                  <a:txBody>
+                    <a:bodyPr/>
+                    <a:lstStyle/>
+                    <a:p>
+                      <a:pPr algn="ctr"/>
+                      <a:endParaRPr lang="sv-SE"/>
+                    </a:p>
+                  </a:txBody>
+                  <a:tcPr/>
+                </a:tc>
+                <a:tc>
+                  <a:txBody>
+                    <a:bodyPr/>
+                    <a:lstStyle/>
+                    <a:p>
+                      <a:pPr algn="ctr"/>
+                      <a:r>
+                        <a:rPr lang="sv-SE" dirty="0"/>
+                        <a:t>X</a:t>
+                      </a:r>
+                    </a:p>
+                  </a:txBody>
+                  <a:tcPr/>
+                </a:tc>
+                <a:tc>
+                  <a:txBody>
+                    <a:bodyPr/>
+                    <a:lstStyle/>
+                    <a:p>
+                      <a:pPr algn="ctr"/>
+                      <a:r>
+                        <a:rPr lang="sv-SE" dirty="0"/>
+                        <a:t>X</a:t>
+                      </a:r>
+                    </a:p>
+                  </a:txBody>
+                  <a:tcPr/>
+                </a:tc>
+                <a:tc>
+                  <a:txBody>
+                    <a:bodyPr/>
+                    <a:lstStyle/>
+                    <a:p>
+                      <a:endParaRPr lang="sv-SE"/>
+                    </a:p>
+                  </a:txBody>
+                  <a:tcPr/>
+                </a:tc>
+                <a:extLst>
+                  <a:ext uri="{0D108BD9-81ED-4DB2-BD59-A6C34878D82A}">
+                    <a16:rowId xmlns:a16="http://schemas.microsoft.com/office/drawing/2014/main" val="1905536096"/>
+                  </a:ext>
+                </a:extLst>
+              </a:tr>
+              <a:tr h="370840">
+                <a:tc>
+                  <a:txBody>
+                    <a:bodyPr/>
+                    <a:lstStyle/>
+                    <a:p>
+                      <a:r>
+                        <a:rPr lang="sv-SE" dirty="0"/>
+                        <a:t>W3C</a:t>
+                      </a:r>
+                    </a:p>
+                  </a:txBody>
+                  <a:tcPr/>
+                </a:tc>
+                <a:tc>
+                  <a:txBody>
+                    <a:bodyPr/>
+                    <a:lstStyle/>
+                    <a:p>
+                      <a:pPr algn="ctr"/>
+                      <a:endParaRPr lang="sv-SE"/>
+                    </a:p>
+                  </a:txBody>
+                  <a:tcPr/>
+                </a:tc>
+                <a:tc>
+                  <a:txBody>
+                    <a:bodyPr/>
+                    <a:lstStyle/>
+                    <a:p>
+                      <a:pPr algn="ctr"/>
+                      <a:endParaRPr lang="sv-SE"/>
+                    </a:p>
+                  </a:txBody>
+                  <a:tcPr/>
+                </a:tc>
+                <a:tc>
+                  <a:txBody>
+                    <a:bodyPr/>
+                    <a:lstStyle/>
+                    <a:p>
+                      <a:pPr algn="ctr"/>
+                      <a:r>
+                        <a:rPr lang="sv-SE" dirty="0"/>
+                        <a:t>X</a:t>
+                      </a:r>
+                    </a:p>
+                  </a:txBody>
+                  <a:tcPr/>
+                </a:tc>
+                <a:tc>
+                  <a:txBody>
+                    <a:bodyPr/>
+                    <a:lstStyle/>
+                    <a:p>
+                      <a:endParaRPr lang="sv-SE" dirty="0"/>
+                    </a:p>
+                  </a:txBody>
+                  <a:tcPr/>
+                </a:tc>
+                <a:extLst>
+                  <a:ext uri="{0D108BD9-81ED-4DB2-BD59-A6C34878D82A}">
+                    <a16:rowId xmlns:a16="http://schemas.microsoft.com/office/drawing/2014/main" val="827014771"/>
+                  </a:ext>
+                </a:extLst>
+              </a:tr>
+            </a:tbl>
+          </a:graphicData>
+        </a:graphic>
+      </p:graphicFrame>
+    </p:spTree>
+    <p:extLst>
+      <p:ext uri="{BB962C8B-B14F-4D97-AF65-F5344CB8AC3E}">
+        <p14:creationId xmlns:p14="http://schemas.microsoft.com/office/powerpoint/2010/main" val="3582152832"/>
+      </p:ext>
+    </p:extLst>
+  </p:cSld>
+  <p:clrMapOvr>
+    <a:masterClrMapping/>
+  </p:clrMapOvr>
+  <p:transition spd="slow">
+    <p:cut/>
+  </p:transition>
+</p:sld>
+</file>
+
+<file path=ppt/slides/slide14.xml><?xml version="1.0" encoding="utf-8"?>
+<p:sld xmlns:a="http://schemas.openxmlformats.org/drawingml/2006/main" xmlns:r="http://schemas.openxmlformats.org/officeDocument/2006/relationships" xmlns:p="http://schemas.openxmlformats.org/presentationml/2006/main">
+  <p:cSld>
+    <p:spTree>
+      <p:nvGrpSpPr>
+        <p:cNvPr id="1" name="Shape 36"/>
+        <p:cNvGrpSpPr/>
+        <p:nvPr/>
+      </p:nvGrpSpPr>
+      <p:grpSpPr>
+        <a:xfrm>
+          <a:off x="0" y="0"/>
+          <a:ext cx="0" cy="0"/>
+          <a:chOff x="0" y="0"/>
+          <a:chExt cx="0" cy="0"/>
+        </a:xfrm>
+      </p:grpSpPr>
+      <p:sp>
+        <p:nvSpPr>
+          <p:cNvPr id="8" name="Shape 30"/>
+          <p:cNvSpPr txBox="1">
+            <a:spLocks noGrp="1"/>
+          </p:cNvSpPr>
+          <p:nvPr>
+            <p:ph type="title"/>
+          </p:nvPr>
+        </p:nvSpPr>
+        <p:spPr>
+          <a:xfrm>
+            <a:off x="457200" y="274637"/>
+            <a:ext cx="8229600" cy="1143000"/>
+          </a:xfrm>
+          <a:prstGeom prst="rect">
+            <a:avLst/>
+          </a:prstGeom>
+        </p:spPr>
+        <p:txBody>
+          <a:bodyPr lIns="91425" tIns="91425" rIns="91425" bIns="91425" anchor="b" anchorCtr="0">
+            <a:noAutofit/>
+          </a:bodyPr>
+          <a:lstStyle/>
+          <a:p>
+            <a:pPr>
+              <a:buNone/>
+            </a:pPr>
+            <a:br>
+              <a:rPr lang="sv" dirty="0"/>
+            </a:br>
+            <a:r>
+              <a:rPr lang="sv-SE" dirty="0"/>
+              <a:t>Selenium, webdriver</a:t>
+            </a:r>
+            <a:endParaRPr lang="sv" dirty="0"/>
+          </a:p>
+        </p:txBody>
+      </p:sp>
+      <p:sp>
+        <p:nvSpPr>
+          <p:cNvPr id="9" name="Shape 31"/>
+          <p:cNvSpPr txBox="1">
+            <a:spLocks noGrp="1"/>
+          </p:cNvSpPr>
+          <p:nvPr>
+            <p:ph type="body" idx="1"/>
+          </p:nvPr>
+        </p:nvSpPr>
+        <p:spPr>
+          <a:xfrm>
+            <a:off x="395536" y="1268760"/>
+            <a:ext cx="8229600" cy="4752528"/>
+          </a:xfrm>
+          <a:prstGeom prst="rect">
+            <a:avLst/>
+          </a:prstGeom>
+        </p:spPr>
+        <p:txBody>
+          <a:bodyPr lIns="91425" tIns="91425" rIns="91425" bIns="91425" anchor="t" anchorCtr="0">
+            <a:noAutofit/>
+          </a:bodyPr>
+          <a:lstStyle/>
+          <a:p>
+            <a:pPr marL="76200" indent="0">
+              <a:lnSpc>
+                <a:spcPct val="115000"/>
+              </a:lnSpc>
+              <a:spcBef>
+                <a:spcPts val="0"/>
+              </a:spcBef>
+              <a:buClr>
+                <a:srgbClr val="000000"/>
+              </a:buClr>
+              <a:buSzPct val="166666"/>
+              <a:buNone/>
+            </a:pPr>
+            <a:r>
+              <a:rPr lang="sv-SE" dirty="0"/>
+              <a:t>Installera:</a:t>
+            </a:r>
+          </a:p>
+          <a:p>
+            <a:pPr marL="419100">
+              <a:lnSpc>
+                <a:spcPct val="115000"/>
+              </a:lnSpc>
+              <a:spcBef>
+                <a:spcPts val="0"/>
+              </a:spcBef>
+              <a:buClr>
+                <a:srgbClr val="000000"/>
+              </a:buClr>
+              <a:buSzPct val="166666"/>
+            </a:pPr>
+            <a:r>
+              <a:rPr lang="sv-SE" dirty="0" err="1"/>
+              <a:t>Selenium.WebDriver</a:t>
+            </a:r>
+            <a:endParaRPr lang="sv-SE" dirty="0"/>
+          </a:p>
+          <a:p>
+            <a:pPr marL="419100">
+              <a:lnSpc>
+                <a:spcPct val="115000"/>
+              </a:lnSpc>
+              <a:spcBef>
+                <a:spcPts val="0"/>
+              </a:spcBef>
+              <a:buClr>
+                <a:srgbClr val="000000"/>
+              </a:buClr>
+              <a:buSzPct val="166666"/>
+            </a:pPr>
+            <a:r>
+              <a:rPr lang="sv-SE" dirty="0" err="1"/>
+              <a:t>Selenium.Support</a:t>
+            </a:r>
+            <a:endParaRPr lang="sv-SE" dirty="0"/>
+          </a:p>
+          <a:p>
+            <a:pPr marL="419100">
+              <a:lnSpc>
+                <a:spcPct val="115000"/>
+              </a:lnSpc>
+              <a:spcBef>
+                <a:spcPts val="0"/>
+              </a:spcBef>
+              <a:buClr>
+                <a:srgbClr val="000000"/>
+              </a:buClr>
+              <a:buSzPct val="166666"/>
+            </a:pPr>
+            <a:r>
+              <a:rPr lang="sv-SE" dirty="0" err="1"/>
+              <a:t>Selenium.WebDriver.ChromeDriver</a:t>
+            </a:r>
+            <a:endParaRPr lang="sv-SE" dirty="0"/>
+          </a:p>
+        </p:txBody>
+      </p:sp>
+    </p:spTree>
+    <p:extLst>
+      <p:ext uri="{BB962C8B-B14F-4D97-AF65-F5344CB8AC3E}">
+        <p14:creationId xmlns:p14="http://schemas.microsoft.com/office/powerpoint/2010/main" val="2985075790"/>
+      </p:ext>
+    </p:extLst>
+  </p:cSld>
+  <p:clrMapOvr>
+    <a:masterClrMapping/>
+  </p:clrMapOvr>
+  <p:transition spd="slow">
+    <p:cut/>
+  </p:transition>
+</p:sld>
+</file>
+
+<file path=ppt/slides/slide15.xml><?xml version="1.0" encoding="utf-8"?>
 <p:sld xmlns:a="http://schemas.openxmlformats.org/drawingml/2006/main" xmlns:r="http://schemas.openxmlformats.org/officeDocument/2006/relationships" xmlns:p="http://schemas.openxmlformats.org/presentationml/2006/main" show="0">
   <p:cSld>
     <p:spTree>

--- a/Selenium_VS2015_Bas.pptx
+++ b/Selenium_VS2015_Bas.pptx
@@ -5,7 +5,7 @@
     <p:sldMasterId id="2147483648" r:id="rId1"/>
   </p:sldMasterIdLst>
   <p:notesMasterIdLst>
-    <p:notesMasterId r:id="rId17"/>
+    <p:notesMasterId r:id="rId22"/>
   </p:notesMasterIdLst>
   <p:sldIdLst>
     <p:sldId id="256" r:id="rId2"/>
@@ -22,7 +22,12 @@
     <p:sldId id="390" r:id="rId13"/>
     <p:sldId id="391" r:id="rId14"/>
     <p:sldId id="392" r:id="rId15"/>
-    <p:sldId id="381" r:id="rId16"/>
+    <p:sldId id="393" r:id="rId16"/>
+    <p:sldId id="395" r:id="rId17"/>
+    <p:sldId id="394" r:id="rId18"/>
+    <p:sldId id="396" r:id="rId19"/>
+    <p:sldId id="397" r:id="rId20"/>
+    <p:sldId id="381" r:id="rId21"/>
   </p:sldIdLst>
   <p:sldSz cx="9144000" cy="6858000" type="screen4x3"/>
   <p:notesSz cx="6797675" cy="9926638"/>
@@ -223,7 +228,7 @@
             <a:fld id="{4B692815-F29B-470E-933C-C013C16C0B4A}" type="datetimeFigureOut">
               <a:rPr lang="sv-SE" smtClean="0"/>
               <a:pPr/>
-              <a:t>2017-01-06</a:t>
+              <a:t>2017-01-07</a:t>
             </a:fld>
             <a:endParaRPr lang="sv-SE"/>
           </a:p>
@@ -972,12 +977,8 @@
               <a:buChar char="-"/>
             </a:pPr>
             <a:r>
-              <a:rPr lang="sv-SE" baseline="0" dirty="0" err="1"/>
-              <a:t>Using</a:t>
-            </a:r>
-            <a:r>
               <a:rPr lang="sv-SE" baseline="0" dirty="0"/>
-              <a:t> motsvarar Javas import, dvs definition av de externa </a:t>
+              <a:t>Using motsvarar Javas import, dvs definition av de externa </a:t>
             </a:r>
             <a:r>
               <a:rPr lang="sv-SE" baseline="0" dirty="0" err="1"/>
@@ -2203,18 +2204,7 @@
                 <a:ea typeface="+mn-ea"/>
                 <a:cs typeface="+mn-cs"/>
               </a:rPr>
-              <a:t>Jag kan visa dessa om vi hinner efter vi kört våra exempel, så påminn mig då om ni </a:t>
-            </a:r>
-            <a:r>
-              <a:rPr lang="sv-SE" sz="1200" kern="1200">
-                <a:solidFill>
-                  <a:schemeClr val="tx1"/>
-                </a:solidFill>
-                <a:latin typeface="+mn-lt"/>
-                <a:ea typeface="+mn-ea"/>
-                <a:cs typeface="+mn-cs"/>
-              </a:rPr>
-              <a:t>är intresserade.</a:t>
+              <a:t>Jag kan visa dessa om vi hinner efter vi kört våra exempel, så påminn mig då om ni är intresserade.</a:t>
             </a:r>
             <a:endParaRPr lang="sv-SE" dirty="0"/>
           </a:p>
@@ -2236,12 +2226,12 @@
 </p:notes>
 </file>
 
-<file path=ppt/notesSlides/notesSlide2.xml><?xml version="1.0" encoding="utf-8"?>
+<file path=ppt/notesSlides/notesSlide15.xml><?xml version="1.0" encoding="utf-8"?>
 <p:notes xmlns:a="http://schemas.openxmlformats.org/drawingml/2006/main" xmlns:r="http://schemas.openxmlformats.org/officeDocument/2006/relationships" xmlns:p="http://schemas.openxmlformats.org/presentationml/2006/main" showMasterSp="0" showMasterPhAnim="0">
   <p:cSld>
     <p:spTree>
       <p:nvGrpSpPr>
-        <p:cNvPr id="1" name="Shape 33"/>
+        <p:cNvPr id="1" name="Shape 40"/>
         <p:cNvGrpSpPr/>
         <p:nvPr/>
       </p:nvGrpSpPr>
@@ -2255,7 +2245,7 @@
       </p:grpSpPr>
       <p:sp>
         <p:nvSpPr>
-          <p:cNvPr id="34" name="Shape 34"/>
+          <p:cNvPr id="41" name="Shape 41"/>
           <p:cNvSpPr>
             <a:spLocks noGrp="1" noRot="1" noChangeAspect="1"/>
           </p:cNvSpPr>
@@ -2296,6 +2286,741 @@
       </p:sp>
       <p:sp>
         <p:nvSpPr>
+          <p:cNvPr id="42" name="Shape 42"/>
+          <p:cNvSpPr txBox="1">
+            <a:spLocks noGrp="1"/>
+          </p:cNvSpPr>
+          <p:nvPr>
+            <p:ph type="body" idx="1"/>
+          </p:nvPr>
+        </p:nvSpPr>
+        <p:spPr>
+          <a:xfrm>
+            <a:off x="679768" y="4715153"/>
+            <a:ext cx="5438139" cy="4466987"/>
+          </a:xfrm>
+          <a:prstGeom prst="rect">
+            <a:avLst/>
+          </a:prstGeom>
+        </p:spPr>
+        <p:txBody>
+          <a:bodyPr lIns="91425" tIns="91425" rIns="91425" bIns="91425" anchor="t" anchorCtr="0">
+            <a:noAutofit/>
+          </a:bodyPr>
+          <a:lstStyle/>
+          <a:p>
+            <a:r>
+              <a:rPr lang="sv-SE" dirty="0"/>
+              <a:t>Jag kommer nu att visa ett enkelt testfall, ni kan vänta med att kopiera kod.</a:t>
+            </a:r>
+          </a:p>
+          <a:p>
+            <a:r>
+              <a:rPr lang="sv-SE" dirty="0"/>
+              <a:t>Detta då jag vill visa hur </a:t>
+            </a:r>
+            <a:r>
+              <a:rPr lang="sv-SE" dirty="0" err="1"/>
+              <a:t>wait’s</a:t>
+            </a:r>
+            <a:r>
+              <a:rPr lang="sv-SE" dirty="0"/>
+              <a:t> kan implementeras på ett snyggt sätt först.</a:t>
+            </a:r>
+          </a:p>
+          <a:p>
+            <a:endParaRPr lang="sv-SE" dirty="0"/>
+          </a:p>
+          <a:p>
+            <a:r>
+              <a:rPr lang="sv-SE" dirty="0"/>
+              <a:t>Visa min VS. Test 1.</a:t>
+            </a:r>
+          </a:p>
+          <a:p>
+            <a:endParaRPr lang="sv-SE" dirty="0"/>
+          </a:p>
+          <a:p>
+            <a:r>
+              <a:rPr lang="sv-SE" dirty="0"/>
+              <a:t>Test fallerar pga. Att wait saknas</a:t>
+            </a:r>
+          </a:p>
+          <a:p>
+            <a:pPr marL="171450" indent="-171450">
+              <a:buFontTx/>
+              <a:buChar char="-"/>
+            </a:pPr>
+            <a:r>
+              <a:rPr lang="sv-SE" dirty="0" err="1"/>
+              <a:t>Sleep</a:t>
+            </a:r>
+            <a:r>
+              <a:rPr lang="sv-SE" dirty="0"/>
+              <a:t>()</a:t>
+            </a:r>
+          </a:p>
+          <a:p>
+            <a:pPr marL="171450" indent="-171450">
+              <a:buFontTx/>
+              <a:buChar char="-"/>
+            </a:pPr>
+            <a:r>
+              <a:rPr lang="sv-SE" dirty="0"/>
+              <a:t>Explicit wait</a:t>
+            </a:r>
+            <a:endParaRPr lang="sv-SE" dirty="0"/>
+          </a:p>
+          <a:p>
+            <a:pPr marL="171450" indent="-171450">
+              <a:buFontTx/>
+              <a:buChar char="-"/>
+            </a:pPr>
+            <a:r>
+              <a:rPr lang="sv-SE" dirty="0"/>
+              <a:t>Implicit wait</a:t>
+            </a:r>
+            <a:endParaRPr dirty="0"/>
+          </a:p>
+        </p:txBody>
+      </p:sp>
+    </p:spTree>
+    <p:extLst>
+      <p:ext uri="{BB962C8B-B14F-4D97-AF65-F5344CB8AC3E}">
+        <p14:creationId xmlns:p14="http://schemas.microsoft.com/office/powerpoint/2010/main" val="553256453"/>
+      </p:ext>
+    </p:extLst>
+  </p:cSld>
+  <p:clrMapOvr>
+    <a:masterClrMapping/>
+  </p:clrMapOvr>
+</p:notes>
+</file>
+
+<file path=ppt/notesSlides/notesSlide16.xml><?xml version="1.0" encoding="utf-8"?>
+<p:notes xmlns:a="http://schemas.openxmlformats.org/drawingml/2006/main" xmlns:r="http://schemas.openxmlformats.org/officeDocument/2006/relationships" xmlns:p="http://schemas.openxmlformats.org/presentationml/2006/main" showMasterSp="0" showMasterPhAnim="0">
+  <p:cSld>
+    <p:spTree>
+      <p:nvGrpSpPr>
+        <p:cNvPr id="1" name="Shape 40"/>
+        <p:cNvGrpSpPr/>
+        <p:nvPr/>
+      </p:nvGrpSpPr>
+      <p:grpSpPr>
+        <a:xfrm>
+          <a:off x="0" y="0"/>
+          <a:ext cx="0" cy="0"/>
+          <a:chOff x="0" y="0"/>
+          <a:chExt cx="0" cy="0"/>
+        </a:xfrm>
+      </p:grpSpPr>
+      <p:sp>
+        <p:nvSpPr>
+          <p:cNvPr id="41" name="Shape 41"/>
+          <p:cNvSpPr>
+            <a:spLocks noGrp="1" noRot="1" noChangeAspect="1"/>
+          </p:cNvSpPr>
+          <p:nvPr>
+            <p:ph type="sldImg" idx="2"/>
+          </p:nvPr>
+        </p:nvSpPr>
+        <p:spPr>
+          <a:xfrm>
+            <a:off x="919163" y="744538"/>
+            <a:ext cx="4960937" cy="3722687"/>
+          </a:xfrm>
+          <a:custGeom>
+            <a:avLst/>
+            <a:gdLst/>
+            <a:ahLst/>
+            <a:cxnLst/>
+            <a:rect l="0" t="0" r="0" b="0"/>
+            <a:pathLst>
+              <a:path w="120000" h="120000" extrusionOk="0">
+                <a:moveTo>
+                  <a:pt x="0" y="0"/>
+                </a:moveTo>
+                <a:lnTo>
+                  <a:pt x="120000" y="0"/>
+                </a:lnTo>
+                <a:lnTo>
+                  <a:pt x="120000" y="120000"/>
+                </a:lnTo>
+                <a:lnTo>
+                  <a:pt x="0" y="120000"/>
+                </a:lnTo>
+                <a:close/>
+              </a:path>
+            </a:pathLst>
+          </a:custGeom>
+        </p:spPr>
+      </p:sp>
+      <p:sp>
+        <p:nvSpPr>
+          <p:cNvPr id="42" name="Shape 42"/>
+          <p:cNvSpPr txBox="1">
+            <a:spLocks noGrp="1"/>
+          </p:cNvSpPr>
+          <p:nvPr>
+            <p:ph type="body" idx="1"/>
+          </p:nvPr>
+        </p:nvSpPr>
+        <p:spPr>
+          <a:xfrm>
+            <a:off x="679768" y="4715153"/>
+            <a:ext cx="5438139" cy="4466987"/>
+          </a:xfrm>
+          <a:prstGeom prst="rect">
+            <a:avLst/>
+          </a:prstGeom>
+        </p:spPr>
+        <p:txBody>
+          <a:bodyPr lIns="91425" tIns="91425" rIns="91425" bIns="91425" anchor="t" anchorCtr="0">
+            <a:noAutofit/>
+          </a:bodyPr>
+          <a:lstStyle/>
+          <a:p>
+            <a:r>
+              <a:rPr lang="sv-SE" dirty="0"/>
+              <a:t>Vi kan frysa vårt program med en </a:t>
+            </a:r>
+            <a:r>
+              <a:rPr lang="sv-SE" dirty="0" err="1"/>
+              <a:t>sleep</a:t>
+            </a:r>
+            <a:r>
+              <a:rPr lang="sv-SE" dirty="0"/>
+              <a:t>.</a:t>
+            </a:r>
+          </a:p>
+          <a:p>
+            <a:r>
+              <a:rPr lang="sv-SE" dirty="0"/>
+              <a:t>Detta är dock inte alltid så bra, sökningen kanske tas mellan 1 och 10 sekunder men vi väntar alltid 10 sekunder.</a:t>
+            </a:r>
+          </a:p>
+          <a:p>
+            <a:r>
+              <a:rPr lang="sv-SE" dirty="0"/>
+              <a:t>Vid många sökningar så blir det </a:t>
+            </a:r>
+            <a:r>
+              <a:rPr lang="sv-SE" dirty="0" err="1"/>
+              <a:t>lååånga</a:t>
+            </a:r>
+            <a:r>
+              <a:rPr lang="sv-SE" dirty="0"/>
+              <a:t> väntetider.</a:t>
+            </a:r>
+          </a:p>
+          <a:p>
+            <a:endParaRPr lang="sv-SE" dirty="0"/>
+          </a:p>
+          <a:p>
+            <a:r>
+              <a:rPr lang="sv-SE" dirty="0"/>
+              <a:t>Visa i min VS</a:t>
+            </a:r>
+          </a:p>
+          <a:p>
+            <a:endParaRPr lang="sv-SE" dirty="0"/>
+          </a:p>
+          <a:p>
+            <a:r>
+              <a:rPr lang="sv-SE" dirty="0"/>
+              <a:t>Man kan då istället använda sig av de inbyggda </a:t>
+            </a:r>
+            <a:r>
+              <a:rPr lang="sv-SE" dirty="0" err="1"/>
+              <a:t>väntfunktioner</a:t>
+            </a:r>
+            <a:r>
+              <a:rPr lang="sv-SE" dirty="0"/>
+              <a:t> som finns i webdriver Explicit eller Implicit wait</a:t>
+            </a:r>
+            <a:endParaRPr dirty="0"/>
+          </a:p>
+        </p:txBody>
+      </p:sp>
+    </p:spTree>
+    <p:extLst>
+      <p:ext uri="{BB962C8B-B14F-4D97-AF65-F5344CB8AC3E}">
+        <p14:creationId xmlns:p14="http://schemas.microsoft.com/office/powerpoint/2010/main" val="58548140"/>
+      </p:ext>
+    </p:extLst>
+  </p:cSld>
+  <p:clrMapOvr>
+    <a:masterClrMapping/>
+  </p:clrMapOvr>
+</p:notes>
+</file>
+
+<file path=ppt/notesSlides/notesSlide17.xml><?xml version="1.0" encoding="utf-8"?>
+<p:notes xmlns:a="http://schemas.openxmlformats.org/drawingml/2006/main" xmlns:r="http://schemas.openxmlformats.org/officeDocument/2006/relationships" xmlns:p="http://schemas.openxmlformats.org/presentationml/2006/main" showMasterSp="0" showMasterPhAnim="0">
+  <p:cSld>
+    <p:spTree>
+      <p:nvGrpSpPr>
+        <p:cNvPr id="1" name="Shape 40"/>
+        <p:cNvGrpSpPr/>
+        <p:nvPr/>
+      </p:nvGrpSpPr>
+      <p:grpSpPr>
+        <a:xfrm>
+          <a:off x="0" y="0"/>
+          <a:ext cx="0" cy="0"/>
+          <a:chOff x="0" y="0"/>
+          <a:chExt cx="0" cy="0"/>
+        </a:xfrm>
+      </p:grpSpPr>
+      <p:sp>
+        <p:nvSpPr>
+          <p:cNvPr id="41" name="Shape 41"/>
+          <p:cNvSpPr>
+            <a:spLocks noGrp="1" noRot="1" noChangeAspect="1"/>
+          </p:cNvSpPr>
+          <p:nvPr>
+            <p:ph type="sldImg" idx="2"/>
+          </p:nvPr>
+        </p:nvSpPr>
+        <p:spPr>
+          <a:xfrm>
+            <a:off x="919163" y="744538"/>
+            <a:ext cx="4960937" cy="3722687"/>
+          </a:xfrm>
+          <a:custGeom>
+            <a:avLst/>
+            <a:gdLst/>
+            <a:ahLst/>
+            <a:cxnLst/>
+            <a:rect l="0" t="0" r="0" b="0"/>
+            <a:pathLst>
+              <a:path w="120000" h="120000" extrusionOk="0">
+                <a:moveTo>
+                  <a:pt x="0" y="0"/>
+                </a:moveTo>
+                <a:lnTo>
+                  <a:pt x="120000" y="0"/>
+                </a:lnTo>
+                <a:lnTo>
+                  <a:pt x="120000" y="120000"/>
+                </a:lnTo>
+                <a:lnTo>
+                  <a:pt x="0" y="120000"/>
+                </a:lnTo>
+                <a:close/>
+              </a:path>
+            </a:pathLst>
+          </a:custGeom>
+        </p:spPr>
+      </p:sp>
+      <p:sp>
+        <p:nvSpPr>
+          <p:cNvPr id="42" name="Shape 42"/>
+          <p:cNvSpPr txBox="1">
+            <a:spLocks noGrp="1"/>
+          </p:cNvSpPr>
+          <p:nvPr>
+            <p:ph type="body" idx="1"/>
+          </p:nvPr>
+        </p:nvSpPr>
+        <p:spPr>
+          <a:xfrm>
+            <a:off x="679768" y="4715153"/>
+            <a:ext cx="5438139" cy="4466987"/>
+          </a:xfrm>
+          <a:prstGeom prst="rect">
+            <a:avLst/>
+          </a:prstGeom>
+        </p:spPr>
+        <p:txBody>
+          <a:bodyPr lIns="91425" tIns="91425" rIns="91425" bIns="91425" anchor="t" anchorCtr="0">
+            <a:noAutofit/>
+          </a:bodyPr>
+          <a:lstStyle/>
+          <a:p>
+            <a:r>
+              <a:rPr lang="sv-SE" dirty="0"/>
+              <a:t>Av dessa är explicit timeout att föredra, då jag kan skapa </a:t>
+            </a:r>
+            <a:r>
+              <a:rPr lang="sv-SE" dirty="0" err="1"/>
+              <a:t>waits</a:t>
+            </a:r>
+            <a:r>
+              <a:rPr lang="sv-SE" dirty="0"/>
+              <a:t> med olika timeouts att använda där så behövs.</a:t>
+            </a:r>
+          </a:p>
+          <a:p>
+            <a:r>
+              <a:rPr lang="sv-SE" dirty="0"/>
+              <a:t>Man kan visserligen sätta om </a:t>
+            </a:r>
+            <a:r>
+              <a:rPr lang="sv-SE" dirty="0" err="1"/>
+              <a:t>defaulttimeout</a:t>
+            </a:r>
+            <a:r>
+              <a:rPr lang="sv-SE" dirty="0"/>
+              <a:t> med implicit wait men det innebär stor risk att man glömmer sätta om/tillbaks, speciellt vid många sökningar med olika timeouts</a:t>
+            </a:r>
+          </a:p>
+          <a:p>
+            <a:endParaRPr lang="sv-SE" dirty="0"/>
+          </a:p>
+          <a:p>
+            <a:r>
+              <a:rPr lang="sv-SE" dirty="0"/>
+              <a:t>Man skall ALDRIG blanda de 2 dock, detta ger oförutsägbara timeouts.</a:t>
+            </a:r>
+          </a:p>
+          <a:p>
+            <a:endParaRPr lang="sv-SE" dirty="0"/>
+          </a:p>
+          <a:p>
+            <a:r>
+              <a:rPr lang="sv-SE" dirty="0"/>
+              <a:t>Nu finns det dock ett elegantare sätt att få till timeout på sökningarna, nämligen genom att definiera om sökfunktionen.</a:t>
+            </a:r>
+          </a:p>
+          <a:p>
+            <a:r>
+              <a:rPr lang="sv-SE" dirty="0"/>
+              <a:t>Vi kommer att använda oss av en av grundpelarna i objektorienterad programmering, </a:t>
+            </a:r>
+            <a:r>
+              <a:rPr lang="sv-SE" dirty="0" err="1"/>
+              <a:t>polymorfism</a:t>
+            </a:r>
+            <a:r>
+              <a:rPr lang="sv-SE" dirty="0"/>
+              <a:t> eller </a:t>
+            </a:r>
+            <a:r>
+              <a:rPr lang="sv-SE" dirty="0" err="1"/>
+              <a:t>overload</a:t>
+            </a:r>
+            <a:r>
+              <a:rPr lang="sv-SE" dirty="0"/>
+              <a:t>.</a:t>
+            </a:r>
+            <a:endParaRPr dirty="0"/>
+          </a:p>
+        </p:txBody>
+      </p:sp>
+    </p:spTree>
+    <p:extLst>
+      <p:ext uri="{BB962C8B-B14F-4D97-AF65-F5344CB8AC3E}">
+        <p14:creationId xmlns:p14="http://schemas.microsoft.com/office/powerpoint/2010/main" val="3778700360"/>
+      </p:ext>
+    </p:extLst>
+  </p:cSld>
+  <p:clrMapOvr>
+    <a:masterClrMapping/>
+  </p:clrMapOvr>
+</p:notes>
+</file>
+
+<file path=ppt/notesSlides/notesSlide18.xml><?xml version="1.0" encoding="utf-8"?>
+<p:notes xmlns:a="http://schemas.openxmlformats.org/drawingml/2006/main" xmlns:r="http://schemas.openxmlformats.org/officeDocument/2006/relationships" xmlns:p="http://schemas.openxmlformats.org/presentationml/2006/main" showMasterSp="0" showMasterPhAnim="0">
+  <p:cSld>
+    <p:spTree>
+      <p:nvGrpSpPr>
+        <p:cNvPr id="1" name="Shape 40"/>
+        <p:cNvGrpSpPr/>
+        <p:nvPr/>
+      </p:nvGrpSpPr>
+      <p:grpSpPr>
+        <a:xfrm>
+          <a:off x="0" y="0"/>
+          <a:ext cx="0" cy="0"/>
+          <a:chOff x="0" y="0"/>
+          <a:chExt cx="0" cy="0"/>
+        </a:xfrm>
+      </p:grpSpPr>
+      <p:sp>
+        <p:nvSpPr>
+          <p:cNvPr id="41" name="Shape 41"/>
+          <p:cNvSpPr>
+            <a:spLocks noGrp="1" noRot="1" noChangeAspect="1"/>
+          </p:cNvSpPr>
+          <p:nvPr>
+            <p:ph type="sldImg" idx="2"/>
+          </p:nvPr>
+        </p:nvSpPr>
+        <p:spPr>
+          <a:xfrm>
+            <a:off x="919163" y="744538"/>
+            <a:ext cx="4960937" cy="3722687"/>
+          </a:xfrm>
+          <a:custGeom>
+            <a:avLst/>
+            <a:gdLst/>
+            <a:ahLst/>
+            <a:cxnLst/>
+            <a:rect l="0" t="0" r="0" b="0"/>
+            <a:pathLst>
+              <a:path w="120000" h="120000" extrusionOk="0">
+                <a:moveTo>
+                  <a:pt x="0" y="0"/>
+                </a:moveTo>
+                <a:lnTo>
+                  <a:pt x="120000" y="0"/>
+                </a:lnTo>
+                <a:lnTo>
+                  <a:pt x="120000" y="120000"/>
+                </a:lnTo>
+                <a:lnTo>
+                  <a:pt x="0" y="120000"/>
+                </a:lnTo>
+                <a:close/>
+              </a:path>
+            </a:pathLst>
+          </a:custGeom>
+        </p:spPr>
+      </p:sp>
+      <p:sp>
+        <p:nvSpPr>
+          <p:cNvPr id="42" name="Shape 42"/>
+          <p:cNvSpPr txBox="1">
+            <a:spLocks noGrp="1"/>
+          </p:cNvSpPr>
+          <p:nvPr>
+            <p:ph type="body" idx="1"/>
+          </p:nvPr>
+        </p:nvSpPr>
+        <p:spPr>
+          <a:xfrm>
+            <a:off x="679768" y="4715153"/>
+            <a:ext cx="5438139" cy="4466987"/>
+          </a:xfrm>
+          <a:prstGeom prst="rect">
+            <a:avLst/>
+          </a:prstGeom>
+        </p:spPr>
+        <p:txBody>
+          <a:bodyPr lIns="91425" tIns="91425" rIns="91425" bIns="91425" anchor="t" anchorCtr="0">
+            <a:noAutofit/>
+          </a:bodyPr>
+          <a:lstStyle/>
+          <a:p>
+            <a:r>
+              <a:rPr lang="sv-SE" dirty="0"/>
+              <a:t>Vi ska nu skapa en hjälpklass för vår </a:t>
+            </a:r>
+            <a:r>
+              <a:rPr lang="sv-SE" dirty="0" err="1"/>
+              <a:t>find</a:t>
+            </a:r>
+            <a:r>
+              <a:rPr lang="sv-SE" dirty="0"/>
+              <a:t> med timeout</a:t>
+            </a:r>
+            <a:endParaRPr dirty="0"/>
+          </a:p>
+        </p:txBody>
+      </p:sp>
+    </p:spTree>
+    <p:extLst>
+      <p:ext uri="{BB962C8B-B14F-4D97-AF65-F5344CB8AC3E}">
+        <p14:creationId xmlns:p14="http://schemas.microsoft.com/office/powerpoint/2010/main" val="2676706344"/>
+      </p:ext>
+    </p:extLst>
+  </p:cSld>
+  <p:clrMapOvr>
+    <a:masterClrMapping/>
+  </p:clrMapOvr>
+</p:notes>
+</file>
+
+<file path=ppt/notesSlides/notesSlide19.xml><?xml version="1.0" encoding="utf-8"?>
+<p:notes xmlns:a="http://schemas.openxmlformats.org/drawingml/2006/main" xmlns:r="http://schemas.openxmlformats.org/officeDocument/2006/relationships" xmlns:p="http://schemas.openxmlformats.org/presentationml/2006/main" showMasterSp="0" showMasterPhAnim="0">
+  <p:cSld>
+    <p:spTree>
+      <p:nvGrpSpPr>
+        <p:cNvPr id="1" name="Shape 40"/>
+        <p:cNvGrpSpPr/>
+        <p:nvPr/>
+      </p:nvGrpSpPr>
+      <p:grpSpPr>
+        <a:xfrm>
+          <a:off x="0" y="0"/>
+          <a:ext cx="0" cy="0"/>
+          <a:chOff x="0" y="0"/>
+          <a:chExt cx="0" cy="0"/>
+        </a:xfrm>
+      </p:grpSpPr>
+      <p:sp>
+        <p:nvSpPr>
+          <p:cNvPr id="41" name="Shape 41"/>
+          <p:cNvSpPr>
+            <a:spLocks noGrp="1" noRot="1" noChangeAspect="1"/>
+          </p:cNvSpPr>
+          <p:nvPr>
+            <p:ph type="sldImg" idx="2"/>
+          </p:nvPr>
+        </p:nvSpPr>
+        <p:spPr>
+          <a:xfrm>
+            <a:off x="919163" y="744538"/>
+            <a:ext cx="4960937" cy="3722687"/>
+          </a:xfrm>
+          <a:custGeom>
+            <a:avLst/>
+            <a:gdLst/>
+            <a:ahLst/>
+            <a:cxnLst/>
+            <a:rect l="0" t="0" r="0" b="0"/>
+            <a:pathLst>
+              <a:path w="120000" h="120000" extrusionOk="0">
+                <a:moveTo>
+                  <a:pt x="0" y="0"/>
+                </a:moveTo>
+                <a:lnTo>
+                  <a:pt x="120000" y="0"/>
+                </a:lnTo>
+                <a:lnTo>
+                  <a:pt x="120000" y="120000"/>
+                </a:lnTo>
+                <a:lnTo>
+                  <a:pt x="0" y="120000"/>
+                </a:lnTo>
+                <a:close/>
+              </a:path>
+            </a:pathLst>
+          </a:custGeom>
+        </p:spPr>
+      </p:sp>
+      <p:sp>
+        <p:nvSpPr>
+          <p:cNvPr id="42" name="Shape 42"/>
+          <p:cNvSpPr txBox="1">
+            <a:spLocks noGrp="1"/>
+          </p:cNvSpPr>
+          <p:nvPr>
+            <p:ph type="body" idx="1"/>
+          </p:nvPr>
+        </p:nvSpPr>
+        <p:spPr>
+          <a:xfrm>
+            <a:off x="679768" y="4715153"/>
+            <a:ext cx="5438139" cy="4466987"/>
+          </a:xfrm>
+          <a:prstGeom prst="rect">
+            <a:avLst/>
+          </a:prstGeom>
+        </p:spPr>
+        <p:txBody>
+          <a:bodyPr lIns="91425" tIns="91425" rIns="91425" bIns="91425" anchor="t" anchorCtr="0">
+            <a:noAutofit/>
+          </a:bodyPr>
+          <a:lstStyle/>
+          <a:p>
+            <a:r>
+              <a:rPr lang="sv-SE" dirty="0"/>
+              <a:t>Implementera hjälpklassen </a:t>
+            </a:r>
+          </a:p>
+          <a:p>
+            <a:endParaRPr lang="sv-SE" dirty="0"/>
+          </a:p>
+          <a:p>
+            <a:r>
+              <a:rPr lang="sv-SE" dirty="0"/>
+              <a:t>Alla klara?</a:t>
+            </a:r>
+          </a:p>
+          <a:p>
+            <a:endParaRPr lang="sv-SE" dirty="0"/>
+          </a:p>
+          <a:p>
+            <a:r>
+              <a:rPr lang="sv-SE" dirty="0"/>
+              <a:t>Då kan ni lägga till testkoden.</a:t>
+            </a:r>
+          </a:p>
+          <a:p>
+            <a:r>
+              <a:rPr lang="sv-SE"/>
+              <a:t>- Visa i min VS </a:t>
+            </a:r>
+            <a:endParaRPr dirty="0"/>
+          </a:p>
+        </p:txBody>
+      </p:sp>
+    </p:spTree>
+    <p:extLst>
+      <p:ext uri="{BB962C8B-B14F-4D97-AF65-F5344CB8AC3E}">
+        <p14:creationId xmlns:p14="http://schemas.microsoft.com/office/powerpoint/2010/main" val="1780078688"/>
+      </p:ext>
+    </p:extLst>
+  </p:cSld>
+  <p:clrMapOvr>
+    <a:masterClrMapping/>
+  </p:clrMapOvr>
+</p:notes>
+</file>
+
+<file path=ppt/notesSlides/notesSlide2.xml><?xml version="1.0" encoding="utf-8"?>
+<p:notes xmlns:a="http://schemas.openxmlformats.org/drawingml/2006/main" xmlns:r="http://schemas.openxmlformats.org/officeDocument/2006/relationships" xmlns:p="http://schemas.openxmlformats.org/presentationml/2006/main" showMasterSp="0" showMasterPhAnim="0">
+  <p:cSld>
+    <p:spTree>
+      <p:nvGrpSpPr>
+        <p:cNvPr id="1" name="Shape 33"/>
+        <p:cNvGrpSpPr/>
+        <p:nvPr/>
+      </p:nvGrpSpPr>
+      <p:grpSpPr>
+        <a:xfrm>
+          <a:off x="0" y="0"/>
+          <a:ext cx="0" cy="0"/>
+          <a:chOff x="0" y="0"/>
+          <a:chExt cx="0" cy="0"/>
+        </a:xfrm>
+      </p:grpSpPr>
+      <p:sp>
+        <p:nvSpPr>
+          <p:cNvPr id="34" name="Shape 34"/>
+          <p:cNvSpPr>
+            <a:spLocks noGrp="1" noRot="1" noChangeAspect="1"/>
+          </p:cNvSpPr>
+          <p:nvPr>
+            <p:ph type="sldImg" idx="2"/>
+          </p:nvPr>
+        </p:nvSpPr>
+        <p:spPr>
+          <a:xfrm>
+            <a:off x="919163" y="744538"/>
+            <a:ext cx="4960937" cy="3722687"/>
+          </a:xfrm>
+          <a:custGeom>
+            <a:avLst/>
+            <a:gdLst/>
+            <a:ahLst/>
+            <a:cxnLst/>
+            <a:rect l="0" t="0" r="0" b="0"/>
+            <a:pathLst>
+              <a:path w="120000" h="120000" extrusionOk="0">
+                <a:moveTo>
+                  <a:pt x="0" y="0"/>
+                </a:moveTo>
+                <a:lnTo>
+                  <a:pt x="120000" y="0"/>
+                </a:lnTo>
+                <a:lnTo>
+                  <a:pt x="120000" y="120000"/>
+                </a:lnTo>
+                <a:lnTo>
+                  <a:pt x="0" y="120000"/>
+                </a:lnTo>
+                <a:close/>
+              </a:path>
+            </a:pathLst>
+          </a:custGeom>
+        </p:spPr>
+      </p:sp>
+      <p:sp>
+        <p:nvSpPr>
           <p:cNvPr id="35" name="Shape 35"/>
           <p:cNvSpPr txBox="1">
             <a:spLocks noGrp="1"/>
@@ -2606,15 +3331,7 @@
             </a:r>
             <a:r>
               <a:rPr lang="sv-SE" baseline="0" dirty="0"/>
-              <a:t>, Solution </a:t>
-            </a:r>
-            <a:r>
-              <a:rPr lang="sv-SE" baseline="0" dirty="0" err="1"/>
-              <a:t>explorer</a:t>
-            </a:r>
-            <a:r>
-              <a:rPr lang="sv-SE" baseline="0" dirty="0"/>
-              <a:t>, </a:t>
+              <a:t>, Solution explorer, </a:t>
             </a:r>
             <a:r>
               <a:rPr lang="sv-SE" baseline="0" dirty="0" err="1"/>
@@ -10011,6 +10728,1607 @@
 </file>
 
 <file path=ppt/slides/slide15.xml><?xml version="1.0" encoding="utf-8"?>
+<p:sld xmlns:a="http://schemas.openxmlformats.org/drawingml/2006/main" xmlns:r="http://schemas.openxmlformats.org/officeDocument/2006/relationships" xmlns:p="http://schemas.openxmlformats.org/presentationml/2006/main">
+  <p:cSld>
+    <p:spTree>
+      <p:nvGrpSpPr>
+        <p:cNvPr id="1" name="Shape 36"/>
+        <p:cNvGrpSpPr/>
+        <p:nvPr/>
+      </p:nvGrpSpPr>
+      <p:grpSpPr>
+        <a:xfrm>
+          <a:off x="0" y="0"/>
+          <a:ext cx="0" cy="0"/>
+          <a:chOff x="0" y="0"/>
+          <a:chExt cx="0" cy="0"/>
+        </a:xfrm>
+      </p:grpSpPr>
+      <p:sp>
+        <p:nvSpPr>
+          <p:cNvPr id="8" name="Shape 30"/>
+          <p:cNvSpPr txBox="1">
+            <a:spLocks noGrp="1"/>
+          </p:cNvSpPr>
+          <p:nvPr>
+            <p:ph type="title"/>
+          </p:nvPr>
+        </p:nvSpPr>
+        <p:spPr>
+          <a:xfrm>
+            <a:off x="457200" y="274637"/>
+            <a:ext cx="8229600" cy="1143000"/>
+          </a:xfrm>
+          <a:prstGeom prst="rect">
+            <a:avLst/>
+          </a:prstGeom>
+        </p:spPr>
+        <p:txBody>
+          <a:bodyPr lIns="91425" tIns="91425" rIns="91425" bIns="91425" anchor="b" anchorCtr="0">
+            <a:noAutofit/>
+          </a:bodyPr>
+          <a:lstStyle/>
+          <a:p>
+            <a:pPr>
+              <a:buNone/>
+            </a:pPr>
+            <a:br>
+              <a:rPr lang="sv" dirty="0"/>
+            </a:br>
+            <a:r>
+              <a:rPr lang="sv-SE" dirty="0"/>
+              <a:t>Selenium, webdriver</a:t>
+            </a:r>
+            <a:endParaRPr lang="sv" dirty="0"/>
+          </a:p>
+        </p:txBody>
+      </p:sp>
+      <p:sp>
+        <p:nvSpPr>
+          <p:cNvPr id="9" name="Shape 31"/>
+          <p:cNvSpPr txBox="1">
+            <a:spLocks noGrp="1"/>
+          </p:cNvSpPr>
+          <p:nvPr>
+            <p:ph type="body" idx="1"/>
+          </p:nvPr>
+        </p:nvSpPr>
+        <p:spPr>
+          <a:xfrm>
+            <a:off x="395536" y="1268760"/>
+            <a:ext cx="8229600" cy="4752528"/>
+          </a:xfrm>
+          <a:prstGeom prst="rect">
+            <a:avLst/>
+          </a:prstGeom>
+        </p:spPr>
+        <p:txBody>
+          <a:bodyPr lIns="91425" tIns="91425" rIns="91425" bIns="91425" anchor="t" anchorCtr="0">
+            <a:noAutofit/>
+          </a:bodyPr>
+          <a:lstStyle/>
+          <a:p>
+            <a:pPr marL="76200" indent="0">
+              <a:lnSpc>
+                <a:spcPct val="115000"/>
+              </a:lnSpc>
+              <a:spcBef>
+                <a:spcPts val="0"/>
+              </a:spcBef>
+              <a:buClr>
+                <a:srgbClr val="000000"/>
+              </a:buClr>
+              <a:buSzPct val="166666"/>
+              <a:buNone/>
+            </a:pPr>
+            <a:r>
+              <a:rPr lang="sv-SE" dirty="0"/>
+              <a:t>Demo av första webdrivertest</a:t>
+            </a:r>
+          </a:p>
+          <a:p>
+            <a:pPr marL="76200" indent="0">
+              <a:lnSpc>
+                <a:spcPct val="115000"/>
+              </a:lnSpc>
+              <a:spcBef>
+                <a:spcPts val="0"/>
+              </a:spcBef>
+              <a:buClr>
+                <a:srgbClr val="000000"/>
+              </a:buClr>
+              <a:buSzPct val="166666"/>
+              <a:buNone/>
+            </a:pPr>
+            <a:endParaRPr lang="sv-SE" dirty="0"/>
+          </a:p>
+          <a:p>
+            <a:pPr marL="76200" indent="0">
+              <a:lnSpc>
+                <a:spcPct val="115000"/>
+              </a:lnSpc>
+              <a:spcBef>
+                <a:spcPts val="0"/>
+              </a:spcBef>
+              <a:buClr>
+                <a:srgbClr val="000000"/>
+              </a:buClr>
+              <a:buSzPct val="166666"/>
+              <a:buNone/>
+            </a:pPr>
+            <a:r>
+              <a:rPr lang="sv-SE" dirty="0">
+                <a:solidFill>
+                  <a:srgbClr val="FF0000"/>
+                </a:solidFill>
+              </a:rPr>
+              <a:t>		FAIL!</a:t>
+            </a:r>
+          </a:p>
+          <a:p>
+            <a:pPr marL="76200" indent="0">
+              <a:lnSpc>
+                <a:spcPct val="115000"/>
+              </a:lnSpc>
+              <a:spcBef>
+                <a:spcPts val="0"/>
+              </a:spcBef>
+              <a:buClr>
+                <a:srgbClr val="000000"/>
+              </a:buClr>
+              <a:buSzPct val="166666"/>
+              <a:buNone/>
+            </a:pPr>
+            <a:endParaRPr lang="sv-SE" dirty="0"/>
+          </a:p>
+        </p:txBody>
+      </p:sp>
+    </p:spTree>
+    <p:extLst>
+      <p:ext uri="{BB962C8B-B14F-4D97-AF65-F5344CB8AC3E}">
+        <p14:creationId xmlns:p14="http://schemas.microsoft.com/office/powerpoint/2010/main" val="1062517318"/>
+      </p:ext>
+    </p:extLst>
+  </p:cSld>
+  <p:clrMapOvr>
+    <a:masterClrMapping/>
+  </p:clrMapOvr>
+  <p:transition spd="slow">
+    <p:cut/>
+  </p:transition>
+  <p:timing>
+    <p:tnLst>
+      <p:par>
+        <p:cTn id="1" dur="indefinite" restart="never" nodeType="tmRoot">
+          <p:childTnLst>
+            <p:seq concurrent="1" nextAc="seek">
+              <p:cTn id="2" dur="indefinite" nodeType="mainSeq">
+                <p:childTnLst>
+                  <p:par>
+                    <p:cTn id="3" fill="hold">
+                      <p:stCondLst>
+                        <p:cond delay="indefinite"/>
+                      </p:stCondLst>
+                      <p:childTnLst>
+                        <p:par>
+                          <p:cTn id="4" fill="hold">
+                            <p:stCondLst>
+                              <p:cond delay="0"/>
+                            </p:stCondLst>
+                            <p:childTnLst>
+                              <p:par>
+                                <p:cTn id="5" presetID="2" presetClass="entr" presetSubtype="4" fill="hold" nodeType="clickEffect">
+                                  <p:stCondLst>
+                                    <p:cond delay="0"/>
+                                  </p:stCondLst>
+                                  <p:childTnLst>
+                                    <p:set>
+                                      <p:cBhvr>
+                                        <p:cTn id="6" dur="1" fill="hold">
+                                          <p:stCondLst>
+                                            <p:cond delay="0"/>
+                                          </p:stCondLst>
+                                        </p:cTn>
+                                        <p:tgtEl>
+                                          <p:spTgt spid="9">
+                                            <p:txEl>
+                                              <p:pRg st="2" end="2"/>
+                                            </p:txEl>
+                                          </p:spTgt>
+                                        </p:tgtEl>
+                                        <p:attrNameLst>
+                                          <p:attrName>style.visibility</p:attrName>
+                                        </p:attrNameLst>
+                                      </p:cBhvr>
+                                      <p:to>
+                                        <p:strVal val="visible"/>
+                                      </p:to>
+                                    </p:set>
+                                    <p:anim calcmode="lin" valueType="num">
+                                      <p:cBhvr additive="base">
+                                        <p:cTn id="7" dur="500" fill="hold"/>
+                                        <p:tgtEl>
+                                          <p:spTgt spid="9">
+                                            <p:txEl>
+                                              <p:pRg st="2" end="2"/>
+                                            </p:txEl>
+                                          </p:spTgt>
+                                        </p:tgtEl>
+                                        <p:attrNameLst>
+                                          <p:attrName>ppt_x</p:attrName>
+                                        </p:attrNameLst>
+                                      </p:cBhvr>
+                                      <p:tavLst>
+                                        <p:tav tm="0">
+                                          <p:val>
+                                            <p:strVal val="#ppt_x"/>
+                                          </p:val>
+                                        </p:tav>
+                                        <p:tav tm="100000">
+                                          <p:val>
+                                            <p:strVal val="#ppt_x"/>
+                                          </p:val>
+                                        </p:tav>
+                                      </p:tavLst>
+                                    </p:anim>
+                                    <p:anim calcmode="lin" valueType="num">
+                                      <p:cBhvr additive="base">
+                                        <p:cTn id="8" dur="500" fill="hold"/>
+                                        <p:tgtEl>
+                                          <p:spTgt spid="9">
+                                            <p:txEl>
+                                              <p:pRg st="2" end="2"/>
+                                            </p:txEl>
+                                          </p:spTgt>
+                                        </p:tgtEl>
+                                        <p:attrNameLst>
+                                          <p:attrName>ppt_y</p:attrName>
+                                        </p:attrNameLst>
+                                      </p:cBhvr>
+                                      <p:tavLst>
+                                        <p:tav tm="0">
+                                          <p:val>
+                                            <p:strVal val="1+#ppt_h/2"/>
+                                          </p:val>
+                                        </p:tav>
+                                        <p:tav tm="100000">
+                                          <p:val>
+                                            <p:strVal val="#ppt_y"/>
+                                          </p:val>
+                                        </p:tav>
+                                      </p:tavLst>
+                                    </p:anim>
+                                  </p:childTnLst>
+                                </p:cTn>
+                              </p:par>
+                            </p:childTnLst>
+                          </p:cTn>
+                        </p:par>
+                      </p:childTnLst>
+                    </p:cTn>
+                  </p:par>
+                </p:childTnLst>
+              </p:cTn>
+              <p:prevCondLst>
+                <p:cond evt="onPrev" delay="0">
+                  <p:tgtEl>
+                    <p:sldTgt/>
+                  </p:tgtEl>
+                </p:cond>
+              </p:prevCondLst>
+              <p:nextCondLst>
+                <p:cond evt="onNext" delay="0">
+                  <p:tgtEl>
+                    <p:sldTgt/>
+                  </p:tgtEl>
+                </p:cond>
+              </p:nextCondLst>
+            </p:seq>
+          </p:childTnLst>
+        </p:cTn>
+      </p:par>
+    </p:tnLst>
+  </p:timing>
+</p:sld>
+</file>
+
+<file path=ppt/slides/slide16.xml><?xml version="1.0" encoding="utf-8"?>
+<p:sld xmlns:a="http://schemas.openxmlformats.org/drawingml/2006/main" xmlns:r="http://schemas.openxmlformats.org/officeDocument/2006/relationships" xmlns:p="http://schemas.openxmlformats.org/presentationml/2006/main">
+  <p:cSld>
+    <p:spTree>
+      <p:nvGrpSpPr>
+        <p:cNvPr id="1" name="Shape 36"/>
+        <p:cNvGrpSpPr/>
+        <p:nvPr/>
+      </p:nvGrpSpPr>
+      <p:grpSpPr>
+        <a:xfrm>
+          <a:off x="0" y="0"/>
+          <a:ext cx="0" cy="0"/>
+          <a:chOff x="0" y="0"/>
+          <a:chExt cx="0" cy="0"/>
+        </a:xfrm>
+      </p:grpSpPr>
+      <p:sp>
+        <p:nvSpPr>
+          <p:cNvPr id="8" name="Shape 30"/>
+          <p:cNvSpPr txBox="1">
+            <a:spLocks noGrp="1"/>
+          </p:cNvSpPr>
+          <p:nvPr>
+            <p:ph type="title"/>
+          </p:nvPr>
+        </p:nvSpPr>
+        <p:spPr>
+          <a:xfrm>
+            <a:off x="457200" y="274637"/>
+            <a:ext cx="8229600" cy="1143000"/>
+          </a:xfrm>
+          <a:prstGeom prst="rect">
+            <a:avLst/>
+          </a:prstGeom>
+        </p:spPr>
+        <p:txBody>
+          <a:bodyPr lIns="91425" tIns="91425" rIns="91425" bIns="91425" anchor="b" anchorCtr="0">
+            <a:noAutofit/>
+          </a:bodyPr>
+          <a:lstStyle/>
+          <a:p>
+            <a:pPr>
+              <a:buNone/>
+            </a:pPr>
+            <a:br>
+              <a:rPr lang="sv" dirty="0"/>
+            </a:br>
+            <a:r>
+              <a:rPr lang="sv-SE" dirty="0"/>
+              <a:t>Selenium, webdriver</a:t>
+            </a:r>
+            <a:endParaRPr lang="sv" dirty="0"/>
+          </a:p>
+        </p:txBody>
+      </p:sp>
+      <p:sp>
+        <p:nvSpPr>
+          <p:cNvPr id="9" name="Shape 31"/>
+          <p:cNvSpPr txBox="1">
+            <a:spLocks noGrp="1"/>
+          </p:cNvSpPr>
+          <p:nvPr>
+            <p:ph type="body" idx="1"/>
+          </p:nvPr>
+        </p:nvSpPr>
+        <p:spPr>
+          <a:xfrm>
+            <a:off x="395536" y="1268760"/>
+            <a:ext cx="8229600" cy="4752528"/>
+          </a:xfrm>
+          <a:prstGeom prst="rect">
+            <a:avLst/>
+          </a:prstGeom>
+        </p:spPr>
+        <p:txBody>
+          <a:bodyPr lIns="91425" tIns="91425" rIns="91425" bIns="91425" anchor="t" anchorCtr="0">
+            <a:noAutofit/>
+          </a:bodyPr>
+          <a:lstStyle/>
+          <a:p>
+            <a:pPr marL="76200" indent="0">
+              <a:lnSpc>
+                <a:spcPct val="115000"/>
+              </a:lnSpc>
+              <a:spcBef>
+                <a:spcPts val="0"/>
+              </a:spcBef>
+              <a:buClr>
+                <a:srgbClr val="000000"/>
+              </a:buClr>
+              <a:buSzPct val="166666"/>
+              <a:buNone/>
+            </a:pPr>
+            <a:r>
+              <a:rPr lang="sv-SE" dirty="0" err="1"/>
+              <a:t>Thread.Sleep</a:t>
+            </a:r>
+            <a:r>
+              <a:rPr lang="sv-SE" dirty="0"/>
+              <a:t>(10000):</a:t>
+            </a:r>
+          </a:p>
+          <a:p>
+            <a:pPr marL="76200" indent="0">
+              <a:lnSpc>
+                <a:spcPct val="115000"/>
+              </a:lnSpc>
+              <a:spcBef>
+                <a:spcPts val="0"/>
+              </a:spcBef>
+              <a:buClr>
+                <a:srgbClr val="000000"/>
+              </a:buClr>
+              <a:buSzPct val="166666"/>
+              <a:buNone/>
+            </a:pPr>
+            <a:r>
+              <a:rPr lang="sv-SE" dirty="0"/>
+              <a:t>Väntar alltid angiven tid.</a:t>
+            </a:r>
+          </a:p>
+        </p:txBody>
+      </p:sp>
+    </p:spTree>
+    <p:extLst>
+      <p:ext uri="{BB962C8B-B14F-4D97-AF65-F5344CB8AC3E}">
+        <p14:creationId xmlns:p14="http://schemas.microsoft.com/office/powerpoint/2010/main" val="3545637651"/>
+      </p:ext>
+    </p:extLst>
+  </p:cSld>
+  <p:clrMapOvr>
+    <a:masterClrMapping/>
+  </p:clrMapOvr>
+  <p:transition spd="slow">
+    <p:cut/>
+  </p:transition>
+</p:sld>
+</file>
+
+<file path=ppt/slides/slide17.xml><?xml version="1.0" encoding="utf-8"?>
+<p:sld xmlns:a="http://schemas.openxmlformats.org/drawingml/2006/main" xmlns:r="http://schemas.openxmlformats.org/officeDocument/2006/relationships" xmlns:p="http://schemas.openxmlformats.org/presentationml/2006/main">
+  <p:cSld>
+    <p:spTree>
+      <p:nvGrpSpPr>
+        <p:cNvPr id="1" name="Shape 36"/>
+        <p:cNvGrpSpPr/>
+        <p:nvPr/>
+      </p:nvGrpSpPr>
+      <p:grpSpPr>
+        <a:xfrm>
+          <a:off x="0" y="0"/>
+          <a:ext cx="0" cy="0"/>
+          <a:chOff x="0" y="0"/>
+          <a:chExt cx="0" cy="0"/>
+        </a:xfrm>
+      </p:grpSpPr>
+      <p:sp>
+        <p:nvSpPr>
+          <p:cNvPr id="8" name="Shape 30"/>
+          <p:cNvSpPr txBox="1">
+            <a:spLocks noGrp="1"/>
+          </p:cNvSpPr>
+          <p:nvPr>
+            <p:ph type="title"/>
+          </p:nvPr>
+        </p:nvSpPr>
+        <p:spPr>
+          <a:xfrm>
+            <a:off x="457200" y="274637"/>
+            <a:ext cx="8229600" cy="1143000"/>
+          </a:xfrm>
+          <a:prstGeom prst="rect">
+            <a:avLst/>
+          </a:prstGeom>
+        </p:spPr>
+        <p:txBody>
+          <a:bodyPr lIns="91425" tIns="91425" rIns="91425" bIns="91425" anchor="b" anchorCtr="0">
+            <a:noAutofit/>
+          </a:bodyPr>
+          <a:lstStyle/>
+          <a:p>
+            <a:pPr>
+              <a:buNone/>
+            </a:pPr>
+            <a:br>
+              <a:rPr lang="sv" dirty="0"/>
+            </a:br>
+            <a:r>
+              <a:rPr lang="sv-SE" dirty="0"/>
+              <a:t>Selenium, webdriver</a:t>
+            </a:r>
+            <a:endParaRPr lang="sv" dirty="0"/>
+          </a:p>
+        </p:txBody>
+      </p:sp>
+      <p:sp>
+        <p:nvSpPr>
+          <p:cNvPr id="9" name="Shape 31"/>
+          <p:cNvSpPr txBox="1">
+            <a:spLocks noGrp="1"/>
+          </p:cNvSpPr>
+          <p:nvPr>
+            <p:ph type="body" idx="1"/>
+          </p:nvPr>
+        </p:nvSpPr>
+        <p:spPr>
+          <a:xfrm>
+            <a:off x="395536" y="1268760"/>
+            <a:ext cx="8229600" cy="4752528"/>
+          </a:xfrm>
+          <a:prstGeom prst="rect">
+            <a:avLst/>
+          </a:prstGeom>
+        </p:spPr>
+        <p:txBody>
+          <a:bodyPr lIns="91425" tIns="91425" rIns="91425" bIns="91425" anchor="t" anchorCtr="0">
+            <a:noAutofit/>
+          </a:bodyPr>
+          <a:lstStyle/>
+          <a:p>
+            <a:pPr marL="76200" indent="0">
+              <a:lnSpc>
+                <a:spcPct val="115000"/>
+              </a:lnSpc>
+              <a:spcBef>
+                <a:spcPts val="0"/>
+              </a:spcBef>
+              <a:buClr>
+                <a:srgbClr val="000000"/>
+              </a:buClr>
+              <a:buSzPct val="166666"/>
+              <a:buNone/>
+            </a:pPr>
+            <a:r>
+              <a:rPr lang="sv-SE" dirty="0"/>
+              <a:t>Explicit wait:</a:t>
+            </a:r>
+          </a:p>
+          <a:p>
+            <a:pPr marL="76200" indent="0">
+              <a:lnSpc>
+                <a:spcPct val="115000"/>
+              </a:lnSpc>
+              <a:spcBef>
+                <a:spcPts val="0"/>
+              </a:spcBef>
+              <a:buClr>
+                <a:srgbClr val="000000"/>
+              </a:buClr>
+              <a:buSzPct val="166666"/>
+              <a:buNone/>
+            </a:pPr>
+            <a:r>
+              <a:rPr lang="sv-SE" dirty="0"/>
+              <a:t>Skapa wait med given timeout, flera kan skapas</a:t>
+            </a:r>
+          </a:p>
+          <a:p>
+            <a:pPr marL="76200" indent="0">
+              <a:lnSpc>
+                <a:spcPct val="115000"/>
+              </a:lnSpc>
+              <a:spcBef>
+                <a:spcPts val="0"/>
+              </a:spcBef>
+              <a:buClr>
+                <a:srgbClr val="000000"/>
+              </a:buClr>
+              <a:buSzPct val="166666"/>
+              <a:buNone/>
+            </a:pPr>
+            <a:endParaRPr lang="sv-SE" dirty="0"/>
+          </a:p>
+          <a:p>
+            <a:pPr marL="76200" indent="0">
+              <a:lnSpc>
+                <a:spcPct val="115000"/>
+              </a:lnSpc>
+              <a:spcBef>
+                <a:spcPts val="0"/>
+              </a:spcBef>
+              <a:buClr>
+                <a:srgbClr val="000000"/>
+              </a:buClr>
+              <a:buSzPct val="166666"/>
+              <a:buNone/>
+            </a:pPr>
+            <a:r>
+              <a:rPr lang="sv-SE" dirty="0"/>
+              <a:t>Implicit wait:</a:t>
+            </a:r>
+          </a:p>
+          <a:p>
+            <a:pPr marL="76200" indent="0">
+              <a:lnSpc>
+                <a:spcPct val="115000"/>
+              </a:lnSpc>
+              <a:spcBef>
+                <a:spcPts val="0"/>
+              </a:spcBef>
+              <a:buClr>
+                <a:srgbClr val="000000"/>
+              </a:buClr>
+              <a:buSzPct val="166666"/>
+              <a:buNone/>
+            </a:pPr>
+            <a:r>
+              <a:rPr lang="sv-SE" dirty="0"/>
+              <a:t>Sätt wait för alla sökfunktioner i använd webdriver</a:t>
+            </a:r>
+          </a:p>
+        </p:txBody>
+      </p:sp>
+    </p:spTree>
+    <p:extLst>
+      <p:ext uri="{BB962C8B-B14F-4D97-AF65-F5344CB8AC3E}">
+        <p14:creationId xmlns:p14="http://schemas.microsoft.com/office/powerpoint/2010/main" val="3723345749"/>
+      </p:ext>
+    </p:extLst>
+  </p:cSld>
+  <p:clrMapOvr>
+    <a:masterClrMapping/>
+  </p:clrMapOvr>
+  <p:transition spd="slow">
+    <p:cut/>
+  </p:transition>
+</p:sld>
+</file>
+
+<file path=ppt/slides/slide18.xml><?xml version="1.0" encoding="utf-8"?>
+<p:sld xmlns:a="http://schemas.openxmlformats.org/drawingml/2006/main" xmlns:r="http://schemas.openxmlformats.org/officeDocument/2006/relationships" xmlns:p="http://schemas.openxmlformats.org/presentationml/2006/main">
+  <p:cSld>
+    <p:spTree>
+      <p:nvGrpSpPr>
+        <p:cNvPr id="1" name="Shape 36"/>
+        <p:cNvGrpSpPr/>
+        <p:nvPr/>
+      </p:nvGrpSpPr>
+      <p:grpSpPr>
+        <a:xfrm>
+          <a:off x="0" y="0"/>
+          <a:ext cx="0" cy="0"/>
+          <a:chOff x="0" y="0"/>
+          <a:chExt cx="0" cy="0"/>
+        </a:xfrm>
+      </p:grpSpPr>
+      <p:sp>
+        <p:nvSpPr>
+          <p:cNvPr id="8" name="Shape 30"/>
+          <p:cNvSpPr txBox="1">
+            <a:spLocks noGrp="1"/>
+          </p:cNvSpPr>
+          <p:nvPr>
+            <p:ph type="title"/>
+          </p:nvPr>
+        </p:nvSpPr>
+        <p:spPr>
+          <a:xfrm>
+            <a:off x="457200" y="274637"/>
+            <a:ext cx="8229600" cy="1143000"/>
+          </a:xfrm>
+          <a:prstGeom prst="rect">
+            <a:avLst/>
+          </a:prstGeom>
+        </p:spPr>
+        <p:txBody>
+          <a:bodyPr lIns="91425" tIns="91425" rIns="91425" bIns="91425" anchor="b" anchorCtr="0">
+            <a:noAutofit/>
+          </a:bodyPr>
+          <a:lstStyle/>
+          <a:p>
+            <a:pPr>
+              <a:buNone/>
+            </a:pPr>
+            <a:br>
+              <a:rPr lang="sv" dirty="0"/>
+            </a:br>
+            <a:r>
+              <a:rPr lang="sv-SE" dirty="0"/>
+              <a:t>Selenium, webdriver</a:t>
+            </a:r>
+            <a:endParaRPr lang="sv" dirty="0"/>
+          </a:p>
+        </p:txBody>
+      </p:sp>
+      <p:sp>
+        <p:nvSpPr>
+          <p:cNvPr id="9" name="Shape 31"/>
+          <p:cNvSpPr txBox="1">
+            <a:spLocks noGrp="1"/>
+          </p:cNvSpPr>
+          <p:nvPr>
+            <p:ph type="body" idx="1"/>
+          </p:nvPr>
+        </p:nvSpPr>
+        <p:spPr>
+          <a:xfrm>
+            <a:off x="395536" y="1268760"/>
+            <a:ext cx="8229600" cy="4752528"/>
+          </a:xfrm>
+          <a:prstGeom prst="rect">
+            <a:avLst/>
+          </a:prstGeom>
+        </p:spPr>
+        <p:txBody>
+          <a:bodyPr lIns="91425" tIns="91425" rIns="91425" bIns="91425" anchor="t" anchorCtr="0">
+            <a:noAutofit/>
+          </a:bodyPr>
+          <a:lstStyle/>
+          <a:p>
+            <a:pPr marL="76200" indent="0">
+              <a:lnSpc>
+                <a:spcPct val="115000"/>
+              </a:lnSpc>
+              <a:spcBef>
+                <a:spcPts val="0"/>
+              </a:spcBef>
+              <a:buClr>
+                <a:srgbClr val="000000"/>
+              </a:buClr>
+              <a:buSzPct val="166666"/>
+              <a:buNone/>
+            </a:pPr>
+            <a:r>
+              <a:rPr lang="sv-SE" dirty="0"/>
+              <a:t>Hjälpklass för Find med timeout.</a:t>
+            </a:r>
+          </a:p>
+          <a:p>
+            <a:pPr marL="76200" indent="0">
+              <a:lnSpc>
+                <a:spcPct val="115000"/>
+              </a:lnSpc>
+              <a:spcBef>
+                <a:spcPts val="0"/>
+              </a:spcBef>
+              <a:buClr>
+                <a:srgbClr val="000000"/>
+              </a:buClr>
+              <a:buSzPct val="166666"/>
+              <a:buNone/>
+            </a:pPr>
+            <a:r>
+              <a:rPr lang="sv-SE" dirty="0"/>
+              <a:t>I Solution explorer högerklicka på </a:t>
+            </a:r>
+            <a:r>
+              <a:rPr lang="sv-SE" dirty="0" err="1"/>
+              <a:t>Nnamespace</a:t>
+            </a:r>
+            <a:r>
+              <a:rPr lang="sv-SE" dirty="0"/>
+              <a:t> (2:a raden).</a:t>
+            </a:r>
+          </a:p>
+          <a:p>
+            <a:pPr marL="76200" indent="0">
+              <a:lnSpc>
+                <a:spcPct val="115000"/>
+              </a:lnSpc>
+              <a:spcBef>
+                <a:spcPts val="0"/>
+              </a:spcBef>
+              <a:buClr>
+                <a:srgbClr val="000000"/>
+              </a:buClr>
+              <a:buSzPct val="166666"/>
+              <a:buNone/>
+            </a:pPr>
+            <a:r>
+              <a:rPr lang="sv-SE" dirty="0"/>
+              <a:t>Välj </a:t>
+            </a:r>
+            <a:r>
+              <a:rPr lang="sv-SE" dirty="0" err="1"/>
+              <a:t>Add</a:t>
+            </a:r>
+            <a:r>
+              <a:rPr lang="sv-SE" dirty="0"/>
+              <a:t> -&gt; Class</a:t>
+            </a:r>
+          </a:p>
+          <a:p>
+            <a:pPr marL="76200" indent="0">
+              <a:lnSpc>
+                <a:spcPct val="115000"/>
+              </a:lnSpc>
+              <a:spcBef>
+                <a:spcPts val="0"/>
+              </a:spcBef>
+              <a:buClr>
+                <a:srgbClr val="000000"/>
+              </a:buClr>
+              <a:buSzPct val="166666"/>
+              <a:buNone/>
+            </a:pPr>
+            <a:r>
+              <a:rPr lang="sv-SE" dirty="0"/>
+              <a:t>I </a:t>
+            </a:r>
+            <a:r>
+              <a:rPr lang="sv-SE" dirty="0" err="1"/>
+              <a:t>popup</a:t>
+            </a:r>
+            <a:r>
+              <a:rPr lang="sv-SE" dirty="0"/>
+              <a:t> namnge nya klassen till: </a:t>
+            </a:r>
+            <a:r>
+              <a:rPr lang="sv-SE" dirty="0" err="1"/>
+              <a:t>WebDriverExtensions</a:t>
+            </a:r>
+            <a:endParaRPr lang="sv-SE" dirty="0"/>
+          </a:p>
+          <a:p>
+            <a:pPr marL="76200" indent="0">
+              <a:lnSpc>
+                <a:spcPct val="115000"/>
+              </a:lnSpc>
+              <a:spcBef>
+                <a:spcPts val="0"/>
+              </a:spcBef>
+              <a:buClr>
+                <a:srgbClr val="000000"/>
+              </a:buClr>
+              <a:buSzPct val="166666"/>
+              <a:buNone/>
+            </a:pPr>
+            <a:r>
+              <a:rPr lang="sv-SE" dirty="0"/>
+              <a:t>Klicka ’</a:t>
+            </a:r>
+            <a:r>
+              <a:rPr lang="sv-SE" dirty="0" err="1"/>
+              <a:t>Add</a:t>
+            </a:r>
+            <a:r>
+              <a:rPr lang="sv-SE" dirty="0"/>
+              <a:t>’</a:t>
+            </a:r>
+          </a:p>
+          <a:p>
+            <a:pPr marL="76200" indent="0">
+              <a:lnSpc>
+                <a:spcPct val="115000"/>
+              </a:lnSpc>
+              <a:spcBef>
+                <a:spcPts val="0"/>
+              </a:spcBef>
+              <a:buClr>
+                <a:srgbClr val="000000"/>
+              </a:buClr>
+              <a:buSzPct val="166666"/>
+              <a:buNone/>
+            </a:pPr>
+            <a:endParaRPr lang="sv-SE" dirty="0"/>
+          </a:p>
+          <a:p>
+            <a:pPr marL="76200" indent="0">
+              <a:lnSpc>
+                <a:spcPct val="115000"/>
+              </a:lnSpc>
+              <a:spcBef>
+                <a:spcPts val="0"/>
+              </a:spcBef>
+              <a:buClr>
+                <a:srgbClr val="000000"/>
+              </a:buClr>
+              <a:buSzPct val="166666"/>
+              <a:buNone/>
+            </a:pPr>
+            <a:r>
+              <a:rPr lang="sv-SE" dirty="0"/>
+              <a:t>Skriv in kod enligt nästa </a:t>
+            </a:r>
+            <a:r>
+              <a:rPr lang="sv-SE" dirty="0" err="1"/>
+              <a:t>slide</a:t>
+            </a:r>
+            <a:r>
+              <a:rPr lang="sv-SE" dirty="0"/>
+              <a:t> i er hjälpklass.</a:t>
+            </a:r>
+            <a:endParaRPr lang="sv-SE" dirty="0"/>
+          </a:p>
+        </p:txBody>
+      </p:sp>
+    </p:spTree>
+    <p:extLst>
+      <p:ext uri="{BB962C8B-B14F-4D97-AF65-F5344CB8AC3E}">
+        <p14:creationId xmlns:p14="http://schemas.microsoft.com/office/powerpoint/2010/main" val="2456093484"/>
+      </p:ext>
+    </p:extLst>
+  </p:cSld>
+  <p:clrMapOvr>
+    <a:masterClrMapping/>
+  </p:clrMapOvr>
+  <p:transition spd="slow">
+    <p:cut/>
+  </p:transition>
+</p:sld>
+</file>
+
+<file path=ppt/slides/slide19.xml><?xml version="1.0" encoding="utf-8"?>
+<p:sld xmlns:a="http://schemas.openxmlformats.org/drawingml/2006/main" xmlns:r="http://schemas.openxmlformats.org/officeDocument/2006/relationships" xmlns:p="http://schemas.openxmlformats.org/presentationml/2006/main">
+  <p:cSld>
+    <p:spTree>
+      <p:nvGrpSpPr>
+        <p:cNvPr id="1" name="Shape 36"/>
+        <p:cNvGrpSpPr/>
+        <p:nvPr/>
+      </p:nvGrpSpPr>
+      <p:grpSpPr>
+        <a:xfrm>
+          <a:off x="0" y="0"/>
+          <a:ext cx="0" cy="0"/>
+          <a:chOff x="0" y="0"/>
+          <a:chExt cx="0" cy="0"/>
+        </a:xfrm>
+      </p:grpSpPr>
+      <p:sp>
+        <p:nvSpPr>
+          <p:cNvPr id="9" name="Shape 31"/>
+          <p:cNvSpPr txBox="1">
+            <a:spLocks noGrp="1"/>
+          </p:cNvSpPr>
+          <p:nvPr>
+            <p:ph type="body" idx="1"/>
+          </p:nvPr>
+        </p:nvSpPr>
+        <p:spPr>
+          <a:xfrm>
+            <a:off x="0" y="7575"/>
+            <a:ext cx="9144000" cy="6850425"/>
+          </a:xfrm>
+          <a:prstGeom prst="rect">
+            <a:avLst/>
+          </a:prstGeom>
+        </p:spPr>
+        <p:txBody>
+          <a:bodyPr lIns="91425" tIns="91425" rIns="91425" bIns="91425" anchor="t" anchorCtr="0">
+            <a:noAutofit/>
+          </a:bodyPr>
+          <a:lstStyle/>
+          <a:p>
+            <a:pPr marL="0" indent="0">
+              <a:buNone/>
+            </a:pPr>
+            <a:r>
+              <a:rPr lang="sv-SE" sz="1600" dirty="0"/>
+              <a:t>using System;</a:t>
+            </a:r>
+          </a:p>
+          <a:p>
+            <a:pPr marL="0" indent="0">
+              <a:buNone/>
+            </a:pPr>
+            <a:r>
+              <a:rPr lang="sv-SE" sz="1600" dirty="0"/>
+              <a:t>using </a:t>
+            </a:r>
+            <a:r>
+              <a:rPr lang="sv-SE" sz="1600" dirty="0" err="1"/>
+              <a:t>OpenQA.Selenium</a:t>
+            </a:r>
+            <a:r>
+              <a:rPr lang="sv-SE" sz="1600" dirty="0"/>
+              <a:t>;</a:t>
+            </a:r>
+          </a:p>
+          <a:p>
+            <a:pPr marL="0" indent="0">
+              <a:buNone/>
+            </a:pPr>
+            <a:r>
+              <a:rPr lang="sv-SE" sz="1600" dirty="0"/>
+              <a:t>using </a:t>
+            </a:r>
+            <a:r>
+              <a:rPr lang="sv-SE" sz="1600" dirty="0" err="1"/>
+              <a:t>OpenQA.Selenium.Support.UI</a:t>
+            </a:r>
+            <a:r>
+              <a:rPr lang="sv-SE" sz="1600" dirty="0"/>
+              <a:t>;</a:t>
+            </a:r>
+          </a:p>
+          <a:p>
+            <a:pPr marL="0" indent="0">
+              <a:buNone/>
+            </a:pPr>
+            <a:endParaRPr lang="sv-SE" sz="1600" dirty="0"/>
+          </a:p>
+          <a:p>
+            <a:pPr marL="0" indent="0">
+              <a:buNone/>
+            </a:pPr>
+            <a:r>
+              <a:rPr lang="sv-SE" sz="1600" dirty="0" err="1"/>
+              <a:t>namespace</a:t>
+            </a:r>
+            <a:r>
+              <a:rPr lang="sv-SE" sz="1600" dirty="0"/>
+              <a:t> </a:t>
+            </a:r>
+            <a:r>
+              <a:rPr lang="sv-SE" sz="1600" dirty="0" err="1"/>
+              <a:t>SeleniumNunitSimple</a:t>
+            </a:r>
+            <a:endParaRPr lang="sv-SE" sz="1600" dirty="0"/>
+          </a:p>
+          <a:p>
+            <a:pPr marL="0" indent="0">
+              <a:buNone/>
+            </a:pPr>
+            <a:r>
+              <a:rPr lang="sv-SE" sz="1600" dirty="0"/>
+              <a:t>{</a:t>
+            </a:r>
+          </a:p>
+          <a:p>
+            <a:pPr marL="0" indent="0">
+              <a:buNone/>
+            </a:pPr>
+            <a:r>
+              <a:rPr lang="sv-SE" sz="1600" dirty="0"/>
+              <a:t>    public </a:t>
+            </a:r>
+            <a:r>
+              <a:rPr lang="sv-SE" sz="1600" dirty="0" err="1"/>
+              <a:t>static</a:t>
+            </a:r>
+            <a:r>
+              <a:rPr lang="sv-SE" sz="1600" dirty="0"/>
+              <a:t> </a:t>
+            </a:r>
+            <a:r>
+              <a:rPr lang="sv-SE" sz="1600" dirty="0" err="1"/>
+              <a:t>class</a:t>
+            </a:r>
+            <a:r>
+              <a:rPr lang="sv-SE" sz="1600" dirty="0"/>
+              <a:t> </a:t>
+            </a:r>
+            <a:r>
+              <a:rPr lang="sv-SE" sz="1600" dirty="0" err="1"/>
+              <a:t>WebDriverExtensions</a:t>
+            </a:r>
+            <a:endParaRPr lang="sv-SE" sz="1600" dirty="0"/>
+          </a:p>
+          <a:p>
+            <a:pPr marL="0" indent="0">
+              <a:buNone/>
+            </a:pPr>
+            <a:r>
+              <a:rPr lang="sv-SE" sz="1600" dirty="0"/>
+              <a:t>    {</a:t>
+            </a:r>
+          </a:p>
+          <a:p>
+            <a:pPr marL="0" indent="0">
+              <a:buNone/>
+            </a:pPr>
+            <a:r>
+              <a:rPr lang="en-US" sz="1600" dirty="0"/>
+              <a:t>        public static </a:t>
+            </a:r>
+            <a:r>
+              <a:rPr lang="en-US" sz="1600" dirty="0" err="1"/>
+              <a:t>IWebElement</a:t>
+            </a:r>
+            <a:r>
+              <a:rPr lang="en-US" sz="1600" dirty="0"/>
+              <a:t> </a:t>
+            </a:r>
+            <a:r>
+              <a:rPr lang="en-US" sz="1600" dirty="0" err="1"/>
+              <a:t>FindElement</a:t>
+            </a:r>
+            <a:r>
+              <a:rPr lang="en-US" sz="1600" dirty="0"/>
+              <a:t>(this </a:t>
+            </a:r>
+            <a:r>
+              <a:rPr lang="en-US" sz="1600" dirty="0" err="1"/>
+              <a:t>IWebDriver</a:t>
+            </a:r>
+            <a:r>
+              <a:rPr lang="en-US" sz="1600" dirty="0"/>
+              <a:t> driver, By </a:t>
+            </a:r>
+            <a:r>
+              <a:rPr lang="en-US" sz="1600" dirty="0" err="1"/>
+              <a:t>by</a:t>
+            </a:r>
+            <a:r>
+              <a:rPr lang="en-US" sz="1600" dirty="0"/>
+              <a:t>, </a:t>
+            </a:r>
+            <a:r>
+              <a:rPr lang="en-US" sz="1600" dirty="0" err="1"/>
+              <a:t>int</a:t>
+            </a:r>
+            <a:r>
+              <a:rPr lang="en-US" sz="1600" dirty="0"/>
+              <a:t> </a:t>
+            </a:r>
+            <a:r>
+              <a:rPr lang="en-US" sz="1600" dirty="0" err="1"/>
+              <a:t>timeoutInSeconds</a:t>
+            </a:r>
+            <a:r>
+              <a:rPr lang="en-US" sz="1600" dirty="0"/>
+              <a:t>)</a:t>
+            </a:r>
+          </a:p>
+          <a:p>
+            <a:pPr marL="0" indent="0">
+              <a:buNone/>
+            </a:pPr>
+            <a:r>
+              <a:rPr lang="sv-SE" sz="1600" dirty="0"/>
+              <a:t>        {</a:t>
+            </a:r>
+          </a:p>
+          <a:p>
+            <a:pPr marL="0" indent="0">
+              <a:buNone/>
+            </a:pPr>
+            <a:r>
+              <a:rPr lang="sv-SE" sz="1600" dirty="0"/>
+              <a:t>            </a:t>
+            </a:r>
+            <a:r>
+              <a:rPr lang="sv-SE" sz="1600" dirty="0" err="1"/>
+              <a:t>if</a:t>
+            </a:r>
+            <a:r>
+              <a:rPr lang="sv-SE" sz="1600" dirty="0"/>
+              <a:t> (</a:t>
+            </a:r>
+            <a:r>
+              <a:rPr lang="sv-SE" sz="1600" dirty="0" err="1"/>
+              <a:t>timeoutInSeconds</a:t>
+            </a:r>
+            <a:r>
+              <a:rPr lang="sv-SE" sz="1600" dirty="0"/>
+              <a:t> &gt; 0)</a:t>
+            </a:r>
+          </a:p>
+          <a:p>
+            <a:pPr marL="0" indent="0">
+              <a:buNone/>
+            </a:pPr>
+            <a:r>
+              <a:rPr lang="sv-SE" sz="1600" dirty="0"/>
+              <a:t>            {</a:t>
+            </a:r>
+          </a:p>
+          <a:p>
+            <a:pPr marL="0" indent="0">
+              <a:buNone/>
+            </a:pPr>
+            <a:r>
+              <a:rPr lang="sv-SE" sz="1600" dirty="0"/>
+              <a:t>                var wait = new </a:t>
+            </a:r>
+            <a:r>
+              <a:rPr lang="sv-SE" sz="1600" dirty="0" err="1"/>
+              <a:t>WebDriverWait</a:t>
+            </a:r>
+            <a:r>
+              <a:rPr lang="sv-SE" sz="1600" dirty="0"/>
+              <a:t>(driver, </a:t>
+            </a:r>
+            <a:r>
+              <a:rPr lang="sv-SE" sz="1600" dirty="0" err="1"/>
+              <a:t>TimeSpan.FromSeconds</a:t>
+            </a:r>
+            <a:r>
+              <a:rPr lang="sv-SE" sz="1600" dirty="0"/>
+              <a:t>(</a:t>
+            </a:r>
+            <a:r>
+              <a:rPr lang="sv-SE" sz="1600" dirty="0" err="1"/>
+              <a:t>timeoutInSeconds</a:t>
+            </a:r>
+            <a:r>
+              <a:rPr lang="sv-SE" sz="1600" dirty="0"/>
+              <a:t>));</a:t>
+            </a:r>
+          </a:p>
+          <a:p>
+            <a:pPr marL="0" indent="0">
+              <a:buNone/>
+            </a:pPr>
+            <a:r>
+              <a:rPr lang="en-US" sz="1600" dirty="0"/>
+              <a:t>                return </a:t>
+            </a:r>
+            <a:r>
+              <a:rPr lang="en-US" sz="1600" dirty="0" err="1"/>
+              <a:t>wait.Until</a:t>
+            </a:r>
+            <a:r>
+              <a:rPr lang="en-US" sz="1600" dirty="0"/>
+              <a:t>(</a:t>
+            </a:r>
+            <a:r>
+              <a:rPr lang="en-US" sz="1600" dirty="0" err="1"/>
+              <a:t>drv</a:t>
+            </a:r>
+            <a:r>
+              <a:rPr lang="en-US" sz="1600" dirty="0"/>
+              <a:t> =&gt; </a:t>
+            </a:r>
+            <a:r>
+              <a:rPr lang="en-US" sz="1600" dirty="0" err="1"/>
+              <a:t>drv.FindElement</a:t>
+            </a:r>
+            <a:r>
+              <a:rPr lang="en-US" sz="1600" dirty="0"/>
+              <a:t>(by));</a:t>
+            </a:r>
+          </a:p>
+          <a:p>
+            <a:pPr marL="0" indent="0">
+              <a:buNone/>
+            </a:pPr>
+            <a:r>
+              <a:rPr lang="sv-SE" sz="1600" dirty="0"/>
+              <a:t>            }</a:t>
+            </a:r>
+          </a:p>
+          <a:p>
+            <a:pPr marL="0" indent="0">
+              <a:buNone/>
+            </a:pPr>
+            <a:r>
+              <a:rPr lang="sv-SE" sz="1600" dirty="0"/>
+              <a:t>            </a:t>
+            </a:r>
+            <a:r>
+              <a:rPr lang="sv-SE" sz="1600" dirty="0" err="1"/>
+              <a:t>return</a:t>
+            </a:r>
+            <a:r>
+              <a:rPr lang="sv-SE" sz="1600" dirty="0"/>
+              <a:t> </a:t>
+            </a:r>
+            <a:r>
+              <a:rPr lang="sv-SE" sz="1600" dirty="0" err="1"/>
+              <a:t>driver.FindElement</a:t>
+            </a:r>
+            <a:r>
+              <a:rPr lang="sv-SE" sz="1600" dirty="0"/>
+              <a:t>(by);</a:t>
+            </a:r>
+          </a:p>
+          <a:p>
+            <a:pPr marL="0" indent="0">
+              <a:buNone/>
+            </a:pPr>
+            <a:r>
+              <a:rPr lang="sv-SE" sz="1600" dirty="0"/>
+              <a:t>        }</a:t>
+            </a:r>
+          </a:p>
+          <a:p>
+            <a:pPr marL="0" indent="0">
+              <a:buNone/>
+            </a:pPr>
+            <a:r>
+              <a:rPr lang="sv-SE" sz="1600" dirty="0"/>
+              <a:t>    }</a:t>
+            </a:r>
+          </a:p>
+          <a:p>
+            <a:pPr marL="0" indent="0">
+              <a:buNone/>
+            </a:pPr>
+            <a:r>
+              <a:rPr lang="sv-SE" sz="1600" dirty="0"/>
+              <a:t>}</a:t>
+            </a:r>
+            <a:endParaRPr lang="sv" sz="1600" dirty="0"/>
+          </a:p>
+        </p:txBody>
+      </p:sp>
+    </p:spTree>
+    <p:extLst>
+      <p:ext uri="{BB962C8B-B14F-4D97-AF65-F5344CB8AC3E}">
+        <p14:creationId xmlns:p14="http://schemas.microsoft.com/office/powerpoint/2010/main" val="3712836723"/>
+      </p:ext>
+    </p:extLst>
+  </p:cSld>
+  <p:clrMapOvr>
+    <a:masterClrMapping/>
+  </p:clrMapOvr>
+  <p:transition spd="slow">
+    <p:cut/>
+  </p:transition>
+</p:sld>
+</file>
+
+<file path=ppt/slides/slide2.xml><?xml version="1.0" encoding="utf-8"?>
+<p:sld xmlns:a="http://schemas.openxmlformats.org/drawingml/2006/main" xmlns:r="http://schemas.openxmlformats.org/officeDocument/2006/relationships" xmlns:p="http://schemas.openxmlformats.org/presentationml/2006/main">
+  <p:cSld>
+    <p:spTree>
+      <p:nvGrpSpPr>
+        <p:cNvPr id="1" name="Shape 29"/>
+        <p:cNvGrpSpPr/>
+        <p:nvPr/>
+      </p:nvGrpSpPr>
+      <p:grpSpPr>
+        <a:xfrm>
+          <a:off x="0" y="0"/>
+          <a:ext cx="0" cy="0"/>
+          <a:chOff x="0" y="0"/>
+          <a:chExt cx="0" cy="0"/>
+        </a:xfrm>
+      </p:grpSpPr>
+      <p:sp>
+        <p:nvSpPr>
+          <p:cNvPr id="30" name="Shape 30"/>
+          <p:cNvSpPr txBox="1">
+            <a:spLocks noGrp="1"/>
+          </p:cNvSpPr>
+          <p:nvPr>
+            <p:ph type="title"/>
+          </p:nvPr>
+        </p:nvSpPr>
+        <p:spPr>
+          <a:xfrm>
+            <a:off x="457200" y="274637"/>
+            <a:ext cx="8229600" cy="1143000"/>
+          </a:xfrm>
+          <a:prstGeom prst="rect">
+            <a:avLst/>
+          </a:prstGeom>
+        </p:spPr>
+        <p:txBody>
+          <a:bodyPr lIns="91425" tIns="91425" rIns="91425" bIns="91425" anchor="b" anchorCtr="0">
+            <a:noAutofit/>
+          </a:bodyPr>
+          <a:lstStyle/>
+          <a:p>
+            <a:pPr>
+              <a:buNone/>
+            </a:pPr>
+            <a:r>
+              <a:rPr lang="sv-SE" dirty="0"/>
+              <a:t>Workshop webdriver med VS2015</a:t>
+            </a:r>
+            <a:endParaRPr lang="sv" dirty="0"/>
+          </a:p>
+        </p:txBody>
+      </p:sp>
+      <p:sp>
+        <p:nvSpPr>
+          <p:cNvPr id="31" name="Shape 31"/>
+          <p:cNvSpPr txBox="1">
+            <a:spLocks noGrp="1"/>
+          </p:cNvSpPr>
+          <p:nvPr>
+            <p:ph type="body" idx="1"/>
+          </p:nvPr>
+        </p:nvSpPr>
+        <p:spPr>
+          <a:xfrm>
+            <a:off x="457200" y="1600200"/>
+            <a:ext cx="8229600" cy="4277072"/>
+          </a:xfrm>
+          <a:prstGeom prst="rect">
+            <a:avLst/>
+          </a:prstGeom>
+        </p:spPr>
+        <p:txBody>
+          <a:bodyPr lIns="91425" tIns="91425" rIns="91425" bIns="91425" anchor="t" anchorCtr="0">
+            <a:noAutofit/>
+          </a:bodyPr>
+          <a:lstStyle/>
+          <a:p>
+            <a:pPr marL="457200" lvl="0" indent="-381000">
+              <a:lnSpc>
+                <a:spcPct val="115000"/>
+              </a:lnSpc>
+              <a:spcBef>
+                <a:spcPts val="0"/>
+              </a:spcBef>
+              <a:buClr>
+                <a:srgbClr val="000000"/>
+              </a:buClr>
+              <a:buSzPct val="166666"/>
+              <a:buFont typeface="Arial"/>
+              <a:buChar char="•"/>
+            </a:pPr>
+            <a:endParaRPr lang="sv-SE" sz="2400" dirty="0"/>
+          </a:p>
+          <a:p>
+            <a:pPr marL="76200" lvl="0" indent="0">
+              <a:lnSpc>
+                <a:spcPct val="115000"/>
+              </a:lnSpc>
+              <a:spcBef>
+                <a:spcPts val="0"/>
+              </a:spcBef>
+              <a:buClr>
+                <a:srgbClr val="000000"/>
+              </a:buClr>
+              <a:buSzPct val="166666"/>
+              <a:buNone/>
+            </a:pPr>
+            <a:r>
+              <a:rPr lang="sv-SE" sz="2400" dirty="0"/>
+              <a:t>Workshopen består av tre delar:</a:t>
+            </a:r>
+          </a:p>
+          <a:p>
+            <a:pPr marL="457200" lvl="0" indent="-381000">
+              <a:lnSpc>
+                <a:spcPct val="115000"/>
+              </a:lnSpc>
+              <a:spcBef>
+                <a:spcPts val="0"/>
+              </a:spcBef>
+              <a:buClr>
+                <a:srgbClr val="000000"/>
+              </a:buClr>
+              <a:buSzPct val="166666"/>
+              <a:buFont typeface="Arial"/>
+              <a:buChar char="•"/>
+            </a:pPr>
+            <a:r>
+              <a:rPr lang="sv-SE" sz="2400" dirty="0"/>
+              <a:t>Kort intro till VS2015, med miniexempel</a:t>
+            </a:r>
+          </a:p>
+          <a:p>
+            <a:pPr marL="457200" lvl="0" indent="-381000">
+              <a:lnSpc>
+                <a:spcPct val="115000"/>
+              </a:lnSpc>
+              <a:spcBef>
+                <a:spcPts val="0"/>
+              </a:spcBef>
+              <a:buClr>
+                <a:srgbClr val="000000"/>
+              </a:buClr>
+              <a:buSzPct val="166666"/>
+              <a:buFont typeface="Arial"/>
+              <a:buChar char="•"/>
+            </a:pPr>
+            <a:r>
+              <a:rPr lang="sv-SE" sz="2400" dirty="0"/>
+              <a:t>Kort intro till </a:t>
+            </a:r>
+            <a:r>
+              <a:rPr lang="sv-SE" sz="2400" dirty="0" err="1"/>
+              <a:t>Nunit</a:t>
+            </a:r>
+            <a:r>
+              <a:rPr lang="sv-SE" sz="2400" dirty="0"/>
+              <a:t>, med exempel</a:t>
+            </a:r>
+          </a:p>
+          <a:p>
+            <a:pPr marL="457200" lvl="0" indent="-381000">
+              <a:lnSpc>
+                <a:spcPct val="115000"/>
+              </a:lnSpc>
+              <a:spcBef>
+                <a:spcPts val="0"/>
+              </a:spcBef>
+              <a:buClr>
+                <a:srgbClr val="000000"/>
+              </a:buClr>
+              <a:buSzPct val="166666"/>
+              <a:buFont typeface="Arial"/>
+              <a:buChar char="•"/>
+            </a:pPr>
+            <a:r>
+              <a:rPr lang="sv-SE" sz="2400" dirty="0"/>
+              <a:t>Intro till webdriver, med exempel</a:t>
+            </a:r>
+            <a:endParaRPr lang="sv" sz="2400" dirty="0"/>
+          </a:p>
+          <a:p>
+            <a:pPr marL="76200" lvl="0" indent="0">
+              <a:lnSpc>
+                <a:spcPct val="115000"/>
+              </a:lnSpc>
+              <a:spcBef>
+                <a:spcPts val="0"/>
+              </a:spcBef>
+              <a:buClr>
+                <a:srgbClr val="000000"/>
+              </a:buClr>
+              <a:buSzPct val="166666"/>
+              <a:buNone/>
+            </a:pPr>
+            <a:endParaRPr lang="sv" sz="2400" dirty="0">
+              <a:solidFill>
+                <a:srgbClr val="000000"/>
+              </a:solidFill>
+            </a:endParaRPr>
+          </a:p>
+          <a:p>
+            <a:pPr marL="476250" lvl="1" indent="0">
+              <a:lnSpc>
+                <a:spcPct val="115000"/>
+              </a:lnSpc>
+              <a:spcBef>
+                <a:spcPts val="0"/>
+              </a:spcBef>
+              <a:buClr>
+                <a:srgbClr val="000000"/>
+              </a:buClr>
+              <a:buSzPct val="166666"/>
+              <a:buNone/>
+            </a:pPr>
+            <a:endParaRPr lang="sv" sz="2300" dirty="0">
+              <a:solidFill>
+                <a:srgbClr val="000000"/>
+              </a:solidFill>
+            </a:endParaRPr>
+          </a:p>
+          <a:p>
+            <a:pPr marL="476250" lvl="1" indent="0">
+              <a:lnSpc>
+                <a:spcPct val="115000"/>
+              </a:lnSpc>
+              <a:spcBef>
+                <a:spcPts val="0"/>
+              </a:spcBef>
+              <a:buClr>
+                <a:srgbClr val="000000"/>
+              </a:buClr>
+              <a:buSzPct val="166666"/>
+              <a:buNone/>
+            </a:pPr>
+            <a:endParaRPr lang="sv" sz="2300" dirty="0">
+              <a:solidFill>
+                <a:srgbClr val="000000"/>
+              </a:solidFill>
+            </a:endParaRPr>
+          </a:p>
+          <a:p>
+            <a:pPr marL="476250" lvl="1" indent="0">
+              <a:lnSpc>
+                <a:spcPct val="115000"/>
+              </a:lnSpc>
+              <a:spcBef>
+                <a:spcPts val="0"/>
+              </a:spcBef>
+              <a:buClr>
+                <a:srgbClr val="000000"/>
+              </a:buClr>
+              <a:buSzPct val="166666"/>
+              <a:buNone/>
+            </a:pPr>
+            <a:endParaRPr lang="sv" sz="2300" dirty="0">
+              <a:solidFill>
+                <a:srgbClr val="000000"/>
+              </a:solidFill>
+            </a:endParaRPr>
+          </a:p>
+          <a:p>
+            <a:pPr marL="0" indent="0">
+              <a:buNone/>
+            </a:pPr>
+            <a:endParaRPr lang="sv" sz="2400" dirty="0">
+              <a:solidFill>
+                <a:srgbClr val="000000"/>
+              </a:solidFill>
+            </a:endParaRPr>
+          </a:p>
+        </p:txBody>
+      </p:sp>
+    </p:spTree>
+    <p:extLst>
+      <p:ext uri="{BB962C8B-B14F-4D97-AF65-F5344CB8AC3E}">
+        <p14:creationId xmlns:p14="http://schemas.microsoft.com/office/powerpoint/2010/main" val="2732600054"/>
+      </p:ext>
+    </p:extLst>
+  </p:cSld>
+  <p:clrMapOvr>
+    <a:masterClrMapping/>
+  </p:clrMapOvr>
+  <p:transition spd="slow">
+    <p:cut/>
+  </p:transition>
+</p:sld>
+</file>
+
+<file path=ppt/slides/slide20.xml><?xml version="1.0" encoding="utf-8"?>
 <p:sld xmlns:a="http://schemas.openxmlformats.org/drawingml/2006/main" xmlns:r="http://schemas.openxmlformats.org/officeDocument/2006/relationships" xmlns:p="http://schemas.openxmlformats.org/presentationml/2006/main" show="0">
   <p:cSld>
     <p:spTree>
@@ -10037,296 +12355,6 @@
   <p:clrMapOvr>
     <a:masterClrMapping/>
   </p:clrMapOvr>
-</p:sld>
-</file>
-
-<file path=ppt/slides/slide2.xml><?xml version="1.0" encoding="utf-8"?>
-<p:sld xmlns:a="http://schemas.openxmlformats.org/drawingml/2006/main" xmlns:r="http://schemas.openxmlformats.org/officeDocument/2006/relationships" xmlns:p="http://schemas.openxmlformats.org/presentationml/2006/main">
-  <p:cSld>
-    <p:spTree>
-      <p:nvGrpSpPr>
-        <p:cNvPr id="1" name="Shape 29"/>
-        <p:cNvGrpSpPr/>
-        <p:nvPr/>
-      </p:nvGrpSpPr>
-      <p:grpSpPr>
-        <a:xfrm>
-          <a:off x="0" y="0"/>
-          <a:ext cx="0" cy="0"/>
-          <a:chOff x="0" y="0"/>
-          <a:chExt cx="0" cy="0"/>
-        </a:xfrm>
-      </p:grpSpPr>
-      <p:sp>
-        <p:nvSpPr>
-          <p:cNvPr id="30" name="Shape 30"/>
-          <p:cNvSpPr txBox="1">
-            <a:spLocks noGrp="1"/>
-          </p:cNvSpPr>
-          <p:nvPr>
-            <p:ph type="title"/>
-          </p:nvPr>
-        </p:nvSpPr>
-        <p:spPr>
-          <a:xfrm>
-            <a:off x="457200" y="274637"/>
-            <a:ext cx="8229600" cy="1143000"/>
-          </a:xfrm>
-          <a:prstGeom prst="rect">
-            <a:avLst/>
-          </a:prstGeom>
-        </p:spPr>
-        <p:txBody>
-          <a:bodyPr lIns="91425" tIns="91425" rIns="91425" bIns="91425" anchor="b" anchorCtr="0">
-            <a:noAutofit/>
-          </a:bodyPr>
-          <a:lstStyle/>
-          <a:p>
-            <a:pPr>
-              <a:buNone/>
-            </a:pPr>
-            <a:r>
-              <a:rPr lang="sv-SE" dirty="0"/>
-              <a:t>Workshop webdriver med VS2015</a:t>
-            </a:r>
-            <a:endParaRPr lang="sv" dirty="0"/>
-          </a:p>
-        </p:txBody>
-      </p:sp>
-      <p:sp>
-        <p:nvSpPr>
-          <p:cNvPr id="31" name="Shape 31"/>
-          <p:cNvSpPr txBox="1">
-            <a:spLocks noGrp="1"/>
-          </p:cNvSpPr>
-          <p:nvPr>
-            <p:ph type="body" idx="1"/>
-          </p:nvPr>
-        </p:nvSpPr>
-        <p:spPr>
-          <a:xfrm>
-            <a:off x="457200" y="1600200"/>
-            <a:ext cx="8229600" cy="4277072"/>
-          </a:xfrm>
-          <a:prstGeom prst="rect">
-            <a:avLst/>
-          </a:prstGeom>
-        </p:spPr>
-        <p:txBody>
-          <a:bodyPr lIns="91425" tIns="91425" rIns="91425" bIns="91425" anchor="t" anchorCtr="0">
-            <a:noAutofit/>
-          </a:bodyPr>
-          <a:lstStyle/>
-          <a:p>
-            <a:pPr marL="457200" lvl="0" indent="-381000">
-              <a:lnSpc>
-                <a:spcPct val="115000"/>
-              </a:lnSpc>
-              <a:spcBef>
-                <a:spcPts val="0"/>
-              </a:spcBef>
-              <a:buClr>
-                <a:srgbClr val="000000"/>
-              </a:buClr>
-              <a:buSzPct val="166666"/>
-              <a:buFont typeface="Arial"/>
-              <a:buChar char="•"/>
-            </a:pPr>
-            <a:endParaRPr lang="sv-SE" sz="2400" dirty="0"/>
-          </a:p>
-          <a:p>
-            <a:pPr marL="76200" lvl="0" indent="0">
-              <a:lnSpc>
-                <a:spcPct val="115000"/>
-              </a:lnSpc>
-              <a:spcBef>
-                <a:spcPts val="0"/>
-              </a:spcBef>
-              <a:buClr>
-                <a:srgbClr val="000000"/>
-              </a:buClr>
-              <a:buSzPct val="166666"/>
-              <a:buNone/>
-            </a:pPr>
-            <a:r>
-              <a:rPr lang="sv-SE" sz="2400" dirty="0"/>
-              <a:t>Workshopen består av tre delar:</a:t>
-            </a:r>
-          </a:p>
-          <a:p>
-            <a:pPr marL="457200" lvl="0" indent="-381000">
-              <a:lnSpc>
-                <a:spcPct val="115000"/>
-              </a:lnSpc>
-              <a:spcBef>
-                <a:spcPts val="0"/>
-              </a:spcBef>
-              <a:buClr>
-                <a:srgbClr val="000000"/>
-              </a:buClr>
-              <a:buSzPct val="166666"/>
-              <a:buFont typeface="Arial"/>
-              <a:buChar char="•"/>
-            </a:pPr>
-            <a:r>
-              <a:rPr lang="sv-SE" sz="2400" dirty="0"/>
-              <a:t>Kort intro till VS2015, med miniexempel</a:t>
-            </a:r>
-          </a:p>
-          <a:p>
-            <a:pPr marL="457200" lvl="0" indent="-381000">
-              <a:lnSpc>
-                <a:spcPct val="115000"/>
-              </a:lnSpc>
-              <a:spcBef>
-                <a:spcPts val="0"/>
-              </a:spcBef>
-              <a:buClr>
-                <a:srgbClr val="000000"/>
-              </a:buClr>
-              <a:buSzPct val="166666"/>
-              <a:buFont typeface="Arial"/>
-              <a:buChar char="•"/>
-            </a:pPr>
-            <a:r>
-              <a:rPr lang="sv-SE" sz="2400" dirty="0"/>
-              <a:t>Kort intro till </a:t>
-            </a:r>
-            <a:r>
-              <a:rPr lang="sv-SE" sz="2400" dirty="0" err="1"/>
-              <a:t>Nunit</a:t>
-            </a:r>
-            <a:r>
-              <a:rPr lang="sv-SE" sz="2400" dirty="0"/>
-              <a:t>, med exempel</a:t>
-            </a:r>
-          </a:p>
-          <a:p>
-            <a:pPr marL="457200" lvl="0" indent="-381000">
-              <a:lnSpc>
-                <a:spcPct val="115000"/>
-              </a:lnSpc>
-              <a:spcBef>
-                <a:spcPts val="0"/>
-              </a:spcBef>
-              <a:buClr>
-                <a:srgbClr val="000000"/>
-              </a:buClr>
-              <a:buSzPct val="166666"/>
-              <a:buFont typeface="Arial"/>
-              <a:buChar char="•"/>
-            </a:pPr>
-            <a:r>
-              <a:rPr lang="sv-SE" sz="2400" dirty="0"/>
-              <a:t>Intro till webdriver, med exempel</a:t>
-            </a:r>
-            <a:endParaRPr lang="sv" sz="2400" dirty="0"/>
-          </a:p>
-          <a:p>
-            <a:pPr marL="76200" lvl="0" indent="0">
-              <a:lnSpc>
-                <a:spcPct val="115000"/>
-              </a:lnSpc>
-              <a:spcBef>
-                <a:spcPts val="0"/>
-              </a:spcBef>
-              <a:buClr>
-                <a:srgbClr val="000000"/>
-              </a:buClr>
-              <a:buSzPct val="166666"/>
-              <a:buNone/>
-            </a:pPr>
-            <a:endParaRPr lang="sv" sz="2400" dirty="0">
-              <a:solidFill>
-                <a:srgbClr val="000000"/>
-              </a:solidFill>
-            </a:endParaRPr>
-          </a:p>
-          <a:p>
-            <a:pPr marL="476250" lvl="1" indent="0">
-              <a:lnSpc>
-                <a:spcPct val="115000"/>
-              </a:lnSpc>
-              <a:spcBef>
-                <a:spcPts val="0"/>
-              </a:spcBef>
-              <a:buClr>
-                <a:srgbClr val="000000"/>
-              </a:buClr>
-              <a:buSzPct val="166666"/>
-              <a:buNone/>
-            </a:pPr>
-            <a:endParaRPr lang="sv" sz="2300" dirty="0">
-              <a:solidFill>
-                <a:srgbClr val="000000"/>
-              </a:solidFill>
-            </a:endParaRPr>
-          </a:p>
-          <a:p>
-            <a:pPr marL="476250" lvl="1" indent="0">
-              <a:lnSpc>
-                <a:spcPct val="115000"/>
-              </a:lnSpc>
-              <a:spcBef>
-                <a:spcPts val="0"/>
-              </a:spcBef>
-              <a:buClr>
-                <a:srgbClr val="000000"/>
-              </a:buClr>
-              <a:buSzPct val="166666"/>
-              <a:buNone/>
-            </a:pPr>
-            <a:endParaRPr lang="sv" sz="2300" dirty="0">
-              <a:solidFill>
-                <a:srgbClr val="000000"/>
-              </a:solidFill>
-            </a:endParaRPr>
-          </a:p>
-          <a:p>
-            <a:pPr marL="476250" lvl="1" indent="0">
-              <a:lnSpc>
-                <a:spcPct val="115000"/>
-              </a:lnSpc>
-              <a:spcBef>
-                <a:spcPts val="0"/>
-              </a:spcBef>
-              <a:buClr>
-                <a:srgbClr val="000000"/>
-              </a:buClr>
-              <a:buSzPct val="166666"/>
-              <a:buNone/>
-            </a:pPr>
-            <a:endParaRPr lang="sv" sz="2300" dirty="0">
-              <a:solidFill>
-                <a:srgbClr val="000000"/>
-              </a:solidFill>
-            </a:endParaRPr>
-          </a:p>
-          <a:p>
-            <a:pPr marL="0" indent="0">
-              <a:buNone/>
-            </a:pPr>
-            <a:endParaRPr lang="sv" sz="2400" dirty="0">
-              <a:solidFill>
-                <a:srgbClr val="000000"/>
-              </a:solidFill>
-            </a:endParaRPr>
-          </a:p>
-        </p:txBody>
-      </p:sp>
-    </p:spTree>
-    <p:extLst>
-      <p:ext uri="{BB962C8B-B14F-4D97-AF65-F5344CB8AC3E}">
-        <p14:creationId xmlns:p14="http://schemas.microsoft.com/office/powerpoint/2010/main" val="2732600054"/>
-      </p:ext>
-    </p:extLst>
-  </p:cSld>
-  <p:clrMapOvr>
-    <a:masterClrMapping/>
-  </p:clrMapOvr>
-  <p:transition spd="slow">
-    <p:cut/>
-  </p:transition>
 </p:sld>
 </file>
 

--- a/Selenium_VS2015_Bas.pptx
+++ b/Selenium_VS2015_Bas.pptx
@@ -5,7 +5,7 @@
     <p:sldMasterId id="2147483648" r:id="rId1"/>
   </p:sldMasterIdLst>
   <p:notesMasterIdLst>
-    <p:notesMasterId r:id="rId22"/>
+    <p:notesMasterId r:id="rId27"/>
   </p:notesMasterIdLst>
   <p:sldIdLst>
     <p:sldId id="256" r:id="rId2"/>
@@ -27,7 +27,12 @@
     <p:sldId id="394" r:id="rId18"/>
     <p:sldId id="396" r:id="rId19"/>
     <p:sldId id="397" r:id="rId20"/>
-    <p:sldId id="381" r:id="rId21"/>
+    <p:sldId id="398" r:id="rId21"/>
+    <p:sldId id="400" r:id="rId22"/>
+    <p:sldId id="399" r:id="rId23"/>
+    <p:sldId id="401" r:id="rId24"/>
+    <p:sldId id="402" r:id="rId25"/>
+    <p:sldId id="381" r:id="rId26"/>
   </p:sldIdLst>
   <p:sldSz cx="9144000" cy="6858000" type="screen4x3"/>
   <p:notesSz cx="6797675" cy="9926638"/>
@@ -228,7 +233,7 @@
             <a:fld id="{4B692815-F29B-470E-933C-C013C16C0B4A}" type="datetimeFigureOut">
               <a:rPr lang="sv-SE" smtClean="0"/>
               <a:pPr/>
-              <a:t>2017-01-07</a:t>
+              <a:t>2017-01-08</a:t>
             </a:fld>
             <a:endParaRPr lang="sv-SE"/>
           </a:p>
@@ -2369,7 +2374,6 @@
               <a:rPr lang="sv-SE" dirty="0"/>
               <a:t>Explicit wait</a:t>
             </a:r>
-            <a:endParaRPr lang="sv-SE" dirty="0"/>
           </a:p>
           <a:p>
             <a:pPr marL="171450" indent="-171450">
@@ -2640,6 +2644,15 @@
           <a:p>
             <a:r>
               <a:rPr lang="sv-SE" dirty="0"/>
+              <a:t>Visa i min VS båda två.</a:t>
+            </a:r>
+          </a:p>
+          <a:p>
+            <a:endParaRPr lang="sv-SE" dirty="0"/>
+          </a:p>
+          <a:p>
+            <a:r>
+              <a:rPr lang="sv-SE" dirty="0"/>
               <a:t>Av dessa är explicit timeout att föredra, då jag kan skapa </a:t>
             </a:r>
             <a:r>
@@ -2936,12 +2949,1624 @@
           <a:p>
             <a:r>
               <a:rPr lang="sv-SE" dirty="0"/>
+              <a:t>Vill någon ha förklaring på hur hjälpklassen fungerar?</a:t>
+            </a:r>
+          </a:p>
+          <a:p>
+            <a:r>
+              <a:rPr lang="sv-SE" dirty="0"/>
+              <a:t>Funktionsnamnet är samma som den </a:t>
+            </a:r>
+            <a:r>
+              <a:rPr lang="sv-SE" dirty="0" err="1"/>
+              <a:t>standardsökning</a:t>
+            </a:r>
+            <a:r>
+              <a:rPr lang="sv-SE" dirty="0"/>
+              <a:t> som används i webdriver.</a:t>
+            </a:r>
+          </a:p>
+          <a:p>
+            <a:r>
+              <a:rPr lang="sv-SE" dirty="0"/>
+              <a:t>Men i vår funktion har vi lagt till en extra parameter, timeouttid, så kompilatorn kommer att välja standardfunktion om vi ej har timeout och vår ’</a:t>
+            </a:r>
+            <a:r>
+              <a:rPr lang="sv-SE" dirty="0" err="1"/>
+              <a:t>overloaded</a:t>
+            </a:r>
+            <a:r>
+              <a:rPr lang="sv-SE" dirty="0"/>
+              <a:t>’ funktion med timeout,</a:t>
+            </a:r>
+          </a:p>
+          <a:p>
+            <a:r>
+              <a:rPr lang="sv-SE" dirty="0"/>
+              <a:t>Har någon upptäckt en konstighet med funktionsdefinitionen jämfört med hur vi anropar den?</a:t>
+            </a:r>
+          </a:p>
+          <a:p>
+            <a:r>
+              <a:rPr lang="sv-SE" dirty="0" err="1"/>
+              <a:t>Jepp</a:t>
+            </a:r>
+            <a:r>
+              <a:rPr lang="sv-SE" dirty="0"/>
+              <a:t>, definitionen har 3 </a:t>
+            </a:r>
+            <a:r>
+              <a:rPr lang="sv-SE" dirty="0" err="1"/>
+              <a:t>inparametrar</a:t>
+            </a:r>
+            <a:r>
+              <a:rPr lang="sv-SE" dirty="0"/>
+              <a:t> men anropet har bara 2. Detta funkar eftersom 1:a parametern är av typen </a:t>
+            </a:r>
+            <a:r>
+              <a:rPr lang="sv-SE" dirty="0" err="1"/>
+              <a:t>this</a:t>
+            </a:r>
+            <a:r>
+              <a:rPr lang="sv-SE" dirty="0"/>
+              <a:t>, </a:t>
+            </a:r>
+            <a:r>
+              <a:rPr lang="sv-SE" dirty="0" err="1"/>
+              <a:t>this</a:t>
+            </a:r>
+            <a:r>
+              <a:rPr lang="sv-SE" dirty="0"/>
+              <a:t> betyder objektet själv vilket i vårt fall blir vår instansierade driver.</a:t>
+            </a:r>
+          </a:p>
+          <a:p>
+            <a:r>
+              <a:rPr lang="sv-SE" dirty="0" err="1"/>
+              <a:t>This</a:t>
+            </a:r>
+            <a:r>
+              <a:rPr lang="sv-SE" dirty="0"/>
+              <a:t> är alltså alltid förutbestämd och behöver därför inte anges.</a:t>
+            </a:r>
+          </a:p>
+          <a:p>
+            <a:endParaRPr lang="sv-SE" dirty="0"/>
+          </a:p>
+          <a:p>
+            <a:r>
+              <a:rPr lang="sv-SE" dirty="0" err="1"/>
+              <a:t>Wait.Until</a:t>
+            </a:r>
+            <a:r>
+              <a:rPr lang="sv-SE" dirty="0"/>
+              <a:t> är en </a:t>
+            </a:r>
+            <a:r>
+              <a:rPr lang="sv-SE" dirty="0" err="1"/>
+              <a:t>Closure</a:t>
+            </a:r>
+            <a:r>
+              <a:rPr lang="sv-SE" dirty="0"/>
+              <a:t>, en </a:t>
+            </a:r>
+            <a:r>
+              <a:rPr lang="sv-SE" dirty="0" err="1"/>
+              <a:t>Closure</a:t>
+            </a:r>
+            <a:r>
+              <a:rPr lang="sv-SE" dirty="0"/>
+              <a:t> </a:t>
+            </a:r>
+            <a:r>
+              <a:rPr lang="sv-SE" dirty="0" err="1"/>
+              <a:t>defineras</a:t>
+            </a:r>
+            <a:r>
+              <a:rPr lang="sv-SE" dirty="0"/>
+              <a:t> som:</a:t>
+            </a:r>
+          </a:p>
+          <a:p>
+            <a:r>
+              <a:rPr lang="en-US" sz="1200" b="0" i="0" kern="1200" dirty="0">
+                <a:solidFill>
+                  <a:schemeClr val="tx1"/>
+                </a:solidFill>
+                <a:effectLst/>
+                <a:latin typeface="+mn-lt"/>
+                <a:ea typeface="+mn-ea"/>
+                <a:cs typeface="+mn-cs"/>
+              </a:rPr>
+              <a:t>“a first-class function with free variables that are bound in the lexical environment”</a:t>
+            </a:r>
+          </a:p>
+          <a:p>
+            <a:r>
+              <a:rPr lang="en-US" sz="1200" b="0" i="0" kern="1200" dirty="0" err="1">
+                <a:solidFill>
+                  <a:schemeClr val="tx1"/>
+                </a:solidFill>
+                <a:effectLst/>
+                <a:latin typeface="+mn-lt"/>
+                <a:ea typeface="+mn-ea"/>
+                <a:cs typeface="+mn-cs"/>
+              </a:rPr>
+              <a:t>En</a:t>
+            </a:r>
+            <a:r>
+              <a:rPr lang="en-US" sz="1200" b="0" i="0" kern="1200" dirty="0">
+                <a:solidFill>
+                  <a:schemeClr val="tx1"/>
+                </a:solidFill>
+                <a:effectLst/>
+                <a:latin typeface="+mn-lt"/>
+                <a:ea typeface="+mn-ea"/>
+                <a:cs typeface="+mn-cs"/>
+              </a:rPr>
+              <a:t> </a:t>
+            </a:r>
+            <a:r>
+              <a:rPr lang="en-US" sz="1200" b="0" i="0" kern="1200" dirty="0" err="1">
+                <a:solidFill>
+                  <a:schemeClr val="tx1"/>
+                </a:solidFill>
+                <a:effectLst/>
+                <a:latin typeface="+mn-lt"/>
+                <a:ea typeface="+mn-ea"/>
+                <a:cs typeface="+mn-cs"/>
+              </a:rPr>
+              <a:t>fri</a:t>
+            </a:r>
+            <a:r>
+              <a:rPr lang="en-US" sz="1200" b="0" i="0" kern="1200" dirty="0">
+                <a:solidFill>
+                  <a:schemeClr val="tx1"/>
+                </a:solidFill>
+                <a:effectLst/>
+                <a:latin typeface="+mn-lt"/>
+                <a:ea typeface="+mn-ea"/>
+                <a:cs typeface="+mn-cs"/>
+              </a:rPr>
+              <a:t> </a:t>
+            </a:r>
+            <a:r>
+              <a:rPr lang="en-US" sz="1200" b="0" i="0" kern="1200" dirty="0" err="1">
+                <a:solidFill>
+                  <a:schemeClr val="tx1"/>
+                </a:solidFill>
+                <a:effectLst/>
+                <a:latin typeface="+mn-lt"/>
+                <a:ea typeface="+mn-ea"/>
+                <a:cs typeface="+mn-cs"/>
+              </a:rPr>
+              <a:t>variabel</a:t>
+            </a:r>
+            <a:r>
+              <a:rPr lang="en-US" sz="1200" b="0" i="0" kern="1200" dirty="0">
+                <a:solidFill>
+                  <a:schemeClr val="tx1"/>
+                </a:solidFill>
+                <a:effectLst/>
+                <a:latin typeface="+mn-lt"/>
+                <a:ea typeface="+mn-ea"/>
+                <a:cs typeface="+mn-cs"/>
+              </a:rPr>
+              <a:t> </a:t>
+            </a:r>
+            <a:r>
+              <a:rPr lang="en-US" sz="1200" b="0" i="0" kern="1200" dirty="0" err="1">
+                <a:solidFill>
+                  <a:schemeClr val="tx1"/>
+                </a:solidFill>
+                <a:effectLst/>
+                <a:latin typeface="+mn-lt"/>
+                <a:ea typeface="+mn-ea"/>
+                <a:cs typeface="+mn-cs"/>
+              </a:rPr>
+              <a:t>är</a:t>
+            </a:r>
+            <a:r>
+              <a:rPr lang="en-US" sz="1200" b="0" i="0" kern="1200" dirty="0">
+                <a:solidFill>
+                  <a:schemeClr val="tx1"/>
+                </a:solidFill>
+                <a:effectLst/>
+                <a:latin typeface="+mn-lt"/>
+                <a:ea typeface="+mn-ea"/>
+                <a:cs typeface="+mn-cs"/>
+              </a:rPr>
+              <a:t> </a:t>
+            </a:r>
+            <a:r>
+              <a:rPr lang="en-US" sz="1200" b="0" i="0" kern="1200" dirty="0" err="1">
+                <a:solidFill>
+                  <a:schemeClr val="tx1"/>
+                </a:solidFill>
+                <a:effectLst/>
+                <a:latin typeface="+mn-lt"/>
+                <a:ea typeface="+mn-ea"/>
+                <a:cs typeface="+mn-cs"/>
+              </a:rPr>
+              <a:t>en</a:t>
+            </a:r>
+            <a:r>
+              <a:rPr lang="en-US" sz="1200" b="0" i="0" kern="1200" dirty="0">
+                <a:solidFill>
+                  <a:schemeClr val="tx1"/>
+                </a:solidFill>
+                <a:effectLst/>
+                <a:latin typeface="+mn-lt"/>
+                <a:ea typeface="+mn-ea"/>
+                <a:cs typeface="+mn-cs"/>
+              </a:rPr>
+              <a:t> variable </a:t>
+            </a:r>
+            <a:r>
+              <a:rPr lang="en-US" sz="1200" b="0" i="0" kern="1200" dirty="0" err="1">
+                <a:solidFill>
+                  <a:schemeClr val="tx1"/>
+                </a:solidFill>
+                <a:effectLst/>
+                <a:latin typeface="+mn-lt"/>
+                <a:ea typeface="+mn-ea"/>
+                <a:cs typeface="+mn-cs"/>
+              </a:rPr>
+              <a:t>som</a:t>
+            </a:r>
+            <a:r>
+              <a:rPr lang="en-US" sz="1200" b="0" i="0" kern="1200" dirty="0">
+                <a:solidFill>
+                  <a:schemeClr val="tx1"/>
+                </a:solidFill>
+                <a:effectLst/>
+                <a:latin typeface="+mn-lt"/>
+                <a:ea typeface="+mn-ea"/>
+                <a:cs typeface="+mn-cs"/>
+              </a:rPr>
+              <a:t> </a:t>
+            </a:r>
+            <a:r>
+              <a:rPr lang="en-US" sz="1200" b="0" i="0" kern="1200" dirty="0" err="1">
+                <a:solidFill>
+                  <a:schemeClr val="tx1"/>
+                </a:solidFill>
+                <a:effectLst/>
+                <a:latin typeface="+mn-lt"/>
+                <a:ea typeface="+mn-ea"/>
+                <a:cs typeface="+mn-cs"/>
+              </a:rPr>
+              <a:t>används</a:t>
+            </a:r>
+            <a:r>
+              <a:rPr lang="en-US" sz="1200" b="0" i="0" kern="1200" dirty="0">
+                <a:solidFill>
+                  <a:schemeClr val="tx1"/>
+                </a:solidFill>
+                <a:effectLst/>
+                <a:latin typeface="+mn-lt"/>
+                <a:ea typeface="+mn-ea"/>
+                <a:cs typeface="+mn-cs"/>
+              </a:rPr>
+              <a:t> I </a:t>
+            </a:r>
+            <a:r>
+              <a:rPr lang="en-US" sz="1200" b="0" i="0" kern="1200" dirty="0" err="1">
+                <a:solidFill>
+                  <a:schemeClr val="tx1"/>
+                </a:solidFill>
+                <a:effectLst/>
+                <a:latin typeface="+mn-lt"/>
+                <a:ea typeface="+mn-ea"/>
+                <a:cs typeface="+mn-cs"/>
+              </a:rPr>
+              <a:t>en</a:t>
+            </a:r>
+            <a:r>
+              <a:rPr lang="en-US" sz="1200" b="0" i="0" kern="1200" dirty="0">
+                <a:solidFill>
+                  <a:schemeClr val="tx1"/>
+                </a:solidFill>
+                <a:effectLst/>
+                <a:latin typeface="+mn-lt"/>
+                <a:ea typeface="+mn-ea"/>
+                <a:cs typeface="+mn-cs"/>
+              </a:rPr>
+              <a:t> function </a:t>
+            </a:r>
+            <a:r>
+              <a:rPr lang="en-US" sz="1200" b="0" i="0" kern="1200" dirty="0" err="1">
+                <a:solidFill>
+                  <a:schemeClr val="tx1"/>
+                </a:solidFill>
+                <a:effectLst/>
+                <a:latin typeface="+mn-lt"/>
+                <a:ea typeface="+mn-ea"/>
+                <a:cs typeface="+mn-cs"/>
+              </a:rPr>
+              <a:t>utan</a:t>
+            </a:r>
+            <a:r>
+              <a:rPr lang="en-US" sz="1200" b="0" i="0" kern="1200" dirty="0">
+                <a:solidFill>
+                  <a:schemeClr val="tx1"/>
+                </a:solidFill>
+                <a:effectLst/>
+                <a:latin typeface="+mn-lt"/>
+                <a:ea typeface="+mn-ea"/>
+                <a:cs typeface="+mn-cs"/>
+              </a:rPr>
+              <a:t> </a:t>
+            </a:r>
+            <a:r>
+              <a:rPr lang="en-US" sz="1200" b="0" i="0" kern="1200" dirty="0" err="1">
+                <a:solidFill>
+                  <a:schemeClr val="tx1"/>
+                </a:solidFill>
+                <a:effectLst/>
+                <a:latin typeface="+mn-lt"/>
+                <a:ea typeface="+mn-ea"/>
+                <a:cs typeface="+mn-cs"/>
+              </a:rPr>
+              <a:t>att</a:t>
+            </a:r>
+            <a:r>
+              <a:rPr lang="en-US" sz="1200" b="0" i="0" kern="1200" dirty="0">
+                <a:solidFill>
+                  <a:schemeClr val="tx1"/>
+                </a:solidFill>
+                <a:effectLst/>
+                <a:latin typeface="+mn-lt"/>
+                <a:ea typeface="+mn-ea"/>
+                <a:cs typeface="+mn-cs"/>
+              </a:rPr>
+              <a:t> </a:t>
+            </a:r>
+            <a:r>
+              <a:rPr lang="en-US" sz="1200" b="0" i="0" kern="1200" dirty="0" err="1">
+                <a:solidFill>
+                  <a:schemeClr val="tx1"/>
+                </a:solidFill>
+                <a:effectLst/>
+                <a:latin typeface="+mn-lt"/>
+                <a:ea typeface="+mn-ea"/>
+                <a:cs typeface="+mn-cs"/>
+              </a:rPr>
+              <a:t>tillhöra</a:t>
+            </a:r>
+            <a:r>
+              <a:rPr lang="en-US" sz="1200" b="0" i="0" kern="1200" dirty="0">
+                <a:solidFill>
+                  <a:schemeClr val="tx1"/>
+                </a:solidFill>
+                <a:effectLst/>
+                <a:latin typeface="+mn-lt"/>
+                <a:ea typeface="+mn-ea"/>
+                <a:cs typeface="+mn-cs"/>
+              </a:rPr>
+              <a:t> </a:t>
+            </a:r>
+            <a:r>
+              <a:rPr lang="en-US" sz="1200" b="0" i="0" kern="1200" dirty="0" err="1">
+                <a:solidFill>
+                  <a:schemeClr val="tx1"/>
+                </a:solidFill>
+                <a:effectLst/>
+                <a:latin typeface="+mn-lt"/>
+                <a:ea typeface="+mn-ea"/>
+                <a:cs typeface="+mn-cs"/>
+              </a:rPr>
+              <a:t>funktionen</a:t>
+            </a:r>
+            <a:r>
+              <a:rPr lang="en-US" sz="1200" b="0" i="0" kern="1200" dirty="0">
+                <a:solidFill>
+                  <a:schemeClr val="tx1"/>
+                </a:solidFill>
+                <a:effectLst/>
+                <a:latin typeface="+mn-lt"/>
+                <a:ea typeface="+mn-ea"/>
+                <a:cs typeface="+mn-cs"/>
+              </a:rPr>
+              <a:t>, </a:t>
+            </a:r>
+            <a:r>
+              <a:rPr lang="en-US" sz="1200" b="0" i="0" kern="1200" dirty="0" err="1">
+                <a:solidFill>
+                  <a:schemeClr val="tx1"/>
+                </a:solidFill>
+                <a:effectLst/>
+                <a:latin typeface="+mn-lt"/>
+                <a:ea typeface="+mn-ea"/>
+                <a:cs typeface="+mn-cs"/>
+              </a:rPr>
+              <a:t>detta</a:t>
+            </a:r>
+            <a:r>
+              <a:rPr lang="en-US" sz="1200" b="0" i="0" kern="1200" dirty="0">
+                <a:solidFill>
+                  <a:schemeClr val="tx1"/>
+                </a:solidFill>
+                <a:effectLst/>
+                <a:latin typeface="+mn-lt"/>
+                <a:ea typeface="+mn-ea"/>
+                <a:cs typeface="+mn-cs"/>
+              </a:rPr>
+              <a:t> </a:t>
+            </a:r>
+            <a:r>
+              <a:rPr lang="en-US" sz="1200" b="0" i="0" kern="1200" dirty="0" err="1">
+                <a:solidFill>
+                  <a:schemeClr val="tx1"/>
+                </a:solidFill>
+                <a:effectLst/>
+                <a:latin typeface="+mn-lt"/>
+                <a:ea typeface="+mn-ea"/>
+                <a:cs typeface="+mn-cs"/>
+              </a:rPr>
+              <a:t>är</a:t>
+            </a:r>
+            <a:r>
+              <a:rPr lang="en-US" sz="1200" b="0" i="0" kern="1200" dirty="0">
+                <a:solidFill>
+                  <a:schemeClr val="tx1"/>
+                </a:solidFill>
+                <a:effectLst/>
+                <a:latin typeface="+mn-lt"/>
+                <a:ea typeface="+mn-ea"/>
+                <a:cs typeface="+mn-cs"/>
+              </a:rPr>
+              <a:t> </a:t>
+            </a:r>
+            <a:r>
+              <a:rPr lang="en-US" sz="1200" b="0" i="0" kern="1200" dirty="0" err="1">
+                <a:solidFill>
+                  <a:schemeClr val="tx1"/>
+                </a:solidFill>
+                <a:effectLst/>
+                <a:latin typeface="+mn-lt"/>
+                <a:ea typeface="+mn-ea"/>
+                <a:cs typeface="+mn-cs"/>
+              </a:rPr>
+              <a:t>nyckeln</a:t>
+            </a:r>
+            <a:r>
+              <a:rPr lang="en-US" sz="1200" b="0" i="0" kern="1200" dirty="0">
+                <a:solidFill>
+                  <a:schemeClr val="tx1"/>
+                </a:solidFill>
+                <a:effectLst/>
+                <a:latin typeface="+mn-lt"/>
+                <a:ea typeface="+mn-ea"/>
+                <a:cs typeface="+mn-cs"/>
+              </a:rPr>
+              <a:t> till </a:t>
+            </a:r>
+            <a:r>
+              <a:rPr lang="en-US" sz="1200" b="0" i="0" kern="1200" dirty="0" err="1">
+                <a:solidFill>
+                  <a:schemeClr val="tx1"/>
+                </a:solidFill>
+                <a:effectLst/>
+                <a:latin typeface="+mn-lt"/>
+                <a:ea typeface="+mn-ea"/>
+                <a:cs typeface="+mn-cs"/>
+              </a:rPr>
+              <a:t>att</a:t>
+            </a:r>
+            <a:r>
+              <a:rPr lang="en-US" sz="1200" b="0" i="0" kern="1200" dirty="0">
+                <a:solidFill>
+                  <a:schemeClr val="tx1"/>
+                </a:solidFill>
+                <a:effectLst/>
+                <a:latin typeface="+mn-lt"/>
+                <a:ea typeface="+mn-ea"/>
+                <a:cs typeface="+mn-cs"/>
+              </a:rPr>
+              <a:t> </a:t>
+            </a:r>
+            <a:r>
+              <a:rPr lang="en-US" sz="1200" b="0" i="0" kern="1200" dirty="0" err="1">
+                <a:solidFill>
+                  <a:schemeClr val="tx1"/>
+                </a:solidFill>
+                <a:effectLst/>
+                <a:latin typeface="+mn-lt"/>
+                <a:ea typeface="+mn-ea"/>
+                <a:cs typeface="+mn-cs"/>
+              </a:rPr>
+              <a:t>kunna</a:t>
+            </a:r>
+            <a:r>
+              <a:rPr lang="en-US" sz="1200" b="0" i="0" kern="1200" dirty="0">
+                <a:solidFill>
+                  <a:schemeClr val="tx1"/>
+                </a:solidFill>
+                <a:effectLst/>
+                <a:latin typeface="+mn-lt"/>
+                <a:ea typeface="+mn-ea"/>
+                <a:cs typeface="+mn-cs"/>
+              </a:rPr>
+              <a:t> </a:t>
+            </a:r>
+            <a:r>
+              <a:rPr lang="en-US" sz="1200" b="0" i="0" kern="1200" dirty="0" err="1">
+                <a:solidFill>
+                  <a:schemeClr val="tx1"/>
+                </a:solidFill>
+                <a:effectLst/>
+                <a:latin typeface="+mn-lt"/>
+                <a:ea typeface="+mn-ea"/>
+                <a:cs typeface="+mn-cs"/>
+              </a:rPr>
+              <a:t>utföra</a:t>
+            </a:r>
+            <a:r>
+              <a:rPr lang="en-US" sz="1200" b="0" i="0" kern="1200" dirty="0">
+                <a:solidFill>
+                  <a:schemeClr val="tx1"/>
+                </a:solidFill>
+                <a:effectLst/>
+                <a:latin typeface="+mn-lt"/>
+                <a:ea typeface="+mn-ea"/>
+                <a:cs typeface="+mn-cs"/>
+              </a:rPr>
+              <a:t> tester </a:t>
+            </a:r>
+            <a:r>
+              <a:rPr lang="en-US" sz="1200" b="0" i="0" kern="1200" dirty="0" err="1">
+                <a:solidFill>
+                  <a:schemeClr val="tx1"/>
+                </a:solidFill>
+                <a:effectLst/>
+                <a:latin typeface="+mn-lt"/>
+                <a:ea typeface="+mn-ea"/>
+                <a:cs typeface="+mn-cs"/>
+              </a:rPr>
+              <a:t>på</a:t>
+            </a:r>
+            <a:r>
+              <a:rPr lang="en-US" sz="1200" b="0" i="0" kern="1200" dirty="0">
+                <a:solidFill>
+                  <a:schemeClr val="tx1"/>
+                </a:solidFill>
+                <a:effectLst/>
+                <a:latin typeface="+mn-lt"/>
+                <a:ea typeface="+mn-ea"/>
+                <a:cs typeface="+mn-cs"/>
+              </a:rPr>
+              <a:t> </a:t>
+            </a:r>
+            <a:r>
+              <a:rPr lang="en-US" sz="1200" b="0" i="0" kern="1200" dirty="0" err="1">
+                <a:solidFill>
+                  <a:schemeClr val="tx1"/>
+                </a:solidFill>
+                <a:effectLst/>
+                <a:latin typeface="+mn-lt"/>
+                <a:ea typeface="+mn-ea"/>
+                <a:cs typeface="+mn-cs"/>
+              </a:rPr>
+              <a:t>kod</a:t>
+            </a:r>
+            <a:r>
+              <a:rPr lang="en-US" sz="1200" b="0" i="0" kern="1200" dirty="0">
+                <a:solidFill>
+                  <a:schemeClr val="tx1"/>
+                </a:solidFill>
+                <a:effectLst/>
+                <a:latin typeface="+mn-lt"/>
+                <a:ea typeface="+mn-ea"/>
+                <a:cs typeface="+mn-cs"/>
+              </a:rPr>
+              <a:t> </a:t>
+            </a:r>
+            <a:r>
+              <a:rPr lang="en-US" sz="1200" b="0" i="0" kern="1200" dirty="0" err="1">
+                <a:solidFill>
+                  <a:schemeClr val="tx1"/>
+                </a:solidFill>
+                <a:effectLst/>
+                <a:latin typeface="+mn-lt"/>
+                <a:ea typeface="+mn-ea"/>
+                <a:cs typeface="+mn-cs"/>
+              </a:rPr>
+              <a:t>som</a:t>
+            </a:r>
+            <a:r>
+              <a:rPr lang="en-US" sz="1200" b="0" i="0" kern="1200" dirty="0">
+                <a:solidFill>
+                  <a:schemeClr val="tx1"/>
+                </a:solidFill>
+                <a:effectLst/>
+                <a:latin typeface="+mn-lt"/>
+                <a:ea typeface="+mn-ea"/>
+                <a:cs typeface="+mn-cs"/>
+              </a:rPr>
+              <a:t> </a:t>
+            </a:r>
+            <a:r>
+              <a:rPr lang="en-US" sz="1200" b="0" i="0" kern="1200" dirty="0" err="1">
+                <a:solidFill>
+                  <a:schemeClr val="tx1"/>
+                </a:solidFill>
+                <a:effectLst/>
+                <a:latin typeface="+mn-lt"/>
+                <a:ea typeface="+mn-ea"/>
+                <a:cs typeface="+mn-cs"/>
+              </a:rPr>
+              <a:t>exekverar</a:t>
+            </a:r>
+            <a:r>
+              <a:rPr lang="en-US" sz="1200" b="0" i="0" kern="1200" dirty="0">
+                <a:solidFill>
+                  <a:schemeClr val="tx1"/>
+                </a:solidFill>
+                <a:effectLst/>
+                <a:latin typeface="+mn-lt"/>
+                <a:ea typeface="+mn-ea"/>
+                <a:cs typeface="+mn-cs"/>
+              </a:rPr>
+              <a:t> </a:t>
+            </a:r>
+            <a:r>
+              <a:rPr lang="en-US" sz="1200" b="0" i="0" kern="1200" dirty="0" err="1">
+                <a:solidFill>
+                  <a:schemeClr val="tx1"/>
+                </a:solidFill>
+                <a:effectLst/>
+                <a:latin typeface="+mn-lt"/>
+                <a:ea typeface="+mn-ea"/>
+                <a:cs typeface="+mn-cs"/>
+              </a:rPr>
+              <a:t>asynkront</a:t>
+            </a:r>
+            <a:r>
+              <a:rPr lang="en-US" sz="1200" b="0" i="0" kern="1200" dirty="0">
+                <a:solidFill>
+                  <a:schemeClr val="tx1"/>
+                </a:solidFill>
+                <a:effectLst/>
+                <a:latin typeface="+mn-lt"/>
+                <a:ea typeface="+mn-ea"/>
+                <a:cs typeface="+mn-cs"/>
+              </a:rPr>
+              <a:t>.</a:t>
+            </a:r>
+          </a:p>
+          <a:p>
+            <a:r>
+              <a:rPr lang="en-US" sz="1200" b="0" i="0" kern="1200" dirty="0" err="1">
+                <a:solidFill>
+                  <a:schemeClr val="tx1"/>
+                </a:solidFill>
+                <a:effectLst/>
+                <a:latin typeface="+mn-lt"/>
+                <a:ea typeface="+mn-ea"/>
+                <a:cs typeface="+mn-cs"/>
+              </a:rPr>
+              <a:t>För</a:t>
+            </a:r>
+            <a:r>
+              <a:rPr lang="en-US" sz="1200" b="0" i="0" kern="1200" dirty="0">
+                <a:solidFill>
+                  <a:schemeClr val="tx1"/>
+                </a:solidFill>
+                <a:effectLst/>
+                <a:latin typeface="+mn-lt"/>
+                <a:ea typeface="+mn-ea"/>
+                <a:cs typeface="+mn-cs"/>
+              </a:rPr>
+              <a:t> </a:t>
+            </a:r>
+            <a:r>
+              <a:rPr lang="en-US" sz="1200" b="0" i="0" kern="1200" dirty="0" err="1">
+                <a:solidFill>
+                  <a:schemeClr val="tx1"/>
+                </a:solidFill>
+                <a:effectLst/>
+                <a:latin typeface="+mn-lt"/>
+                <a:ea typeface="+mn-ea"/>
+                <a:cs typeface="+mn-cs"/>
+              </a:rPr>
+              <a:t>er</a:t>
+            </a:r>
+            <a:r>
+              <a:rPr lang="en-US" sz="1200" b="0" i="0" kern="1200" dirty="0">
+                <a:solidFill>
+                  <a:schemeClr val="tx1"/>
+                </a:solidFill>
+                <a:effectLst/>
+                <a:latin typeface="+mn-lt"/>
+                <a:ea typeface="+mn-ea"/>
+                <a:cs typeface="+mn-cs"/>
+              </a:rPr>
+              <a:t> </a:t>
+            </a:r>
+            <a:r>
+              <a:rPr lang="en-US" sz="1200" b="0" i="0" kern="1200" dirty="0" err="1">
+                <a:solidFill>
+                  <a:schemeClr val="tx1"/>
+                </a:solidFill>
+                <a:effectLst/>
+                <a:latin typeface="+mn-lt"/>
+                <a:ea typeface="+mn-ea"/>
+                <a:cs typeface="+mn-cs"/>
+              </a:rPr>
+              <a:t>som</a:t>
+            </a:r>
+            <a:r>
+              <a:rPr lang="en-US" sz="1200" b="0" i="0" kern="1200" dirty="0">
+                <a:solidFill>
+                  <a:schemeClr val="tx1"/>
+                </a:solidFill>
+                <a:effectLst/>
+                <a:latin typeface="+mn-lt"/>
+                <a:ea typeface="+mn-ea"/>
+                <a:cs typeface="+mn-cs"/>
+              </a:rPr>
+              <a:t> </a:t>
+            </a:r>
+            <a:r>
+              <a:rPr lang="en-US" sz="1200" b="0" i="0" kern="1200" dirty="0" err="1">
+                <a:solidFill>
+                  <a:schemeClr val="tx1"/>
+                </a:solidFill>
+                <a:effectLst/>
+                <a:latin typeface="+mn-lt"/>
+                <a:ea typeface="+mn-ea"/>
+                <a:cs typeface="+mn-cs"/>
+              </a:rPr>
+              <a:t>kör</a:t>
+            </a:r>
+            <a:r>
+              <a:rPr lang="en-US" sz="1200" b="0" i="0" kern="1200" dirty="0">
+                <a:solidFill>
+                  <a:schemeClr val="tx1"/>
+                </a:solidFill>
+                <a:effectLst/>
+                <a:latin typeface="+mn-lt"/>
+                <a:ea typeface="+mn-ea"/>
+                <a:cs typeface="+mn-cs"/>
+              </a:rPr>
+              <a:t> protractor </a:t>
+            </a:r>
+            <a:r>
+              <a:rPr lang="en-US" sz="1200" b="0" i="0" kern="1200" dirty="0" err="1">
+                <a:solidFill>
+                  <a:schemeClr val="tx1"/>
+                </a:solidFill>
+                <a:effectLst/>
+                <a:latin typeface="+mn-lt"/>
+                <a:ea typeface="+mn-ea"/>
+                <a:cs typeface="+mn-cs"/>
+              </a:rPr>
+              <a:t>så</a:t>
+            </a:r>
+            <a:r>
+              <a:rPr lang="en-US" sz="1200" b="0" i="0" kern="1200" dirty="0">
+                <a:solidFill>
+                  <a:schemeClr val="tx1"/>
+                </a:solidFill>
+                <a:effectLst/>
+                <a:latin typeface="+mn-lt"/>
+                <a:ea typeface="+mn-ea"/>
+                <a:cs typeface="+mn-cs"/>
+              </a:rPr>
+              <a:t> </a:t>
+            </a:r>
+            <a:r>
+              <a:rPr lang="en-US" sz="1200" b="0" i="0" kern="1200" dirty="0" err="1">
+                <a:solidFill>
+                  <a:schemeClr val="tx1"/>
+                </a:solidFill>
+                <a:effectLst/>
+                <a:latin typeface="+mn-lt"/>
+                <a:ea typeface="+mn-ea"/>
+                <a:cs typeface="+mn-cs"/>
+              </a:rPr>
+              <a:t>är</a:t>
+            </a:r>
+            <a:r>
+              <a:rPr lang="en-US" sz="1200" b="0" i="0" kern="1200" dirty="0">
+                <a:solidFill>
+                  <a:schemeClr val="tx1"/>
+                </a:solidFill>
+                <a:effectLst/>
+                <a:latin typeface="+mn-lt"/>
+                <a:ea typeface="+mn-ea"/>
+                <a:cs typeface="+mn-cs"/>
+              </a:rPr>
+              <a:t> </a:t>
+            </a:r>
+            <a:r>
+              <a:rPr lang="en-US" sz="1200" b="0" i="0" kern="1200" dirty="0" err="1">
+                <a:solidFill>
+                  <a:schemeClr val="tx1"/>
+                </a:solidFill>
+                <a:effectLst/>
+                <a:latin typeface="+mn-lt"/>
+                <a:ea typeface="+mn-ea"/>
+                <a:cs typeface="+mn-cs"/>
+              </a:rPr>
+              <a:t>detta</a:t>
+            </a:r>
+            <a:r>
+              <a:rPr lang="en-US" sz="1200" b="0" i="0" kern="1200" dirty="0">
+                <a:solidFill>
+                  <a:schemeClr val="tx1"/>
+                </a:solidFill>
+                <a:effectLst/>
+                <a:latin typeface="+mn-lt"/>
+                <a:ea typeface="+mn-ea"/>
+                <a:cs typeface="+mn-cs"/>
+              </a:rPr>
+              <a:t> </a:t>
+            </a:r>
+            <a:r>
+              <a:rPr lang="en-US" sz="1200" b="0" i="0" kern="1200" dirty="0" err="1">
+                <a:solidFill>
+                  <a:schemeClr val="tx1"/>
+                </a:solidFill>
+                <a:effectLst/>
+                <a:latin typeface="+mn-lt"/>
+                <a:ea typeface="+mn-ea"/>
+                <a:cs typeface="+mn-cs"/>
+              </a:rPr>
+              <a:t>inget</a:t>
+            </a:r>
+            <a:r>
+              <a:rPr lang="en-US" sz="1200" b="0" i="0" kern="1200" dirty="0">
+                <a:solidFill>
+                  <a:schemeClr val="tx1"/>
+                </a:solidFill>
+                <a:effectLst/>
+                <a:latin typeface="+mn-lt"/>
+                <a:ea typeface="+mn-ea"/>
+                <a:cs typeface="+mn-cs"/>
+              </a:rPr>
+              <a:t> </a:t>
+            </a:r>
+            <a:r>
+              <a:rPr lang="en-US" sz="1200" b="0" i="0" kern="1200" dirty="0" err="1">
+                <a:solidFill>
+                  <a:schemeClr val="tx1"/>
+                </a:solidFill>
+                <a:effectLst/>
+                <a:latin typeface="+mn-lt"/>
+                <a:ea typeface="+mn-ea"/>
+                <a:cs typeface="+mn-cs"/>
+              </a:rPr>
+              <a:t>nytt</a:t>
+            </a:r>
+            <a:r>
+              <a:rPr lang="en-US" sz="1200" b="0" i="0" kern="1200" dirty="0">
+                <a:solidFill>
+                  <a:schemeClr val="tx1"/>
+                </a:solidFill>
+                <a:effectLst/>
+                <a:latin typeface="+mn-lt"/>
+                <a:ea typeface="+mn-ea"/>
+                <a:cs typeface="+mn-cs"/>
+              </a:rPr>
+              <a:t>, </a:t>
+            </a:r>
+            <a:r>
+              <a:rPr lang="en-US" sz="1200" b="0" i="0" kern="1200" dirty="0" err="1">
+                <a:solidFill>
+                  <a:schemeClr val="tx1"/>
+                </a:solidFill>
+                <a:effectLst/>
+                <a:latin typeface="+mn-lt"/>
+                <a:ea typeface="+mn-ea"/>
+                <a:cs typeface="+mn-cs"/>
+              </a:rPr>
+              <a:t>för</a:t>
+            </a:r>
+            <a:r>
+              <a:rPr lang="en-US" sz="1200" b="0" i="0" kern="1200" dirty="0">
+                <a:solidFill>
+                  <a:schemeClr val="tx1"/>
+                </a:solidFill>
+                <a:effectLst/>
+                <a:latin typeface="+mn-lt"/>
+                <a:ea typeface="+mn-ea"/>
+                <a:cs typeface="+mn-cs"/>
+              </a:rPr>
+              <a:t> </a:t>
+            </a:r>
+            <a:r>
+              <a:rPr lang="en-US" sz="1200" b="0" i="0" kern="1200" dirty="0" err="1">
+                <a:solidFill>
+                  <a:schemeClr val="tx1"/>
+                </a:solidFill>
+                <a:effectLst/>
+                <a:latin typeface="+mn-lt"/>
+                <a:ea typeface="+mn-ea"/>
+                <a:cs typeface="+mn-cs"/>
+              </a:rPr>
+              <a:t>er</a:t>
+            </a:r>
+            <a:r>
+              <a:rPr lang="en-US" sz="1200" b="0" i="0" kern="1200" dirty="0">
+                <a:solidFill>
+                  <a:schemeClr val="tx1"/>
+                </a:solidFill>
+                <a:effectLst/>
+                <a:latin typeface="+mn-lt"/>
+                <a:ea typeface="+mn-ea"/>
+                <a:cs typeface="+mn-cs"/>
+              </a:rPr>
+              <a:t> </a:t>
+            </a:r>
+            <a:r>
+              <a:rPr lang="en-US" sz="1200" b="0" i="0" kern="1200" dirty="0" err="1">
+                <a:solidFill>
+                  <a:schemeClr val="tx1"/>
+                </a:solidFill>
+                <a:effectLst/>
+                <a:latin typeface="+mn-lt"/>
+                <a:ea typeface="+mn-ea"/>
+                <a:cs typeface="+mn-cs"/>
+              </a:rPr>
+              <a:t>andra</a:t>
+            </a:r>
+            <a:r>
+              <a:rPr lang="en-US" sz="1200" b="0" i="0" kern="1200" dirty="0">
+                <a:solidFill>
+                  <a:schemeClr val="tx1"/>
+                </a:solidFill>
+                <a:effectLst/>
+                <a:latin typeface="+mn-lt"/>
+                <a:ea typeface="+mn-ea"/>
+                <a:cs typeface="+mn-cs"/>
+              </a:rPr>
+              <a:t> </a:t>
+            </a:r>
+            <a:r>
+              <a:rPr lang="en-US" sz="1200" b="0" i="0" kern="1200" dirty="0" err="1">
+                <a:solidFill>
+                  <a:schemeClr val="tx1"/>
+                </a:solidFill>
+                <a:effectLst/>
+                <a:latin typeface="+mn-lt"/>
+                <a:ea typeface="+mn-ea"/>
+                <a:cs typeface="+mn-cs"/>
+              </a:rPr>
+              <a:t>så</a:t>
+            </a:r>
+            <a:r>
+              <a:rPr lang="en-US" sz="1200" b="0" i="0" kern="1200" dirty="0">
+                <a:solidFill>
+                  <a:schemeClr val="tx1"/>
+                </a:solidFill>
+                <a:effectLst/>
+                <a:latin typeface="+mn-lt"/>
+                <a:ea typeface="+mn-ea"/>
+                <a:cs typeface="+mn-cs"/>
+              </a:rPr>
+              <a:t> </a:t>
+            </a:r>
+            <a:r>
+              <a:rPr lang="en-US" sz="1200" b="0" i="0" kern="1200" dirty="0" err="1">
+                <a:solidFill>
+                  <a:schemeClr val="tx1"/>
+                </a:solidFill>
+                <a:effectLst/>
+                <a:latin typeface="+mn-lt"/>
+                <a:ea typeface="+mn-ea"/>
+                <a:cs typeface="+mn-cs"/>
+              </a:rPr>
+              <a:t>får</a:t>
+            </a:r>
+            <a:r>
+              <a:rPr lang="en-US" sz="1200" b="0" i="0" kern="1200" dirty="0">
+                <a:solidFill>
+                  <a:schemeClr val="tx1"/>
+                </a:solidFill>
+                <a:effectLst/>
+                <a:latin typeface="+mn-lt"/>
+                <a:ea typeface="+mn-ea"/>
+                <a:cs typeface="+mn-cs"/>
+              </a:rPr>
+              <a:t> </a:t>
+            </a:r>
+            <a:r>
+              <a:rPr lang="en-US" sz="1200" b="0" i="0" kern="1200" dirty="0" err="1">
+                <a:solidFill>
+                  <a:schemeClr val="tx1"/>
+                </a:solidFill>
+                <a:effectLst/>
+                <a:latin typeface="+mn-lt"/>
+                <a:ea typeface="+mn-ea"/>
+                <a:cs typeface="+mn-cs"/>
+              </a:rPr>
+              <a:t>ni</a:t>
+            </a:r>
+            <a:r>
+              <a:rPr lang="en-US" sz="1200" b="0" i="0" kern="1200" dirty="0">
+                <a:solidFill>
+                  <a:schemeClr val="tx1"/>
+                </a:solidFill>
+                <a:effectLst/>
+                <a:latin typeface="+mn-lt"/>
+                <a:ea typeface="+mn-ea"/>
+                <a:cs typeface="+mn-cs"/>
+              </a:rPr>
+              <a:t> </a:t>
+            </a:r>
+            <a:r>
+              <a:rPr lang="en-US" sz="1200" b="0" i="0" kern="1200" dirty="0" err="1">
+                <a:solidFill>
+                  <a:schemeClr val="tx1"/>
+                </a:solidFill>
+                <a:effectLst/>
+                <a:latin typeface="+mn-lt"/>
+                <a:ea typeface="+mn-ea"/>
+                <a:cs typeface="+mn-cs"/>
+              </a:rPr>
+              <a:t>helt</a:t>
+            </a:r>
+            <a:r>
+              <a:rPr lang="en-US" sz="1200" b="0" i="0" kern="1200" dirty="0">
+                <a:solidFill>
+                  <a:schemeClr val="tx1"/>
+                </a:solidFill>
+                <a:effectLst/>
+                <a:latin typeface="+mn-lt"/>
+                <a:ea typeface="+mn-ea"/>
+                <a:cs typeface="+mn-cs"/>
+              </a:rPr>
+              <a:t> </a:t>
+            </a:r>
+            <a:r>
+              <a:rPr lang="en-US" sz="1200" b="0" i="0" kern="1200" dirty="0" err="1">
+                <a:solidFill>
+                  <a:schemeClr val="tx1"/>
+                </a:solidFill>
+                <a:effectLst/>
+                <a:latin typeface="+mn-lt"/>
+                <a:ea typeface="+mn-ea"/>
+                <a:cs typeface="+mn-cs"/>
+              </a:rPr>
+              <a:t>enkelt</a:t>
+            </a:r>
+            <a:r>
+              <a:rPr lang="en-US" sz="1200" b="0" i="0" kern="1200" dirty="0">
+                <a:solidFill>
+                  <a:schemeClr val="tx1"/>
+                </a:solidFill>
+                <a:effectLst/>
+                <a:latin typeface="+mn-lt"/>
+                <a:ea typeface="+mn-ea"/>
+                <a:cs typeface="+mn-cs"/>
+              </a:rPr>
+              <a:t> </a:t>
+            </a:r>
+            <a:r>
+              <a:rPr lang="en-US" sz="1200" b="0" i="0" kern="1200" dirty="0" err="1">
+                <a:solidFill>
+                  <a:schemeClr val="tx1"/>
+                </a:solidFill>
+                <a:effectLst/>
+                <a:latin typeface="+mn-lt"/>
+                <a:ea typeface="+mn-ea"/>
+                <a:cs typeface="+mn-cs"/>
+              </a:rPr>
+              <a:t>lära</a:t>
+            </a:r>
+            <a:r>
+              <a:rPr lang="en-US" sz="1200" b="0" i="0" kern="1200" dirty="0">
+                <a:solidFill>
+                  <a:schemeClr val="tx1"/>
+                </a:solidFill>
+                <a:effectLst/>
+                <a:latin typeface="+mn-lt"/>
+                <a:ea typeface="+mn-ea"/>
+                <a:cs typeface="+mn-cs"/>
+              </a:rPr>
+              <a:t> </a:t>
+            </a:r>
+            <a:r>
+              <a:rPr lang="en-US" sz="1200" b="0" i="0" kern="1200" dirty="0" err="1">
+                <a:solidFill>
+                  <a:schemeClr val="tx1"/>
+                </a:solidFill>
+                <a:effectLst/>
+                <a:latin typeface="+mn-lt"/>
+                <a:ea typeface="+mn-ea"/>
+                <a:cs typeface="+mn-cs"/>
+              </a:rPr>
+              <a:t>er</a:t>
+            </a:r>
+            <a:r>
+              <a:rPr lang="en-US" sz="1200" b="0" i="0" kern="1200" dirty="0">
+                <a:solidFill>
+                  <a:schemeClr val="tx1"/>
+                </a:solidFill>
+                <a:effectLst/>
+                <a:latin typeface="+mn-lt"/>
+                <a:ea typeface="+mn-ea"/>
+                <a:cs typeface="+mn-cs"/>
+              </a:rPr>
+              <a:t> </a:t>
+            </a:r>
+            <a:r>
+              <a:rPr lang="en-US" sz="1200" b="0" i="0" kern="1200" dirty="0" err="1">
+                <a:solidFill>
+                  <a:schemeClr val="tx1"/>
+                </a:solidFill>
+                <a:effectLst/>
+                <a:latin typeface="+mn-lt"/>
+                <a:ea typeface="+mn-ea"/>
+                <a:cs typeface="+mn-cs"/>
+              </a:rPr>
+              <a:t>själva</a:t>
+            </a:r>
+            <a:r>
+              <a:rPr lang="en-US" sz="1200" b="0" i="0" kern="1200" dirty="0">
+                <a:solidFill>
+                  <a:schemeClr val="tx1"/>
+                </a:solidFill>
+                <a:effectLst/>
+                <a:latin typeface="+mn-lt"/>
+                <a:ea typeface="+mn-ea"/>
+                <a:cs typeface="+mn-cs"/>
+              </a:rPr>
+              <a:t>.</a:t>
+            </a:r>
+          </a:p>
+          <a:p>
+            <a:r>
+              <a:rPr lang="en-US" sz="1200" b="0" i="0" kern="1200" dirty="0" err="1">
+                <a:solidFill>
+                  <a:schemeClr val="tx1"/>
+                </a:solidFill>
+                <a:effectLst/>
+                <a:latin typeface="+mn-lt"/>
+                <a:ea typeface="+mn-ea"/>
+                <a:cs typeface="+mn-cs"/>
+              </a:rPr>
+              <a:t>Att</a:t>
+            </a:r>
+            <a:r>
+              <a:rPr lang="en-US" sz="1200" b="0" i="0" kern="1200" dirty="0">
+                <a:solidFill>
+                  <a:schemeClr val="tx1"/>
+                </a:solidFill>
+                <a:effectLst/>
+                <a:latin typeface="+mn-lt"/>
+                <a:ea typeface="+mn-ea"/>
+                <a:cs typeface="+mn-cs"/>
+              </a:rPr>
+              <a:t> </a:t>
+            </a:r>
+            <a:r>
+              <a:rPr lang="en-US" sz="1200" b="0" i="0" kern="1200" dirty="0" err="1">
+                <a:solidFill>
+                  <a:schemeClr val="tx1"/>
+                </a:solidFill>
+                <a:effectLst/>
+                <a:latin typeface="+mn-lt"/>
+                <a:ea typeface="+mn-ea"/>
+                <a:cs typeface="+mn-cs"/>
+              </a:rPr>
+              <a:t>förklara</a:t>
+            </a:r>
+            <a:r>
+              <a:rPr lang="en-US" sz="1200" b="0" i="0" kern="1200" dirty="0">
+                <a:solidFill>
+                  <a:schemeClr val="tx1"/>
+                </a:solidFill>
+                <a:effectLst/>
+                <a:latin typeface="+mn-lt"/>
+                <a:ea typeface="+mn-ea"/>
+                <a:cs typeface="+mn-cs"/>
+              </a:rPr>
+              <a:t> </a:t>
+            </a:r>
+            <a:r>
+              <a:rPr lang="en-US" sz="1200" b="0" i="0" kern="1200" dirty="0" err="1">
+                <a:solidFill>
+                  <a:schemeClr val="tx1"/>
+                </a:solidFill>
+                <a:effectLst/>
+                <a:latin typeface="+mn-lt"/>
+                <a:ea typeface="+mn-ea"/>
+                <a:cs typeface="+mn-cs"/>
+              </a:rPr>
+              <a:t>asynkrona</a:t>
+            </a:r>
+            <a:r>
+              <a:rPr lang="en-US" sz="1200" b="0" i="0" kern="1200" dirty="0">
+                <a:solidFill>
+                  <a:schemeClr val="tx1"/>
+                </a:solidFill>
+                <a:effectLst/>
+                <a:latin typeface="+mn-lt"/>
+                <a:ea typeface="+mn-ea"/>
+                <a:cs typeface="+mn-cs"/>
+              </a:rPr>
+              <a:t> </a:t>
+            </a:r>
+            <a:r>
+              <a:rPr lang="en-US" sz="1200" b="0" i="0" kern="1200" dirty="0" err="1">
+                <a:solidFill>
+                  <a:schemeClr val="tx1"/>
+                </a:solidFill>
+                <a:effectLst/>
+                <a:latin typeface="+mn-lt"/>
+                <a:ea typeface="+mn-ea"/>
+                <a:cs typeface="+mn-cs"/>
+              </a:rPr>
+              <a:t>anrop</a:t>
+            </a:r>
+            <a:r>
+              <a:rPr lang="en-US" sz="1200" b="0" i="0" kern="1200" dirty="0">
+                <a:solidFill>
+                  <a:schemeClr val="tx1"/>
+                </a:solidFill>
+                <a:effectLst/>
+                <a:latin typeface="+mn-lt"/>
+                <a:ea typeface="+mn-ea"/>
+                <a:cs typeface="+mn-cs"/>
+              </a:rPr>
+              <a:t> </a:t>
+            </a:r>
+            <a:r>
+              <a:rPr lang="en-US" sz="1200" b="0" i="0" kern="1200" dirty="0" err="1">
+                <a:solidFill>
+                  <a:schemeClr val="tx1"/>
+                </a:solidFill>
+                <a:effectLst/>
+                <a:latin typeface="+mn-lt"/>
+                <a:ea typeface="+mn-ea"/>
+                <a:cs typeface="+mn-cs"/>
+              </a:rPr>
+              <a:t>och</a:t>
+            </a:r>
+            <a:r>
+              <a:rPr lang="en-US" sz="1200" b="0" i="0" kern="1200" dirty="0">
+                <a:solidFill>
+                  <a:schemeClr val="tx1"/>
+                </a:solidFill>
+                <a:effectLst/>
+                <a:latin typeface="+mn-lt"/>
+                <a:ea typeface="+mn-ea"/>
+                <a:cs typeface="+mn-cs"/>
+              </a:rPr>
+              <a:t> closures vet jag </a:t>
+            </a:r>
+            <a:r>
+              <a:rPr lang="en-US" sz="1200" b="0" i="0" kern="1200" dirty="0" err="1">
+                <a:solidFill>
+                  <a:schemeClr val="tx1"/>
+                </a:solidFill>
+                <a:effectLst/>
+                <a:latin typeface="+mn-lt"/>
+                <a:ea typeface="+mn-ea"/>
+                <a:cs typeface="+mn-cs"/>
+              </a:rPr>
+              <a:t>inte</a:t>
+            </a:r>
+            <a:r>
+              <a:rPr lang="en-US" sz="1200" b="0" i="0" kern="1200" dirty="0">
+                <a:solidFill>
+                  <a:schemeClr val="tx1"/>
+                </a:solidFill>
+                <a:effectLst/>
+                <a:latin typeface="+mn-lt"/>
+                <a:ea typeface="+mn-ea"/>
+                <a:cs typeface="+mn-cs"/>
+              </a:rPr>
+              <a:t> </a:t>
+            </a:r>
+            <a:r>
+              <a:rPr lang="en-US" sz="1200" b="0" i="0" kern="1200" dirty="0" err="1">
+                <a:solidFill>
+                  <a:schemeClr val="tx1"/>
+                </a:solidFill>
+                <a:effectLst/>
+                <a:latin typeface="+mn-lt"/>
+                <a:ea typeface="+mn-ea"/>
+                <a:cs typeface="+mn-cs"/>
+              </a:rPr>
+              <a:t>ens</a:t>
+            </a:r>
+            <a:r>
+              <a:rPr lang="en-US" sz="1200" b="0" i="0" kern="1200" dirty="0">
+                <a:solidFill>
+                  <a:schemeClr val="tx1"/>
+                </a:solidFill>
+                <a:effectLst/>
+                <a:latin typeface="+mn-lt"/>
+                <a:ea typeface="+mn-ea"/>
+                <a:cs typeface="+mn-cs"/>
+              </a:rPr>
+              <a:t> om jag </a:t>
+            </a:r>
+            <a:r>
+              <a:rPr lang="en-US" sz="1200" b="0" i="0" kern="1200" dirty="0" err="1">
+                <a:solidFill>
+                  <a:schemeClr val="tx1"/>
+                </a:solidFill>
+                <a:effectLst/>
+                <a:latin typeface="+mn-lt"/>
+                <a:ea typeface="+mn-ea"/>
+                <a:cs typeface="+mn-cs"/>
+              </a:rPr>
+              <a:t>kan</a:t>
+            </a:r>
+            <a:r>
+              <a:rPr lang="en-US" sz="1200" b="0" i="0" kern="1200" dirty="0">
+                <a:solidFill>
+                  <a:schemeClr val="tx1"/>
+                </a:solidFill>
+                <a:effectLst/>
+                <a:latin typeface="+mn-lt"/>
+                <a:ea typeface="+mn-ea"/>
+                <a:cs typeface="+mn-cs"/>
+              </a:rPr>
+              <a:t>, Man </a:t>
+            </a:r>
+            <a:r>
+              <a:rPr lang="en-US" sz="1200" b="0" i="0" kern="1200" dirty="0" err="1">
+                <a:solidFill>
+                  <a:schemeClr val="tx1"/>
+                </a:solidFill>
+                <a:effectLst/>
+                <a:latin typeface="+mn-lt"/>
+                <a:ea typeface="+mn-ea"/>
+                <a:cs typeface="+mn-cs"/>
+              </a:rPr>
+              <a:t>måste</a:t>
+            </a:r>
+            <a:r>
+              <a:rPr lang="en-US" sz="1200" b="0" i="0" kern="1200" dirty="0">
+                <a:solidFill>
+                  <a:schemeClr val="tx1"/>
+                </a:solidFill>
+                <a:effectLst/>
+                <a:latin typeface="+mn-lt"/>
+                <a:ea typeface="+mn-ea"/>
+                <a:cs typeface="+mn-cs"/>
+              </a:rPr>
+              <a:t> nog </a:t>
+            </a:r>
+            <a:r>
+              <a:rPr lang="en-US" sz="1200" b="0" i="0" kern="1200" dirty="0" err="1">
+                <a:solidFill>
+                  <a:schemeClr val="tx1"/>
+                </a:solidFill>
+                <a:effectLst/>
+                <a:latin typeface="+mn-lt"/>
+                <a:ea typeface="+mn-ea"/>
+                <a:cs typeface="+mn-cs"/>
+              </a:rPr>
+              <a:t>labba</a:t>
+            </a:r>
+            <a:r>
+              <a:rPr lang="en-US" sz="1200" b="0" i="0" kern="1200" dirty="0">
+                <a:solidFill>
+                  <a:schemeClr val="tx1"/>
+                </a:solidFill>
+                <a:effectLst/>
+                <a:latin typeface="+mn-lt"/>
+                <a:ea typeface="+mn-ea"/>
+                <a:cs typeface="+mn-cs"/>
+              </a:rPr>
+              <a:t> </a:t>
+            </a:r>
+            <a:r>
+              <a:rPr lang="en-US" sz="1200" b="0" i="0" kern="1200" dirty="0" err="1">
+                <a:solidFill>
+                  <a:schemeClr val="tx1"/>
+                </a:solidFill>
+                <a:effectLst/>
+                <a:latin typeface="+mn-lt"/>
+                <a:ea typeface="+mn-ea"/>
+                <a:cs typeface="+mn-cs"/>
+              </a:rPr>
+              <a:t>själv</a:t>
+            </a:r>
+            <a:r>
+              <a:rPr lang="en-US" sz="1200" b="0" i="0" kern="1200" dirty="0">
+                <a:solidFill>
+                  <a:schemeClr val="tx1"/>
+                </a:solidFill>
+                <a:effectLst/>
+                <a:latin typeface="+mn-lt"/>
+                <a:ea typeface="+mn-ea"/>
+                <a:cs typeface="+mn-cs"/>
+              </a:rPr>
+              <a:t> </a:t>
+            </a:r>
+            <a:r>
+              <a:rPr lang="en-US" sz="1200" b="0" i="0" kern="1200" dirty="0" err="1">
+                <a:solidFill>
+                  <a:schemeClr val="tx1"/>
+                </a:solidFill>
+                <a:effectLst/>
+                <a:latin typeface="+mn-lt"/>
+                <a:ea typeface="+mn-ea"/>
+                <a:cs typeface="+mn-cs"/>
+              </a:rPr>
+              <a:t>för</a:t>
+            </a:r>
+            <a:r>
+              <a:rPr lang="en-US" sz="1200" b="0" i="0" kern="1200" dirty="0">
+                <a:solidFill>
+                  <a:schemeClr val="tx1"/>
+                </a:solidFill>
+                <a:effectLst/>
+                <a:latin typeface="+mn-lt"/>
+                <a:ea typeface="+mn-ea"/>
+                <a:cs typeface="+mn-cs"/>
+              </a:rPr>
+              <a:t> </a:t>
+            </a:r>
+            <a:r>
+              <a:rPr lang="en-US" sz="1200" b="0" i="0" kern="1200" dirty="0" err="1">
+                <a:solidFill>
+                  <a:schemeClr val="tx1"/>
+                </a:solidFill>
+                <a:effectLst/>
+                <a:latin typeface="+mn-lt"/>
+                <a:ea typeface="+mn-ea"/>
+                <a:cs typeface="+mn-cs"/>
+              </a:rPr>
+              <a:t>att</a:t>
+            </a:r>
+            <a:r>
+              <a:rPr lang="en-US" sz="1200" b="0" i="0" kern="1200" dirty="0">
+                <a:solidFill>
+                  <a:schemeClr val="tx1"/>
+                </a:solidFill>
+                <a:effectLst/>
+                <a:latin typeface="+mn-lt"/>
+                <a:ea typeface="+mn-ea"/>
+                <a:cs typeface="+mn-cs"/>
+              </a:rPr>
+              <a:t> </a:t>
+            </a:r>
+            <a:r>
+              <a:rPr lang="en-US" sz="1200" b="0" i="0" kern="1200" dirty="0" err="1">
+                <a:solidFill>
+                  <a:schemeClr val="tx1"/>
+                </a:solidFill>
+                <a:effectLst/>
+                <a:latin typeface="+mn-lt"/>
+                <a:ea typeface="+mn-ea"/>
+                <a:cs typeface="+mn-cs"/>
+              </a:rPr>
+              <a:t>förstå</a:t>
+            </a:r>
+            <a:r>
+              <a:rPr lang="en-US" sz="1200" b="0" i="0" kern="1200" dirty="0">
+                <a:solidFill>
+                  <a:schemeClr val="tx1"/>
+                </a:solidFill>
+                <a:effectLst/>
+                <a:latin typeface="+mn-lt"/>
+                <a:ea typeface="+mn-ea"/>
+                <a:cs typeface="+mn-cs"/>
+              </a:rPr>
+              <a:t>, </a:t>
+            </a:r>
+            <a:r>
+              <a:rPr lang="en-US" sz="1200" b="0" i="0" kern="1200" dirty="0" err="1">
+                <a:solidFill>
+                  <a:schemeClr val="tx1"/>
+                </a:solidFill>
+                <a:effectLst/>
+                <a:latin typeface="+mn-lt"/>
+                <a:ea typeface="+mn-ea"/>
+                <a:cs typeface="+mn-cs"/>
+              </a:rPr>
+              <a:t>vilket</a:t>
+            </a:r>
+            <a:r>
+              <a:rPr lang="en-US" sz="1200" b="0" i="0" kern="1200" dirty="0">
+                <a:solidFill>
+                  <a:schemeClr val="tx1"/>
+                </a:solidFill>
+                <a:effectLst/>
+                <a:latin typeface="+mn-lt"/>
+                <a:ea typeface="+mn-ea"/>
+                <a:cs typeface="+mn-cs"/>
+              </a:rPr>
+              <a:t> vi </a:t>
+            </a:r>
+            <a:r>
+              <a:rPr lang="en-US" sz="1200" b="0" i="0" kern="1200" dirty="0" err="1">
+                <a:solidFill>
+                  <a:schemeClr val="tx1"/>
+                </a:solidFill>
+                <a:effectLst/>
+                <a:latin typeface="+mn-lt"/>
+                <a:ea typeface="+mn-ea"/>
+                <a:cs typeface="+mn-cs"/>
+              </a:rPr>
+              <a:t>inte</a:t>
+            </a:r>
+            <a:r>
+              <a:rPr lang="en-US" sz="1200" b="0" i="0" kern="1200" dirty="0">
+                <a:solidFill>
+                  <a:schemeClr val="tx1"/>
+                </a:solidFill>
+                <a:effectLst/>
+                <a:latin typeface="+mn-lt"/>
+                <a:ea typeface="+mn-ea"/>
+                <a:cs typeface="+mn-cs"/>
+              </a:rPr>
+              <a:t> </a:t>
+            </a:r>
+            <a:r>
+              <a:rPr lang="en-US" sz="1200" b="0" i="0" kern="1200" dirty="0" err="1">
+                <a:solidFill>
+                  <a:schemeClr val="tx1"/>
+                </a:solidFill>
+                <a:effectLst/>
+                <a:latin typeface="+mn-lt"/>
+                <a:ea typeface="+mn-ea"/>
+                <a:cs typeface="+mn-cs"/>
+              </a:rPr>
+              <a:t>hinner</a:t>
+            </a:r>
+            <a:r>
+              <a:rPr lang="en-US" sz="1200" b="0" i="0" kern="1200" dirty="0">
+                <a:solidFill>
+                  <a:schemeClr val="tx1"/>
+                </a:solidFill>
+                <a:effectLst/>
+                <a:latin typeface="+mn-lt"/>
+                <a:ea typeface="+mn-ea"/>
+                <a:cs typeface="+mn-cs"/>
+              </a:rPr>
+              <a:t> med I </a:t>
+            </a:r>
+            <a:r>
+              <a:rPr lang="en-US" sz="1200" b="0" i="0" kern="1200" dirty="0" err="1">
+                <a:solidFill>
+                  <a:schemeClr val="tx1"/>
+                </a:solidFill>
+                <a:effectLst/>
+                <a:latin typeface="+mn-lt"/>
+                <a:ea typeface="+mn-ea"/>
+                <a:cs typeface="+mn-cs"/>
+              </a:rPr>
+              <a:t>denna</a:t>
+            </a:r>
+            <a:r>
+              <a:rPr lang="en-US" sz="1200" b="0" i="0" kern="1200" dirty="0">
+                <a:solidFill>
+                  <a:schemeClr val="tx1"/>
+                </a:solidFill>
+                <a:effectLst/>
+                <a:latin typeface="+mn-lt"/>
+                <a:ea typeface="+mn-ea"/>
+                <a:cs typeface="+mn-cs"/>
+              </a:rPr>
+              <a:t> workshop.</a:t>
+            </a:r>
+            <a:endParaRPr lang="sv-SE" dirty="0"/>
+          </a:p>
+          <a:p>
+            <a:endParaRPr lang="sv-SE" dirty="0"/>
+          </a:p>
+          <a:p>
+            <a:endParaRPr lang="sv-SE" dirty="0"/>
+          </a:p>
+          <a:p>
+            <a:r>
+              <a:rPr lang="sv-SE" dirty="0"/>
               <a:t>Då kan ni lägga till testkoden.</a:t>
             </a:r>
           </a:p>
           <a:p>
             <a:r>
-              <a:rPr lang="sv-SE"/>
+              <a:rPr lang="sv-SE" dirty="0"/>
               <a:t>- Visa i min VS </a:t>
             </a:r>
             <a:endParaRPr dirty="0"/>
@@ -3068,6 +4693,592 @@
     <p:extLst>
       <p:ext uri="{BB962C8B-B14F-4D97-AF65-F5344CB8AC3E}">
         <p14:creationId xmlns:p14="http://schemas.microsoft.com/office/powerpoint/2010/main" val="787523093"/>
+      </p:ext>
+    </p:extLst>
+  </p:cSld>
+  <p:clrMapOvr>
+    <a:masterClrMapping/>
+  </p:clrMapOvr>
+</p:notes>
+</file>
+
+<file path=ppt/notesSlides/notesSlide20.xml><?xml version="1.0" encoding="utf-8"?>
+<p:notes xmlns:a="http://schemas.openxmlformats.org/drawingml/2006/main" xmlns:r="http://schemas.openxmlformats.org/officeDocument/2006/relationships" xmlns:p="http://schemas.openxmlformats.org/presentationml/2006/main" showMasterSp="0" showMasterPhAnim="0">
+  <p:cSld>
+    <p:spTree>
+      <p:nvGrpSpPr>
+        <p:cNvPr id="1" name="Shape 40"/>
+        <p:cNvGrpSpPr/>
+        <p:nvPr/>
+      </p:nvGrpSpPr>
+      <p:grpSpPr>
+        <a:xfrm>
+          <a:off x="0" y="0"/>
+          <a:ext cx="0" cy="0"/>
+          <a:chOff x="0" y="0"/>
+          <a:chExt cx="0" cy="0"/>
+        </a:xfrm>
+      </p:grpSpPr>
+      <p:sp>
+        <p:nvSpPr>
+          <p:cNvPr id="41" name="Shape 41"/>
+          <p:cNvSpPr>
+            <a:spLocks noGrp="1" noRot="1" noChangeAspect="1"/>
+          </p:cNvSpPr>
+          <p:nvPr>
+            <p:ph type="sldImg" idx="2"/>
+          </p:nvPr>
+        </p:nvSpPr>
+        <p:spPr>
+          <a:xfrm>
+            <a:off x="919163" y="744538"/>
+            <a:ext cx="4960937" cy="3722687"/>
+          </a:xfrm>
+          <a:custGeom>
+            <a:avLst/>
+            <a:gdLst/>
+            <a:ahLst/>
+            <a:cxnLst/>
+            <a:rect l="0" t="0" r="0" b="0"/>
+            <a:pathLst>
+              <a:path w="120000" h="120000" extrusionOk="0">
+                <a:moveTo>
+                  <a:pt x="0" y="0"/>
+                </a:moveTo>
+                <a:lnTo>
+                  <a:pt x="120000" y="0"/>
+                </a:lnTo>
+                <a:lnTo>
+                  <a:pt x="120000" y="120000"/>
+                </a:lnTo>
+                <a:lnTo>
+                  <a:pt x="0" y="120000"/>
+                </a:lnTo>
+                <a:close/>
+              </a:path>
+            </a:pathLst>
+          </a:custGeom>
+        </p:spPr>
+      </p:sp>
+      <p:sp>
+        <p:nvSpPr>
+          <p:cNvPr id="42" name="Shape 42"/>
+          <p:cNvSpPr txBox="1">
+            <a:spLocks noGrp="1"/>
+          </p:cNvSpPr>
+          <p:nvPr>
+            <p:ph type="body" idx="1"/>
+          </p:nvPr>
+        </p:nvSpPr>
+        <p:spPr>
+          <a:xfrm>
+            <a:off x="679768" y="4715153"/>
+            <a:ext cx="5438139" cy="4466987"/>
+          </a:xfrm>
+          <a:prstGeom prst="rect">
+            <a:avLst/>
+          </a:prstGeom>
+        </p:spPr>
+        <p:txBody>
+          <a:bodyPr lIns="91425" tIns="91425" rIns="91425" bIns="91425" anchor="t" anchorCtr="0">
+            <a:noAutofit/>
+          </a:bodyPr>
+          <a:lstStyle/>
+          <a:p>
+            <a:r>
+              <a:rPr lang="sv-SE" dirty="0"/>
+              <a:t>För att hitta/se vilka attribut vi kan använda för att söka rätt på våra element i sidan så måste vi öppna sidan i </a:t>
+            </a:r>
+            <a:r>
+              <a:rPr lang="sv-SE" dirty="0" err="1"/>
+              <a:t>webläsaren</a:t>
+            </a:r>
+            <a:r>
+              <a:rPr lang="sv-SE" dirty="0"/>
+              <a:t>.</a:t>
+            </a:r>
+          </a:p>
+          <a:p>
+            <a:r>
+              <a:rPr lang="sv-SE" dirty="0"/>
+              <a:t>Sedan öppnar vi utvecklarevy i webbläsaren.</a:t>
+            </a:r>
+          </a:p>
+          <a:p>
+            <a:r>
+              <a:rPr lang="sv-SE" dirty="0"/>
+              <a:t>Nu kan vi söka reda på önskat html-element.</a:t>
+            </a:r>
+          </a:p>
+          <a:p>
+            <a:endParaRPr lang="sv-SE" dirty="0"/>
+          </a:p>
+          <a:p>
+            <a:r>
+              <a:rPr lang="sv-SE" dirty="0"/>
+              <a:t>Ett alternativ är att använda Selenium-IDE och spela in vad man vill testa och sedan spara inspelning som webdriver-kod i önskat språk.</a:t>
+            </a:r>
+          </a:p>
+          <a:p>
+            <a:r>
+              <a:rPr lang="sv-SE" dirty="0"/>
+              <a:t>Men då är man hänvisad till att köra i Firefox, dessutom så löser inte inspelning problem med blockade/låsta element.</a:t>
+            </a:r>
+            <a:endParaRPr dirty="0"/>
+          </a:p>
+        </p:txBody>
+      </p:sp>
+    </p:spTree>
+    <p:extLst>
+      <p:ext uri="{BB962C8B-B14F-4D97-AF65-F5344CB8AC3E}">
+        <p14:creationId xmlns:p14="http://schemas.microsoft.com/office/powerpoint/2010/main" val="1028513612"/>
+      </p:ext>
+    </p:extLst>
+  </p:cSld>
+  <p:clrMapOvr>
+    <a:masterClrMapping/>
+  </p:clrMapOvr>
+</p:notes>
+</file>
+
+<file path=ppt/notesSlides/notesSlide21.xml><?xml version="1.0" encoding="utf-8"?>
+<p:notes xmlns:a="http://schemas.openxmlformats.org/drawingml/2006/main" xmlns:r="http://schemas.openxmlformats.org/officeDocument/2006/relationships" xmlns:p="http://schemas.openxmlformats.org/presentationml/2006/main" showMasterSp="0" showMasterPhAnim="0">
+  <p:cSld>
+    <p:spTree>
+      <p:nvGrpSpPr>
+        <p:cNvPr id="1" name="Shape 40"/>
+        <p:cNvGrpSpPr/>
+        <p:nvPr/>
+      </p:nvGrpSpPr>
+      <p:grpSpPr>
+        <a:xfrm>
+          <a:off x="0" y="0"/>
+          <a:ext cx="0" cy="0"/>
+          <a:chOff x="0" y="0"/>
+          <a:chExt cx="0" cy="0"/>
+        </a:xfrm>
+      </p:grpSpPr>
+      <p:sp>
+        <p:nvSpPr>
+          <p:cNvPr id="41" name="Shape 41"/>
+          <p:cNvSpPr>
+            <a:spLocks noGrp="1" noRot="1" noChangeAspect="1"/>
+          </p:cNvSpPr>
+          <p:nvPr>
+            <p:ph type="sldImg" idx="2"/>
+          </p:nvPr>
+        </p:nvSpPr>
+        <p:spPr>
+          <a:xfrm>
+            <a:off x="919163" y="744538"/>
+            <a:ext cx="4960937" cy="3722687"/>
+          </a:xfrm>
+          <a:custGeom>
+            <a:avLst/>
+            <a:gdLst/>
+            <a:ahLst/>
+            <a:cxnLst/>
+            <a:rect l="0" t="0" r="0" b="0"/>
+            <a:pathLst>
+              <a:path w="120000" h="120000" extrusionOk="0">
+                <a:moveTo>
+                  <a:pt x="0" y="0"/>
+                </a:moveTo>
+                <a:lnTo>
+                  <a:pt x="120000" y="0"/>
+                </a:lnTo>
+                <a:lnTo>
+                  <a:pt x="120000" y="120000"/>
+                </a:lnTo>
+                <a:lnTo>
+                  <a:pt x="0" y="120000"/>
+                </a:lnTo>
+                <a:close/>
+              </a:path>
+            </a:pathLst>
+          </a:custGeom>
+        </p:spPr>
+      </p:sp>
+      <p:sp>
+        <p:nvSpPr>
+          <p:cNvPr id="42" name="Shape 42"/>
+          <p:cNvSpPr txBox="1">
+            <a:spLocks noGrp="1"/>
+          </p:cNvSpPr>
+          <p:nvPr>
+            <p:ph type="body" idx="1"/>
+          </p:nvPr>
+        </p:nvSpPr>
+        <p:spPr>
+          <a:xfrm>
+            <a:off x="679768" y="4715153"/>
+            <a:ext cx="5438139" cy="4466987"/>
+          </a:xfrm>
+          <a:prstGeom prst="rect">
+            <a:avLst/>
+          </a:prstGeom>
+        </p:spPr>
+        <p:txBody>
+          <a:bodyPr lIns="91425" tIns="91425" rIns="91425" bIns="91425" anchor="t" anchorCtr="0">
+            <a:noAutofit/>
+          </a:bodyPr>
+          <a:lstStyle/>
+          <a:p>
+            <a:r>
+              <a:rPr lang="sv-SE" dirty="0"/>
+              <a:t>I webdriver används </a:t>
+            </a:r>
+            <a:r>
+              <a:rPr lang="sv-SE" dirty="0" err="1"/>
+              <a:t>FindElement.By</a:t>
+            </a:r>
+            <a:r>
+              <a:rPr lang="sv-SE" dirty="0"/>
+              <a:t> för att välj sökmetod.</a:t>
+            </a:r>
+          </a:p>
+          <a:p>
+            <a:r>
+              <a:rPr lang="sv-SE" dirty="0"/>
+              <a:t>Om ni er kod ställer på punkten efter By och anger en extra punkt så ser ni vilka sökmetoder som är möjliga. -&gt; visa i min VS</a:t>
+            </a:r>
+          </a:p>
+          <a:p>
+            <a:endParaRPr lang="sv-SE" dirty="0"/>
+          </a:p>
+          <a:p>
+            <a:r>
+              <a:rPr lang="sv-SE" dirty="0"/>
+              <a:t>För att testa detta så vill jag att ni nu söker upp googles sökfält med Id istället för namn, kör sedan test igen</a:t>
+            </a:r>
+            <a:endParaRPr dirty="0"/>
+          </a:p>
+        </p:txBody>
+      </p:sp>
+    </p:spTree>
+    <p:extLst>
+      <p:ext uri="{BB962C8B-B14F-4D97-AF65-F5344CB8AC3E}">
+        <p14:creationId xmlns:p14="http://schemas.microsoft.com/office/powerpoint/2010/main" val="1148844255"/>
+      </p:ext>
+    </p:extLst>
+  </p:cSld>
+  <p:clrMapOvr>
+    <a:masterClrMapping/>
+  </p:clrMapOvr>
+</p:notes>
+</file>
+
+<file path=ppt/notesSlides/notesSlide22.xml><?xml version="1.0" encoding="utf-8"?>
+<p:notes xmlns:a="http://schemas.openxmlformats.org/drawingml/2006/main" xmlns:r="http://schemas.openxmlformats.org/officeDocument/2006/relationships" xmlns:p="http://schemas.openxmlformats.org/presentationml/2006/main" showMasterSp="0" showMasterPhAnim="0">
+  <p:cSld>
+    <p:spTree>
+      <p:nvGrpSpPr>
+        <p:cNvPr id="1" name="Shape 40"/>
+        <p:cNvGrpSpPr/>
+        <p:nvPr/>
+      </p:nvGrpSpPr>
+      <p:grpSpPr>
+        <a:xfrm>
+          <a:off x="0" y="0"/>
+          <a:ext cx="0" cy="0"/>
+          <a:chOff x="0" y="0"/>
+          <a:chExt cx="0" cy="0"/>
+        </a:xfrm>
+      </p:grpSpPr>
+      <p:sp>
+        <p:nvSpPr>
+          <p:cNvPr id="41" name="Shape 41"/>
+          <p:cNvSpPr>
+            <a:spLocks noGrp="1" noRot="1" noChangeAspect="1"/>
+          </p:cNvSpPr>
+          <p:nvPr>
+            <p:ph type="sldImg" idx="2"/>
+          </p:nvPr>
+        </p:nvSpPr>
+        <p:spPr>
+          <a:xfrm>
+            <a:off x="919163" y="744538"/>
+            <a:ext cx="4960937" cy="3722687"/>
+          </a:xfrm>
+          <a:custGeom>
+            <a:avLst/>
+            <a:gdLst/>
+            <a:ahLst/>
+            <a:cxnLst/>
+            <a:rect l="0" t="0" r="0" b="0"/>
+            <a:pathLst>
+              <a:path w="120000" h="120000" extrusionOk="0">
+                <a:moveTo>
+                  <a:pt x="0" y="0"/>
+                </a:moveTo>
+                <a:lnTo>
+                  <a:pt x="120000" y="0"/>
+                </a:lnTo>
+                <a:lnTo>
+                  <a:pt x="120000" y="120000"/>
+                </a:lnTo>
+                <a:lnTo>
+                  <a:pt x="0" y="120000"/>
+                </a:lnTo>
+                <a:close/>
+              </a:path>
+            </a:pathLst>
+          </a:custGeom>
+        </p:spPr>
+      </p:sp>
+      <p:sp>
+        <p:nvSpPr>
+          <p:cNvPr id="42" name="Shape 42"/>
+          <p:cNvSpPr txBox="1">
+            <a:spLocks noGrp="1"/>
+          </p:cNvSpPr>
+          <p:nvPr>
+            <p:ph type="body" idx="1"/>
+          </p:nvPr>
+        </p:nvSpPr>
+        <p:spPr>
+          <a:xfrm>
+            <a:off x="679768" y="4715153"/>
+            <a:ext cx="5438139" cy="4466987"/>
+          </a:xfrm>
+          <a:prstGeom prst="rect">
+            <a:avLst/>
+          </a:prstGeom>
+        </p:spPr>
+        <p:txBody>
+          <a:bodyPr lIns="91425" tIns="91425" rIns="91425" bIns="91425" anchor="t" anchorCtr="0">
+            <a:noAutofit/>
+          </a:bodyPr>
+          <a:lstStyle/>
+          <a:p>
+            <a:r>
+              <a:rPr lang="sv-SE" dirty="0"/>
+              <a:t>xx</a:t>
+            </a:r>
+            <a:endParaRPr dirty="0"/>
+          </a:p>
+        </p:txBody>
+      </p:sp>
+    </p:spTree>
+    <p:extLst>
+      <p:ext uri="{BB962C8B-B14F-4D97-AF65-F5344CB8AC3E}">
+        <p14:creationId xmlns:p14="http://schemas.microsoft.com/office/powerpoint/2010/main" val="132714601"/>
+      </p:ext>
+    </p:extLst>
+  </p:cSld>
+  <p:clrMapOvr>
+    <a:masterClrMapping/>
+  </p:clrMapOvr>
+</p:notes>
+</file>
+
+<file path=ppt/notesSlides/notesSlide23.xml><?xml version="1.0" encoding="utf-8"?>
+<p:notes xmlns:a="http://schemas.openxmlformats.org/drawingml/2006/main" xmlns:r="http://schemas.openxmlformats.org/officeDocument/2006/relationships" xmlns:p="http://schemas.openxmlformats.org/presentationml/2006/main" showMasterSp="0" showMasterPhAnim="0">
+  <p:cSld>
+    <p:spTree>
+      <p:nvGrpSpPr>
+        <p:cNvPr id="1" name="Shape 40"/>
+        <p:cNvGrpSpPr/>
+        <p:nvPr/>
+      </p:nvGrpSpPr>
+      <p:grpSpPr>
+        <a:xfrm>
+          <a:off x="0" y="0"/>
+          <a:ext cx="0" cy="0"/>
+          <a:chOff x="0" y="0"/>
+          <a:chExt cx="0" cy="0"/>
+        </a:xfrm>
+      </p:grpSpPr>
+      <p:sp>
+        <p:nvSpPr>
+          <p:cNvPr id="41" name="Shape 41"/>
+          <p:cNvSpPr>
+            <a:spLocks noGrp="1" noRot="1" noChangeAspect="1"/>
+          </p:cNvSpPr>
+          <p:nvPr>
+            <p:ph type="sldImg" idx="2"/>
+          </p:nvPr>
+        </p:nvSpPr>
+        <p:spPr>
+          <a:xfrm>
+            <a:off x="919163" y="744538"/>
+            <a:ext cx="4960937" cy="3722687"/>
+          </a:xfrm>
+          <a:custGeom>
+            <a:avLst/>
+            <a:gdLst/>
+            <a:ahLst/>
+            <a:cxnLst/>
+            <a:rect l="0" t="0" r="0" b="0"/>
+            <a:pathLst>
+              <a:path w="120000" h="120000" extrusionOk="0">
+                <a:moveTo>
+                  <a:pt x="0" y="0"/>
+                </a:moveTo>
+                <a:lnTo>
+                  <a:pt x="120000" y="0"/>
+                </a:lnTo>
+                <a:lnTo>
+                  <a:pt x="120000" y="120000"/>
+                </a:lnTo>
+                <a:lnTo>
+                  <a:pt x="0" y="120000"/>
+                </a:lnTo>
+                <a:close/>
+              </a:path>
+            </a:pathLst>
+          </a:custGeom>
+        </p:spPr>
+      </p:sp>
+      <p:sp>
+        <p:nvSpPr>
+          <p:cNvPr id="42" name="Shape 42"/>
+          <p:cNvSpPr txBox="1">
+            <a:spLocks noGrp="1"/>
+          </p:cNvSpPr>
+          <p:nvPr>
+            <p:ph type="body" idx="1"/>
+          </p:nvPr>
+        </p:nvSpPr>
+        <p:spPr>
+          <a:xfrm>
+            <a:off x="679768" y="4715153"/>
+            <a:ext cx="5438139" cy="4466987"/>
+          </a:xfrm>
+          <a:prstGeom prst="rect">
+            <a:avLst/>
+          </a:prstGeom>
+        </p:spPr>
+        <p:txBody>
+          <a:bodyPr lIns="91425" tIns="91425" rIns="91425" bIns="91425" anchor="t" anchorCtr="0">
+            <a:noAutofit/>
+          </a:bodyPr>
+          <a:lstStyle/>
+          <a:p>
+            <a:r>
+              <a:rPr lang="sv-SE" dirty="0"/>
+              <a:t>Finns massor med info på nätet sök bara, det här är några länkar, men det finns mycket mer för den som söker</a:t>
+            </a:r>
+            <a:endParaRPr dirty="0"/>
+          </a:p>
+        </p:txBody>
+      </p:sp>
+    </p:spTree>
+    <p:extLst>
+      <p:ext uri="{BB962C8B-B14F-4D97-AF65-F5344CB8AC3E}">
+        <p14:creationId xmlns:p14="http://schemas.microsoft.com/office/powerpoint/2010/main" val="592252361"/>
+      </p:ext>
+    </p:extLst>
+  </p:cSld>
+  <p:clrMapOvr>
+    <a:masterClrMapping/>
+  </p:clrMapOvr>
+</p:notes>
+</file>
+
+<file path=ppt/notesSlides/notesSlide24.xml><?xml version="1.0" encoding="utf-8"?>
+<p:notes xmlns:a="http://schemas.openxmlformats.org/drawingml/2006/main" xmlns:r="http://schemas.openxmlformats.org/officeDocument/2006/relationships" xmlns:p="http://schemas.openxmlformats.org/presentationml/2006/main" showMasterSp="0" showMasterPhAnim="0">
+  <p:cSld>
+    <p:spTree>
+      <p:nvGrpSpPr>
+        <p:cNvPr id="1" name="Shape 40"/>
+        <p:cNvGrpSpPr/>
+        <p:nvPr/>
+      </p:nvGrpSpPr>
+      <p:grpSpPr>
+        <a:xfrm>
+          <a:off x="0" y="0"/>
+          <a:ext cx="0" cy="0"/>
+          <a:chOff x="0" y="0"/>
+          <a:chExt cx="0" cy="0"/>
+        </a:xfrm>
+      </p:grpSpPr>
+      <p:sp>
+        <p:nvSpPr>
+          <p:cNvPr id="41" name="Shape 41"/>
+          <p:cNvSpPr>
+            <a:spLocks noGrp="1" noRot="1" noChangeAspect="1"/>
+          </p:cNvSpPr>
+          <p:nvPr>
+            <p:ph type="sldImg" idx="2"/>
+          </p:nvPr>
+        </p:nvSpPr>
+        <p:spPr>
+          <a:xfrm>
+            <a:off x="919163" y="744538"/>
+            <a:ext cx="4960937" cy="3722687"/>
+          </a:xfrm>
+          <a:custGeom>
+            <a:avLst/>
+            <a:gdLst/>
+            <a:ahLst/>
+            <a:cxnLst/>
+            <a:rect l="0" t="0" r="0" b="0"/>
+            <a:pathLst>
+              <a:path w="120000" h="120000" extrusionOk="0">
+                <a:moveTo>
+                  <a:pt x="0" y="0"/>
+                </a:moveTo>
+                <a:lnTo>
+                  <a:pt x="120000" y="0"/>
+                </a:lnTo>
+                <a:lnTo>
+                  <a:pt x="120000" y="120000"/>
+                </a:lnTo>
+                <a:lnTo>
+                  <a:pt x="0" y="120000"/>
+                </a:lnTo>
+                <a:close/>
+              </a:path>
+            </a:pathLst>
+          </a:custGeom>
+        </p:spPr>
+      </p:sp>
+      <p:sp>
+        <p:nvSpPr>
+          <p:cNvPr id="42" name="Shape 42"/>
+          <p:cNvSpPr txBox="1">
+            <a:spLocks noGrp="1"/>
+          </p:cNvSpPr>
+          <p:nvPr>
+            <p:ph type="body" idx="1"/>
+          </p:nvPr>
+        </p:nvSpPr>
+        <p:spPr>
+          <a:xfrm>
+            <a:off x="679768" y="4715153"/>
+            <a:ext cx="5438139" cy="4466987"/>
+          </a:xfrm>
+          <a:prstGeom prst="rect">
+            <a:avLst/>
+          </a:prstGeom>
+        </p:spPr>
+        <p:txBody>
+          <a:bodyPr lIns="91425" tIns="91425" rIns="91425" bIns="91425" anchor="t" anchorCtr="0">
+            <a:noAutofit/>
+          </a:bodyPr>
+          <a:lstStyle/>
+          <a:p>
+            <a:r>
+              <a:rPr lang="sv-SE" dirty="0"/>
+              <a:t>Om ni önskar/behöver så kan jag nog tuta ihop en workshop till basis det jag lärt mig då jag tog fram benchmarktester för </a:t>
+            </a:r>
+            <a:r>
+              <a:rPr lang="sv-SE" dirty="0" err="1"/>
+              <a:t>Crm</a:t>
+            </a:r>
+            <a:r>
+              <a:rPr lang="sv-SE" dirty="0"/>
+              <a:t>-sökningar (Riksbyggen)</a:t>
+            </a:r>
+            <a:endParaRPr dirty="0"/>
+          </a:p>
+        </p:txBody>
+      </p:sp>
+    </p:spTree>
+    <p:extLst>
+      <p:ext uri="{BB962C8B-B14F-4D97-AF65-F5344CB8AC3E}">
+        <p14:creationId xmlns:p14="http://schemas.microsoft.com/office/powerpoint/2010/main" val="3046653074"/>
       </p:ext>
     </p:extLst>
   </p:cSld>
@@ -10649,7 +12860,15 @@
             </a:pPr>
             <a:r>
               <a:rPr lang="sv-SE" dirty="0"/>
-              <a:t>Installera:</a:t>
+              <a:t>Installera (</a:t>
+            </a:r>
+            <a:r>
+              <a:rPr lang="sv-SE" dirty="0" err="1"/>
+              <a:t>NuGet</a:t>
+            </a:r>
+            <a:r>
+              <a:rPr lang="sv-SE" dirty="0"/>
+              <a:t>):</a:t>
             </a:r>
           </a:p>
           <a:p>
@@ -11407,9 +13626,6 @@
             <a:pPr>
               <a:buNone/>
             </a:pPr>
-            <a:br>
-              <a:rPr lang="sv" dirty="0"/>
-            </a:br>
             <a:r>
               <a:rPr lang="sv-SE" dirty="0"/>
               <a:t>Selenium, webdriver</a:t>
@@ -11616,7 +13832,6 @@
               <a:rPr lang="sv-SE" dirty="0"/>
               <a:t> i er hjälpklass.</a:t>
             </a:r>
-            <a:endParaRPr lang="sv-SE" dirty="0"/>
           </a:p>
         </p:txBody>
       </p:sp>
@@ -12329,6 +14544,1074 @@
 </file>
 
 <file path=ppt/slides/slide20.xml><?xml version="1.0" encoding="utf-8"?>
+<p:sld xmlns:a="http://schemas.openxmlformats.org/drawingml/2006/main" xmlns:r="http://schemas.openxmlformats.org/officeDocument/2006/relationships" xmlns:p="http://schemas.openxmlformats.org/presentationml/2006/main">
+  <p:cSld>
+    <p:spTree>
+      <p:nvGrpSpPr>
+        <p:cNvPr id="1" name="Shape 36"/>
+        <p:cNvGrpSpPr/>
+        <p:nvPr/>
+      </p:nvGrpSpPr>
+      <p:grpSpPr>
+        <a:xfrm>
+          <a:off x="0" y="0"/>
+          <a:ext cx="0" cy="0"/>
+          <a:chOff x="0" y="0"/>
+          <a:chExt cx="0" cy="0"/>
+        </a:xfrm>
+      </p:grpSpPr>
+      <p:sp>
+        <p:nvSpPr>
+          <p:cNvPr id="8" name="Shape 30"/>
+          <p:cNvSpPr txBox="1">
+            <a:spLocks noGrp="1"/>
+          </p:cNvSpPr>
+          <p:nvPr>
+            <p:ph type="title"/>
+          </p:nvPr>
+        </p:nvSpPr>
+        <p:spPr>
+          <a:xfrm>
+            <a:off x="457200" y="274637"/>
+            <a:ext cx="8229600" cy="1143000"/>
+          </a:xfrm>
+          <a:prstGeom prst="rect">
+            <a:avLst/>
+          </a:prstGeom>
+        </p:spPr>
+        <p:txBody>
+          <a:bodyPr lIns="91425" tIns="91425" rIns="91425" bIns="91425" anchor="b" anchorCtr="0">
+            <a:noAutofit/>
+          </a:bodyPr>
+          <a:lstStyle/>
+          <a:p>
+            <a:br>
+              <a:rPr lang="sv" dirty="0"/>
+            </a:br>
+            <a:r>
+              <a:rPr lang="sv-SE" dirty="0"/>
+              <a:t>Selenium, webdriver</a:t>
+            </a:r>
+            <a:endParaRPr lang="sv" dirty="0"/>
+          </a:p>
+        </p:txBody>
+      </p:sp>
+      <p:sp>
+        <p:nvSpPr>
+          <p:cNvPr id="9" name="Shape 31"/>
+          <p:cNvSpPr txBox="1">
+            <a:spLocks noGrp="1"/>
+          </p:cNvSpPr>
+          <p:nvPr>
+            <p:ph type="body" idx="1"/>
+          </p:nvPr>
+        </p:nvSpPr>
+        <p:spPr>
+          <a:xfrm>
+            <a:off x="395536" y="1268760"/>
+            <a:ext cx="8229600" cy="4752528"/>
+          </a:xfrm>
+          <a:prstGeom prst="rect">
+            <a:avLst/>
+          </a:prstGeom>
+        </p:spPr>
+        <p:txBody>
+          <a:bodyPr lIns="91425" tIns="91425" rIns="91425" bIns="91425" anchor="t" anchorCtr="0">
+            <a:noAutofit/>
+          </a:bodyPr>
+          <a:lstStyle/>
+          <a:p>
+            <a:pPr marL="76200" indent="0">
+              <a:lnSpc>
+                <a:spcPct val="115000"/>
+              </a:lnSpc>
+              <a:spcBef>
+                <a:spcPts val="0"/>
+              </a:spcBef>
+              <a:buClr>
+                <a:srgbClr val="000000"/>
+              </a:buClr>
+              <a:buSzPct val="166666"/>
+              <a:buNone/>
+            </a:pPr>
+            <a:r>
+              <a:rPr lang="sv-SE" sz="2400" dirty="0"/>
+              <a:t>Hur söka efter önskade element på en webbsida?</a:t>
+            </a:r>
+          </a:p>
+          <a:p>
+            <a:pPr marL="419100">
+              <a:lnSpc>
+                <a:spcPct val="115000"/>
+              </a:lnSpc>
+              <a:spcBef>
+                <a:spcPts val="0"/>
+              </a:spcBef>
+              <a:buClr>
+                <a:srgbClr val="000000"/>
+              </a:buClr>
+              <a:buSzPct val="166666"/>
+            </a:pPr>
+            <a:r>
+              <a:rPr lang="sv-SE" dirty="0"/>
+              <a:t>Ta upp </a:t>
+            </a:r>
+            <a:r>
+              <a:rPr lang="sv-SE" dirty="0">
+                <a:hlinkClick r:id="rId3"/>
+              </a:rPr>
+              <a:t>http://google.com</a:t>
+            </a:r>
+            <a:r>
+              <a:rPr lang="sv-SE" dirty="0"/>
+              <a:t> i </a:t>
+            </a:r>
+            <a:r>
+              <a:rPr lang="sv-SE" dirty="0" err="1"/>
+              <a:t>Chrome</a:t>
+            </a:r>
+            <a:endParaRPr lang="sv-SE" dirty="0"/>
+          </a:p>
+          <a:p>
+            <a:pPr marL="419100">
+              <a:lnSpc>
+                <a:spcPct val="115000"/>
+              </a:lnSpc>
+              <a:spcBef>
+                <a:spcPts val="0"/>
+              </a:spcBef>
+              <a:buClr>
+                <a:srgbClr val="000000"/>
+              </a:buClr>
+              <a:buSzPct val="166666"/>
+            </a:pPr>
+            <a:r>
+              <a:rPr lang="sv-SE" dirty="0"/>
+              <a:t>Öppna utvecklarevy, F12</a:t>
+            </a:r>
+          </a:p>
+          <a:p>
+            <a:pPr marL="419100">
+              <a:lnSpc>
+                <a:spcPct val="115000"/>
+              </a:lnSpc>
+              <a:spcBef>
+                <a:spcPts val="0"/>
+              </a:spcBef>
+              <a:buClr>
+                <a:srgbClr val="000000"/>
+              </a:buClr>
+              <a:buSzPct val="166666"/>
+            </a:pPr>
+            <a:r>
+              <a:rPr lang="sv-SE" dirty="0"/>
+              <a:t>Välj </a:t>
+            </a:r>
+            <a:r>
+              <a:rPr lang="sv-SE" dirty="0" err="1"/>
+              <a:t>Select</a:t>
+            </a:r>
+            <a:r>
+              <a:rPr lang="sv-SE" dirty="0"/>
+              <a:t> Element, ikonen längst till höger i vyn</a:t>
+            </a:r>
+          </a:p>
+          <a:p>
+            <a:pPr marL="419100">
+              <a:lnSpc>
+                <a:spcPct val="115000"/>
+              </a:lnSpc>
+              <a:spcBef>
+                <a:spcPts val="0"/>
+              </a:spcBef>
+              <a:buClr>
+                <a:srgbClr val="000000"/>
+              </a:buClr>
+              <a:buSzPct val="166666"/>
+            </a:pPr>
+            <a:r>
+              <a:rPr lang="sv-SE" dirty="0"/>
+              <a:t>I webbläsaren välj/klicka i sökfältet</a:t>
+            </a:r>
+            <a:endParaRPr lang="sv-SE" dirty="0"/>
+          </a:p>
+        </p:txBody>
+      </p:sp>
+    </p:spTree>
+    <p:extLst>
+      <p:ext uri="{BB962C8B-B14F-4D97-AF65-F5344CB8AC3E}">
+        <p14:creationId xmlns:p14="http://schemas.microsoft.com/office/powerpoint/2010/main" val="73554315"/>
+      </p:ext>
+    </p:extLst>
+  </p:cSld>
+  <p:clrMapOvr>
+    <a:masterClrMapping/>
+  </p:clrMapOvr>
+  <p:transition spd="slow">
+    <p:cut/>
+  </p:transition>
+</p:sld>
+</file>
+
+<file path=ppt/slides/slide21.xml><?xml version="1.0" encoding="utf-8"?>
+<p:sld xmlns:a="http://schemas.openxmlformats.org/drawingml/2006/main" xmlns:r="http://schemas.openxmlformats.org/officeDocument/2006/relationships" xmlns:p="http://schemas.openxmlformats.org/presentationml/2006/main">
+  <p:cSld>
+    <p:spTree>
+      <p:nvGrpSpPr>
+        <p:cNvPr id="1" name="Shape 36"/>
+        <p:cNvGrpSpPr/>
+        <p:nvPr/>
+      </p:nvGrpSpPr>
+      <p:grpSpPr>
+        <a:xfrm>
+          <a:off x="0" y="0"/>
+          <a:ext cx="0" cy="0"/>
+          <a:chOff x="0" y="0"/>
+          <a:chExt cx="0" cy="0"/>
+        </a:xfrm>
+      </p:grpSpPr>
+      <p:sp>
+        <p:nvSpPr>
+          <p:cNvPr id="8" name="Shape 30"/>
+          <p:cNvSpPr txBox="1">
+            <a:spLocks noGrp="1"/>
+          </p:cNvSpPr>
+          <p:nvPr>
+            <p:ph type="title"/>
+          </p:nvPr>
+        </p:nvSpPr>
+        <p:spPr>
+          <a:xfrm>
+            <a:off x="457200" y="274637"/>
+            <a:ext cx="8229600" cy="1143000"/>
+          </a:xfrm>
+          <a:prstGeom prst="rect">
+            <a:avLst/>
+          </a:prstGeom>
+        </p:spPr>
+        <p:txBody>
+          <a:bodyPr lIns="91425" tIns="91425" rIns="91425" bIns="91425" anchor="b" anchorCtr="0">
+            <a:noAutofit/>
+          </a:bodyPr>
+          <a:lstStyle/>
+          <a:p>
+            <a:br>
+              <a:rPr lang="sv" dirty="0"/>
+            </a:br>
+            <a:r>
+              <a:rPr lang="sv-SE" dirty="0"/>
+              <a:t>Selenium, webdriver</a:t>
+            </a:r>
+            <a:endParaRPr lang="sv" dirty="0"/>
+          </a:p>
+        </p:txBody>
+      </p:sp>
+      <p:sp>
+        <p:nvSpPr>
+          <p:cNvPr id="9" name="Shape 31"/>
+          <p:cNvSpPr txBox="1">
+            <a:spLocks noGrp="1"/>
+          </p:cNvSpPr>
+          <p:nvPr>
+            <p:ph type="body" idx="1"/>
+          </p:nvPr>
+        </p:nvSpPr>
+        <p:spPr>
+          <a:xfrm>
+            <a:off x="395536" y="1268760"/>
+            <a:ext cx="8229600" cy="4752528"/>
+          </a:xfrm>
+          <a:prstGeom prst="rect">
+            <a:avLst/>
+          </a:prstGeom>
+        </p:spPr>
+        <p:txBody>
+          <a:bodyPr lIns="91425" tIns="91425" rIns="91425" bIns="91425" anchor="t" anchorCtr="0">
+            <a:noAutofit/>
+          </a:bodyPr>
+          <a:lstStyle/>
+          <a:p>
+            <a:pPr marL="76200" indent="0">
+              <a:lnSpc>
+                <a:spcPct val="115000"/>
+              </a:lnSpc>
+              <a:spcBef>
+                <a:spcPts val="0"/>
+              </a:spcBef>
+              <a:buClr>
+                <a:srgbClr val="000000"/>
+              </a:buClr>
+              <a:buSzPct val="166666"/>
+              <a:buNone/>
+            </a:pPr>
+            <a:r>
+              <a:rPr lang="sv-SE" dirty="0"/>
+              <a:t>Hur välja vilket attribut som webdriver skall söka på</a:t>
+            </a:r>
+          </a:p>
+          <a:p>
+            <a:pPr marL="76200" indent="0">
+              <a:lnSpc>
+                <a:spcPct val="115000"/>
+              </a:lnSpc>
+              <a:spcBef>
+                <a:spcPts val="0"/>
+              </a:spcBef>
+              <a:buClr>
+                <a:srgbClr val="000000"/>
+              </a:buClr>
+              <a:buSzPct val="166666"/>
+              <a:buNone/>
+            </a:pPr>
+            <a:r>
+              <a:rPr lang="sv-SE" dirty="0"/>
+              <a:t>FindElement.By</a:t>
+            </a:r>
+          </a:p>
+          <a:p>
+            <a:pPr marL="76200" indent="0">
+              <a:lnSpc>
+                <a:spcPct val="115000"/>
+              </a:lnSpc>
+              <a:spcBef>
+                <a:spcPts val="0"/>
+              </a:spcBef>
+              <a:buClr>
+                <a:srgbClr val="000000"/>
+              </a:buClr>
+              <a:buSzPct val="166666"/>
+              <a:buNone/>
+            </a:pPr>
+            <a:endParaRPr lang="sv-SE" dirty="0"/>
+          </a:p>
+          <a:p>
+            <a:pPr marL="76200" indent="0">
+              <a:lnSpc>
+                <a:spcPct val="115000"/>
+              </a:lnSpc>
+              <a:spcBef>
+                <a:spcPts val="0"/>
+              </a:spcBef>
+              <a:buClr>
+                <a:srgbClr val="000000"/>
+              </a:buClr>
+              <a:buSzPct val="166666"/>
+              <a:buNone/>
+            </a:pPr>
+            <a:r>
+              <a:rPr lang="sv-SE" dirty="0"/>
+              <a:t>Byt ut er namnsökning mot en Id-sökning</a:t>
+            </a:r>
+          </a:p>
+          <a:p>
+            <a:pPr marL="76200" indent="0">
+              <a:lnSpc>
+                <a:spcPct val="115000"/>
+              </a:lnSpc>
+              <a:spcBef>
+                <a:spcPts val="0"/>
+              </a:spcBef>
+              <a:buClr>
+                <a:srgbClr val="000000"/>
+              </a:buClr>
+              <a:buSzPct val="166666"/>
+              <a:buNone/>
+            </a:pPr>
+            <a:endParaRPr lang="sv-SE" dirty="0"/>
+          </a:p>
+        </p:txBody>
+      </p:sp>
+    </p:spTree>
+    <p:extLst>
+      <p:ext uri="{BB962C8B-B14F-4D97-AF65-F5344CB8AC3E}">
+        <p14:creationId xmlns:p14="http://schemas.microsoft.com/office/powerpoint/2010/main" val="3135819446"/>
+      </p:ext>
+    </p:extLst>
+  </p:cSld>
+  <p:clrMapOvr>
+    <a:masterClrMapping/>
+  </p:clrMapOvr>
+  <p:transition spd="slow">
+    <p:cut/>
+  </p:transition>
+</p:sld>
+</file>
+
+<file path=ppt/slides/slide22.xml><?xml version="1.0" encoding="utf-8"?>
+<p:sld xmlns:a="http://schemas.openxmlformats.org/drawingml/2006/main" xmlns:r="http://schemas.openxmlformats.org/officeDocument/2006/relationships" xmlns:p="http://schemas.openxmlformats.org/presentationml/2006/main">
+  <p:cSld>
+    <p:spTree>
+      <p:nvGrpSpPr>
+        <p:cNvPr id="1" name="Shape 36"/>
+        <p:cNvGrpSpPr/>
+        <p:nvPr/>
+      </p:nvGrpSpPr>
+      <p:grpSpPr>
+        <a:xfrm>
+          <a:off x="0" y="0"/>
+          <a:ext cx="0" cy="0"/>
+          <a:chOff x="0" y="0"/>
+          <a:chExt cx="0" cy="0"/>
+        </a:xfrm>
+      </p:grpSpPr>
+      <p:sp>
+        <p:nvSpPr>
+          <p:cNvPr id="8" name="Shape 30"/>
+          <p:cNvSpPr txBox="1">
+            <a:spLocks noGrp="1"/>
+          </p:cNvSpPr>
+          <p:nvPr>
+            <p:ph type="title"/>
+          </p:nvPr>
+        </p:nvSpPr>
+        <p:spPr>
+          <a:xfrm>
+            <a:off x="457200" y="274637"/>
+            <a:ext cx="8229600" cy="1143000"/>
+          </a:xfrm>
+          <a:prstGeom prst="rect">
+            <a:avLst/>
+          </a:prstGeom>
+        </p:spPr>
+        <p:txBody>
+          <a:bodyPr lIns="91425" tIns="91425" rIns="91425" bIns="91425" anchor="b" anchorCtr="0">
+            <a:noAutofit/>
+          </a:bodyPr>
+          <a:lstStyle/>
+          <a:p>
+            <a:pPr>
+              <a:buNone/>
+            </a:pPr>
+            <a:br>
+              <a:rPr lang="sv" dirty="0"/>
+            </a:br>
+            <a:r>
+              <a:rPr lang="sv-SE" dirty="0"/>
+              <a:t>Sammanfattning</a:t>
+            </a:r>
+            <a:endParaRPr lang="sv" dirty="0"/>
+          </a:p>
+        </p:txBody>
+      </p:sp>
+      <p:sp>
+        <p:nvSpPr>
+          <p:cNvPr id="9" name="Shape 31"/>
+          <p:cNvSpPr txBox="1">
+            <a:spLocks noGrp="1"/>
+          </p:cNvSpPr>
+          <p:nvPr>
+            <p:ph type="body" idx="1"/>
+          </p:nvPr>
+        </p:nvSpPr>
+        <p:spPr>
+          <a:xfrm>
+            <a:off x="395536" y="1268760"/>
+            <a:ext cx="8229600" cy="4752528"/>
+          </a:xfrm>
+          <a:prstGeom prst="rect">
+            <a:avLst/>
+          </a:prstGeom>
+        </p:spPr>
+        <p:txBody>
+          <a:bodyPr lIns="91425" tIns="91425" rIns="91425" bIns="91425" anchor="t" anchorCtr="0">
+            <a:noAutofit/>
+          </a:bodyPr>
+          <a:lstStyle/>
+          <a:p>
+            <a:pPr marL="76200" indent="0">
+              <a:lnSpc>
+                <a:spcPct val="115000"/>
+              </a:lnSpc>
+              <a:spcBef>
+                <a:spcPts val="0"/>
+              </a:spcBef>
+              <a:buClr>
+                <a:srgbClr val="000000"/>
+              </a:buClr>
+              <a:buSzPct val="166666"/>
+              <a:buNone/>
+            </a:pPr>
+            <a:r>
+              <a:rPr lang="sv-SE" dirty="0"/>
+              <a:t>Vi har nu gått igenom</a:t>
+            </a:r>
+          </a:p>
+          <a:p>
+            <a:pPr marL="419100">
+              <a:lnSpc>
+                <a:spcPct val="115000"/>
+              </a:lnSpc>
+              <a:spcBef>
+                <a:spcPts val="0"/>
+              </a:spcBef>
+              <a:buClr>
+                <a:srgbClr val="000000"/>
+              </a:buClr>
+              <a:buSzPct val="166666"/>
+            </a:pPr>
+            <a:r>
+              <a:rPr lang="sv-SE" dirty="0"/>
+              <a:t>Kort om C3 och VS2015</a:t>
+            </a:r>
+          </a:p>
+          <a:p>
+            <a:pPr marL="419100">
+              <a:lnSpc>
+                <a:spcPct val="115000"/>
+              </a:lnSpc>
+              <a:spcBef>
+                <a:spcPts val="0"/>
+              </a:spcBef>
+              <a:buClr>
+                <a:srgbClr val="000000"/>
+              </a:buClr>
+              <a:buSzPct val="166666"/>
+            </a:pPr>
+            <a:r>
+              <a:rPr lang="sv-SE" dirty="0"/>
+              <a:t>Pakethantering i VS2015 med </a:t>
+            </a:r>
+            <a:r>
+              <a:rPr lang="sv-SE" dirty="0" err="1"/>
+              <a:t>NuGet</a:t>
+            </a:r>
+            <a:endParaRPr lang="sv-SE" dirty="0"/>
+          </a:p>
+          <a:p>
+            <a:pPr marL="419100">
+              <a:lnSpc>
+                <a:spcPct val="115000"/>
+              </a:lnSpc>
+              <a:spcBef>
+                <a:spcPts val="0"/>
+              </a:spcBef>
+              <a:buClr>
+                <a:srgbClr val="000000"/>
+              </a:buClr>
+              <a:buSzPct val="166666"/>
+            </a:pPr>
+            <a:r>
+              <a:rPr lang="sv-SE" dirty="0"/>
+              <a:t>Introduktion till enhetstestramverket </a:t>
+            </a:r>
+            <a:r>
+              <a:rPr lang="sv-SE" dirty="0" err="1"/>
+              <a:t>Nunit</a:t>
+            </a:r>
+            <a:endParaRPr lang="sv-SE" dirty="0"/>
+          </a:p>
+          <a:p>
+            <a:pPr marL="419100">
+              <a:lnSpc>
+                <a:spcPct val="115000"/>
+              </a:lnSpc>
+              <a:spcBef>
+                <a:spcPts val="0"/>
+              </a:spcBef>
+              <a:buClr>
+                <a:srgbClr val="000000"/>
+              </a:buClr>
+              <a:buSzPct val="166666"/>
+            </a:pPr>
+            <a:r>
+              <a:rPr lang="sv-SE" dirty="0"/>
+              <a:t>Introduktion till webdrivertester i VS2015</a:t>
+            </a:r>
+          </a:p>
+        </p:txBody>
+      </p:sp>
+    </p:spTree>
+    <p:extLst>
+      <p:ext uri="{BB962C8B-B14F-4D97-AF65-F5344CB8AC3E}">
+        <p14:creationId xmlns:p14="http://schemas.microsoft.com/office/powerpoint/2010/main" val="492027455"/>
+      </p:ext>
+    </p:extLst>
+  </p:cSld>
+  <p:clrMapOvr>
+    <a:masterClrMapping/>
+  </p:clrMapOvr>
+  <p:transition spd="slow">
+    <p:cut/>
+  </p:transition>
+</p:sld>
+</file>
+
+<file path=ppt/slides/slide23.xml><?xml version="1.0" encoding="utf-8"?>
+<p:sld xmlns:a="http://schemas.openxmlformats.org/drawingml/2006/main" xmlns:r="http://schemas.openxmlformats.org/officeDocument/2006/relationships" xmlns:p="http://schemas.openxmlformats.org/presentationml/2006/main">
+  <p:cSld>
+    <p:spTree>
+      <p:nvGrpSpPr>
+        <p:cNvPr id="1" name="Shape 36"/>
+        <p:cNvGrpSpPr/>
+        <p:nvPr/>
+      </p:nvGrpSpPr>
+      <p:grpSpPr>
+        <a:xfrm>
+          <a:off x="0" y="0"/>
+          <a:ext cx="0" cy="0"/>
+          <a:chOff x="0" y="0"/>
+          <a:chExt cx="0" cy="0"/>
+        </a:xfrm>
+      </p:grpSpPr>
+      <p:sp>
+        <p:nvSpPr>
+          <p:cNvPr id="8" name="Shape 30"/>
+          <p:cNvSpPr txBox="1">
+            <a:spLocks noGrp="1"/>
+          </p:cNvSpPr>
+          <p:nvPr>
+            <p:ph type="title"/>
+          </p:nvPr>
+        </p:nvSpPr>
+        <p:spPr>
+          <a:xfrm>
+            <a:off x="457200" y="274637"/>
+            <a:ext cx="8229600" cy="1143000"/>
+          </a:xfrm>
+          <a:prstGeom prst="rect">
+            <a:avLst/>
+          </a:prstGeom>
+        </p:spPr>
+        <p:txBody>
+          <a:bodyPr lIns="91425" tIns="91425" rIns="91425" bIns="91425" anchor="b" anchorCtr="0">
+            <a:noAutofit/>
+          </a:bodyPr>
+          <a:lstStyle/>
+          <a:p>
+            <a:pPr>
+              <a:buNone/>
+            </a:pPr>
+            <a:br>
+              <a:rPr lang="sv" dirty="0"/>
+            </a:br>
+            <a:r>
+              <a:rPr lang="sv-SE" dirty="0"/>
+              <a:t>Länkar</a:t>
+            </a:r>
+            <a:endParaRPr lang="sv" dirty="0"/>
+          </a:p>
+        </p:txBody>
+      </p:sp>
+      <p:sp>
+        <p:nvSpPr>
+          <p:cNvPr id="9" name="Shape 31"/>
+          <p:cNvSpPr txBox="1">
+            <a:spLocks noGrp="1"/>
+          </p:cNvSpPr>
+          <p:nvPr>
+            <p:ph type="body" idx="1"/>
+          </p:nvPr>
+        </p:nvSpPr>
+        <p:spPr>
+          <a:xfrm>
+            <a:off x="395536" y="1268760"/>
+            <a:ext cx="8229600" cy="4752528"/>
+          </a:xfrm>
+          <a:prstGeom prst="rect">
+            <a:avLst/>
+          </a:prstGeom>
+        </p:spPr>
+        <p:txBody>
+          <a:bodyPr lIns="91425" tIns="91425" rIns="91425" bIns="91425" anchor="t" anchorCtr="0">
+            <a:noAutofit/>
+          </a:bodyPr>
+          <a:lstStyle/>
+          <a:p>
+            <a:pPr marL="419100">
+              <a:lnSpc>
+                <a:spcPct val="115000"/>
+              </a:lnSpc>
+              <a:spcBef>
+                <a:spcPts val="0"/>
+              </a:spcBef>
+              <a:buClr>
+                <a:srgbClr val="000000"/>
+              </a:buClr>
+              <a:buSzPct val="166666"/>
+            </a:pPr>
+            <a:r>
+              <a:rPr lang="sv-SE" sz="2000" dirty="0"/>
+              <a:t>C# : </a:t>
+            </a:r>
+            <a:r>
+              <a:rPr lang="sv-SE" sz="2000" dirty="0">
+                <a:hlinkClick r:id="rId3"/>
+              </a:rPr>
+              <a:t>https://www.tutorialspoint.com/csharp/index.htm</a:t>
+            </a:r>
+            <a:endParaRPr lang="sv-SE" sz="2000" dirty="0"/>
+          </a:p>
+          <a:p>
+            <a:pPr marL="819150" lvl="1">
+              <a:lnSpc>
+                <a:spcPct val="115000"/>
+              </a:lnSpc>
+              <a:spcBef>
+                <a:spcPts val="0"/>
+              </a:spcBef>
+              <a:buClr>
+                <a:srgbClr val="000000"/>
+              </a:buClr>
+              <a:buSzPct val="166666"/>
+            </a:pPr>
+            <a:r>
+              <a:rPr lang="sv-SE" sz="1900" dirty="0"/>
+              <a:t> </a:t>
+            </a:r>
+            <a:r>
+              <a:rPr lang="sv-SE" sz="1900" dirty="0">
+                <a:hlinkClick r:id="rId4"/>
+              </a:rPr>
+              <a:t>https://msdn.microsoft.com/en-us/library/aa288436(v=vs.71).aspx</a:t>
+            </a:r>
+            <a:endParaRPr lang="sv-SE" sz="1900" dirty="0"/>
+          </a:p>
+          <a:p>
+            <a:pPr marL="819150" lvl="1">
+              <a:lnSpc>
+                <a:spcPct val="115000"/>
+              </a:lnSpc>
+              <a:spcBef>
+                <a:spcPts val="0"/>
+              </a:spcBef>
+              <a:buClr>
+                <a:srgbClr val="000000"/>
+              </a:buClr>
+              <a:buSzPct val="166666"/>
+            </a:pPr>
+            <a:r>
+              <a:rPr lang="sv-SE" sz="1900" dirty="0">
+                <a:hlinkClick r:id="rId5"/>
+              </a:rPr>
+              <a:t>http://www.homeandlearn.co.uk/csharp/csharp.html</a:t>
+            </a:r>
+            <a:endParaRPr lang="sv-SE" sz="1900" dirty="0"/>
+          </a:p>
+          <a:p>
+            <a:pPr marL="419100">
+              <a:lnSpc>
+                <a:spcPct val="115000"/>
+              </a:lnSpc>
+              <a:spcBef>
+                <a:spcPts val="0"/>
+              </a:spcBef>
+              <a:buClr>
+                <a:srgbClr val="000000"/>
+              </a:buClr>
+              <a:buSzPct val="166666"/>
+            </a:pPr>
+            <a:r>
+              <a:rPr lang="sv-SE" sz="2000" dirty="0" err="1"/>
+              <a:t>Nunit</a:t>
+            </a:r>
+            <a:r>
+              <a:rPr lang="sv-SE" sz="2000" dirty="0"/>
+              <a:t> : </a:t>
+            </a:r>
+            <a:r>
+              <a:rPr lang="sv-SE" sz="2000" dirty="0">
+                <a:hlinkClick r:id="rId6"/>
+              </a:rPr>
+              <a:t>https://github.com/nunit/docs/wiki/NUnit-Documentation</a:t>
+            </a:r>
+            <a:endParaRPr lang="sv-SE" sz="2000" dirty="0"/>
+          </a:p>
+          <a:p>
+            <a:pPr marL="419100">
+              <a:lnSpc>
+                <a:spcPct val="115000"/>
+              </a:lnSpc>
+              <a:spcBef>
+                <a:spcPts val="0"/>
+              </a:spcBef>
+              <a:buClr>
+                <a:srgbClr val="000000"/>
+              </a:buClr>
+              <a:buSzPct val="166666"/>
+            </a:pPr>
+            <a:r>
+              <a:rPr lang="sv-SE" sz="2000" dirty="0"/>
+              <a:t>Selenium : </a:t>
+            </a:r>
+            <a:r>
+              <a:rPr lang="sv-SE" sz="2000" dirty="0">
+                <a:hlinkClick r:id="rId7"/>
+              </a:rPr>
+              <a:t>http://www.seleniumhq.org/docs/</a:t>
+            </a:r>
+            <a:endParaRPr lang="sv-SE" sz="2000" dirty="0"/>
+          </a:p>
+          <a:p>
+            <a:pPr marL="419100">
+              <a:lnSpc>
+                <a:spcPct val="115000"/>
+              </a:lnSpc>
+              <a:spcBef>
+                <a:spcPts val="0"/>
+              </a:spcBef>
+              <a:buClr>
+                <a:srgbClr val="000000"/>
+              </a:buClr>
+              <a:buSzPct val="166666"/>
+            </a:pPr>
+            <a:endParaRPr lang="sv-SE" dirty="0"/>
+          </a:p>
+          <a:p>
+            <a:pPr marL="76200" indent="0">
+              <a:lnSpc>
+                <a:spcPct val="115000"/>
+              </a:lnSpc>
+              <a:spcBef>
+                <a:spcPts val="0"/>
+              </a:spcBef>
+              <a:buClr>
+                <a:srgbClr val="000000"/>
+              </a:buClr>
+              <a:buSzPct val="166666"/>
+              <a:buNone/>
+            </a:pPr>
+            <a:endParaRPr lang="sv-SE" dirty="0"/>
+          </a:p>
+        </p:txBody>
+      </p:sp>
+    </p:spTree>
+    <p:extLst>
+      <p:ext uri="{BB962C8B-B14F-4D97-AF65-F5344CB8AC3E}">
+        <p14:creationId xmlns:p14="http://schemas.microsoft.com/office/powerpoint/2010/main" val="2180173494"/>
+      </p:ext>
+    </p:extLst>
+  </p:cSld>
+  <p:clrMapOvr>
+    <a:masterClrMapping/>
+  </p:clrMapOvr>
+  <p:transition spd="slow">
+    <p:cut/>
+  </p:transition>
+</p:sld>
+</file>
+
+<file path=ppt/slides/slide24.xml><?xml version="1.0" encoding="utf-8"?>
+<p:sld xmlns:a="http://schemas.openxmlformats.org/drawingml/2006/main" xmlns:r="http://schemas.openxmlformats.org/officeDocument/2006/relationships" xmlns:p="http://schemas.openxmlformats.org/presentationml/2006/main">
+  <p:cSld>
+    <p:spTree>
+      <p:nvGrpSpPr>
+        <p:cNvPr id="1" name="Shape 36"/>
+        <p:cNvGrpSpPr/>
+        <p:nvPr/>
+      </p:nvGrpSpPr>
+      <p:grpSpPr>
+        <a:xfrm>
+          <a:off x="0" y="0"/>
+          <a:ext cx="0" cy="0"/>
+          <a:chOff x="0" y="0"/>
+          <a:chExt cx="0" cy="0"/>
+        </a:xfrm>
+      </p:grpSpPr>
+      <p:sp>
+        <p:nvSpPr>
+          <p:cNvPr id="8" name="Shape 30"/>
+          <p:cNvSpPr txBox="1">
+            <a:spLocks noGrp="1"/>
+          </p:cNvSpPr>
+          <p:nvPr>
+            <p:ph type="title"/>
+          </p:nvPr>
+        </p:nvSpPr>
+        <p:spPr>
+          <a:xfrm>
+            <a:off x="457200" y="274637"/>
+            <a:ext cx="8229600" cy="1143000"/>
+          </a:xfrm>
+          <a:prstGeom prst="rect">
+            <a:avLst/>
+          </a:prstGeom>
+        </p:spPr>
+        <p:txBody>
+          <a:bodyPr lIns="91425" tIns="91425" rIns="91425" bIns="91425" anchor="b" anchorCtr="0">
+            <a:noAutofit/>
+          </a:bodyPr>
+          <a:lstStyle/>
+          <a:p>
+            <a:pPr>
+              <a:buNone/>
+            </a:pPr>
+            <a:br>
+              <a:rPr lang="sv" dirty="0"/>
+            </a:br>
+            <a:r>
+              <a:rPr lang="sv-SE" dirty="0" err="1"/>
+              <a:t>Forsättning</a:t>
+            </a:r>
+            <a:endParaRPr lang="sv" dirty="0"/>
+          </a:p>
+        </p:txBody>
+      </p:sp>
+      <p:sp>
+        <p:nvSpPr>
+          <p:cNvPr id="9" name="Shape 31"/>
+          <p:cNvSpPr txBox="1">
+            <a:spLocks noGrp="1"/>
+          </p:cNvSpPr>
+          <p:nvPr>
+            <p:ph type="body" idx="1"/>
+          </p:nvPr>
+        </p:nvSpPr>
+        <p:spPr>
+          <a:xfrm>
+            <a:off x="395536" y="1268760"/>
+            <a:ext cx="8229600" cy="4752528"/>
+          </a:xfrm>
+          <a:prstGeom prst="rect">
+            <a:avLst/>
+          </a:prstGeom>
+        </p:spPr>
+        <p:txBody>
+          <a:bodyPr lIns="91425" tIns="91425" rIns="91425" bIns="91425" anchor="t" anchorCtr="0">
+            <a:noAutofit/>
+          </a:bodyPr>
+          <a:lstStyle/>
+          <a:p>
+            <a:pPr marL="419100">
+              <a:lnSpc>
+                <a:spcPct val="115000"/>
+              </a:lnSpc>
+              <a:spcBef>
+                <a:spcPts val="0"/>
+              </a:spcBef>
+              <a:buClr>
+                <a:srgbClr val="000000"/>
+              </a:buClr>
+              <a:buSzPct val="166666"/>
+            </a:pPr>
+            <a:r>
+              <a:rPr lang="sv-SE" sz="2000" dirty="0" err="1"/>
+              <a:t>Pageobjects</a:t>
+            </a:r>
+            <a:r>
+              <a:rPr lang="sv-SE" sz="2000" dirty="0"/>
+              <a:t>, Nivå 1, 2 </a:t>
+            </a:r>
+            <a:r>
+              <a:rPr lang="sv-SE" sz="2000"/>
+              <a:t>och kanske 3</a:t>
+            </a:r>
+            <a:endParaRPr lang="sv-SE" sz="2000" dirty="0"/>
+          </a:p>
+          <a:p>
+            <a:pPr marL="419100">
+              <a:lnSpc>
+                <a:spcPct val="115000"/>
+              </a:lnSpc>
+              <a:spcBef>
+                <a:spcPts val="0"/>
+              </a:spcBef>
+              <a:buClr>
+                <a:srgbClr val="000000"/>
+              </a:buClr>
+              <a:buSzPct val="166666"/>
+            </a:pPr>
+            <a:r>
+              <a:rPr lang="sv-SE" sz="2000" dirty="0"/>
+              <a:t>Integration med Jenkins, </a:t>
+            </a:r>
+            <a:r>
+              <a:rPr lang="sv-SE" sz="2000" dirty="0" err="1"/>
+              <a:t>Continous</a:t>
+            </a:r>
+            <a:r>
+              <a:rPr lang="sv-SE" sz="2000" dirty="0"/>
+              <a:t> Integration</a:t>
+            </a:r>
+          </a:p>
+          <a:p>
+            <a:pPr marL="419100">
+              <a:lnSpc>
+                <a:spcPct val="115000"/>
+              </a:lnSpc>
+              <a:spcBef>
+                <a:spcPts val="0"/>
+              </a:spcBef>
+              <a:buClr>
+                <a:srgbClr val="000000"/>
+              </a:buClr>
+              <a:buSzPct val="166666"/>
+            </a:pPr>
+            <a:r>
+              <a:rPr lang="sv-SE" sz="2000" dirty="0"/>
+              <a:t>Hur fixa login i Firefox med </a:t>
+            </a:r>
+            <a:r>
+              <a:rPr lang="sv-SE" sz="2000" dirty="0" err="1"/>
+              <a:t>User</a:t>
+            </a:r>
+            <a:r>
+              <a:rPr lang="sv-SE" sz="2000" dirty="0"/>
+              <a:t> </a:t>
+            </a:r>
+            <a:r>
+              <a:rPr lang="sv-SE" sz="2000" dirty="0" err="1"/>
+              <a:t>Profiles</a:t>
+            </a:r>
+            <a:r>
+              <a:rPr lang="sv-SE" sz="2000" dirty="0"/>
+              <a:t> och </a:t>
+            </a:r>
+            <a:r>
+              <a:rPr lang="sv-SE" sz="2000" dirty="0" err="1"/>
+              <a:t>plugins</a:t>
+            </a:r>
+            <a:endParaRPr lang="sv-SE" sz="2000" dirty="0"/>
+          </a:p>
+          <a:p>
+            <a:pPr marL="419100">
+              <a:lnSpc>
+                <a:spcPct val="115000"/>
+              </a:lnSpc>
+              <a:spcBef>
+                <a:spcPts val="0"/>
+              </a:spcBef>
+              <a:buClr>
+                <a:srgbClr val="000000"/>
+              </a:buClr>
+              <a:buSzPct val="166666"/>
+            </a:pPr>
+            <a:endParaRPr lang="sv-SE" dirty="0"/>
+          </a:p>
+          <a:p>
+            <a:pPr marL="76200" indent="0">
+              <a:lnSpc>
+                <a:spcPct val="115000"/>
+              </a:lnSpc>
+              <a:spcBef>
+                <a:spcPts val="0"/>
+              </a:spcBef>
+              <a:buClr>
+                <a:srgbClr val="000000"/>
+              </a:buClr>
+              <a:buSzPct val="166666"/>
+              <a:buNone/>
+            </a:pPr>
+            <a:endParaRPr lang="sv-SE" dirty="0"/>
+          </a:p>
+        </p:txBody>
+      </p:sp>
+    </p:spTree>
+    <p:extLst>
+      <p:ext uri="{BB962C8B-B14F-4D97-AF65-F5344CB8AC3E}">
+        <p14:creationId xmlns:p14="http://schemas.microsoft.com/office/powerpoint/2010/main" val="2808541103"/>
+      </p:ext>
+    </p:extLst>
+  </p:cSld>
+  <p:clrMapOvr>
+    <a:masterClrMapping/>
+  </p:clrMapOvr>
+  <p:transition spd="slow">
+    <p:cut/>
+  </p:transition>
+</p:sld>
+</file>
+
+<file path=ppt/slides/slide25.xml><?xml version="1.0" encoding="utf-8"?>
 <p:sld xmlns:a="http://schemas.openxmlformats.org/drawingml/2006/main" xmlns:r="http://schemas.openxmlformats.org/officeDocument/2006/relationships" xmlns:p="http://schemas.openxmlformats.org/presentationml/2006/main" show="0">
   <p:cSld>
     <p:spTree>

--- a/Selenium_VS2015_Bas.pptx
+++ b/Selenium_VS2015_Bas.pptx
@@ -233,7 +233,7 @@
             <a:fld id="{4B692815-F29B-470E-933C-C013C16C0B4A}" type="datetimeFigureOut">
               <a:rPr lang="sv-SE" smtClean="0"/>
               <a:pPr/>
-              <a:t>2017-01-08</a:t>
+              <a:t>2017-01-09</a:t>
             </a:fld>
             <a:endParaRPr lang="sv-SE"/>
           </a:p>
@@ -10902,6 +10902,10 @@
             <a:pPr>
               <a:buNone/>
             </a:pPr>
+            <a:r>
+              <a:rPr lang="sv" dirty="0"/>
+              <a:t/>
+            </a:r>
             <a:br>
               <a:rPr lang="sv" dirty="0"/>
             </a:br>
@@ -11991,6 +11995,10 @@
             <a:pPr>
               <a:buNone/>
             </a:pPr>
+            <a:r>
+              <a:rPr lang="sv" dirty="0"/>
+              <a:t/>
+            </a:r>
             <a:br>
               <a:rPr lang="sv" dirty="0"/>
             </a:br>
@@ -12208,6 +12216,10 @@
             <a:pPr>
               <a:buNone/>
             </a:pPr>
+            <a:r>
+              <a:rPr lang="sv" dirty="0"/>
+              <a:t/>
+            </a:r>
             <a:br>
               <a:rPr lang="sv" dirty="0"/>
             </a:br>
@@ -12292,35 +12304,35 @@
                 <a:gridCol w="1219200">
                   <a:extLst>
                     <a:ext uri="{9D8B030D-6E8A-4147-A177-3AD203B41FA5}">
-                      <a16:colId xmlns:a16="http://schemas.microsoft.com/office/drawing/2014/main" val="4165953490"/>
+                      <a16:colId xmlns:a16="http://schemas.microsoft.com/office/drawing/2014/main" xmlns="" val="4165953490"/>
                     </a:ext>
                   </a:extLst>
                 </a:gridCol>
                 <a:gridCol w="1219200">
                   <a:extLst>
                     <a:ext uri="{9D8B030D-6E8A-4147-A177-3AD203B41FA5}">
-                      <a16:colId xmlns:a16="http://schemas.microsoft.com/office/drawing/2014/main" val="3584276981"/>
+                      <a16:colId xmlns:a16="http://schemas.microsoft.com/office/drawing/2014/main" xmlns="" val="3584276981"/>
                     </a:ext>
                   </a:extLst>
                 </a:gridCol>
                 <a:gridCol w="1219200">
                   <a:extLst>
                     <a:ext uri="{9D8B030D-6E8A-4147-A177-3AD203B41FA5}">
-                      <a16:colId xmlns:a16="http://schemas.microsoft.com/office/drawing/2014/main" val="2576788713"/>
+                      <a16:colId xmlns:a16="http://schemas.microsoft.com/office/drawing/2014/main" xmlns="" val="2576788713"/>
                     </a:ext>
                   </a:extLst>
                 </a:gridCol>
                 <a:gridCol w="1219200">
                   <a:extLst>
                     <a:ext uri="{9D8B030D-6E8A-4147-A177-3AD203B41FA5}">
-                      <a16:colId xmlns:a16="http://schemas.microsoft.com/office/drawing/2014/main" val="2230127545"/>
+                      <a16:colId xmlns:a16="http://schemas.microsoft.com/office/drawing/2014/main" xmlns="" val="2230127545"/>
                     </a:ext>
                   </a:extLst>
                 </a:gridCol>
                 <a:gridCol w="1219200">
                   <a:extLst>
                     <a:ext uri="{9D8B030D-6E8A-4147-A177-3AD203B41FA5}">
-                      <a16:colId xmlns:a16="http://schemas.microsoft.com/office/drawing/2014/main" val="3286263590"/>
+                      <a16:colId xmlns:a16="http://schemas.microsoft.com/office/drawing/2014/main" xmlns="" val="3286263590"/>
                     </a:ext>
                   </a:extLst>
                 </a:gridCol>
@@ -12392,7 +12404,7 @@
                 </a:tc>
                 <a:extLst>
                   <a:ext uri="{0D108BD9-81ED-4DB2-BD59-A6C34878D82A}">
-                    <a16:rowId xmlns:a16="http://schemas.microsoft.com/office/drawing/2014/main" val="1235414100"/>
+                    <a16:rowId xmlns:a16="http://schemas.microsoft.com/office/drawing/2014/main" xmlns="" val="1235414100"/>
                   </a:ext>
                 </a:extLst>
               </a:tr>
@@ -12461,7 +12473,7 @@
                 </a:tc>
                 <a:extLst>
                   <a:ext uri="{0D108BD9-81ED-4DB2-BD59-A6C34878D82A}">
-                    <a16:rowId xmlns:a16="http://schemas.microsoft.com/office/drawing/2014/main" val="3986363076"/>
+                    <a16:rowId xmlns:a16="http://schemas.microsoft.com/office/drawing/2014/main" xmlns="" val="3986363076"/>
                   </a:ext>
                 </a:extLst>
               </a:tr>
@@ -12533,7 +12545,7 @@
                 </a:tc>
                 <a:extLst>
                   <a:ext uri="{0D108BD9-81ED-4DB2-BD59-A6C34878D82A}">
-                    <a16:rowId xmlns:a16="http://schemas.microsoft.com/office/drawing/2014/main" val="781537455"/>
+                    <a16:rowId xmlns:a16="http://schemas.microsoft.com/office/drawing/2014/main" xmlns="" val="781537455"/>
                   </a:ext>
                 </a:extLst>
               </a:tr>
@@ -12605,7 +12617,7 @@
                 </a:tc>
                 <a:extLst>
                   <a:ext uri="{0D108BD9-81ED-4DB2-BD59-A6C34878D82A}">
-                    <a16:rowId xmlns:a16="http://schemas.microsoft.com/office/drawing/2014/main" val="1034528203"/>
+                    <a16:rowId xmlns:a16="http://schemas.microsoft.com/office/drawing/2014/main" xmlns="" val="1034528203"/>
                   </a:ext>
                 </a:extLst>
               </a:tr>
@@ -12674,7 +12686,7 @@
                 </a:tc>
                 <a:extLst>
                   <a:ext uri="{0D108BD9-81ED-4DB2-BD59-A6C34878D82A}">
-                    <a16:rowId xmlns:a16="http://schemas.microsoft.com/office/drawing/2014/main" val="1905536096"/>
+                    <a16:rowId xmlns:a16="http://schemas.microsoft.com/office/drawing/2014/main" xmlns="" val="1905536096"/>
                   </a:ext>
                 </a:extLst>
               </a:tr>
@@ -12740,7 +12752,7 @@
                 </a:tc>
                 <a:extLst>
                   <a:ext uri="{0D108BD9-81ED-4DB2-BD59-A6C34878D82A}">
-                    <a16:rowId xmlns:a16="http://schemas.microsoft.com/office/drawing/2014/main" val="827014771"/>
+                    <a16:rowId xmlns:a16="http://schemas.microsoft.com/office/drawing/2014/main" xmlns="" val="827014771"/>
                   </a:ext>
                 </a:extLst>
               </a:tr>
@@ -12809,6 +12821,10 @@
             <a:pPr>
               <a:buNone/>
             </a:pPr>
+            <a:r>
+              <a:rPr lang="sv" dirty="0"/>
+              <a:t/>
+            </a:r>
             <a:br>
               <a:rPr lang="sv" dirty="0"/>
             </a:br>
@@ -12991,6 +13007,10 @@
             <a:pPr>
               <a:buNone/>
             </a:pPr>
+            <a:r>
+              <a:rPr lang="sv" dirty="0"/>
+              <a:t/>
+            </a:r>
             <a:br>
               <a:rPr lang="sv" dirty="0"/>
             </a:br>
@@ -13296,6 +13316,10 @@
             <a:pPr>
               <a:buNone/>
             </a:pPr>
+            <a:r>
+              <a:rPr lang="sv" dirty="0"/>
+              <a:t/>
+            </a:r>
             <a:br>
               <a:rPr lang="sv" dirty="0"/>
             </a:br>
@@ -13436,6 +13460,10 @@
             <a:pPr>
               <a:buNone/>
             </a:pPr>
+            <a:r>
+              <a:rPr lang="sv" dirty="0"/>
+              <a:t/>
+            </a:r>
             <a:br>
               <a:rPr lang="sv" dirty="0"/>
             </a:br>
@@ -14585,6 +14613,10 @@
           </a:bodyPr>
           <a:lstStyle/>
           <a:p>
+            <a:r>
+              <a:rPr lang="sv" dirty="0"/>
+              <a:t/>
+            </a:r>
             <a:br>
               <a:rPr lang="sv" dirty="0"/>
             </a:br>
@@ -14733,7 +14765,6 @@
               <a:rPr lang="sv-SE" dirty="0"/>
               <a:t>I webbläsaren välj/klicka i sökfältet</a:t>
             </a:r>
-            <a:endParaRPr lang="sv-SE" dirty="0"/>
           </a:p>
         </p:txBody>
       </p:sp>
@@ -14795,6 +14826,10 @@
           </a:bodyPr>
           <a:lstStyle/>
           <a:p>
+            <a:r>
+              <a:rPr lang="sv" dirty="0"/>
+              <a:t/>
+            </a:r>
             <a:br>
               <a:rPr lang="sv" dirty="0"/>
             </a:br>
@@ -14982,6 +15017,10 @@
             <a:pPr>
               <a:buNone/>
             </a:pPr>
+            <a:r>
+              <a:rPr lang="sv" dirty="0"/>
+              <a:t/>
+            </a:r>
             <a:br>
               <a:rPr lang="sv" dirty="0"/>
             </a:br>
@@ -15181,6 +15220,10 @@
             <a:pPr>
               <a:buNone/>
             </a:pPr>
+            <a:r>
+              <a:rPr lang="sv" dirty="0"/>
+              <a:t/>
+            </a:r>
             <a:br>
               <a:rPr lang="sv" dirty="0"/>
             </a:br>
@@ -15435,6 +15478,10 @@
             <a:pPr>
               <a:buNone/>
             </a:pPr>
+            <a:r>
+              <a:rPr lang="sv" dirty="0"/>
+              <a:t/>
+            </a:r>
             <a:br>
               <a:rPr lang="sv" dirty="0"/>
             </a:br>
@@ -15489,13 +15536,8 @@
             </a:r>
             <a:r>
               <a:rPr lang="sv-SE" sz="2000" dirty="0"/>
-              <a:t>, Nivå 1, 2 </a:t>
-            </a:r>
-            <a:r>
-              <a:rPr lang="sv-SE" sz="2000"/>
-              <a:t>och kanske 3</a:t>
-            </a:r>
-            <a:endParaRPr lang="sv-SE" sz="2000" dirty="0"/>
+              <a:t>, Nivå 1, 2 och kanske 3</a:t>
+            </a:r>
           </a:p>
           <a:p>
             <a:pPr marL="419100">
@@ -15557,8 +15599,35 @@
               <a:t> och </a:t>
             </a:r>
             <a:r>
-              <a:rPr lang="sv-SE" sz="2000" dirty="0" err="1"/>
+              <a:rPr lang="sv-SE" sz="2000" dirty="0" err="1" smtClean="0"/>
               <a:t>plugins</a:t>
+            </a:r>
+            <a:endParaRPr lang="sv-SE" sz="2000" dirty="0" smtClean="0"/>
+          </a:p>
+          <a:p>
+            <a:pPr marL="419100">
+              <a:lnSpc>
+                <a:spcPct val="115000"/>
+              </a:lnSpc>
+              <a:spcBef>
+                <a:spcPts val="0"/>
+              </a:spcBef>
+              <a:buClr>
+                <a:srgbClr val="000000"/>
+              </a:buClr>
+              <a:buSzPct val="166666"/>
+            </a:pPr>
+            <a:r>
+              <a:rPr lang="sv-SE" sz="2000" dirty="0" smtClean="0"/>
+              <a:t>Datadrivna tester (</a:t>
+            </a:r>
+            <a:r>
+              <a:rPr lang="sv-SE" sz="2000" dirty="0" err="1" smtClean="0"/>
+              <a:t>excel</a:t>
+            </a:r>
+            <a:r>
+              <a:rPr lang="sv-SE" sz="2000" smtClean="0"/>
+              <a:t>)</a:t>
             </a:r>
             <a:endParaRPr lang="sv-SE" sz="2000" dirty="0"/>
           </a:p>
@@ -15638,6 +15707,14 @@
   <p:clrMapOvr>
     <a:masterClrMapping/>
   </p:clrMapOvr>
+  <mc:AlternateContent xmlns:mc="http://schemas.openxmlformats.org/markup-compatibility/2006">
+    <mc:Choice xmlns:p14="http://schemas.microsoft.com/office/powerpoint/2010/main" Requires="p14">
+      <p:transition spd="slow" p14:dur="2000"/>
+    </mc:Choice>
+    <mc:Fallback>
+      <p:transition spd="slow"/>
+    </mc:Fallback>
+  </mc:AlternateContent>
 </p:sld>
 </file>
 
@@ -15686,6 +15763,10 @@
             <a:pPr>
               <a:buNone/>
             </a:pPr>
+            <a:r>
+              <a:rPr lang="sv" dirty="0"/>
+              <a:t/>
+            </a:r>
             <a:br>
               <a:rPr lang="sv" dirty="0"/>
             </a:br>
@@ -15995,6 +16076,10 @@
             <a:pPr>
               <a:buNone/>
             </a:pPr>
+            <a:r>
+              <a:rPr lang="sv" dirty="0"/>
+              <a:t/>
+            </a:r>
             <a:br>
               <a:rPr lang="sv" dirty="0"/>
             </a:br>
@@ -16373,6 +16458,10 @@
             <a:pPr>
               <a:buNone/>
             </a:pPr>
+            <a:r>
+              <a:rPr lang="sv" dirty="0"/>
+              <a:t/>
+            </a:r>
             <a:br>
               <a:rPr lang="sv" dirty="0"/>
             </a:br>
@@ -16635,6 +16724,10 @@
             <a:pPr>
               <a:buNone/>
             </a:pPr>
+            <a:r>
+              <a:rPr lang="sv" dirty="0"/>
+              <a:t/>
+            </a:r>
             <a:br>
               <a:rPr lang="sv" dirty="0"/>
             </a:br>
@@ -16969,6 +17062,10 @@
             <a:pPr>
               <a:buNone/>
             </a:pPr>
+            <a:r>
+              <a:rPr lang="sv" dirty="0"/>
+              <a:t/>
+            </a:r>
             <a:br>
               <a:rPr lang="sv" dirty="0"/>
             </a:br>
@@ -17120,6 +17217,10 @@
             <a:pPr>
               <a:buNone/>
             </a:pPr>
+            <a:r>
+              <a:rPr lang="sv" dirty="0"/>
+              <a:t/>
+            </a:r>
             <a:br>
               <a:rPr lang="sv" dirty="0"/>
             </a:br>
@@ -17293,6 +17394,10 @@
             <a:pPr>
               <a:buNone/>
             </a:pPr>
+            <a:r>
+              <a:rPr lang="sv" dirty="0"/>
+              <a:t/>
+            </a:r>
             <a:br>
               <a:rPr lang="sv" dirty="0"/>
             </a:br>
